--- a/docs/HAD project.pptx
+++ b/docs/HAD project.pptx
@@ -114,7 +114,7 @@
   </p:defaultTextStyle>
   <p:extLst>
     <p:ext uri="{EFAFB233-063F-42B5-8137-9DF3F51BA10A}">
-      <p15:sldGuideLst xmlns:p15="http://schemas.microsoft.com/office/powerpoint/2012/main"/>
+      <p15:sldGuideLst xmlns:p15="http://schemas.microsoft.com/office/powerpoint/2012/main" xmlns=""/>
     </p:ext>
   </p:extLst>
 </p:presentation>
@@ -865,6 +865,7 @@
           <a:p>
             <a:fld id="{5E0691F5-9D0C-4B99-AAF3-BF4DD8AE5AD6}" type="datetimeFigureOut">
               <a:rPr lang="en-IN" smtClean="0"/>
+              <a:pPr/>
               <a:t>09-02-2016</a:t>
             </a:fld>
             <a:endParaRPr lang="en-IN"/>
@@ -907,6 +908,7 @@
           <a:p>
             <a:fld id="{F6D66933-757C-4414-A1AA-1CEBFB93AF97}" type="slidenum">
               <a:rPr lang="en-IN" smtClean="0"/>
+              <a:pPr/>
               <a:t>‹#›</a:t>
             </a:fld>
             <a:endParaRPr lang="en-IN"/>
@@ -916,7 +918,7 @@
     </p:spTree>
     <p:extLst>
       <p:ext uri="{BB962C8B-B14F-4D97-AF65-F5344CB8AC3E}">
-        <p14:creationId xmlns:p14="http://schemas.microsoft.com/office/powerpoint/2010/main" val="745236216"/>
+        <p14:creationId xmlns:p14="http://schemas.microsoft.com/office/powerpoint/2010/main" xmlns="" val="745236216"/>
       </p:ext>
     </p:extLst>
   </p:cSld>
@@ -1116,6 +1118,7 @@
           <a:p>
             <a:fld id="{5E0691F5-9D0C-4B99-AAF3-BF4DD8AE5AD6}" type="datetimeFigureOut">
               <a:rPr lang="en-IN" smtClean="0"/>
+              <a:pPr/>
               <a:t>09-02-2016</a:t>
             </a:fld>
             <a:endParaRPr lang="en-IN"/>
@@ -1158,6 +1161,7 @@
           <a:p>
             <a:fld id="{F6D66933-757C-4414-A1AA-1CEBFB93AF97}" type="slidenum">
               <a:rPr lang="en-IN" smtClean="0"/>
+              <a:pPr/>
               <a:t>‹#›</a:t>
             </a:fld>
             <a:endParaRPr lang="en-IN"/>
@@ -1167,7 +1171,7 @@
     </p:spTree>
     <p:extLst>
       <p:ext uri="{BB962C8B-B14F-4D97-AF65-F5344CB8AC3E}">
-        <p14:creationId xmlns:p14="http://schemas.microsoft.com/office/powerpoint/2010/main" val="2293863678"/>
+        <p14:creationId xmlns:p14="http://schemas.microsoft.com/office/powerpoint/2010/main" xmlns="" val="2293863678"/>
       </p:ext>
     </p:extLst>
   </p:cSld>
@@ -1430,6 +1434,7 @@
           <a:p>
             <a:fld id="{5E0691F5-9D0C-4B99-AAF3-BF4DD8AE5AD6}" type="datetimeFigureOut">
               <a:rPr lang="en-IN" smtClean="0"/>
+              <a:pPr/>
               <a:t>09-02-2016</a:t>
             </a:fld>
             <a:endParaRPr lang="en-IN"/>
@@ -1472,6 +1477,7 @@
           <a:p>
             <a:fld id="{F6D66933-757C-4414-A1AA-1CEBFB93AF97}" type="slidenum">
               <a:rPr lang="en-IN" smtClean="0"/>
+              <a:pPr/>
               <a:t>‹#›</a:t>
             </a:fld>
             <a:endParaRPr lang="en-IN"/>
@@ -1563,7 +1569,7 @@
     </p:spTree>
     <p:extLst>
       <p:ext uri="{BB962C8B-B14F-4D97-AF65-F5344CB8AC3E}">
-        <p14:creationId xmlns:p14="http://schemas.microsoft.com/office/powerpoint/2010/main" val="3646211488"/>
+        <p14:creationId xmlns:p14="http://schemas.microsoft.com/office/powerpoint/2010/main" xmlns="" val="3646211488"/>
       </p:ext>
     </p:extLst>
   </p:cSld>
@@ -1763,6 +1769,7 @@
           <a:p>
             <a:fld id="{5E0691F5-9D0C-4B99-AAF3-BF4DD8AE5AD6}" type="datetimeFigureOut">
               <a:rPr lang="en-IN" smtClean="0"/>
+              <a:pPr/>
               <a:t>09-02-2016</a:t>
             </a:fld>
             <a:endParaRPr lang="en-IN"/>
@@ -1805,6 +1812,7 @@
           <a:p>
             <a:fld id="{F6D66933-757C-4414-A1AA-1CEBFB93AF97}" type="slidenum">
               <a:rPr lang="en-IN" smtClean="0"/>
+              <a:pPr/>
               <a:t>‹#›</a:t>
             </a:fld>
             <a:endParaRPr lang="en-IN"/>
@@ -1814,7 +1822,7 @@
     </p:spTree>
     <p:extLst>
       <p:ext uri="{BB962C8B-B14F-4D97-AF65-F5344CB8AC3E}">
-        <p14:creationId xmlns:p14="http://schemas.microsoft.com/office/powerpoint/2010/main" val="130304460"/>
+        <p14:creationId xmlns:p14="http://schemas.microsoft.com/office/powerpoint/2010/main" xmlns="" val="130304460"/>
       </p:ext>
     </p:extLst>
   </p:cSld>
@@ -2077,6 +2085,7 @@
           <a:p>
             <a:fld id="{5E0691F5-9D0C-4B99-AAF3-BF4DD8AE5AD6}" type="datetimeFigureOut">
               <a:rPr lang="en-IN" smtClean="0"/>
+              <a:pPr/>
               <a:t>09-02-2016</a:t>
             </a:fld>
             <a:endParaRPr lang="en-IN"/>
@@ -2119,6 +2128,7 @@
           <a:p>
             <a:fld id="{F6D66933-757C-4414-A1AA-1CEBFB93AF97}" type="slidenum">
               <a:rPr lang="en-IN" smtClean="0"/>
+              <a:pPr/>
               <a:t>‹#›</a:t>
             </a:fld>
             <a:endParaRPr lang="en-IN"/>
@@ -2210,7 +2220,7 @@
     </p:spTree>
     <p:extLst>
       <p:ext uri="{BB962C8B-B14F-4D97-AF65-F5344CB8AC3E}">
-        <p14:creationId xmlns:p14="http://schemas.microsoft.com/office/powerpoint/2010/main" val="988258245"/>
+        <p14:creationId xmlns:p14="http://schemas.microsoft.com/office/powerpoint/2010/main" xmlns="" val="988258245"/>
       </p:ext>
     </p:extLst>
   </p:cSld>
@@ -2470,6 +2480,7 @@
           <a:p>
             <a:fld id="{5E0691F5-9D0C-4B99-AAF3-BF4DD8AE5AD6}" type="datetimeFigureOut">
               <a:rPr lang="en-IN" smtClean="0"/>
+              <a:pPr/>
               <a:t>09-02-2016</a:t>
             </a:fld>
             <a:endParaRPr lang="en-IN"/>
@@ -2512,6 +2523,7 @@
           <a:p>
             <a:fld id="{F6D66933-757C-4414-A1AA-1CEBFB93AF97}" type="slidenum">
               <a:rPr lang="en-IN" smtClean="0"/>
+              <a:pPr/>
               <a:t>‹#›</a:t>
             </a:fld>
             <a:endParaRPr lang="en-IN"/>
@@ -2521,7 +2533,7 @@
     </p:spTree>
     <p:extLst>
       <p:ext uri="{BB962C8B-B14F-4D97-AF65-F5344CB8AC3E}">
-        <p14:creationId xmlns:p14="http://schemas.microsoft.com/office/powerpoint/2010/main" val="1129624647"/>
+        <p14:creationId xmlns:p14="http://schemas.microsoft.com/office/powerpoint/2010/main" xmlns="" val="1129624647"/>
       </p:ext>
     </p:extLst>
   </p:cSld>
@@ -2640,6 +2652,7 @@
           <a:p>
             <a:fld id="{5E0691F5-9D0C-4B99-AAF3-BF4DD8AE5AD6}" type="datetimeFigureOut">
               <a:rPr lang="en-IN" smtClean="0"/>
+              <a:pPr/>
               <a:t>09-02-2016</a:t>
             </a:fld>
             <a:endParaRPr lang="en-IN"/>
@@ -2682,6 +2695,7 @@
           <a:p>
             <a:fld id="{F6D66933-757C-4414-A1AA-1CEBFB93AF97}" type="slidenum">
               <a:rPr lang="en-IN" smtClean="0"/>
+              <a:pPr/>
               <a:t>‹#›</a:t>
             </a:fld>
             <a:endParaRPr lang="en-IN"/>
@@ -2691,7 +2705,7 @@
     </p:spTree>
     <p:extLst>
       <p:ext uri="{BB962C8B-B14F-4D97-AF65-F5344CB8AC3E}">
-        <p14:creationId xmlns:p14="http://schemas.microsoft.com/office/powerpoint/2010/main" val="743166043"/>
+        <p14:creationId xmlns:p14="http://schemas.microsoft.com/office/powerpoint/2010/main" xmlns="" val="743166043"/>
       </p:ext>
     </p:extLst>
   </p:cSld>
@@ -2820,6 +2834,7 @@
           <a:p>
             <a:fld id="{5E0691F5-9D0C-4B99-AAF3-BF4DD8AE5AD6}" type="datetimeFigureOut">
               <a:rPr lang="en-IN" smtClean="0"/>
+              <a:pPr/>
               <a:t>09-02-2016</a:t>
             </a:fld>
             <a:endParaRPr lang="en-IN"/>
@@ -2862,6 +2877,7 @@
           <a:p>
             <a:fld id="{F6D66933-757C-4414-A1AA-1CEBFB93AF97}" type="slidenum">
               <a:rPr lang="en-IN" smtClean="0"/>
+              <a:pPr/>
               <a:t>‹#›</a:t>
             </a:fld>
             <a:endParaRPr lang="en-IN"/>
@@ -2871,7 +2887,7 @@
     </p:spTree>
     <p:extLst>
       <p:ext uri="{BB962C8B-B14F-4D97-AF65-F5344CB8AC3E}">
-        <p14:creationId xmlns:p14="http://schemas.microsoft.com/office/powerpoint/2010/main" val="1185054740"/>
+        <p14:creationId xmlns:p14="http://schemas.microsoft.com/office/powerpoint/2010/main" xmlns="" val="1185054740"/>
       </p:ext>
     </p:extLst>
   </p:cSld>
@@ -2990,6 +3006,7 @@
           <a:p>
             <a:fld id="{5E0691F5-9D0C-4B99-AAF3-BF4DD8AE5AD6}" type="datetimeFigureOut">
               <a:rPr lang="en-IN" smtClean="0"/>
+              <a:pPr/>
               <a:t>09-02-2016</a:t>
             </a:fld>
             <a:endParaRPr lang="en-IN"/>
@@ -3032,6 +3049,7 @@
           <a:p>
             <a:fld id="{F6D66933-757C-4414-A1AA-1CEBFB93AF97}" type="slidenum">
               <a:rPr lang="en-IN" smtClean="0"/>
+              <a:pPr/>
               <a:t>‹#›</a:t>
             </a:fld>
             <a:endParaRPr lang="en-IN"/>
@@ -3041,7 +3059,7 @@
     </p:spTree>
     <p:extLst>
       <p:ext uri="{BB962C8B-B14F-4D97-AF65-F5344CB8AC3E}">
-        <p14:creationId xmlns:p14="http://schemas.microsoft.com/office/powerpoint/2010/main" val="3602506870"/>
+        <p14:creationId xmlns:p14="http://schemas.microsoft.com/office/powerpoint/2010/main" xmlns="" val="3602506870"/>
       </p:ext>
     </p:extLst>
   </p:cSld>
@@ -3237,6 +3255,7 @@
           <a:p>
             <a:fld id="{5E0691F5-9D0C-4B99-AAF3-BF4DD8AE5AD6}" type="datetimeFigureOut">
               <a:rPr lang="en-IN" smtClean="0"/>
+              <a:pPr/>
               <a:t>09-02-2016</a:t>
             </a:fld>
             <a:endParaRPr lang="en-IN"/>
@@ -3279,6 +3298,7 @@
           <a:p>
             <a:fld id="{F6D66933-757C-4414-A1AA-1CEBFB93AF97}" type="slidenum">
               <a:rPr lang="en-IN" smtClean="0"/>
+              <a:pPr/>
               <a:t>‹#›</a:t>
             </a:fld>
             <a:endParaRPr lang="en-IN"/>
@@ -3288,7 +3308,7 @@
     </p:spTree>
     <p:extLst>
       <p:ext uri="{BB962C8B-B14F-4D97-AF65-F5344CB8AC3E}">
-        <p14:creationId xmlns:p14="http://schemas.microsoft.com/office/powerpoint/2010/main" val="2175426062"/>
+        <p14:creationId xmlns:p14="http://schemas.microsoft.com/office/powerpoint/2010/main" xmlns="" val="2175426062"/>
       </p:ext>
     </p:extLst>
   </p:cSld>
@@ -3469,6 +3489,7 @@
           <a:p>
             <a:fld id="{5E0691F5-9D0C-4B99-AAF3-BF4DD8AE5AD6}" type="datetimeFigureOut">
               <a:rPr lang="en-IN" smtClean="0"/>
+              <a:pPr/>
               <a:t>09-02-2016</a:t>
             </a:fld>
             <a:endParaRPr lang="en-IN"/>
@@ -3511,6 +3532,7 @@
           <a:p>
             <a:fld id="{F6D66933-757C-4414-A1AA-1CEBFB93AF97}" type="slidenum">
               <a:rPr lang="en-IN" smtClean="0"/>
+              <a:pPr/>
               <a:t>‹#›</a:t>
             </a:fld>
             <a:endParaRPr lang="en-IN"/>
@@ -3520,7 +3542,7 @@
     </p:spTree>
     <p:extLst>
       <p:ext uri="{BB962C8B-B14F-4D97-AF65-F5344CB8AC3E}">
-        <p14:creationId xmlns:p14="http://schemas.microsoft.com/office/powerpoint/2010/main" val="1265907016"/>
+        <p14:creationId xmlns:p14="http://schemas.microsoft.com/office/powerpoint/2010/main" xmlns="" val="1265907016"/>
       </p:ext>
     </p:extLst>
   </p:cSld>
@@ -3843,6 +3865,7 @@
           <a:p>
             <a:fld id="{5E0691F5-9D0C-4B99-AAF3-BF4DD8AE5AD6}" type="datetimeFigureOut">
               <a:rPr lang="en-IN" smtClean="0"/>
+              <a:pPr/>
               <a:t>09-02-2016</a:t>
             </a:fld>
             <a:endParaRPr lang="en-IN"/>
@@ -3885,6 +3908,7 @@
           <a:p>
             <a:fld id="{F6D66933-757C-4414-A1AA-1CEBFB93AF97}" type="slidenum">
               <a:rPr lang="en-IN" smtClean="0"/>
+              <a:pPr/>
               <a:t>‹#›</a:t>
             </a:fld>
             <a:endParaRPr lang="en-IN"/>
@@ -3894,7 +3918,7 @@
     </p:spTree>
     <p:extLst>
       <p:ext uri="{BB962C8B-B14F-4D97-AF65-F5344CB8AC3E}">
-        <p14:creationId xmlns:p14="http://schemas.microsoft.com/office/powerpoint/2010/main" val="618977615"/>
+        <p14:creationId xmlns:p14="http://schemas.microsoft.com/office/powerpoint/2010/main" xmlns="" val="618977615"/>
       </p:ext>
     </p:extLst>
   </p:cSld>
@@ -3966,6 +3990,7 @@
           <a:p>
             <a:fld id="{5E0691F5-9D0C-4B99-AAF3-BF4DD8AE5AD6}" type="datetimeFigureOut">
               <a:rPr lang="en-IN" smtClean="0"/>
+              <a:pPr/>
               <a:t>09-02-2016</a:t>
             </a:fld>
             <a:endParaRPr lang="en-IN"/>
@@ -4008,6 +4033,7 @@
           <a:p>
             <a:fld id="{F6D66933-757C-4414-A1AA-1CEBFB93AF97}" type="slidenum">
               <a:rPr lang="en-IN" smtClean="0"/>
+              <a:pPr/>
               <a:t>‹#›</a:t>
             </a:fld>
             <a:endParaRPr lang="en-IN"/>
@@ -4017,7 +4043,7 @@
     </p:spTree>
     <p:extLst>
       <p:ext uri="{BB962C8B-B14F-4D97-AF65-F5344CB8AC3E}">
-        <p14:creationId xmlns:p14="http://schemas.microsoft.com/office/powerpoint/2010/main" val="3986691130"/>
+        <p14:creationId xmlns:p14="http://schemas.microsoft.com/office/powerpoint/2010/main" xmlns="" val="3986691130"/>
       </p:ext>
     </p:extLst>
   </p:cSld>
@@ -4061,6 +4087,7 @@
           <a:p>
             <a:fld id="{5E0691F5-9D0C-4B99-AAF3-BF4DD8AE5AD6}" type="datetimeFigureOut">
               <a:rPr lang="en-IN" smtClean="0"/>
+              <a:pPr/>
               <a:t>09-02-2016</a:t>
             </a:fld>
             <a:endParaRPr lang="en-IN"/>
@@ -4103,6 +4130,7 @@
           <a:p>
             <a:fld id="{F6D66933-757C-4414-A1AA-1CEBFB93AF97}" type="slidenum">
               <a:rPr lang="en-IN" smtClean="0"/>
+              <a:pPr/>
               <a:t>‹#›</a:t>
             </a:fld>
             <a:endParaRPr lang="en-IN"/>
@@ -4112,7 +4140,7 @@
     </p:spTree>
     <p:extLst>
       <p:ext uri="{BB962C8B-B14F-4D97-AF65-F5344CB8AC3E}">
-        <p14:creationId xmlns:p14="http://schemas.microsoft.com/office/powerpoint/2010/main" val="2293448865"/>
+        <p14:creationId xmlns:p14="http://schemas.microsoft.com/office/powerpoint/2010/main" xmlns="" val="2293448865"/>
       </p:ext>
     </p:extLst>
   </p:cSld>
@@ -4316,6 +4344,7 @@
           <a:p>
             <a:fld id="{5E0691F5-9D0C-4B99-AAF3-BF4DD8AE5AD6}" type="datetimeFigureOut">
               <a:rPr lang="en-IN" smtClean="0"/>
+              <a:pPr/>
               <a:t>09-02-2016</a:t>
             </a:fld>
             <a:endParaRPr lang="en-IN"/>
@@ -4358,6 +4387,7 @@
           <a:p>
             <a:fld id="{F6D66933-757C-4414-A1AA-1CEBFB93AF97}" type="slidenum">
               <a:rPr lang="en-IN" smtClean="0"/>
+              <a:pPr/>
               <a:t>‹#›</a:t>
             </a:fld>
             <a:endParaRPr lang="en-IN"/>
@@ -4367,7 +4397,7 @@
     </p:spTree>
     <p:extLst>
       <p:ext uri="{BB962C8B-B14F-4D97-AF65-F5344CB8AC3E}">
-        <p14:creationId xmlns:p14="http://schemas.microsoft.com/office/powerpoint/2010/main" val="4242348760"/>
+        <p14:creationId xmlns:p14="http://schemas.microsoft.com/office/powerpoint/2010/main" xmlns="" val="4242348760"/>
       </p:ext>
     </p:extLst>
   </p:cSld>
@@ -4598,6 +4628,7 @@
           <a:p>
             <a:fld id="{F6D66933-757C-4414-A1AA-1CEBFB93AF97}" type="slidenum">
               <a:rPr lang="en-IN" smtClean="0"/>
+              <a:pPr/>
               <a:t>‹#›</a:t>
             </a:fld>
             <a:endParaRPr lang="en-IN"/>
@@ -4621,6 +4652,7 @@
           <a:p>
             <a:fld id="{5E0691F5-9D0C-4B99-AAF3-BF4DD8AE5AD6}" type="datetimeFigureOut">
               <a:rPr lang="en-IN" smtClean="0"/>
+              <a:pPr/>
               <a:t>09-02-2016</a:t>
             </a:fld>
             <a:endParaRPr lang="en-IN"/>
@@ -4630,7 +4662,7 @@
     </p:spTree>
     <p:extLst>
       <p:ext uri="{BB962C8B-B14F-4D97-AF65-F5344CB8AC3E}">
-        <p14:creationId xmlns:p14="http://schemas.microsoft.com/office/powerpoint/2010/main" val="1810002345"/>
+        <p14:creationId xmlns:p14="http://schemas.microsoft.com/office/powerpoint/2010/main" xmlns="" val="1810002345"/>
       </p:ext>
     </p:extLst>
   </p:cSld>
@@ -5323,6 +5355,7 @@
           <a:p>
             <a:fld id="{5E0691F5-9D0C-4B99-AAF3-BF4DD8AE5AD6}" type="datetimeFigureOut">
               <a:rPr lang="en-IN" smtClean="0"/>
+              <a:pPr/>
               <a:t>09-02-2016</a:t>
             </a:fld>
             <a:endParaRPr lang="en-IN"/>
@@ -5399,6 +5432,7 @@
           <a:p>
             <a:fld id="{F6D66933-757C-4414-A1AA-1CEBFB93AF97}" type="slidenum">
               <a:rPr lang="en-IN" smtClean="0"/>
+              <a:pPr/>
               <a:t>‹#›</a:t>
             </a:fld>
             <a:endParaRPr lang="en-IN"/>
@@ -5408,7 +5442,7 @@
     </p:spTree>
     <p:extLst>
       <p:ext uri="{BB962C8B-B14F-4D97-AF65-F5344CB8AC3E}">
-        <p14:creationId xmlns:p14="http://schemas.microsoft.com/office/powerpoint/2010/main" val="854385474"/>
+        <p14:creationId xmlns:p14="http://schemas.microsoft.com/office/powerpoint/2010/main" xmlns="" val="854385474"/>
       </p:ext>
     </p:extLst>
   </p:cSld>
@@ -6094,7 +6128,7 @@
     </p:spTree>
     <p:extLst>
       <p:ext uri="{BB962C8B-B14F-4D97-AF65-F5344CB8AC3E}">
-        <p14:creationId xmlns:p14="http://schemas.microsoft.com/office/powerpoint/2010/main" val="1646587919"/>
+        <p14:creationId xmlns:p14="http://schemas.microsoft.com/office/powerpoint/2010/main" xmlns="" val="1646587919"/>
       </p:ext>
     </p:extLst>
   </p:cSld>
@@ -6223,7 +6257,7 @@
     </p:spTree>
     <p:extLst>
       <p:ext uri="{BB962C8B-B14F-4D97-AF65-F5344CB8AC3E}">
-        <p14:creationId xmlns:p14="http://schemas.microsoft.com/office/powerpoint/2010/main" val="1665069484"/>
+        <p14:creationId xmlns:p14="http://schemas.microsoft.com/office/powerpoint/2010/main" xmlns="" val="1665069484"/>
       </p:ext>
     </p:extLst>
   </p:cSld>
@@ -6476,7 +6510,7 @@
     </p:spTree>
     <p:extLst>
       <p:ext uri="{BB962C8B-B14F-4D97-AF65-F5344CB8AC3E}">
-        <p14:creationId xmlns:p14="http://schemas.microsoft.com/office/powerpoint/2010/main" val="4023520249"/>
+        <p14:creationId xmlns:p14="http://schemas.microsoft.com/office/powerpoint/2010/main" xmlns="" val="4023520249"/>
       </p:ext>
     </p:extLst>
   </p:cSld>
@@ -6628,7 +6662,7 @@
     </p:spTree>
     <p:extLst>
       <p:ext uri="{BB962C8B-B14F-4D97-AF65-F5344CB8AC3E}">
-        <p14:creationId xmlns:p14="http://schemas.microsoft.com/office/powerpoint/2010/main" val="1439879549"/>
+        <p14:creationId xmlns:p14="http://schemas.microsoft.com/office/powerpoint/2010/main" xmlns="" val="1439879549"/>
       </p:ext>
     </p:extLst>
   </p:cSld>
@@ -6835,7 +6869,7 @@
     </p:spTree>
     <p:extLst>
       <p:ext uri="{BB962C8B-B14F-4D97-AF65-F5344CB8AC3E}">
-        <p14:creationId xmlns:p14="http://schemas.microsoft.com/office/powerpoint/2010/main" val="2315167525"/>
+        <p14:creationId xmlns:p14="http://schemas.microsoft.com/office/powerpoint/2010/main" xmlns="" val="2315167525"/>
       </p:ext>
     </p:extLst>
   </p:cSld>
@@ -6872,9 +6906,19 @@
         </p:nvPicPr>
         <p:blipFill>
           <a:blip r:embed="rId2">
+            <a:clrChange>
+              <a:clrFrom>
+                <a:srgbClr val="FFFFFF"/>
+              </a:clrFrom>
+              <a:clrTo>
+                <a:srgbClr val="FFFFFF">
+                  <a:alpha val="0"/>
+                </a:srgbClr>
+              </a:clrTo>
+            </a:clrChange>
             <a:extLst>
               <a:ext uri="{28A0092B-C50C-407E-A947-70E740481C1C}">
-                <a14:useLocalDpi xmlns:a14="http://schemas.microsoft.com/office/drawing/2010/main" val="0"/>
+                <a14:useLocalDpi xmlns:a14="http://schemas.microsoft.com/office/drawing/2010/main" xmlns="" val="0"/>
               </a:ext>
             </a:extLst>
           </a:blip>
@@ -6884,7 +6928,7 @@
         </p:blipFill>
         <p:spPr>
           <a:xfrm>
-            <a:off x="270506" y="623894"/>
+            <a:off x="310550" y="538791"/>
             <a:ext cx="10702294" cy="5394769"/>
           </a:xfrm>
           <a:prstGeom prst="rect">
@@ -6895,7 +6939,7 @@
     </p:spTree>
     <p:extLst>
       <p:ext uri="{BB962C8B-B14F-4D97-AF65-F5344CB8AC3E}">
-        <p14:creationId xmlns:p14="http://schemas.microsoft.com/office/powerpoint/2010/main" val="2554526102"/>
+        <p14:creationId xmlns:p14="http://schemas.microsoft.com/office/powerpoint/2010/main" xmlns="" val="2554526102"/>
       </p:ext>
     </p:extLst>
   </p:cSld>
@@ -7217,7 +7261,7 @@
     </p:spTree>
     <p:extLst>
       <p:ext uri="{BB962C8B-B14F-4D97-AF65-F5344CB8AC3E}">
-        <p14:creationId xmlns:p14="http://schemas.microsoft.com/office/powerpoint/2010/main" val="889664965"/>
+        <p14:creationId xmlns:p14="http://schemas.microsoft.com/office/powerpoint/2010/main" xmlns="" val="889664965"/>
       </p:ext>
     </p:extLst>
   </p:cSld>
@@ -7295,16 +7339,6 @@
               </a:rPr>
               <a:t>CSS </a:t>
             </a:r>
-            <a:endParaRPr lang="en-IN" sz="3000" dirty="0" smtClean="0">
-              <a:solidFill>
-                <a:schemeClr val="accent2">
-                  <a:lumMod val="60000"/>
-                  <a:lumOff val="40000"/>
-                </a:schemeClr>
-              </a:solidFill>
-              <a:latin typeface="Times New Roman" panose="02020603050405020304" pitchFamily="18" charset="0"/>
-              <a:cs typeface="Times New Roman" panose="02020603050405020304" pitchFamily="18" charset="0"/>
-            </a:endParaRPr>
           </a:p>
           <a:p>
             <a:pPr marL="0" indent="0">
@@ -7334,14 +7368,7 @@
                 <a:latin typeface="Times New Roman" panose="02020603050405020304" pitchFamily="18" charset="0"/>
                 <a:cs typeface="Times New Roman" panose="02020603050405020304" pitchFamily="18" charset="0"/>
               </a:rPr>
-              <a:t>CSS </a:t>
-            </a:r>
-            <a:r>
-              <a:rPr lang="en-IN" sz="2400" dirty="0" smtClean="0">
-                <a:latin typeface="Times New Roman" panose="02020603050405020304" pitchFamily="18" charset="0"/>
-                <a:cs typeface="Times New Roman" panose="02020603050405020304" pitchFamily="18" charset="0"/>
-              </a:rPr>
-              <a:t>is used to style the web page .</a:t>
+              <a:t>CSS is used to style the web page .</a:t>
             </a:r>
           </a:p>
           <a:p>
@@ -7448,7 +7475,7 @@
     </p:spTree>
     <p:extLst>
       <p:ext uri="{BB962C8B-B14F-4D97-AF65-F5344CB8AC3E}">
-        <p14:creationId xmlns:p14="http://schemas.microsoft.com/office/powerpoint/2010/main" val="2475605198"/>
+        <p14:creationId xmlns:p14="http://schemas.microsoft.com/office/powerpoint/2010/main" xmlns="" val="2475605198"/>
       </p:ext>
     </p:extLst>
   </p:cSld>
@@ -7547,7 +7574,7 @@
     </p:spTree>
     <p:extLst>
       <p:ext uri="{BB962C8B-B14F-4D97-AF65-F5344CB8AC3E}">
-        <p14:creationId xmlns:p14="http://schemas.microsoft.com/office/powerpoint/2010/main" val="1829217413"/>
+        <p14:creationId xmlns:p14="http://schemas.microsoft.com/office/powerpoint/2010/main" xmlns="" val="1829217413"/>
       </p:ext>
     </p:extLst>
   </p:cSld>
@@ -7600,7 +7627,7 @@
     </a:clrScheme>
     <a:fontScheme name="Facet">
       <a:majorFont>
-        <a:latin typeface="Trebuchet MS" panose="020B0603020202020204"/>
+        <a:latin typeface="Trebuchet MS"/>
         <a:ea typeface=""/>
         <a:cs typeface=""/>
         <a:font script="Jpan" typeface="メイリオ"/>
@@ -7635,7 +7662,7 @@
         <a:font script="Geor" typeface="Sylfaen"/>
       </a:majorFont>
       <a:minorFont>
-        <a:latin typeface="Trebuchet MS" panose="020B0603020202020204"/>
+        <a:latin typeface="Trebuchet MS"/>
         <a:ea typeface=""/>
         <a:cs typeface=""/>
         <a:font script="Jpan" typeface="メイリオ"/>
@@ -7808,7 +7835,7 @@
   <a:extraClrSchemeLst/>
   <a:extLst>
     <a:ext uri="{05A4C25C-085E-4340-85A3-A5531E510DB2}">
-      <thm15:themeFamily xmlns:thm15="http://schemas.microsoft.com/office/thememl/2012/main" name="Facet" id="{C0C680CD-088A-49FC-A102-D699147F32B2}" vid="{0B5AB586-D108-4FC1-8368-649FE654B894}"/>
+      <thm15:themeFamily xmlns:thm15="http://schemas.microsoft.com/office/thememl/2012/main" xmlns="" name="Facet" id="{C0C680CD-088A-49FC-A102-D699147F32B2}" vid="{0B5AB586-D108-4FC1-8368-649FE654B894}"/>
     </a:ext>
   </a:extLst>
 </a:theme>

--- a/docs/HAD project.pptx
+++ b/docs/HAD project.pptx
@@ -10,10 +10,15 @@
     <p:sldId id="258" r:id="rId4"/>
     <p:sldId id="259" r:id="rId5"/>
     <p:sldId id="260" r:id="rId6"/>
-    <p:sldId id="264" r:id="rId7"/>
-    <p:sldId id="261" r:id="rId8"/>
-    <p:sldId id="263" r:id="rId9"/>
-    <p:sldId id="262" r:id="rId10"/>
+    <p:sldId id="267" r:id="rId7"/>
+    <p:sldId id="264" r:id="rId8"/>
+    <p:sldId id="261" r:id="rId9"/>
+    <p:sldId id="263" r:id="rId10"/>
+    <p:sldId id="266" r:id="rId11"/>
+    <p:sldId id="262" r:id="rId12"/>
+    <p:sldId id="265" r:id="rId13"/>
+    <p:sldId id="268" r:id="rId14"/>
+    <p:sldId id="269" r:id="rId15"/>
   </p:sldIdLst>
   <p:sldSz cx="12192000" cy="6858000"/>
   <p:notesSz cx="6858000" cy="9144000"/>
@@ -114,7 +119,7 @@
   </p:defaultTextStyle>
   <p:extLst>
     <p:ext uri="{EFAFB233-063F-42B5-8137-9DF3F51BA10A}">
-      <p15:sldGuideLst xmlns:p15="http://schemas.microsoft.com/office/powerpoint/2012/main" xmlns=""/>
+      <p15:sldGuideLst xmlns="" xmlns:p15="http://schemas.microsoft.com/office/powerpoint/2012/main"/>
     </p:ext>
   </p:extLst>
 </p:presentation>
@@ -866,7 +871,7 @@
             <a:fld id="{5E0691F5-9D0C-4B99-AAF3-BF4DD8AE5AD6}" type="datetimeFigureOut">
               <a:rPr lang="en-IN" smtClean="0"/>
               <a:pPr/>
-              <a:t>09-02-2016</a:t>
+              <a:t>12-02-2016</a:t>
             </a:fld>
             <a:endParaRPr lang="en-IN"/>
           </a:p>
@@ -918,7 +923,7 @@
     </p:spTree>
     <p:extLst>
       <p:ext uri="{BB962C8B-B14F-4D97-AF65-F5344CB8AC3E}">
-        <p14:creationId xmlns:p14="http://schemas.microsoft.com/office/powerpoint/2010/main" xmlns="" val="745236216"/>
+        <p14:creationId xmlns="" xmlns:p14="http://schemas.microsoft.com/office/powerpoint/2010/main" val="745236216"/>
       </p:ext>
     </p:extLst>
   </p:cSld>
@@ -1119,7 +1124,7 @@
             <a:fld id="{5E0691F5-9D0C-4B99-AAF3-BF4DD8AE5AD6}" type="datetimeFigureOut">
               <a:rPr lang="en-IN" smtClean="0"/>
               <a:pPr/>
-              <a:t>09-02-2016</a:t>
+              <a:t>12-02-2016</a:t>
             </a:fld>
             <a:endParaRPr lang="en-IN"/>
           </a:p>
@@ -1171,7 +1176,7 @@
     </p:spTree>
     <p:extLst>
       <p:ext uri="{BB962C8B-B14F-4D97-AF65-F5344CB8AC3E}">
-        <p14:creationId xmlns:p14="http://schemas.microsoft.com/office/powerpoint/2010/main" xmlns="" val="2293863678"/>
+        <p14:creationId xmlns="" xmlns:p14="http://schemas.microsoft.com/office/powerpoint/2010/main" val="2293863678"/>
       </p:ext>
     </p:extLst>
   </p:cSld>
@@ -1435,7 +1440,7 @@
             <a:fld id="{5E0691F5-9D0C-4B99-AAF3-BF4DD8AE5AD6}" type="datetimeFigureOut">
               <a:rPr lang="en-IN" smtClean="0"/>
               <a:pPr/>
-              <a:t>09-02-2016</a:t>
+              <a:t>12-02-2016</a:t>
             </a:fld>
             <a:endParaRPr lang="en-IN"/>
           </a:p>
@@ -1569,7 +1574,7 @@
     </p:spTree>
     <p:extLst>
       <p:ext uri="{BB962C8B-B14F-4D97-AF65-F5344CB8AC3E}">
-        <p14:creationId xmlns:p14="http://schemas.microsoft.com/office/powerpoint/2010/main" xmlns="" val="3646211488"/>
+        <p14:creationId xmlns="" xmlns:p14="http://schemas.microsoft.com/office/powerpoint/2010/main" val="3646211488"/>
       </p:ext>
     </p:extLst>
   </p:cSld>
@@ -1770,7 +1775,7 @@
             <a:fld id="{5E0691F5-9D0C-4B99-AAF3-BF4DD8AE5AD6}" type="datetimeFigureOut">
               <a:rPr lang="en-IN" smtClean="0"/>
               <a:pPr/>
-              <a:t>09-02-2016</a:t>
+              <a:t>12-02-2016</a:t>
             </a:fld>
             <a:endParaRPr lang="en-IN"/>
           </a:p>
@@ -1822,7 +1827,7 @@
     </p:spTree>
     <p:extLst>
       <p:ext uri="{BB962C8B-B14F-4D97-AF65-F5344CB8AC3E}">
-        <p14:creationId xmlns:p14="http://schemas.microsoft.com/office/powerpoint/2010/main" xmlns="" val="130304460"/>
+        <p14:creationId xmlns="" xmlns:p14="http://schemas.microsoft.com/office/powerpoint/2010/main" val="130304460"/>
       </p:ext>
     </p:extLst>
   </p:cSld>
@@ -2086,7 +2091,7 @@
             <a:fld id="{5E0691F5-9D0C-4B99-AAF3-BF4DD8AE5AD6}" type="datetimeFigureOut">
               <a:rPr lang="en-IN" smtClean="0"/>
               <a:pPr/>
-              <a:t>09-02-2016</a:t>
+              <a:t>12-02-2016</a:t>
             </a:fld>
             <a:endParaRPr lang="en-IN"/>
           </a:p>
@@ -2220,7 +2225,7 @@
     </p:spTree>
     <p:extLst>
       <p:ext uri="{BB962C8B-B14F-4D97-AF65-F5344CB8AC3E}">
-        <p14:creationId xmlns:p14="http://schemas.microsoft.com/office/powerpoint/2010/main" xmlns="" val="988258245"/>
+        <p14:creationId xmlns="" xmlns:p14="http://schemas.microsoft.com/office/powerpoint/2010/main" val="988258245"/>
       </p:ext>
     </p:extLst>
   </p:cSld>
@@ -2481,7 +2486,7 @@
             <a:fld id="{5E0691F5-9D0C-4B99-AAF3-BF4DD8AE5AD6}" type="datetimeFigureOut">
               <a:rPr lang="en-IN" smtClean="0"/>
               <a:pPr/>
-              <a:t>09-02-2016</a:t>
+              <a:t>12-02-2016</a:t>
             </a:fld>
             <a:endParaRPr lang="en-IN"/>
           </a:p>
@@ -2533,7 +2538,7 @@
     </p:spTree>
     <p:extLst>
       <p:ext uri="{BB962C8B-B14F-4D97-AF65-F5344CB8AC3E}">
-        <p14:creationId xmlns:p14="http://schemas.microsoft.com/office/powerpoint/2010/main" xmlns="" val="1129624647"/>
+        <p14:creationId xmlns="" xmlns:p14="http://schemas.microsoft.com/office/powerpoint/2010/main" val="1129624647"/>
       </p:ext>
     </p:extLst>
   </p:cSld>
@@ -2653,7 +2658,7 @@
             <a:fld id="{5E0691F5-9D0C-4B99-AAF3-BF4DD8AE5AD6}" type="datetimeFigureOut">
               <a:rPr lang="en-IN" smtClean="0"/>
               <a:pPr/>
-              <a:t>09-02-2016</a:t>
+              <a:t>12-02-2016</a:t>
             </a:fld>
             <a:endParaRPr lang="en-IN"/>
           </a:p>
@@ -2705,7 +2710,7 @@
     </p:spTree>
     <p:extLst>
       <p:ext uri="{BB962C8B-B14F-4D97-AF65-F5344CB8AC3E}">
-        <p14:creationId xmlns:p14="http://schemas.microsoft.com/office/powerpoint/2010/main" xmlns="" val="743166043"/>
+        <p14:creationId xmlns="" xmlns:p14="http://schemas.microsoft.com/office/powerpoint/2010/main" val="743166043"/>
       </p:ext>
     </p:extLst>
   </p:cSld>
@@ -2835,7 +2840,7 @@
             <a:fld id="{5E0691F5-9D0C-4B99-AAF3-BF4DD8AE5AD6}" type="datetimeFigureOut">
               <a:rPr lang="en-IN" smtClean="0"/>
               <a:pPr/>
-              <a:t>09-02-2016</a:t>
+              <a:t>12-02-2016</a:t>
             </a:fld>
             <a:endParaRPr lang="en-IN"/>
           </a:p>
@@ -2887,7 +2892,7 @@
     </p:spTree>
     <p:extLst>
       <p:ext uri="{BB962C8B-B14F-4D97-AF65-F5344CB8AC3E}">
-        <p14:creationId xmlns:p14="http://schemas.microsoft.com/office/powerpoint/2010/main" xmlns="" val="1185054740"/>
+        <p14:creationId xmlns="" xmlns:p14="http://schemas.microsoft.com/office/powerpoint/2010/main" val="1185054740"/>
       </p:ext>
     </p:extLst>
   </p:cSld>
@@ -3007,7 +3012,7 @@
             <a:fld id="{5E0691F5-9D0C-4B99-AAF3-BF4DD8AE5AD6}" type="datetimeFigureOut">
               <a:rPr lang="en-IN" smtClean="0"/>
               <a:pPr/>
-              <a:t>09-02-2016</a:t>
+              <a:t>12-02-2016</a:t>
             </a:fld>
             <a:endParaRPr lang="en-IN"/>
           </a:p>
@@ -3059,7 +3064,7 @@
     </p:spTree>
     <p:extLst>
       <p:ext uri="{BB962C8B-B14F-4D97-AF65-F5344CB8AC3E}">
-        <p14:creationId xmlns:p14="http://schemas.microsoft.com/office/powerpoint/2010/main" xmlns="" val="3602506870"/>
+        <p14:creationId xmlns="" xmlns:p14="http://schemas.microsoft.com/office/powerpoint/2010/main" val="3602506870"/>
       </p:ext>
     </p:extLst>
   </p:cSld>
@@ -3256,7 +3261,7 @@
             <a:fld id="{5E0691F5-9D0C-4B99-AAF3-BF4DD8AE5AD6}" type="datetimeFigureOut">
               <a:rPr lang="en-IN" smtClean="0"/>
               <a:pPr/>
-              <a:t>09-02-2016</a:t>
+              <a:t>12-02-2016</a:t>
             </a:fld>
             <a:endParaRPr lang="en-IN"/>
           </a:p>
@@ -3308,7 +3313,7 @@
     </p:spTree>
     <p:extLst>
       <p:ext uri="{BB962C8B-B14F-4D97-AF65-F5344CB8AC3E}">
-        <p14:creationId xmlns:p14="http://schemas.microsoft.com/office/powerpoint/2010/main" xmlns="" val="2175426062"/>
+        <p14:creationId xmlns="" xmlns:p14="http://schemas.microsoft.com/office/powerpoint/2010/main" val="2175426062"/>
       </p:ext>
     </p:extLst>
   </p:cSld>
@@ -3490,7 +3495,7 @@
             <a:fld id="{5E0691F5-9D0C-4B99-AAF3-BF4DD8AE5AD6}" type="datetimeFigureOut">
               <a:rPr lang="en-IN" smtClean="0"/>
               <a:pPr/>
-              <a:t>09-02-2016</a:t>
+              <a:t>12-02-2016</a:t>
             </a:fld>
             <a:endParaRPr lang="en-IN"/>
           </a:p>
@@ -3542,7 +3547,7 @@
     </p:spTree>
     <p:extLst>
       <p:ext uri="{BB962C8B-B14F-4D97-AF65-F5344CB8AC3E}">
-        <p14:creationId xmlns:p14="http://schemas.microsoft.com/office/powerpoint/2010/main" xmlns="" val="1265907016"/>
+        <p14:creationId xmlns="" xmlns:p14="http://schemas.microsoft.com/office/powerpoint/2010/main" val="1265907016"/>
       </p:ext>
     </p:extLst>
   </p:cSld>
@@ -3866,7 +3871,7 @@
             <a:fld id="{5E0691F5-9D0C-4B99-AAF3-BF4DD8AE5AD6}" type="datetimeFigureOut">
               <a:rPr lang="en-IN" smtClean="0"/>
               <a:pPr/>
-              <a:t>09-02-2016</a:t>
+              <a:t>12-02-2016</a:t>
             </a:fld>
             <a:endParaRPr lang="en-IN"/>
           </a:p>
@@ -3918,7 +3923,7 @@
     </p:spTree>
     <p:extLst>
       <p:ext uri="{BB962C8B-B14F-4D97-AF65-F5344CB8AC3E}">
-        <p14:creationId xmlns:p14="http://schemas.microsoft.com/office/powerpoint/2010/main" xmlns="" val="618977615"/>
+        <p14:creationId xmlns="" xmlns:p14="http://schemas.microsoft.com/office/powerpoint/2010/main" val="618977615"/>
       </p:ext>
     </p:extLst>
   </p:cSld>
@@ -3991,7 +3996,7 @@
             <a:fld id="{5E0691F5-9D0C-4B99-AAF3-BF4DD8AE5AD6}" type="datetimeFigureOut">
               <a:rPr lang="en-IN" smtClean="0"/>
               <a:pPr/>
-              <a:t>09-02-2016</a:t>
+              <a:t>12-02-2016</a:t>
             </a:fld>
             <a:endParaRPr lang="en-IN"/>
           </a:p>
@@ -4043,7 +4048,7 @@
     </p:spTree>
     <p:extLst>
       <p:ext uri="{BB962C8B-B14F-4D97-AF65-F5344CB8AC3E}">
-        <p14:creationId xmlns:p14="http://schemas.microsoft.com/office/powerpoint/2010/main" xmlns="" val="3986691130"/>
+        <p14:creationId xmlns="" xmlns:p14="http://schemas.microsoft.com/office/powerpoint/2010/main" val="3986691130"/>
       </p:ext>
     </p:extLst>
   </p:cSld>
@@ -4088,7 +4093,7 @@
             <a:fld id="{5E0691F5-9D0C-4B99-AAF3-BF4DD8AE5AD6}" type="datetimeFigureOut">
               <a:rPr lang="en-IN" smtClean="0"/>
               <a:pPr/>
-              <a:t>09-02-2016</a:t>
+              <a:t>12-02-2016</a:t>
             </a:fld>
             <a:endParaRPr lang="en-IN"/>
           </a:p>
@@ -4140,7 +4145,7 @@
     </p:spTree>
     <p:extLst>
       <p:ext uri="{BB962C8B-B14F-4D97-AF65-F5344CB8AC3E}">
-        <p14:creationId xmlns:p14="http://schemas.microsoft.com/office/powerpoint/2010/main" xmlns="" val="2293448865"/>
+        <p14:creationId xmlns="" xmlns:p14="http://schemas.microsoft.com/office/powerpoint/2010/main" val="2293448865"/>
       </p:ext>
     </p:extLst>
   </p:cSld>
@@ -4345,7 +4350,7 @@
             <a:fld id="{5E0691F5-9D0C-4B99-AAF3-BF4DD8AE5AD6}" type="datetimeFigureOut">
               <a:rPr lang="en-IN" smtClean="0"/>
               <a:pPr/>
-              <a:t>09-02-2016</a:t>
+              <a:t>12-02-2016</a:t>
             </a:fld>
             <a:endParaRPr lang="en-IN"/>
           </a:p>
@@ -4397,7 +4402,7 @@
     </p:spTree>
     <p:extLst>
       <p:ext uri="{BB962C8B-B14F-4D97-AF65-F5344CB8AC3E}">
-        <p14:creationId xmlns:p14="http://schemas.microsoft.com/office/powerpoint/2010/main" xmlns="" val="4242348760"/>
+        <p14:creationId xmlns="" xmlns:p14="http://schemas.microsoft.com/office/powerpoint/2010/main" val="4242348760"/>
       </p:ext>
     </p:extLst>
   </p:cSld>
@@ -4653,7 +4658,7 @@
             <a:fld id="{5E0691F5-9D0C-4B99-AAF3-BF4DD8AE5AD6}" type="datetimeFigureOut">
               <a:rPr lang="en-IN" smtClean="0"/>
               <a:pPr/>
-              <a:t>09-02-2016</a:t>
+              <a:t>12-02-2016</a:t>
             </a:fld>
             <a:endParaRPr lang="en-IN"/>
           </a:p>
@@ -4662,7 +4667,7 @@
     </p:spTree>
     <p:extLst>
       <p:ext uri="{BB962C8B-B14F-4D97-AF65-F5344CB8AC3E}">
-        <p14:creationId xmlns:p14="http://schemas.microsoft.com/office/powerpoint/2010/main" xmlns="" val="1810002345"/>
+        <p14:creationId xmlns="" xmlns:p14="http://schemas.microsoft.com/office/powerpoint/2010/main" val="1810002345"/>
       </p:ext>
     </p:extLst>
   </p:cSld>
@@ -5356,7 +5361,7 @@
             <a:fld id="{5E0691F5-9D0C-4B99-AAF3-BF4DD8AE5AD6}" type="datetimeFigureOut">
               <a:rPr lang="en-IN" smtClean="0"/>
               <a:pPr/>
-              <a:t>09-02-2016</a:t>
+              <a:t>12-02-2016</a:t>
             </a:fld>
             <a:endParaRPr lang="en-IN"/>
           </a:p>
@@ -5442,7 +5447,7 @@
     </p:spTree>
     <p:extLst>
       <p:ext uri="{BB962C8B-B14F-4D97-AF65-F5344CB8AC3E}">
-        <p14:creationId xmlns:p14="http://schemas.microsoft.com/office/powerpoint/2010/main" xmlns="" val="854385474"/>
+        <p14:creationId xmlns="" xmlns:p14="http://schemas.microsoft.com/office/powerpoint/2010/main" val="854385474"/>
       </p:ext>
     </p:extLst>
   </p:cSld>
@@ -6128,13 +6133,3066 @@
     </p:spTree>
     <p:extLst>
       <p:ext uri="{BB962C8B-B14F-4D97-AF65-F5344CB8AC3E}">
-        <p14:creationId xmlns:p14="http://schemas.microsoft.com/office/powerpoint/2010/main" xmlns="" val="1646587919"/>
+        <p14:creationId xmlns="" xmlns:p14="http://schemas.microsoft.com/office/powerpoint/2010/main" val="1646587919"/>
       </p:ext>
     </p:extLst>
   </p:cSld>
   <p:clrMapOvr>
     <a:masterClrMapping/>
   </p:clrMapOvr>
+  <p:timing>
+    <p:tnLst>
+      <p:par>
+        <p:cTn id="1" dur="indefinite" restart="never" nodeType="tmRoot">
+          <p:childTnLst>
+            <p:seq concurrent="1" nextAc="seek">
+              <p:cTn id="2" dur="indefinite" nodeType="mainSeq">
+                <p:childTnLst>
+                  <p:par>
+                    <p:cTn id="3" fill="hold">
+                      <p:stCondLst>
+                        <p:cond delay="indefinite"/>
+                      </p:stCondLst>
+                      <p:childTnLst>
+                        <p:par>
+                          <p:cTn id="4" fill="hold">
+                            <p:stCondLst>
+                              <p:cond delay="0"/>
+                            </p:stCondLst>
+                            <p:childTnLst>
+                              <p:par>
+                                <p:cTn id="5" presetID="10" presetClass="entr" presetSubtype="0" fill="hold" grpId="0" nodeType="clickEffect">
+                                  <p:stCondLst>
+                                    <p:cond delay="0"/>
+                                  </p:stCondLst>
+                                  <p:childTnLst>
+                                    <p:set>
+                                      <p:cBhvr>
+                                        <p:cTn id="6" dur="1" fill="hold">
+                                          <p:stCondLst>
+                                            <p:cond delay="0"/>
+                                          </p:stCondLst>
+                                        </p:cTn>
+                                        <p:tgtEl>
+                                          <p:spTgt spid="2"/>
+                                        </p:tgtEl>
+                                        <p:attrNameLst>
+                                          <p:attrName>style.visibility</p:attrName>
+                                        </p:attrNameLst>
+                                      </p:cBhvr>
+                                      <p:to>
+                                        <p:strVal val="visible"/>
+                                      </p:to>
+                                    </p:set>
+                                    <p:animEffect transition="in" filter="fade">
+                                      <p:cBhvr>
+                                        <p:cTn id="7" dur="1000"/>
+                                        <p:tgtEl>
+                                          <p:spTgt spid="2"/>
+                                        </p:tgtEl>
+                                      </p:cBhvr>
+                                    </p:animEffect>
+                                  </p:childTnLst>
+                                </p:cTn>
+                              </p:par>
+                            </p:childTnLst>
+                          </p:cTn>
+                        </p:par>
+                        <p:par>
+                          <p:cTn id="8" fill="hold">
+                            <p:stCondLst>
+                              <p:cond delay="1000"/>
+                            </p:stCondLst>
+                            <p:childTnLst>
+                              <p:par>
+                                <p:cTn id="9" presetID="10" presetClass="entr" presetSubtype="0" fill="hold" nodeType="afterEffect">
+                                  <p:stCondLst>
+                                    <p:cond delay="0"/>
+                                  </p:stCondLst>
+                                  <p:childTnLst>
+                                    <p:set>
+                                      <p:cBhvr>
+                                        <p:cTn id="10" dur="1" fill="hold">
+                                          <p:stCondLst>
+                                            <p:cond delay="0"/>
+                                          </p:stCondLst>
+                                        </p:cTn>
+                                        <p:tgtEl>
+                                          <p:spTgt spid="3">
+                                            <p:txEl>
+                                              <p:pRg st="0" end="0"/>
+                                            </p:txEl>
+                                          </p:spTgt>
+                                        </p:tgtEl>
+                                        <p:attrNameLst>
+                                          <p:attrName>style.visibility</p:attrName>
+                                        </p:attrNameLst>
+                                      </p:cBhvr>
+                                      <p:to>
+                                        <p:strVal val="visible"/>
+                                      </p:to>
+                                    </p:set>
+                                    <p:animEffect transition="in" filter="fade">
+                                      <p:cBhvr>
+                                        <p:cTn id="11" dur="1000"/>
+                                        <p:tgtEl>
+                                          <p:spTgt spid="3">
+                                            <p:txEl>
+                                              <p:pRg st="0" end="0"/>
+                                            </p:txEl>
+                                          </p:spTgt>
+                                        </p:tgtEl>
+                                      </p:cBhvr>
+                                    </p:animEffect>
+                                  </p:childTnLst>
+                                </p:cTn>
+                              </p:par>
+                            </p:childTnLst>
+                          </p:cTn>
+                        </p:par>
+                        <p:par>
+                          <p:cTn id="12" fill="hold">
+                            <p:stCondLst>
+                              <p:cond delay="2000"/>
+                            </p:stCondLst>
+                            <p:childTnLst>
+                              <p:par>
+                                <p:cTn id="13" presetID="10" presetClass="entr" presetSubtype="0" fill="hold" nodeType="afterEffect">
+                                  <p:stCondLst>
+                                    <p:cond delay="0"/>
+                                  </p:stCondLst>
+                                  <p:childTnLst>
+                                    <p:set>
+                                      <p:cBhvr>
+                                        <p:cTn id="14" dur="1" fill="hold">
+                                          <p:stCondLst>
+                                            <p:cond delay="0"/>
+                                          </p:stCondLst>
+                                        </p:cTn>
+                                        <p:tgtEl>
+                                          <p:spTgt spid="3">
+                                            <p:txEl>
+                                              <p:pRg st="1" end="1"/>
+                                            </p:txEl>
+                                          </p:spTgt>
+                                        </p:tgtEl>
+                                        <p:attrNameLst>
+                                          <p:attrName>style.visibility</p:attrName>
+                                        </p:attrNameLst>
+                                      </p:cBhvr>
+                                      <p:to>
+                                        <p:strVal val="visible"/>
+                                      </p:to>
+                                    </p:set>
+                                    <p:animEffect transition="in" filter="fade">
+                                      <p:cBhvr>
+                                        <p:cTn id="15" dur="1000"/>
+                                        <p:tgtEl>
+                                          <p:spTgt spid="3">
+                                            <p:txEl>
+                                              <p:pRg st="1" end="1"/>
+                                            </p:txEl>
+                                          </p:spTgt>
+                                        </p:tgtEl>
+                                      </p:cBhvr>
+                                    </p:animEffect>
+                                  </p:childTnLst>
+                                </p:cTn>
+                              </p:par>
+                            </p:childTnLst>
+                          </p:cTn>
+                        </p:par>
+                        <p:par>
+                          <p:cTn id="16" fill="hold">
+                            <p:stCondLst>
+                              <p:cond delay="3000"/>
+                            </p:stCondLst>
+                            <p:childTnLst>
+                              <p:par>
+                                <p:cTn id="17" presetID="10" presetClass="entr" presetSubtype="0" fill="hold" nodeType="afterEffect">
+                                  <p:stCondLst>
+                                    <p:cond delay="0"/>
+                                  </p:stCondLst>
+                                  <p:childTnLst>
+                                    <p:set>
+                                      <p:cBhvr>
+                                        <p:cTn id="18" dur="1" fill="hold">
+                                          <p:stCondLst>
+                                            <p:cond delay="0"/>
+                                          </p:stCondLst>
+                                        </p:cTn>
+                                        <p:tgtEl>
+                                          <p:spTgt spid="3">
+                                            <p:txEl>
+                                              <p:pRg st="2" end="2"/>
+                                            </p:txEl>
+                                          </p:spTgt>
+                                        </p:tgtEl>
+                                        <p:attrNameLst>
+                                          <p:attrName>style.visibility</p:attrName>
+                                        </p:attrNameLst>
+                                      </p:cBhvr>
+                                      <p:to>
+                                        <p:strVal val="visible"/>
+                                      </p:to>
+                                    </p:set>
+                                    <p:animEffect transition="in" filter="fade">
+                                      <p:cBhvr>
+                                        <p:cTn id="19" dur="1000"/>
+                                        <p:tgtEl>
+                                          <p:spTgt spid="3">
+                                            <p:txEl>
+                                              <p:pRg st="2" end="2"/>
+                                            </p:txEl>
+                                          </p:spTgt>
+                                        </p:tgtEl>
+                                      </p:cBhvr>
+                                    </p:animEffect>
+                                  </p:childTnLst>
+                                </p:cTn>
+                              </p:par>
+                            </p:childTnLst>
+                          </p:cTn>
+                        </p:par>
+                        <p:par>
+                          <p:cTn id="20" fill="hold">
+                            <p:stCondLst>
+                              <p:cond delay="4000"/>
+                            </p:stCondLst>
+                            <p:childTnLst>
+                              <p:par>
+                                <p:cTn id="21" presetID="10" presetClass="entr" presetSubtype="0" fill="hold" nodeType="afterEffect">
+                                  <p:stCondLst>
+                                    <p:cond delay="0"/>
+                                  </p:stCondLst>
+                                  <p:childTnLst>
+                                    <p:set>
+                                      <p:cBhvr>
+                                        <p:cTn id="22" dur="1" fill="hold">
+                                          <p:stCondLst>
+                                            <p:cond delay="0"/>
+                                          </p:stCondLst>
+                                        </p:cTn>
+                                        <p:tgtEl>
+                                          <p:spTgt spid="3">
+                                            <p:txEl>
+                                              <p:pRg st="3" end="3"/>
+                                            </p:txEl>
+                                          </p:spTgt>
+                                        </p:tgtEl>
+                                        <p:attrNameLst>
+                                          <p:attrName>style.visibility</p:attrName>
+                                        </p:attrNameLst>
+                                      </p:cBhvr>
+                                      <p:to>
+                                        <p:strVal val="visible"/>
+                                      </p:to>
+                                    </p:set>
+                                    <p:animEffect transition="in" filter="fade">
+                                      <p:cBhvr>
+                                        <p:cTn id="23" dur="1000"/>
+                                        <p:tgtEl>
+                                          <p:spTgt spid="3">
+                                            <p:txEl>
+                                              <p:pRg st="3" end="3"/>
+                                            </p:txEl>
+                                          </p:spTgt>
+                                        </p:tgtEl>
+                                      </p:cBhvr>
+                                    </p:animEffect>
+                                  </p:childTnLst>
+                                </p:cTn>
+                              </p:par>
+                            </p:childTnLst>
+                          </p:cTn>
+                        </p:par>
+                        <p:par>
+                          <p:cTn id="24" fill="hold">
+                            <p:stCondLst>
+                              <p:cond delay="5000"/>
+                            </p:stCondLst>
+                            <p:childTnLst>
+                              <p:par>
+                                <p:cTn id="25" presetID="10" presetClass="entr" presetSubtype="0" fill="hold" nodeType="afterEffect">
+                                  <p:stCondLst>
+                                    <p:cond delay="0"/>
+                                  </p:stCondLst>
+                                  <p:childTnLst>
+                                    <p:set>
+                                      <p:cBhvr>
+                                        <p:cTn id="26" dur="1" fill="hold">
+                                          <p:stCondLst>
+                                            <p:cond delay="0"/>
+                                          </p:stCondLst>
+                                        </p:cTn>
+                                        <p:tgtEl>
+                                          <p:spTgt spid="3">
+                                            <p:txEl>
+                                              <p:pRg st="4" end="4"/>
+                                            </p:txEl>
+                                          </p:spTgt>
+                                        </p:tgtEl>
+                                        <p:attrNameLst>
+                                          <p:attrName>style.visibility</p:attrName>
+                                        </p:attrNameLst>
+                                      </p:cBhvr>
+                                      <p:to>
+                                        <p:strVal val="visible"/>
+                                      </p:to>
+                                    </p:set>
+                                    <p:animEffect transition="in" filter="fade">
+                                      <p:cBhvr>
+                                        <p:cTn id="27" dur="1000"/>
+                                        <p:tgtEl>
+                                          <p:spTgt spid="3">
+                                            <p:txEl>
+                                              <p:pRg st="4" end="4"/>
+                                            </p:txEl>
+                                          </p:spTgt>
+                                        </p:tgtEl>
+                                      </p:cBhvr>
+                                    </p:animEffect>
+                                  </p:childTnLst>
+                                </p:cTn>
+                              </p:par>
+                            </p:childTnLst>
+                          </p:cTn>
+                        </p:par>
+                        <p:par>
+                          <p:cTn id="28" fill="hold">
+                            <p:stCondLst>
+                              <p:cond delay="6000"/>
+                            </p:stCondLst>
+                            <p:childTnLst>
+                              <p:par>
+                                <p:cTn id="29" presetID="10" presetClass="entr" presetSubtype="0" fill="hold" nodeType="afterEffect">
+                                  <p:stCondLst>
+                                    <p:cond delay="0"/>
+                                  </p:stCondLst>
+                                  <p:childTnLst>
+                                    <p:set>
+                                      <p:cBhvr>
+                                        <p:cTn id="30" dur="1" fill="hold">
+                                          <p:stCondLst>
+                                            <p:cond delay="0"/>
+                                          </p:stCondLst>
+                                        </p:cTn>
+                                        <p:tgtEl>
+                                          <p:spTgt spid="3">
+                                            <p:txEl>
+                                              <p:pRg st="5" end="5"/>
+                                            </p:txEl>
+                                          </p:spTgt>
+                                        </p:tgtEl>
+                                        <p:attrNameLst>
+                                          <p:attrName>style.visibility</p:attrName>
+                                        </p:attrNameLst>
+                                      </p:cBhvr>
+                                      <p:to>
+                                        <p:strVal val="visible"/>
+                                      </p:to>
+                                    </p:set>
+                                    <p:animEffect transition="in" filter="fade">
+                                      <p:cBhvr>
+                                        <p:cTn id="31" dur="1000"/>
+                                        <p:tgtEl>
+                                          <p:spTgt spid="3">
+                                            <p:txEl>
+                                              <p:pRg st="5" end="5"/>
+                                            </p:txEl>
+                                          </p:spTgt>
+                                        </p:tgtEl>
+                                      </p:cBhvr>
+                                    </p:animEffect>
+                                  </p:childTnLst>
+                                </p:cTn>
+                              </p:par>
+                            </p:childTnLst>
+                          </p:cTn>
+                        </p:par>
+                        <p:par>
+                          <p:cTn id="32" fill="hold">
+                            <p:stCondLst>
+                              <p:cond delay="7000"/>
+                            </p:stCondLst>
+                            <p:childTnLst>
+                              <p:par>
+                                <p:cTn id="33" presetID="10" presetClass="entr" presetSubtype="0" fill="hold" nodeType="afterEffect">
+                                  <p:stCondLst>
+                                    <p:cond delay="0"/>
+                                  </p:stCondLst>
+                                  <p:childTnLst>
+                                    <p:set>
+                                      <p:cBhvr>
+                                        <p:cTn id="34" dur="1" fill="hold">
+                                          <p:stCondLst>
+                                            <p:cond delay="0"/>
+                                          </p:stCondLst>
+                                        </p:cTn>
+                                        <p:tgtEl>
+                                          <p:spTgt spid="3">
+                                            <p:txEl>
+                                              <p:pRg st="6" end="6"/>
+                                            </p:txEl>
+                                          </p:spTgt>
+                                        </p:tgtEl>
+                                        <p:attrNameLst>
+                                          <p:attrName>style.visibility</p:attrName>
+                                        </p:attrNameLst>
+                                      </p:cBhvr>
+                                      <p:to>
+                                        <p:strVal val="visible"/>
+                                      </p:to>
+                                    </p:set>
+                                    <p:animEffect transition="in" filter="fade">
+                                      <p:cBhvr>
+                                        <p:cTn id="35" dur="1000"/>
+                                        <p:tgtEl>
+                                          <p:spTgt spid="3">
+                                            <p:txEl>
+                                              <p:pRg st="6" end="6"/>
+                                            </p:txEl>
+                                          </p:spTgt>
+                                        </p:tgtEl>
+                                      </p:cBhvr>
+                                    </p:animEffect>
+                                  </p:childTnLst>
+                                </p:cTn>
+                              </p:par>
+                            </p:childTnLst>
+                          </p:cTn>
+                        </p:par>
+                      </p:childTnLst>
+                    </p:cTn>
+                  </p:par>
+                </p:childTnLst>
+              </p:cTn>
+              <p:prevCondLst>
+                <p:cond evt="onPrev" delay="0">
+                  <p:tgtEl>
+                    <p:sldTgt/>
+                  </p:tgtEl>
+                </p:cond>
+              </p:prevCondLst>
+              <p:nextCondLst>
+                <p:cond evt="onNext" delay="0">
+                  <p:tgtEl>
+                    <p:sldTgt/>
+                  </p:tgtEl>
+                </p:cond>
+              </p:nextCondLst>
+            </p:seq>
+          </p:childTnLst>
+        </p:cTn>
+      </p:par>
+    </p:tnLst>
+    <p:bldLst>
+      <p:bldP spid="2" grpId="0"/>
+    </p:bldLst>
+  </p:timing>
+</p:sld>
+</file>
+
+<file path=ppt/slides/slide10.xml><?xml version="1.0" encoding="utf-8"?>
+<p:sld xmlns:a="http://schemas.openxmlformats.org/drawingml/2006/main" xmlns:r="http://schemas.openxmlformats.org/officeDocument/2006/relationships" xmlns:p="http://schemas.openxmlformats.org/presentationml/2006/main">
+  <p:cSld>
+    <p:spTree>
+      <p:nvGrpSpPr>
+        <p:cNvPr id="1" name=""/>
+        <p:cNvGrpSpPr/>
+        <p:nvPr/>
+      </p:nvGrpSpPr>
+      <p:grpSpPr>
+        <a:xfrm>
+          <a:off x="0" y="0"/>
+          <a:ext cx="0" cy="0"/>
+          <a:chOff x="0" y="0"/>
+          <a:chExt cx="0" cy="0"/>
+        </a:xfrm>
+      </p:grpSpPr>
+      <p:sp>
+        <p:nvSpPr>
+          <p:cNvPr id="4" name="Rounded Rectangle 3"/>
+          <p:cNvSpPr/>
+          <p:nvPr/>
+        </p:nvSpPr>
+        <p:spPr>
+          <a:xfrm>
+            <a:off x="638637" y="3018970"/>
+            <a:ext cx="1785257" cy="1074057"/>
+          </a:xfrm>
+          <a:prstGeom prst="roundRect">
+            <a:avLst/>
+          </a:prstGeom>
+        </p:spPr>
+        <p:style>
+          <a:lnRef idx="2">
+            <a:schemeClr val="accent1">
+              <a:shade val="50000"/>
+            </a:schemeClr>
+          </a:lnRef>
+          <a:fillRef idx="1">
+            <a:schemeClr val="accent1"/>
+          </a:fillRef>
+          <a:effectRef idx="0">
+            <a:schemeClr val="accent1"/>
+          </a:effectRef>
+          <a:fontRef idx="minor">
+            <a:schemeClr val="lt1"/>
+          </a:fontRef>
+        </p:style>
+        <p:txBody>
+          <a:bodyPr rtlCol="0" anchor="ctr"/>
+          <a:lstStyle/>
+          <a:p>
+            <a:pPr algn="ctr"/>
+            <a:r>
+              <a:rPr lang="en-US" sz="2800" dirty="0" smtClean="0">
+                <a:solidFill>
+                  <a:schemeClr val="bg1"/>
+                </a:solidFill>
+                <a:latin typeface="Times New Roman" pitchFamily="18" charset="0"/>
+                <a:cs typeface="Times New Roman" pitchFamily="18" charset="0"/>
+              </a:rPr>
+              <a:t>Services</a:t>
+            </a:r>
+            <a:endParaRPr lang="en-US" sz="2800" dirty="0">
+              <a:solidFill>
+                <a:schemeClr val="bg1"/>
+              </a:solidFill>
+              <a:latin typeface="Times New Roman" pitchFamily="18" charset="0"/>
+              <a:cs typeface="Times New Roman" pitchFamily="18" charset="0"/>
+            </a:endParaRPr>
+          </a:p>
+        </p:txBody>
+      </p:sp>
+      <p:sp>
+        <p:nvSpPr>
+          <p:cNvPr id="5" name="Rounded Rectangle 4"/>
+          <p:cNvSpPr/>
+          <p:nvPr/>
+        </p:nvSpPr>
+        <p:spPr>
+          <a:xfrm>
+            <a:off x="3236697" y="3062514"/>
+            <a:ext cx="1930400" cy="986972"/>
+          </a:xfrm>
+          <a:prstGeom prst="roundRect">
+            <a:avLst/>
+          </a:prstGeom>
+        </p:spPr>
+        <p:style>
+          <a:lnRef idx="2">
+            <a:schemeClr val="accent1">
+              <a:shade val="50000"/>
+            </a:schemeClr>
+          </a:lnRef>
+          <a:fillRef idx="1">
+            <a:schemeClr val="accent1"/>
+          </a:fillRef>
+          <a:effectRef idx="0">
+            <a:schemeClr val="accent1"/>
+          </a:effectRef>
+          <a:fontRef idx="minor">
+            <a:schemeClr val="lt1"/>
+          </a:fontRef>
+        </p:style>
+        <p:txBody>
+          <a:bodyPr rtlCol="0" anchor="ctr"/>
+          <a:lstStyle/>
+          <a:p>
+            <a:pPr algn="ctr"/>
+            <a:r>
+              <a:rPr lang="en-US" sz="2800" dirty="0" smtClean="0">
+                <a:latin typeface="Times New Roman" pitchFamily="18" charset="0"/>
+                <a:cs typeface="Times New Roman" pitchFamily="18" charset="0"/>
+              </a:rPr>
+              <a:t>Handlers</a:t>
+            </a:r>
+            <a:endParaRPr lang="en-US" sz="2800" dirty="0">
+              <a:latin typeface="Times New Roman" pitchFamily="18" charset="0"/>
+              <a:cs typeface="Times New Roman" pitchFamily="18" charset="0"/>
+            </a:endParaRPr>
+          </a:p>
+        </p:txBody>
+      </p:sp>
+      <p:sp>
+        <p:nvSpPr>
+          <p:cNvPr id="6" name="Rounded Rectangle 5"/>
+          <p:cNvSpPr/>
+          <p:nvPr/>
+        </p:nvSpPr>
+        <p:spPr>
+          <a:xfrm>
+            <a:off x="5892809" y="3077029"/>
+            <a:ext cx="1683664" cy="1030519"/>
+          </a:xfrm>
+          <a:prstGeom prst="roundRect">
+            <a:avLst/>
+          </a:prstGeom>
+        </p:spPr>
+        <p:style>
+          <a:lnRef idx="2">
+            <a:schemeClr val="accent1">
+              <a:shade val="50000"/>
+            </a:schemeClr>
+          </a:lnRef>
+          <a:fillRef idx="1">
+            <a:schemeClr val="accent1"/>
+          </a:fillRef>
+          <a:effectRef idx="0">
+            <a:schemeClr val="accent1"/>
+          </a:effectRef>
+          <a:fontRef idx="minor">
+            <a:schemeClr val="lt1"/>
+          </a:fontRef>
+        </p:style>
+        <p:txBody>
+          <a:bodyPr rtlCol="0" anchor="ctr"/>
+          <a:lstStyle/>
+          <a:p>
+            <a:pPr algn="ctr"/>
+            <a:r>
+              <a:rPr lang="en-US" sz="2400" dirty="0" smtClean="0">
+                <a:latin typeface="Times New Roman" pitchFamily="18" charset="0"/>
+                <a:cs typeface="Times New Roman" pitchFamily="18" charset="0"/>
+              </a:rPr>
+              <a:t>DAO Classes</a:t>
+            </a:r>
+            <a:endParaRPr lang="en-US" sz="2400" dirty="0">
+              <a:latin typeface="Times New Roman" pitchFamily="18" charset="0"/>
+              <a:cs typeface="Times New Roman" pitchFamily="18" charset="0"/>
+            </a:endParaRPr>
+          </a:p>
+        </p:txBody>
+      </p:sp>
+      <p:sp>
+        <p:nvSpPr>
+          <p:cNvPr id="7" name="Rounded Rectangle 6"/>
+          <p:cNvSpPr/>
+          <p:nvPr/>
+        </p:nvSpPr>
+        <p:spPr>
+          <a:xfrm>
+            <a:off x="8345721" y="3091542"/>
+            <a:ext cx="1669143" cy="1030514"/>
+          </a:xfrm>
+          <a:prstGeom prst="roundRect">
+            <a:avLst/>
+          </a:prstGeom>
+        </p:spPr>
+        <p:style>
+          <a:lnRef idx="2">
+            <a:schemeClr val="accent1">
+              <a:shade val="50000"/>
+            </a:schemeClr>
+          </a:lnRef>
+          <a:fillRef idx="1">
+            <a:schemeClr val="accent1"/>
+          </a:fillRef>
+          <a:effectRef idx="0">
+            <a:schemeClr val="accent1"/>
+          </a:effectRef>
+          <a:fontRef idx="minor">
+            <a:schemeClr val="lt1"/>
+          </a:fontRef>
+        </p:style>
+        <p:txBody>
+          <a:bodyPr rtlCol="0" anchor="ctr"/>
+          <a:lstStyle/>
+          <a:p>
+            <a:pPr algn="ctr"/>
+            <a:r>
+              <a:rPr lang="en-US" sz="2400" dirty="0" smtClean="0">
+                <a:latin typeface="Times New Roman" pitchFamily="18" charset="0"/>
+                <a:cs typeface="Times New Roman" pitchFamily="18" charset="0"/>
+              </a:rPr>
+              <a:t>Data Classes</a:t>
+            </a:r>
+            <a:endParaRPr lang="en-US" sz="2400" dirty="0">
+              <a:latin typeface="Times New Roman" pitchFamily="18" charset="0"/>
+              <a:cs typeface="Times New Roman" pitchFamily="18" charset="0"/>
+            </a:endParaRPr>
+          </a:p>
+        </p:txBody>
+      </p:sp>
+      <p:sp>
+        <p:nvSpPr>
+          <p:cNvPr id="8" name="Right Arrow 7"/>
+          <p:cNvSpPr/>
+          <p:nvPr/>
+        </p:nvSpPr>
+        <p:spPr>
+          <a:xfrm>
+            <a:off x="2496457" y="3454400"/>
+            <a:ext cx="682172" cy="261257"/>
+          </a:xfrm>
+          <a:prstGeom prst="rightArrow">
+            <a:avLst/>
+          </a:prstGeom>
+        </p:spPr>
+        <p:style>
+          <a:lnRef idx="2">
+            <a:schemeClr val="accent2">
+              <a:shade val="50000"/>
+            </a:schemeClr>
+          </a:lnRef>
+          <a:fillRef idx="1">
+            <a:schemeClr val="accent2"/>
+          </a:fillRef>
+          <a:effectRef idx="0">
+            <a:schemeClr val="accent2"/>
+          </a:effectRef>
+          <a:fontRef idx="minor">
+            <a:schemeClr val="lt1"/>
+          </a:fontRef>
+        </p:style>
+        <p:txBody>
+          <a:bodyPr rtlCol="0" anchor="ctr"/>
+          <a:lstStyle/>
+          <a:p>
+            <a:pPr algn="ctr"/>
+            <a:endParaRPr lang="en-US"/>
+          </a:p>
+        </p:txBody>
+      </p:sp>
+      <p:sp>
+        <p:nvSpPr>
+          <p:cNvPr id="9" name="Right Arrow 8"/>
+          <p:cNvSpPr/>
+          <p:nvPr/>
+        </p:nvSpPr>
+        <p:spPr>
+          <a:xfrm>
+            <a:off x="5203372" y="3403600"/>
+            <a:ext cx="682172" cy="261257"/>
+          </a:xfrm>
+          <a:prstGeom prst="rightArrow">
+            <a:avLst/>
+          </a:prstGeom>
+        </p:spPr>
+        <p:style>
+          <a:lnRef idx="2">
+            <a:schemeClr val="accent2">
+              <a:shade val="50000"/>
+            </a:schemeClr>
+          </a:lnRef>
+          <a:fillRef idx="1">
+            <a:schemeClr val="accent2"/>
+          </a:fillRef>
+          <a:effectRef idx="0">
+            <a:schemeClr val="accent2"/>
+          </a:effectRef>
+          <a:fontRef idx="minor">
+            <a:schemeClr val="lt1"/>
+          </a:fontRef>
+        </p:style>
+        <p:txBody>
+          <a:bodyPr rtlCol="0" anchor="ctr"/>
+          <a:lstStyle/>
+          <a:p>
+            <a:pPr algn="ctr"/>
+            <a:endParaRPr lang="en-US"/>
+          </a:p>
+        </p:txBody>
+      </p:sp>
+      <p:sp>
+        <p:nvSpPr>
+          <p:cNvPr id="10" name="Right Arrow 9"/>
+          <p:cNvSpPr/>
+          <p:nvPr/>
+        </p:nvSpPr>
+        <p:spPr>
+          <a:xfrm>
+            <a:off x="7663543" y="3468914"/>
+            <a:ext cx="682172" cy="261257"/>
+          </a:xfrm>
+          <a:prstGeom prst="rightArrow">
+            <a:avLst/>
+          </a:prstGeom>
+        </p:spPr>
+        <p:style>
+          <a:lnRef idx="2">
+            <a:schemeClr val="accent2">
+              <a:shade val="50000"/>
+            </a:schemeClr>
+          </a:lnRef>
+          <a:fillRef idx="1">
+            <a:schemeClr val="accent2"/>
+          </a:fillRef>
+          <a:effectRef idx="0">
+            <a:schemeClr val="accent2"/>
+          </a:effectRef>
+          <a:fontRef idx="minor">
+            <a:schemeClr val="lt1"/>
+          </a:fontRef>
+        </p:style>
+        <p:txBody>
+          <a:bodyPr rtlCol="0" anchor="ctr"/>
+          <a:lstStyle/>
+          <a:p>
+            <a:pPr algn="ctr"/>
+            <a:endParaRPr lang="en-US"/>
+          </a:p>
+        </p:txBody>
+      </p:sp>
+      <p:sp>
+        <p:nvSpPr>
+          <p:cNvPr id="11" name="Title 1"/>
+          <p:cNvSpPr>
+            <a:spLocks noGrp="1"/>
+          </p:cNvSpPr>
+          <p:nvPr>
+            <p:ph type="title"/>
+          </p:nvPr>
+        </p:nvSpPr>
+        <p:spPr>
+          <a:xfrm>
+            <a:off x="677334" y="609600"/>
+            <a:ext cx="8596668" cy="1320800"/>
+          </a:xfrm>
+        </p:spPr>
+        <p:txBody>
+          <a:bodyPr>
+            <a:noAutofit/>
+          </a:bodyPr>
+          <a:lstStyle/>
+          <a:p>
+            <a:pPr algn="ctr"/>
+            <a:r>
+              <a:rPr lang="en-IN" sz="5400" dirty="0" smtClean="0">
+                <a:solidFill>
+                  <a:srgbClr val="0070C0"/>
+                </a:solidFill>
+                <a:latin typeface="Arial" panose="020B0604020202020204" pitchFamily="34" charset="0"/>
+                <a:cs typeface="Arial" panose="020B0604020202020204" pitchFamily="34" charset="0"/>
+              </a:rPr>
+              <a:t>Flow in Web Services:</a:t>
+            </a:r>
+            <a:r>
+              <a:rPr lang="en-IN" sz="5400" dirty="0" smtClean="0">
+                <a:solidFill>
+                  <a:srgbClr val="0070C0"/>
+                </a:solidFill>
+                <a:latin typeface="Arial" panose="020B0604020202020204" pitchFamily="34" charset="0"/>
+                <a:cs typeface="Arial" panose="020B0604020202020204" pitchFamily="34" charset="0"/>
+              </a:rPr>
+              <a:t/>
+            </a:r>
+            <a:br>
+              <a:rPr lang="en-IN" sz="5400" dirty="0" smtClean="0">
+                <a:solidFill>
+                  <a:srgbClr val="0070C0"/>
+                </a:solidFill>
+                <a:latin typeface="Arial" panose="020B0604020202020204" pitchFamily="34" charset="0"/>
+                <a:cs typeface="Arial" panose="020B0604020202020204" pitchFamily="34" charset="0"/>
+              </a:rPr>
+            </a:br>
+            <a:endParaRPr lang="en-IN" sz="5400" dirty="0">
+              <a:solidFill>
+                <a:srgbClr val="0070C0"/>
+              </a:solidFill>
+              <a:latin typeface="Arial" panose="020B0604020202020204" pitchFamily="34" charset="0"/>
+              <a:cs typeface="Arial" panose="020B0604020202020204" pitchFamily="34" charset="0"/>
+            </a:endParaRPr>
+          </a:p>
+        </p:txBody>
+      </p:sp>
+    </p:spTree>
+  </p:cSld>
+  <p:clrMapOvr>
+    <a:masterClrMapping/>
+  </p:clrMapOvr>
+  <p:timing>
+    <p:tnLst>
+      <p:par>
+        <p:cTn id="1" dur="indefinite" restart="never" nodeType="tmRoot">
+          <p:childTnLst>
+            <p:seq concurrent="1" nextAc="seek">
+              <p:cTn id="2" dur="indefinite" nodeType="mainSeq">
+                <p:childTnLst>
+                  <p:par>
+                    <p:cTn id="3" fill="hold">
+                      <p:stCondLst>
+                        <p:cond delay="indefinite"/>
+                        <p:cond evt="onBegin" delay="0">
+                          <p:tn val="2"/>
+                        </p:cond>
+                      </p:stCondLst>
+                      <p:childTnLst>
+                        <p:par>
+                          <p:cTn id="4" fill="hold">
+                            <p:stCondLst>
+                              <p:cond delay="0"/>
+                            </p:stCondLst>
+                            <p:childTnLst>
+                              <p:par>
+                                <p:cTn id="5" presetID="10" presetClass="entr" presetSubtype="0" fill="hold" grpId="0" nodeType="afterEffect">
+                                  <p:stCondLst>
+                                    <p:cond delay="0"/>
+                                  </p:stCondLst>
+                                  <p:childTnLst>
+                                    <p:set>
+                                      <p:cBhvr>
+                                        <p:cTn id="6" dur="1" fill="hold">
+                                          <p:stCondLst>
+                                            <p:cond delay="0"/>
+                                          </p:stCondLst>
+                                        </p:cTn>
+                                        <p:tgtEl>
+                                          <p:spTgt spid="11"/>
+                                        </p:tgtEl>
+                                        <p:attrNameLst>
+                                          <p:attrName>style.visibility</p:attrName>
+                                        </p:attrNameLst>
+                                      </p:cBhvr>
+                                      <p:to>
+                                        <p:strVal val="visible"/>
+                                      </p:to>
+                                    </p:set>
+                                    <p:animEffect transition="in" filter="fade">
+                                      <p:cBhvr>
+                                        <p:cTn id="7" dur="1000"/>
+                                        <p:tgtEl>
+                                          <p:spTgt spid="11"/>
+                                        </p:tgtEl>
+                                      </p:cBhvr>
+                                    </p:animEffect>
+                                  </p:childTnLst>
+                                </p:cTn>
+                              </p:par>
+                            </p:childTnLst>
+                          </p:cTn>
+                        </p:par>
+                        <p:par>
+                          <p:cTn id="8" fill="hold">
+                            <p:stCondLst>
+                              <p:cond delay="1000"/>
+                            </p:stCondLst>
+                            <p:childTnLst>
+                              <p:par>
+                                <p:cTn id="9" presetID="42" presetClass="entr" presetSubtype="0" fill="hold" grpId="0" nodeType="afterEffect">
+                                  <p:stCondLst>
+                                    <p:cond delay="0"/>
+                                  </p:stCondLst>
+                                  <p:childTnLst>
+                                    <p:set>
+                                      <p:cBhvr>
+                                        <p:cTn id="10" dur="1" fill="hold">
+                                          <p:stCondLst>
+                                            <p:cond delay="0"/>
+                                          </p:stCondLst>
+                                        </p:cTn>
+                                        <p:tgtEl>
+                                          <p:spTgt spid="4"/>
+                                        </p:tgtEl>
+                                        <p:attrNameLst>
+                                          <p:attrName>style.visibility</p:attrName>
+                                        </p:attrNameLst>
+                                      </p:cBhvr>
+                                      <p:to>
+                                        <p:strVal val="visible"/>
+                                      </p:to>
+                                    </p:set>
+                                    <p:animEffect transition="in" filter="fade">
+                                      <p:cBhvr>
+                                        <p:cTn id="11" dur="500"/>
+                                        <p:tgtEl>
+                                          <p:spTgt spid="4"/>
+                                        </p:tgtEl>
+                                      </p:cBhvr>
+                                    </p:animEffect>
+                                    <p:anim calcmode="lin" valueType="num">
+                                      <p:cBhvr>
+                                        <p:cTn id="12" dur="500" fill="hold"/>
+                                        <p:tgtEl>
+                                          <p:spTgt spid="4"/>
+                                        </p:tgtEl>
+                                        <p:attrNameLst>
+                                          <p:attrName>ppt_x</p:attrName>
+                                        </p:attrNameLst>
+                                      </p:cBhvr>
+                                      <p:tavLst>
+                                        <p:tav tm="0">
+                                          <p:val>
+                                            <p:strVal val="#ppt_x"/>
+                                          </p:val>
+                                        </p:tav>
+                                        <p:tav tm="100000">
+                                          <p:val>
+                                            <p:strVal val="#ppt_x"/>
+                                          </p:val>
+                                        </p:tav>
+                                      </p:tavLst>
+                                    </p:anim>
+                                    <p:anim calcmode="lin" valueType="num">
+                                      <p:cBhvr>
+                                        <p:cTn id="13" dur="500" fill="hold"/>
+                                        <p:tgtEl>
+                                          <p:spTgt spid="4"/>
+                                        </p:tgtEl>
+                                        <p:attrNameLst>
+                                          <p:attrName>ppt_y</p:attrName>
+                                        </p:attrNameLst>
+                                      </p:cBhvr>
+                                      <p:tavLst>
+                                        <p:tav tm="0">
+                                          <p:val>
+                                            <p:strVal val="#ppt_y+.1"/>
+                                          </p:val>
+                                        </p:tav>
+                                        <p:tav tm="100000">
+                                          <p:val>
+                                            <p:strVal val="#ppt_y"/>
+                                          </p:val>
+                                        </p:tav>
+                                      </p:tavLst>
+                                    </p:anim>
+                                  </p:childTnLst>
+                                </p:cTn>
+                              </p:par>
+                            </p:childTnLst>
+                          </p:cTn>
+                        </p:par>
+                        <p:par>
+                          <p:cTn id="14" fill="hold">
+                            <p:stCondLst>
+                              <p:cond delay="1500"/>
+                            </p:stCondLst>
+                            <p:childTnLst>
+                              <p:par>
+                                <p:cTn id="15" presetID="12" presetClass="entr" presetSubtype="4" fill="hold" grpId="0" nodeType="afterEffect">
+                                  <p:stCondLst>
+                                    <p:cond delay="0"/>
+                                  </p:stCondLst>
+                                  <p:childTnLst>
+                                    <p:set>
+                                      <p:cBhvr>
+                                        <p:cTn id="16" dur="1" fill="hold">
+                                          <p:stCondLst>
+                                            <p:cond delay="0"/>
+                                          </p:stCondLst>
+                                        </p:cTn>
+                                        <p:tgtEl>
+                                          <p:spTgt spid="8"/>
+                                        </p:tgtEl>
+                                        <p:attrNameLst>
+                                          <p:attrName>style.visibility</p:attrName>
+                                        </p:attrNameLst>
+                                      </p:cBhvr>
+                                      <p:to>
+                                        <p:strVal val="visible"/>
+                                      </p:to>
+                                    </p:set>
+                                    <p:animEffect transition="in" filter="slide(fromBottom)">
+                                      <p:cBhvr>
+                                        <p:cTn id="17" dur="500"/>
+                                        <p:tgtEl>
+                                          <p:spTgt spid="8"/>
+                                        </p:tgtEl>
+                                      </p:cBhvr>
+                                    </p:animEffect>
+                                  </p:childTnLst>
+                                </p:cTn>
+                              </p:par>
+                            </p:childTnLst>
+                          </p:cTn>
+                        </p:par>
+                        <p:par>
+                          <p:cTn id="18" fill="hold">
+                            <p:stCondLst>
+                              <p:cond delay="2000"/>
+                            </p:stCondLst>
+                            <p:childTnLst>
+                              <p:par>
+                                <p:cTn id="19" presetID="42" presetClass="entr" presetSubtype="0" fill="hold" grpId="0" nodeType="afterEffect">
+                                  <p:stCondLst>
+                                    <p:cond delay="0"/>
+                                  </p:stCondLst>
+                                  <p:childTnLst>
+                                    <p:set>
+                                      <p:cBhvr>
+                                        <p:cTn id="20" dur="1" fill="hold">
+                                          <p:stCondLst>
+                                            <p:cond delay="0"/>
+                                          </p:stCondLst>
+                                        </p:cTn>
+                                        <p:tgtEl>
+                                          <p:spTgt spid="5"/>
+                                        </p:tgtEl>
+                                        <p:attrNameLst>
+                                          <p:attrName>style.visibility</p:attrName>
+                                        </p:attrNameLst>
+                                      </p:cBhvr>
+                                      <p:to>
+                                        <p:strVal val="visible"/>
+                                      </p:to>
+                                    </p:set>
+                                    <p:animEffect transition="in" filter="fade">
+                                      <p:cBhvr>
+                                        <p:cTn id="21" dur="500"/>
+                                        <p:tgtEl>
+                                          <p:spTgt spid="5"/>
+                                        </p:tgtEl>
+                                      </p:cBhvr>
+                                    </p:animEffect>
+                                    <p:anim calcmode="lin" valueType="num">
+                                      <p:cBhvr>
+                                        <p:cTn id="22" dur="500" fill="hold"/>
+                                        <p:tgtEl>
+                                          <p:spTgt spid="5"/>
+                                        </p:tgtEl>
+                                        <p:attrNameLst>
+                                          <p:attrName>ppt_x</p:attrName>
+                                        </p:attrNameLst>
+                                      </p:cBhvr>
+                                      <p:tavLst>
+                                        <p:tav tm="0">
+                                          <p:val>
+                                            <p:strVal val="#ppt_x"/>
+                                          </p:val>
+                                        </p:tav>
+                                        <p:tav tm="100000">
+                                          <p:val>
+                                            <p:strVal val="#ppt_x"/>
+                                          </p:val>
+                                        </p:tav>
+                                      </p:tavLst>
+                                    </p:anim>
+                                    <p:anim calcmode="lin" valueType="num">
+                                      <p:cBhvr>
+                                        <p:cTn id="23" dur="500" fill="hold"/>
+                                        <p:tgtEl>
+                                          <p:spTgt spid="5"/>
+                                        </p:tgtEl>
+                                        <p:attrNameLst>
+                                          <p:attrName>ppt_y</p:attrName>
+                                        </p:attrNameLst>
+                                      </p:cBhvr>
+                                      <p:tavLst>
+                                        <p:tav tm="0">
+                                          <p:val>
+                                            <p:strVal val="#ppt_y+.1"/>
+                                          </p:val>
+                                        </p:tav>
+                                        <p:tav tm="100000">
+                                          <p:val>
+                                            <p:strVal val="#ppt_y"/>
+                                          </p:val>
+                                        </p:tav>
+                                      </p:tavLst>
+                                    </p:anim>
+                                  </p:childTnLst>
+                                </p:cTn>
+                              </p:par>
+                            </p:childTnLst>
+                          </p:cTn>
+                        </p:par>
+                        <p:par>
+                          <p:cTn id="24" fill="hold">
+                            <p:stCondLst>
+                              <p:cond delay="2500"/>
+                            </p:stCondLst>
+                            <p:childTnLst>
+                              <p:par>
+                                <p:cTn id="25" presetID="12" presetClass="entr" presetSubtype="4" fill="hold" grpId="0" nodeType="afterEffect">
+                                  <p:stCondLst>
+                                    <p:cond delay="0"/>
+                                  </p:stCondLst>
+                                  <p:childTnLst>
+                                    <p:set>
+                                      <p:cBhvr>
+                                        <p:cTn id="26" dur="1" fill="hold">
+                                          <p:stCondLst>
+                                            <p:cond delay="0"/>
+                                          </p:stCondLst>
+                                        </p:cTn>
+                                        <p:tgtEl>
+                                          <p:spTgt spid="9"/>
+                                        </p:tgtEl>
+                                        <p:attrNameLst>
+                                          <p:attrName>style.visibility</p:attrName>
+                                        </p:attrNameLst>
+                                      </p:cBhvr>
+                                      <p:to>
+                                        <p:strVal val="visible"/>
+                                      </p:to>
+                                    </p:set>
+                                    <p:animEffect transition="in" filter="slide(fromBottom)">
+                                      <p:cBhvr>
+                                        <p:cTn id="27" dur="500"/>
+                                        <p:tgtEl>
+                                          <p:spTgt spid="9"/>
+                                        </p:tgtEl>
+                                      </p:cBhvr>
+                                    </p:animEffect>
+                                  </p:childTnLst>
+                                </p:cTn>
+                              </p:par>
+                            </p:childTnLst>
+                          </p:cTn>
+                        </p:par>
+                        <p:par>
+                          <p:cTn id="28" fill="hold">
+                            <p:stCondLst>
+                              <p:cond delay="3000"/>
+                            </p:stCondLst>
+                            <p:childTnLst>
+                              <p:par>
+                                <p:cTn id="29" presetID="42" presetClass="entr" presetSubtype="0" fill="hold" grpId="0" nodeType="afterEffect">
+                                  <p:stCondLst>
+                                    <p:cond delay="0"/>
+                                  </p:stCondLst>
+                                  <p:childTnLst>
+                                    <p:set>
+                                      <p:cBhvr>
+                                        <p:cTn id="30" dur="1" fill="hold">
+                                          <p:stCondLst>
+                                            <p:cond delay="0"/>
+                                          </p:stCondLst>
+                                        </p:cTn>
+                                        <p:tgtEl>
+                                          <p:spTgt spid="6"/>
+                                        </p:tgtEl>
+                                        <p:attrNameLst>
+                                          <p:attrName>style.visibility</p:attrName>
+                                        </p:attrNameLst>
+                                      </p:cBhvr>
+                                      <p:to>
+                                        <p:strVal val="visible"/>
+                                      </p:to>
+                                    </p:set>
+                                    <p:animEffect transition="in" filter="fade">
+                                      <p:cBhvr>
+                                        <p:cTn id="31" dur="500"/>
+                                        <p:tgtEl>
+                                          <p:spTgt spid="6"/>
+                                        </p:tgtEl>
+                                      </p:cBhvr>
+                                    </p:animEffect>
+                                    <p:anim calcmode="lin" valueType="num">
+                                      <p:cBhvr>
+                                        <p:cTn id="32" dur="500" fill="hold"/>
+                                        <p:tgtEl>
+                                          <p:spTgt spid="6"/>
+                                        </p:tgtEl>
+                                        <p:attrNameLst>
+                                          <p:attrName>ppt_x</p:attrName>
+                                        </p:attrNameLst>
+                                      </p:cBhvr>
+                                      <p:tavLst>
+                                        <p:tav tm="0">
+                                          <p:val>
+                                            <p:strVal val="#ppt_x"/>
+                                          </p:val>
+                                        </p:tav>
+                                        <p:tav tm="100000">
+                                          <p:val>
+                                            <p:strVal val="#ppt_x"/>
+                                          </p:val>
+                                        </p:tav>
+                                      </p:tavLst>
+                                    </p:anim>
+                                    <p:anim calcmode="lin" valueType="num">
+                                      <p:cBhvr>
+                                        <p:cTn id="33" dur="500" fill="hold"/>
+                                        <p:tgtEl>
+                                          <p:spTgt spid="6"/>
+                                        </p:tgtEl>
+                                        <p:attrNameLst>
+                                          <p:attrName>ppt_y</p:attrName>
+                                        </p:attrNameLst>
+                                      </p:cBhvr>
+                                      <p:tavLst>
+                                        <p:tav tm="0">
+                                          <p:val>
+                                            <p:strVal val="#ppt_y+.1"/>
+                                          </p:val>
+                                        </p:tav>
+                                        <p:tav tm="100000">
+                                          <p:val>
+                                            <p:strVal val="#ppt_y"/>
+                                          </p:val>
+                                        </p:tav>
+                                      </p:tavLst>
+                                    </p:anim>
+                                  </p:childTnLst>
+                                </p:cTn>
+                              </p:par>
+                            </p:childTnLst>
+                          </p:cTn>
+                        </p:par>
+                        <p:par>
+                          <p:cTn id="34" fill="hold">
+                            <p:stCondLst>
+                              <p:cond delay="3500"/>
+                            </p:stCondLst>
+                            <p:childTnLst>
+                              <p:par>
+                                <p:cTn id="35" presetID="12" presetClass="entr" presetSubtype="4" fill="hold" grpId="0" nodeType="afterEffect">
+                                  <p:stCondLst>
+                                    <p:cond delay="0"/>
+                                  </p:stCondLst>
+                                  <p:childTnLst>
+                                    <p:set>
+                                      <p:cBhvr>
+                                        <p:cTn id="36" dur="1" fill="hold">
+                                          <p:stCondLst>
+                                            <p:cond delay="0"/>
+                                          </p:stCondLst>
+                                        </p:cTn>
+                                        <p:tgtEl>
+                                          <p:spTgt spid="10"/>
+                                        </p:tgtEl>
+                                        <p:attrNameLst>
+                                          <p:attrName>style.visibility</p:attrName>
+                                        </p:attrNameLst>
+                                      </p:cBhvr>
+                                      <p:to>
+                                        <p:strVal val="visible"/>
+                                      </p:to>
+                                    </p:set>
+                                    <p:animEffect transition="in" filter="slide(fromBottom)">
+                                      <p:cBhvr>
+                                        <p:cTn id="37" dur="500"/>
+                                        <p:tgtEl>
+                                          <p:spTgt spid="10"/>
+                                        </p:tgtEl>
+                                      </p:cBhvr>
+                                    </p:animEffect>
+                                  </p:childTnLst>
+                                </p:cTn>
+                              </p:par>
+                            </p:childTnLst>
+                          </p:cTn>
+                        </p:par>
+                        <p:par>
+                          <p:cTn id="38" fill="hold">
+                            <p:stCondLst>
+                              <p:cond delay="4000"/>
+                            </p:stCondLst>
+                            <p:childTnLst>
+                              <p:par>
+                                <p:cTn id="39" presetID="42" presetClass="entr" presetSubtype="0" fill="hold" grpId="0" nodeType="afterEffect">
+                                  <p:stCondLst>
+                                    <p:cond delay="0"/>
+                                  </p:stCondLst>
+                                  <p:childTnLst>
+                                    <p:set>
+                                      <p:cBhvr>
+                                        <p:cTn id="40" dur="1" fill="hold">
+                                          <p:stCondLst>
+                                            <p:cond delay="0"/>
+                                          </p:stCondLst>
+                                        </p:cTn>
+                                        <p:tgtEl>
+                                          <p:spTgt spid="7"/>
+                                        </p:tgtEl>
+                                        <p:attrNameLst>
+                                          <p:attrName>style.visibility</p:attrName>
+                                        </p:attrNameLst>
+                                      </p:cBhvr>
+                                      <p:to>
+                                        <p:strVal val="visible"/>
+                                      </p:to>
+                                    </p:set>
+                                    <p:animEffect transition="in" filter="fade">
+                                      <p:cBhvr>
+                                        <p:cTn id="41" dur="500"/>
+                                        <p:tgtEl>
+                                          <p:spTgt spid="7"/>
+                                        </p:tgtEl>
+                                      </p:cBhvr>
+                                    </p:animEffect>
+                                    <p:anim calcmode="lin" valueType="num">
+                                      <p:cBhvr>
+                                        <p:cTn id="42" dur="500" fill="hold"/>
+                                        <p:tgtEl>
+                                          <p:spTgt spid="7"/>
+                                        </p:tgtEl>
+                                        <p:attrNameLst>
+                                          <p:attrName>ppt_x</p:attrName>
+                                        </p:attrNameLst>
+                                      </p:cBhvr>
+                                      <p:tavLst>
+                                        <p:tav tm="0">
+                                          <p:val>
+                                            <p:strVal val="#ppt_x"/>
+                                          </p:val>
+                                        </p:tav>
+                                        <p:tav tm="100000">
+                                          <p:val>
+                                            <p:strVal val="#ppt_x"/>
+                                          </p:val>
+                                        </p:tav>
+                                      </p:tavLst>
+                                    </p:anim>
+                                    <p:anim calcmode="lin" valueType="num">
+                                      <p:cBhvr>
+                                        <p:cTn id="43" dur="500" fill="hold"/>
+                                        <p:tgtEl>
+                                          <p:spTgt spid="7"/>
+                                        </p:tgtEl>
+                                        <p:attrNameLst>
+                                          <p:attrName>ppt_y</p:attrName>
+                                        </p:attrNameLst>
+                                      </p:cBhvr>
+                                      <p:tavLst>
+                                        <p:tav tm="0">
+                                          <p:val>
+                                            <p:strVal val="#ppt_y+.1"/>
+                                          </p:val>
+                                        </p:tav>
+                                        <p:tav tm="100000">
+                                          <p:val>
+                                            <p:strVal val="#ppt_y"/>
+                                          </p:val>
+                                        </p:tav>
+                                      </p:tavLst>
+                                    </p:anim>
+                                  </p:childTnLst>
+                                </p:cTn>
+                              </p:par>
+                            </p:childTnLst>
+                          </p:cTn>
+                        </p:par>
+                      </p:childTnLst>
+                    </p:cTn>
+                  </p:par>
+                </p:childTnLst>
+              </p:cTn>
+              <p:prevCondLst>
+                <p:cond evt="onPrev" delay="0">
+                  <p:tgtEl>
+                    <p:sldTgt/>
+                  </p:tgtEl>
+                </p:cond>
+              </p:prevCondLst>
+              <p:nextCondLst>
+                <p:cond evt="onNext" delay="0">
+                  <p:tgtEl>
+                    <p:sldTgt/>
+                  </p:tgtEl>
+                </p:cond>
+              </p:nextCondLst>
+            </p:seq>
+          </p:childTnLst>
+        </p:cTn>
+      </p:par>
+    </p:tnLst>
+    <p:bldLst>
+      <p:bldP spid="4" grpId="0" animBg="1"/>
+      <p:bldP spid="5" grpId="0" animBg="1"/>
+      <p:bldP spid="6" grpId="0" animBg="1"/>
+      <p:bldP spid="7" grpId="0" animBg="1"/>
+      <p:bldP spid="8" grpId="0" animBg="1"/>
+      <p:bldP spid="9" grpId="0" animBg="1"/>
+      <p:bldP spid="10" grpId="0" animBg="1"/>
+      <p:bldP spid="11" grpId="0"/>
+    </p:bldLst>
+  </p:timing>
+</p:sld>
+</file>
+
+<file path=ppt/slides/slide11.xml><?xml version="1.0" encoding="utf-8"?>
+<p:sld xmlns:a="http://schemas.openxmlformats.org/drawingml/2006/main" xmlns:r="http://schemas.openxmlformats.org/officeDocument/2006/relationships" xmlns:p="http://schemas.openxmlformats.org/presentationml/2006/main">
+  <p:cSld>
+    <p:spTree>
+      <p:nvGrpSpPr>
+        <p:cNvPr id="1" name=""/>
+        <p:cNvGrpSpPr/>
+        <p:nvPr/>
+      </p:nvGrpSpPr>
+      <p:grpSpPr>
+        <a:xfrm>
+          <a:off x="0" y="0"/>
+          <a:ext cx="0" cy="0"/>
+          <a:chOff x="0" y="0"/>
+          <a:chExt cx="0" cy="0"/>
+        </a:xfrm>
+      </p:grpSpPr>
+      <p:sp>
+        <p:nvSpPr>
+          <p:cNvPr id="2" name="Title 1"/>
+          <p:cNvSpPr>
+            <a:spLocks noGrp="1"/>
+          </p:cNvSpPr>
+          <p:nvPr>
+            <p:ph type="title"/>
+          </p:nvPr>
+        </p:nvSpPr>
+        <p:spPr>
+          <a:xfrm>
+            <a:off x="1014959" y="2514599"/>
+            <a:ext cx="8466956" cy="1300871"/>
+          </a:xfrm>
+        </p:spPr>
+        <p:txBody>
+          <a:bodyPr>
+            <a:noAutofit/>
+          </a:bodyPr>
+          <a:lstStyle/>
+          <a:p>
+            <a:pPr algn="ctr"/>
+            <a:r>
+              <a:rPr lang="en-IN" sz="8000" dirty="0" smtClean="0">
+                <a:solidFill>
+                  <a:srgbClr val="0070C0"/>
+                </a:solidFill>
+                <a:latin typeface="Arial" panose="020B0604020202020204" pitchFamily="34" charset="0"/>
+                <a:cs typeface="Arial" panose="020B0604020202020204" pitchFamily="34" charset="0"/>
+              </a:rPr>
+              <a:t>Analysis</a:t>
+            </a:r>
+            <a:br>
+              <a:rPr lang="en-IN" sz="8000" dirty="0" smtClean="0">
+                <a:solidFill>
+                  <a:srgbClr val="0070C0"/>
+                </a:solidFill>
+                <a:latin typeface="Arial" panose="020B0604020202020204" pitchFamily="34" charset="0"/>
+                <a:cs typeface="Arial" panose="020B0604020202020204" pitchFamily="34" charset="0"/>
+              </a:rPr>
+            </a:br>
+            <a:endParaRPr lang="en-IN" sz="8000" dirty="0">
+              <a:solidFill>
+                <a:srgbClr val="0070C0"/>
+              </a:solidFill>
+              <a:latin typeface="Arial" panose="020B0604020202020204" pitchFamily="34" charset="0"/>
+              <a:cs typeface="Arial" panose="020B0604020202020204" pitchFamily="34" charset="0"/>
+            </a:endParaRPr>
+          </a:p>
+        </p:txBody>
+      </p:sp>
+    </p:spTree>
+    <p:extLst>
+      <p:ext uri="{BB962C8B-B14F-4D97-AF65-F5344CB8AC3E}">
+        <p14:creationId xmlns="" xmlns:p14="http://schemas.microsoft.com/office/powerpoint/2010/main" val="1829217413"/>
+      </p:ext>
+    </p:extLst>
+  </p:cSld>
+  <p:clrMapOvr>
+    <a:masterClrMapping/>
+  </p:clrMapOvr>
+  <p:timing>
+    <p:tnLst>
+      <p:par>
+        <p:cTn id="1" dur="indefinite" restart="never" nodeType="tmRoot">
+          <p:childTnLst>
+            <p:seq concurrent="1" nextAc="seek">
+              <p:cTn id="2" dur="indefinite" nodeType="mainSeq">
+                <p:childTnLst>
+                  <p:par>
+                    <p:cTn id="3" fill="hold">
+                      <p:stCondLst>
+                        <p:cond delay="indefinite"/>
+                        <p:cond evt="onBegin" delay="0">
+                          <p:tn val="2"/>
+                        </p:cond>
+                      </p:stCondLst>
+                      <p:childTnLst>
+                        <p:par>
+                          <p:cTn id="4" fill="hold">
+                            <p:stCondLst>
+                              <p:cond delay="0"/>
+                            </p:stCondLst>
+                            <p:childTnLst>
+                              <p:par>
+                                <p:cTn id="5" presetID="10" presetClass="entr" presetSubtype="0" fill="hold" grpId="0" nodeType="afterEffect">
+                                  <p:stCondLst>
+                                    <p:cond delay="0"/>
+                                  </p:stCondLst>
+                                  <p:childTnLst>
+                                    <p:set>
+                                      <p:cBhvr>
+                                        <p:cTn id="6" dur="1" fill="hold">
+                                          <p:stCondLst>
+                                            <p:cond delay="0"/>
+                                          </p:stCondLst>
+                                        </p:cTn>
+                                        <p:tgtEl>
+                                          <p:spTgt spid="2"/>
+                                        </p:tgtEl>
+                                        <p:attrNameLst>
+                                          <p:attrName>style.visibility</p:attrName>
+                                        </p:attrNameLst>
+                                      </p:cBhvr>
+                                      <p:to>
+                                        <p:strVal val="visible"/>
+                                      </p:to>
+                                    </p:set>
+                                    <p:animEffect transition="in" filter="fade">
+                                      <p:cBhvr>
+                                        <p:cTn id="7" dur="2000"/>
+                                        <p:tgtEl>
+                                          <p:spTgt spid="2"/>
+                                        </p:tgtEl>
+                                      </p:cBhvr>
+                                    </p:animEffect>
+                                  </p:childTnLst>
+                                </p:cTn>
+                              </p:par>
+                            </p:childTnLst>
+                          </p:cTn>
+                        </p:par>
+                      </p:childTnLst>
+                    </p:cTn>
+                  </p:par>
+                </p:childTnLst>
+              </p:cTn>
+              <p:prevCondLst>
+                <p:cond evt="onPrev" delay="0">
+                  <p:tgtEl>
+                    <p:sldTgt/>
+                  </p:tgtEl>
+                </p:cond>
+              </p:prevCondLst>
+              <p:nextCondLst>
+                <p:cond evt="onNext" delay="0">
+                  <p:tgtEl>
+                    <p:sldTgt/>
+                  </p:tgtEl>
+                </p:cond>
+              </p:nextCondLst>
+            </p:seq>
+          </p:childTnLst>
+        </p:cTn>
+      </p:par>
+    </p:tnLst>
+    <p:bldLst>
+      <p:bldP spid="2" grpId="0"/>
+    </p:bldLst>
+  </p:timing>
+</p:sld>
+</file>
+
+<file path=ppt/slides/slide12.xml><?xml version="1.0" encoding="utf-8"?>
+<p:sld xmlns:a="http://schemas.openxmlformats.org/drawingml/2006/main" xmlns:r="http://schemas.openxmlformats.org/officeDocument/2006/relationships" xmlns:p="http://schemas.openxmlformats.org/presentationml/2006/main">
+  <p:cSld>
+    <p:spTree>
+      <p:nvGrpSpPr>
+        <p:cNvPr id="1" name=""/>
+        <p:cNvGrpSpPr/>
+        <p:nvPr/>
+      </p:nvGrpSpPr>
+      <p:grpSpPr>
+        <a:xfrm>
+          <a:off x="0" y="0"/>
+          <a:ext cx="0" cy="0"/>
+          <a:chOff x="0" y="0"/>
+          <a:chExt cx="0" cy="0"/>
+        </a:xfrm>
+      </p:grpSpPr>
+      <p:sp>
+        <p:nvSpPr>
+          <p:cNvPr id="4" name="Title 1"/>
+          <p:cNvSpPr>
+            <a:spLocks noGrp="1"/>
+          </p:cNvSpPr>
+          <p:nvPr>
+            <p:ph type="title"/>
+          </p:nvPr>
+        </p:nvSpPr>
+        <p:spPr>
+          <a:xfrm>
+            <a:off x="677334" y="609600"/>
+            <a:ext cx="8596668" cy="1320800"/>
+          </a:xfrm>
+        </p:spPr>
+        <p:txBody>
+          <a:bodyPr>
+            <a:noAutofit/>
+          </a:bodyPr>
+          <a:lstStyle/>
+          <a:p>
+            <a:pPr algn="ctr"/>
+            <a:r>
+              <a:rPr lang="en-IN" sz="5400" dirty="0" smtClean="0">
+                <a:solidFill>
+                  <a:srgbClr val="0070C0"/>
+                </a:solidFill>
+                <a:latin typeface="Arial" panose="020B0604020202020204" pitchFamily="34" charset="0"/>
+                <a:cs typeface="Arial" panose="020B0604020202020204" pitchFamily="34" charset="0"/>
+              </a:rPr>
+              <a:t>Challenges Faced:</a:t>
+            </a:r>
+            <a:r>
+              <a:rPr lang="en-IN" sz="5400" dirty="0" smtClean="0">
+                <a:solidFill>
+                  <a:srgbClr val="0070C0"/>
+                </a:solidFill>
+                <a:latin typeface="Arial" panose="020B0604020202020204" pitchFamily="34" charset="0"/>
+                <a:cs typeface="Arial" panose="020B0604020202020204" pitchFamily="34" charset="0"/>
+              </a:rPr>
+              <a:t/>
+            </a:r>
+            <a:br>
+              <a:rPr lang="en-IN" sz="5400" dirty="0" smtClean="0">
+                <a:solidFill>
+                  <a:srgbClr val="0070C0"/>
+                </a:solidFill>
+                <a:latin typeface="Arial" panose="020B0604020202020204" pitchFamily="34" charset="0"/>
+                <a:cs typeface="Arial" panose="020B0604020202020204" pitchFamily="34" charset="0"/>
+              </a:rPr>
+            </a:br>
+            <a:endParaRPr lang="en-IN" sz="5400" dirty="0">
+              <a:solidFill>
+                <a:srgbClr val="0070C0"/>
+              </a:solidFill>
+              <a:latin typeface="Arial" panose="020B0604020202020204" pitchFamily="34" charset="0"/>
+              <a:cs typeface="Arial" panose="020B0604020202020204" pitchFamily="34" charset="0"/>
+            </a:endParaRPr>
+          </a:p>
+        </p:txBody>
+      </p:sp>
+      <p:sp>
+        <p:nvSpPr>
+          <p:cNvPr id="5" name="Content Placeholder 2"/>
+          <p:cNvSpPr>
+            <a:spLocks noGrp="1"/>
+          </p:cNvSpPr>
+          <p:nvPr>
+            <p:ph idx="1"/>
+          </p:nvPr>
+        </p:nvSpPr>
+        <p:spPr>
+          <a:xfrm>
+            <a:off x="705470" y="2062115"/>
+            <a:ext cx="8596668" cy="3880773"/>
+          </a:xfrm>
+        </p:spPr>
+        <p:txBody>
+          <a:bodyPr/>
+          <a:lstStyle/>
+          <a:p>
+            <a:pPr marL="0" indent="0"/>
+            <a:r>
+              <a:rPr lang="en-IN" sz="2400" dirty="0" smtClean="0">
+                <a:latin typeface="Times New Roman" pitchFamily="18" charset="0"/>
+                <a:cs typeface="Times New Roman" pitchFamily="18" charset="0"/>
+              </a:rPr>
+              <a:t>Collecting the district data for each state.</a:t>
+            </a:r>
+          </a:p>
+          <a:p>
+            <a:pPr marL="0" indent="0"/>
+            <a:r>
+              <a:rPr lang="en-IN" sz="2400" dirty="0" smtClean="0">
+                <a:latin typeface="Times New Roman" pitchFamily="18" charset="0"/>
+                <a:cs typeface="Times New Roman" pitchFamily="18" charset="0"/>
+              </a:rPr>
+              <a:t>Rendering the data on the Map.</a:t>
+            </a:r>
+          </a:p>
+          <a:p>
+            <a:pPr marL="0" indent="0"/>
+            <a:r>
+              <a:rPr lang="en-IN" sz="2400" dirty="0" smtClean="0">
+                <a:latin typeface="Times New Roman" pitchFamily="18" charset="0"/>
+                <a:cs typeface="Times New Roman" pitchFamily="18" charset="0"/>
+              </a:rPr>
+              <a:t>Rendering multiple parameters on sa</a:t>
+            </a:r>
+            <a:r>
+              <a:rPr lang="en-IN" sz="2400" dirty="0" smtClean="0">
+                <a:latin typeface="Times New Roman" pitchFamily="18" charset="0"/>
+                <a:cs typeface="Times New Roman" pitchFamily="18" charset="0"/>
+              </a:rPr>
+              <a:t>me graph.</a:t>
+            </a:r>
+          </a:p>
+          <a:p>
+            <a:pPr marL="0" indent="0"/>
+            <a:r>
+              <a:rPr lang="en-IN" sz="2400" dirty="0" smtClean="0">
+                <a:latin typeface="Times New Roman" pitchFamily="18" charset="0"/>
+                <a:cs typeface="Times New Roman" pitchFamily="18" charset="0"/>
+              </a:rPr>
+              <a:t>Resizing problems with </a:t>
+            </a:r>
+            <a:r>
+              <a:rPr lang="en-IN" sz="2400" dirty="0" err="1" smtClean="0">
+                <a:latin typeface="Times New Roman" pitchFamily="18" charset="0"/>
+                <a:cs typeface="Times New Roman" pitchFamily="18" charset="0"/>
+              </a:rPr>
+              <a:t>Dimplejs</a:t>
+            </a:r>
+            <a:r>
+              <a:rPr lang="en-IN" sz="2400" dirty="0" smtClean="0">
+                <a:latin typeface="Times New Roman" pitchFamily="18" charset="0"/>
+                <a:cs typeface="Times New Roman" pitchFamily="18" charset="0"/>
+              </a:rPr>
+              <a:t>.</a:t>
+            </a:r>
+          </a:p>
+          <a:p>
+            <a:pPr marL="0" indent="0"/>
+            <a:r>
+              <a:rPr lang="en-IN" sz="2400" dirty="0" smtClean="0">
+                <a:latin typeface="Times New Roman" pitchFamily="18" charset="0"/>
+                <a:cs typeface="Times New Roman" pitchFamily="18" charset="0"/>
+              </a:rPr>
+              <a:t>Exporting the map as </a:t>
+            </a:r>
+            <a:r>
+              <a:rPr lang="en-IN" sz="2400" dirty="0" err="1" smtClean="0">
+                <a:latin typeface="Times New Roman" pitchFamily="18" charset="0"/>
+                <a:cs typeface="Times New Roman" pitchFamily="18" charset="0"/>
+              </a:rPr>
+              <a:t>pdf</a:t>
+            </a:r>
+            <a:r>
+              <a:rPr lang="en-IN" sz="2400" dirty="0" smtClean="0">
+                <a:latin typeface="Times New Roman" pitchFamily="18" charset="0"/>
+                <a:cs typeface="Times New Roman" pitchFamily="18" charset="0"/>
+              </a:rPr>
+              <a:t>.</a:t>
+            </a:r>
+          </a:p>
+          <a:p>
+            <a:pPr marL="0" indent="0"/>
+            <a:r>
+              <a:rPr lang="en-IN" sz="2400" dirty="0" smtClean="0">
+                <a:latin typeface="Times New Roman" pitchFamily="18" charset="0"/>
+                <a:cs typeface="Times New Roman" pitchFamily="18" charset="0"/>
+              </a:rPr>
+              <a:t>The graphs were unstable after sometime the data was not shown.</a:t>
+            </a:r>
+          </a:p>
+          <a:p>
+            <a:pPr marL="0" indent="0">
+              <a:buNone/>
+            </a:pPr>
+            <a:endParaRPr lang="en-IN" dirty="0" smtClean="0"/>
+          </a:p>
+          <a:p>
+            <a:pPr marL="0" indent="0">
+              <a:buNone/>
+            </a:pPr>
+            <a:endParaRPr lang="en-IN" dirty="0" smtClean="0"/>
+          </a:p>
+        </p:txBody>
+      </p:sp>
+    </p:spTree>
+  </p:cSld>
+  <p:clrMapOvr>
+    <a:masterClrMapping/>
+  </p:clrMapOvr>
+  <p:timing>
+    <p:tnLst>
+      <p:par>
+        <p:cTn id="1" dur="indefinite" restart="never" nodeType="tmRoot">
+          <p:childTnLst>
+            <p:seq concurrent="1" nextAc="seek">
+              <p:cTn id="2" dur="indefinite" nodeType="mainSeq">
+                <p:childTnLst>
+                  <p:par>
+                    <p:cTn id="3" fill="hold">
+                      <p:stCondLst>
+                        <p:cond delay="indefinite"/>
+                        <p:cond evt="onBegin" delay="0">
+                          <p:tn val="2"/>
+                        </p:cond>
+                      </p:stCondLst>
+                      <p:childTnLst>
+                        <p:par>
+                          <p:cTn id="4" fill="hold">
+                            <p:stCondLst>
+                              <p:cond delay="0"/>
+                            </p:stCondLst>
+                            <p:childTnLst>
+                              <p:par>
+                                <p:cTn id="5" presetID="10" presetClass="entr" presetSubtype="0" fill="hold" grpId="0" nodeType="afterEffect">
+                                  <p:stCondLst>
+                                    <p:cond delay="0"/>
+                                  </p:stCondLst>
+                                  <p:childTnLst>
+                                    <p:set>
+                                      <p:cBhvr>
+                                        <p:cTn id="6" dur="1" fill="hold">
+                                          <p:stCondLst>
+                                            <p:cond delay="0"/>
+                                          </p:stCondLst>
+                                        </p:cTn>
+                                        <p:tgtEl>
+                                          <p:spTgt spid="4"/>
+                                        </p:tgtEl>
+                                        <p:attrNameLst>
+                                          <p:attrName>style.visibility</p:attrName>
+                                        </p:attrNameLst>
+                                      </p:cBhvr>
+                                      <p:to>
+                                        <p:strVal val="visible"/>
+                                      </p:to>
+                                    </p:set>
+                                    <p:animEffect transition="in" filter="fade">
+                                      <p:cBhvr>
+                                        <p:cTn id="7" dur="1000"/>
+                                        <p:tgtEl>
+                                          <p:spTgt spid="4"/>
+                                        </p:tgtEl>
+                                      </p:cBhvr>
+                                    </p:animEffect>
+                                  </p:childTnLst>
+                                </p:cTn>
+                              </p:par>
+                            </p:childTnLst>
+                          </p:cTn>
+                        </p:par>
+                        <p:par>
+                          <p:cTn id="8" fill="hold">
+                            <p:stCondLst>
+                              <p:cond delay="1000"/>
+                            </p:stCondLst>
+                            <p:childTnLst>
+                              <p:par>
+                                <p:cTn id="9" presetID="10" presetClass="entr" presetSubtype="0" fill="hold" grpId="0" nodeType="afterEffect">
+                                  <p:stCondLst>
+                                    <p:cond delay="0"/>
+                                  </p:stCondLst>
+                                  <p:childTnLst>
+                                    <p:set>
+                                      <p:cBhvr>
+                                        <p:cTn id="10" dur="1" fill="hold">
+                                          <p:stCondLst>
+                                            <p:cond delay="0"/>
+                                          </p:stCondLst>
+                                        </p:cTn>
+                                        <p:tgtEl>
+                                          <p:spTgt spid="5">
+                                            <p:txEl>
+                                              <p:pRg st="0" end="0"/>
+                                            </p:txEl>
+                                          </p:spTgt>
+                                        </p:tgtEl>
+                                        <p:attrNameLst>
+                                          <p:attrName>style.visibility</p:attrName>
+                                        </p:attrNameLst>
+                                      </p:cBhvr>
+                                      <p:to>
+                                        <p:strVal val="visible"/>
+                                      </p:to>
+                                    </p:set>
+                                    <p:animEffect transition="in" filter="fade">
+                                      <p:cBhvr>
+                                        <p:cTn id="11" dur="1000"/>
+                                        <p:tgtEl>
+                                          <p:spTgt spid="5">
+                                            <p:txEl>
+                                              <p:pRg st="0" end="0"/>
+                                            </p:txEl>
+                                          </p:spTgt>
+                                        </p:tgtEl>
+                                      </p:cBhvr>
+                                    </p:animEffect>
+                                  </p:childTnLst>
+                                </p:cTn>
+                              </p:par>
+                            </p:childTnLst>
+                          </p:cTn>
+                        </p:par>
+                        <p:par>
+                          <p:cTn id="12" fill="hold">
+                            <p:stCondLst>
+                              <p:cond delay="2000"/>
+                            </p:stCondLst>
+                            <p:childTnLst>
+                              <p:par>
+                                <p:cTn id="13" presetID="10" presetClass="entr" presetSubtype="0" fill="hold" grpId="0" nodeType="afterEffect">
+                                  <p:stCondLst>
+                                    <p:cond delay="0"/>
+                                  </p:stCondLst>
+                                  <p:childTnLst>
+                                    <p:set>
+                                      <p:cBhvr>
+                                        <p:cTn id="14" dur="1" fill="hold">
+                                          <p:stCondLst>
+                                            <p:cond delay="0"/>
+                                          </p:stCondLst>
+                                        </p:cTn>
+                                        <p:tgtEl>
+                                          <p:spTgt spid="5">
+                                            <p:txEl>
+                                              <p:pRg st="1" end="1"/>
+                                            </p:txEl>
+                                          </p:spTgt>
+                                        </p:tgtEl>
+                                        <p:attrNameLst>
+                                          <p:attrName>style.visibility</p:attrName>
+                                        </p:attrNameLst>
+                                      </p:cBhvr>
+                                      <p:to>
+                                        <p:strVal val="visible"/>
+                                      </p:to>
+                                    </p:set>
+                                    <p:animEffect transition="in" filter="fade">
+                                      <p:cBhvr>
+                                        <p:cTn id="15" dur="1000"/>
+                                        <p:tgtEl>
+                                          <p:spTgt spid="5">
+                                            <p:txEl>
+                                              <p:pRg st="1" end="1"/>
+                                            </p:txEl>
+                                          </p:spTgt>
+                                        </p:tgtEl>
+                                      </p:cBhvr>
+                                    </p:animEffect>
+                                  </p:childTnLst>
+                                </p:cTn>
+                              </p:par>
+                            </p:childTnLst>
+                          </p:cTn>
+                        </p:par>
+                        <p:par>
+                          <p:cTn id="16" fill="hold">
+                            <p:stCondLst>
+                              <p:cond delay="3000"/>
+                            </p:stCondLst>
+                            <p:childTnLst>
+                              <p:par>
+                                <p:cTn id="17" presetID="10" presetClass="entr" presetSubtype="0" fill="hold" grpId="0" nodeType="afterEffect">
+                                  <p:stCondLst>
+                                    <p:cond delay="0"/>
+                                  </p:stCondLst>
+                                  <p:childTnLst>
+                                    <p:set>
+                                      <p:cBhvr>
+                                        <p:cTn id="18" dur="1" fill="hold">
+                                          <p:stCondLst>
+                                            <p:cond delay="0"/>
+                                          </p:stCondLst>
+                                        </p:cTn>
+                                        <p:tgtEl>
+                                          <p:spTgt spid="5">
+                                            <p:txEl>
+                                              <p:pRg st="2" end="2"/>
+                                            </p:txEl>
+                                          </p:spTgt>
+                                        </p:tgtEl>
+                                        <p:attrNameLst>
+                                          <p:attrName>style.visibility</p:attrName>
+                                        </p:attrNameLst>
+                                      </p:cBhvr>
+                                      <p:to>
+                                        <p:strVal val="visible"/>
+                                      </p:to>
+                                    </p:set>
+                                    <p:animEffect transition="in" filter="fade">
+                                      <p:cBhvr>
+                                        <p:cTn id="19" dur="1000"/>
+                                        <p:tgtEl>
+                                          <p:spTgt spid="5">
+                                            <p:txEl>
+                                              <p:pRg st="2" end="2"/>
+                                            </p:txEl>
+                                          </p:spTgt>
+                                        </p:tgtEl>
+                                      </p:cBhvr>
+                                    </p:animEffect>
+                                  </p:childTnLst>
+                                </p:cTn>
+                              </p:par>
+                            </p:childTnLst>
+                          </p:cTn>
+                        </p:par>
+                        <p:par>
+                          <p:cTn id="20" fill="hold">
+                            <p:stCondLst>
+                              <p:cond delay="4000"/>
+                            </p:stCondLst>
+                            <p:childTnLst>
+                              <p:par>
+                                <p:cTn id="21" presetID="10" presetClass="entr" presetSubtype="0" fill="hold" grpId="0" nodeType="afterEffect">
+                                  <p:stCondLst>
+                                    <p:cond delay="0"/>
+                                  </p:stCondLst>
+                                  <p:childTnLst>
+                                    <p:set>
+                                      <p:cBhvr>
+                                        <p:cTn id="22" dur="1" fill="hold">
+                                          <p:stCondLst>
+                                            <p:cond delay="0"/>
+                                          </p:stCondLst>
+                                        </p:cTn>
+                                        <p:tgtEl>
+                                          <p:spTgt spid="5">
+                                            <p:txEl>
+                                              <p:pRg st="3" end="3"/>
+                                            </p:txEl>
+                                          </p:spTgt>
+                                        </p:tgtEl>
+                                        <p:attrNameLst>
+                                          <p:attrName>style.visibility</p:attrName>
+                                        </p:attrNameLst>
+                                      </p:cBhvr>
+                                      <p:to>
+                                        <p:strVal val="visible"/>
+                                      </p:to>
+                                    </p:set>
+                                    <p:animEffect transition="in" filter="fade">
+                                      <p:cBhvr>
+                                        <p:cTn id="23" dur="1000"/>
+                                        <p:tgtEl>
+                                          <p:spTgt spid="5">
+                                            <p:txEl>
+                                              <p:pRg st="3" end="3"/>
+                                            </p:txEl>
+                                          </p:spTgt>
+                                        </p:tgtEl>
+                                      </p:cBhvr>
+                                    </p:animEffect>
+                                  </p:childTnLst>
+                                </p:cTn>
+                              </p:par>
+                            </p:childTnLst>
+                          </p:cTn>
+                        </p:par>
+                        <p:par>
+                          <p:cTn id="24" fill="hold">
+                            <p:stCondLst>
+                              <p:cond delay="5000"/>
+                            </p:stCondLst>
+                            <p:childTnLst>
+                              <p:par>
+                                <p:cTn id="25" presetID="10" presetClass="entr" presetSubtype="0" fill="hold" grpId="0" nodeType="afterEffect">
+                                  <p:stCondLst>
+                                    <p:cond delay="0"/>
+                                  </p:stCondLst>
+                                  <p:childTnLst>
+                                    <p:set>
+                                      <p:cBhvr>
+                                        <p:cTn id="26" dur="1" fill="hold">
+                                          <p:stCondLst>
+                                            <p:cond delay="0"/>
+                                          </p:stCondLst>
+                                        </p:cTn>
+                                        <p:tgtEl>
+                                          <p:spTgt spid="5">
+                                            <p:txEl>
+                                              <p:pRg st="4" end="4"/>
+                                            </p:txEl>
+                                          </p:spTgt>
+                                        </p:tgtEl>
+                                        <p:attrNameLst>
+                                          <p:attrName>style.visibility</p:attrName>
+                                        </p:attrNameLst>
+                                      </p:cBhvr>
+                                      <p:to>
+                                        <p:strVal val="visible"/>
+                                      </p:to>
+                                    </p:set>
+                                    <p:animEffect transition="in" filter="fade">
+                                      <p:cBhvr>
+                                        <p:cTn id="27" dur="1000"/>
+                                        <p:tgtEl>
+                                          <p:spTgt spid="5">
+                                            <p:txEl>
+                                              <p:pRg st="4" end="4"/>
+                                            </p:txEl>
+                                          </p:spTgt>
+                                        </p:tgtEl>
+                                      </p:cBhvr>
+                                    </p:animEffect>
+                                  </p:childTnLst>
+                                </p:cTn>
+                              </p:par>
+                            </p:childTnLst>
+                          </p:cTn>
+                        </p:par>
+                      </p:childTnLst>
+                    </p:cTn>
+                  </p:par>
+                  <p:par>
+                    <p:cTn id="28" fill="hold">
+                      <p:stCondLst>
+                        <p:cond delay="indefinite"/>
+                      </p:stCondLst>
+                      <p:childTnLst>
+                        <p:par>
+                          <p:cTn id="29" fill="hold">
+                            <p:stCondLst>
+                              <p:cond delay="0"/>
+                            </p:stCondLst>
+                            <p:childTnLst>
+                              <p:par>
+                                <p:cTn id="30" presetID="10" presetClass="entr" presetSubtype="0" fill="hold" grpId="0" nodeType="clickEffect">
+                                  <p:stCondLst>
+                                    <p:cond delay="0"/>
+                                  </p:stCondLst>
+                                  <p:childTnLst>
+                                    <p:set>
+                                      <p:cBhvr>
+                                        <p:cTn id="31" dur="1" fill="hold">
+                                          <p:stCondLst>
+                                            <p:cond delay="0"/>
+                                          </p:stCondLst>
+                                        </p:cTn>
+                                        <p:tgtEl>
+                                          <p:spTgt spid="5">
+                                            <p:txEl>
+                                              <p:pRg st="5" end="5"/>
+                                            </p:txEl>
+                                          </p:spTgt>
+                                        </p:tgtEl>
+                                        <p:attrNameLst>
+                                          <p:attrName>style.visibility</p:attrName>
+                                        </p:attrNameLst>
+                                      </p:cBhvr>
+                                      <p:to>
+                                        <p:strVal val="visible"/>
+                                      </p:to>
+                                    </p:set>
+                                    <p:animEffect transition="in" filter="fade">
+                                      <p:cBhvr>
+                                        <p:cTn id="32" dur="1000"/>
+                                        <p:tgtEl>
+                                          <p:spTgt spid="5">
+                                            <p:txEl>
+                                              <p:pRg st="5" end="5"/>
+                                            </p:txEl>
+                                          </p:spTgt>
+                                        </p:tgtEl>
+                                      </p:cBhvr>
+                                    </p:animEffect>
+                                  </p:childTnLst>
+                                </p:cTn>
+                              </p:par>
+                            </p:childTnLst>
+                          </p:cTn>
+                        </p:par>
+                        <p:par>
+                          <p:cTn id="33" fill="hold">
+                            <p:stCondLst>
+                              <p:cond delay="1000"/>
+                            </p:stCondLst>
+                            <p:childTnLst>
+                              <p:par>
+                                <p:cTn id="34" presetID="10" presetClass="entr" presetSubtype="0" fill="hold" nodeType="afterEffect">
+                                  <p:stCondLst>
+                                    <p:cond delay="0"/>
+                                  </p:stCondLst>
+                                  <p:childTnLst>
+                                    <p:set>
+                                      <p:cBhvr>
+                                        <p:cTn id="35" dur="1" fill="hold">
+                                          <p:stCondLst>
+                                            <p:cond delay="0"/>
+                                          </p:stCondLst>
+                                        </p:cTn>
+                                        <p:tgtEl>
+                                          <p:spTgt spid="5">
+                                            <p:txEl>
+                                              <p:pRg st="5" end="5"/>
+                                            </p:txEl>
+                                          </p:spTgt>
+                                        </p:tgtEl>
+                                        <p:attrNameLst>
+                                          <p:attrName>style.visibility</p:attrName>
+                                        </p:attrNameLst>
+                                      </p:cBhvr>
+                                      <p:to>
+                                        <p:strVal val="visible"/>
+                                      </p:to>
+                                    </p:set>
+                                    <p:animEffect transition="in" filter="fade">
+                                      <p:cBhvr>
+                                        <p:cTn id="36" dur="1000"/>
+                                        <p:tgtEl>
+                                          <p:spTgt spid="5">
+                                            <p:txEl>
+                                              <p:pRg st="5" end="5"/>
+                                            </p:txEl>
+                                          </p:spTgt>
+                                        </p:tgtEl>
+                                      </p:cBhvr>
+                                    </p:animEffect>
+                                  </p:childTnLst>
+                                </p:cTn>
+                              </p:par>
+                            </p:childTnLst>
+                          </p:cTn>
+                        </p:par>
+                      </p:childTnLst>
+                    </p:cTn>
+                  </p:par>
+                </p:childTnLst>
+              </p:cTn>
+              <p:prevCondLst>
+                <p:cond evt="onPrev" delay="0">
+                  <p:tgtEl>
+                    <p:sldTgt/>
+                  </p:tgtEl>
+                </p:cond>
+              </p:prevCondLst>
+              <p:nextCondLst>
+                <p:cond evt="onNext" delay="0">
+                  <p:tgtEl>
+                    <p:sldTgt/>
+                  </p:tgtEl>
+                </p:cond>
+              </p:nextCondLst>
+            </p:seq>
+          </p:childTnLst>
+        </p:cTn>
+      </p:par>
+    </p:tnLst>
+    <p:bldLst>
+      <p:bldP spid="4" grpId="0"/>
+      <p:bldP spid="5" grpId="0" build="p"/>
+    </p:bldLst>
+  </p:timing>
+</p:sld>
+</file>
+
+<file path=ppt/slides/slide13.xml><?xml version="1.0" encoding="utf-8"?>
+<p:sld xmlns:a="http://schemas.openxmlformats.org/drawingml/2006/main" xmlns:r="http://schemas.openxmlformats.org/officeDocument/2006/relationships" xmlns:p="http://schemas.openxmlformats.org/presentationml/2006/main">
+  <p:cSld>
+    <p:spTree>
+      <p:nvGrpSpPr>
+        <p:cNvPr id="1" name=""/>
+        <p:cNvGrpSpPr/>
+        <p:nvPr/>
+      </p:nvGrpSpPr>
+      <p:grpSpPr>
+        <a:xfrm>
+          <a:off x="0" y="0"/>
+          <a:ext cx="0" cy="0"/>
+          <a:chOff x="0" y="0"/>
+          <a:chExt cx="0" cy="0"/>
+        </a:xfrm>
+      </p:grpSpPr>
+      <p:sp>
+        <p:nvSpPr>
+          <p:cNvPr id="4" name="Title 1"/>
+          <p:cNvSpPr>
+            <a:spLocks noGrp="1"/>
+          </p:cNvSpPr>
+          <p:nvPr>
+            <p:ph type="title"/>
+          </p:nvPr>
+        </p:nvSpPr>
+        <p:spPr>
+          <a:xfrm>
+            <a:off x="677334" y="566057"/>
+            <a:ext cx="8596668" cy="1320800"/>
+          </a:xfrm>
+        </p:spPr>
+        <p:txBody>
+          <a:bodyPr>
+            <a:noAutofit/>
+          </a:bodyPr>
+          <a:lstStyle/>
+          <a:p>
+            <a:pPr algn="ctr"/>
+            <a:r>
+              <a:rPr lang="en-IN" sz="5400" dirty="0" smtClean="0">
+                <a:solidFill>
+                  <a:srgbClr val="0070C0"/>
+                </a:solidFill>
+                <a:latin typeface="Arial" panose="020B0604020202020204" pitchFamily="34" charset="0"/>
+                <a:cs typeface="Arial" panose="020B0604020202020204" pitchFamily="34" charset="0"/>
+              </a:rPr>
+              <a:t>Improvements:</a:t>
+            </a:r>
+            <a:r>
+              <a:rPr lang="en-IN" sz="5400" dirty="0" smtClean="0">
+                <a:solidFill>
+                  <a:srgbClr val="0070C0"/>
+                </a:solidFill>
+                <a:latin typeface="Arial" panose="020B0604020202020204" pitchFamily="34" charset="0"/>
+                <a:cs typeface="Arial" panose="020B0604020202020204" pitchFamily="34" charset="0"/>
+              </a:rPr>
+              <a:t/>
+            </a:r>
+            <a:br>
+              <a:rPr lang="en-IN" sz="5400" dirty="0" smtClean="0">
+                <a:solidFill>
+                  <a:srgbClr val="0070C0"/>
+                </a:solidFill>
+                <a:latin typeface="Arial" panose="020B0604020202020204" pitchFamily="34" charset="0"/>
+                <a:cs typeface="Arial" panose="020B0604020202020204" pitchFamily="34" charset="0"/>
+              </a:rPr>
+            </a:br>
+            <a:endParaRPr lang="en-IN" sz="5400" dirty="0">
+              <a:solidFill>
+                <a:srgbClr val="0070C0"/>
+              </a:solidFill>
+              <a:latin typeface="Arial" panose="020B0604020202020204" pitchFamily="34" charset="0"/>
+              <a:cs typeface="Arial" panose="020B0604020202020204" pitchFamily="34" charset="0"/>
+            </a:endParaRPr>
+          </a:p>
+        </p:txBody>
+      </p:sp>
+      <p:sp>
+        <p:nvSpPr>
+          <p:cNvPr id="5" name="Content Placeholder 2"/>
+          <p:cNvSpPr>
+            <a:spLocks noGrp="1"/>
+          </p:cNvSpPr>
+          <p:nvPr>
+            <p:ph idx="1"/>
+          </p:nvPr>
+        </p:nvSpPr>
+        <p:spPr>
+          <a:xfrm>
+            <a:off x="705470" y="2062115"/>
+            <a:ext cx="8596668" cy="3880773"/>
+          </a:xfrm>
+        </p:spPr>
+        <p:txBody>
+          <a:bodyPr/>
+          <a:lstStyle/>
+          <a:p>
+            <a:pPr marL="0" indent="0">
+              <a:buNone/>
+            </a:pPr>
+            <a:endParaRPr lang="en-IN" sz="2400" dirty="0" smtClean="0">
+              <a:latin typeface="Times New Roman" pitchFamily="18" charset="0"/>
+              <a:cs typeface="Times New Roman" pitchFamily="18" charset="0"/>
+            </a:endParaRPr>
+          </a:p>
+          <a:p>
+            <a:pPr marL="0" indent="0"/>
+            <a:r>
+              <a:rPr lang="en-IN" sz="2400" dirty="0" smtClean="0">
+                <a:latin typeface="Times New Roman" pitchFamily="18" charset="0"/>
+                <a:cs typeface="Times New Roman" pitchFamily="18" charset="0"/>
+              </a:rPr>
+              <a:t>The 4 panels could be merged into 1.</a:t>
+            </a:r>
+          </a:p>
+          <a:p>
+            <a:pPr marL="0" indent="0"/>
+            <a:r>
+              <a:rPr lang="en-IN" sz="2400" dirty="0" smtClean="0">
+                <a:latin typeface="Times New Roman" pitchFamily="18" charset="0"/>
+                <a:cs typeface="Times New Roman" pitchFamily="18" charset="0"/>
+              </a:rPr>
+              <a:t>Data sink in graphs of state.</a:t>
+            </a:r>
+          </a:p>
+          <a:p>
+            <a:pPr marL="0" indent="0"/>
+            <a:r>
+              <a:rPr lang="en-IN" sz="2400" dirty="0" smtClean="0">
+                <a:latin typeface="Times New Roman" pitchFamily="18" charset="0"/>
+                <a:cs typeface="Times New Roman" pitchFamily="18" charset="0"/>
+              </a:rPr>
+              <a:t>Providing export options like jpg, </a:t>
+            </a:r>
+            <a:r>
+              <a:rPr lang="en-IN" sz="2400" dirty="0" err="1" smtClean="0">
+                <a:latin typeface="Times New Roman" pitchFamily="18" charset="0"/>
+                <a:cs typeface="Times New Roman" pitchFamily="18" charset="0"/>
+              </a:rPr>
+              <a:t>png</a:t>
+            </a:r>
+            <a:r>
+              <a:rPr lang="en-IN" sz="2400" dirty="0" smtClean="0">
+                <a:latin typeface="Times New Roman" pitchFamily="18" charset="0"/>
+                <a:cs typeface="Times New Roman" pitchFamily="18" charset="0"/>
+              </a:rPr>
+              <a:t>, </a:t>
+            </a:r>
+            <a:r>
+              <a:rPr lang="en-IN" sz="2400" dirty="0" err="1" smtClean="0">
+                <a:latin typeface="Times New Roman" pitchFamily="18" charset="0"/>
+                <a:cs typeface="Times New Roman" pitchFamily="18" charset="0"/>
+              </a:rPr>
+              <a:t>pdf</a:t>
+            </a:r>
+            <a:r>
+              <a:rPr lang="en-IN" sz="2400" dirty="0" smtClean="0">
+                <a:latin typeface="Times New Roman" pitchFamily="18" charset="0"/>
+                <a:cs typeface="Times New Roman" pitchFamily="18" charset="0"/>
+              </a:rPr>
+              <a:t> to users.</a:t>
+            </a:r>
+          </a:p>
+          <a:p>
+            <a:pPr marL="0" indent="0"/>
+            <a:r>
+              <a:rPr lang="en-IN" sz="2400" dirty="0" smtClean="0">
+                <a:latin typeface="Times New Roman" pitchFamily="18" charset="0"/>
+                <a:cs typeface="Times New Roman" pitchFamily="18" charset="0"/>
+              </a:rPr>
+              <a:t>Making the maps more resizable.</a:t>
+            </a:r>
+          </a:p>
+          <a:p>
+            <a:pPr marL="0" indent="0">
+              <a:buNone/>
+            </a:pPr>
+            <a:endParaRPr lang="en-IN" dirty="0" smtClean="0"/>
+          </a:p>
+          <a:p>
+            <a:pPr marL="0" indent="0">
+              <a:buNone/>
+            </a:pPr>
+            <a:endParaRPr lang="en-IN" dirty="0" smtClean="0"/>
+          </a:p>
+        </p:txBody>
+      </p:sp>
+    </p:spTree>
+  </p:cSld>
+  <p:clrMapOvr>
+    <a:masterClrMapping/>
+  </p:clrMapOvr>
+  <p:timing>
+    <p:tnLst>
+      <p:par>
+        <p:cTn id="1" dur="indefinite" restart="never" nodeType="tmRoot">
+          <p:childTnLst>
+            <p:seq concurrent="1" nextAc="seek">
+              <p:cTn id="2" dur="indefinite" nodeType="mainSeq">
+                <p:childTnLst>
+                  <p:par>
+                    <p:cTn id="3" fill="hold">
+                      <p:stCondLst>
+                        <p:cond delay="indefinite"/>
+                        <p:cond evt="onBegin" delay="0">
+                          <p:tn val="2"/>
+                        </p:cond>
+                      </p:stCondLst>
+                      <p:childTnLst>
+                        <p:par>
+                          <p:cTn id="4" fill="hold">
+                            <p:stCondLst>
+                              <p:cond delay="0"/>
+                            </p:stCondLst>
+                            <p:childTnLst>
+                              <p:par>
+                                <p:cTn id="5" presetID="10" presetClass="entr" presetSubtype="0" fill="hold" grpId="0" nodeType="afterEffect">
+                                  <p:stCondLst>
+                                    <p:cond delay="0"/>
+                                  </p:stCondLst>
+                                  <p:childTnLst>
+                                    <p:set>
+                                      <p:cBhvr>
+                                        <p:cTn id="6" dur="1" fill="hold">
+                                          <p:stCondLst>
+                                            <p:cond delay="0"/>
+                                          </p:stCondLst>
+                                        </p:cTn>
+                                        <p:tgtEl>
+                                          <p:spTgt spid="5">
+                                            <p:txEl>
+                                              <p:pRg st="1" end="1"/>
+                                            </p:txEl>
+                                          </p:spTgt>
+                                        </p:tgtEl>
+                                        <p:attrNameLst>
+                                          <p:attrName>style.visibility</p:attrName>
+                                        </p:attrNameLst>
+                                      </p:cBhvr>
+                                      <p:to>
+                                        <p:strVal val="visible"/>
+                                      </p:to>
+                                    </p:set>
+                                    <p:animEffect transition="in" filter="fade">
+                                      <p:cBhvr>
+                                        <p:cTn id="7" dur="1000"/>
+                                        <p:tgtEl>
+                                          <p:spTgt spid="5">
+                                            <p:txEl>
+                                              <p:pRg st="1" end="1"/>
+                                            </p:txEl>
+                                          </p:spTgt>
+                                        </p:tgtEl>
+                                      </p:cBhvr>
+                                    </p:animEffect>
+                                  </p:childTnLst>
+                                </p:cTn>
+                              </p:par>
+                            </p:childTnLst>
+                          </p:cTn>
+                        </p:par>
+                        <p:par>
+                          <p:cTn id="8" fill="hold">
+                            <p:stCondLst>
+                              <p:cond delay="1000"/>
+                            </p:stCondLst>
+                            <p:childTnLst>
+                              <p:par>
+                                <p:cTn id="9" presetID="10" presetClass="entr" presetSubtype="0" fill="hold" grpId="0" nodeType="afterEffect">
+                                  <p:stCondLst>
+                                    <p:cond delay="0"/>
+                                  </p:stCondLst>
+                                  <p:childTnLst>
+                                    <p:set>
+                                      <p:cBhvr>
+                                        <p:cTn id="10" dur="1" fill="hold">
+                                          <p:stCondLst>
+                                            <p:cond delay="0"/>
+                                          </p:stCondLst>
+                                        </p:cTn>
+                                        <p:tgtEl>
+                                          <p:spTgt spid="5">
+                                            <p:txEl>
+                                              <p:pRg st="2" end="2"/>
+                                            </p:txEl>
+                                          </p:spTgt>
+                                        </p:tgtEl>
+                                        <p:attrNameLst>
+                                          <p:attrName>style.visibility</p:attrName>
+                                        </p:attrNameLst>
+                                      </p:cBhvr>
+                                      <p:to>
+                                        <p:strVal val="visible"/>
+                                      </p:to>
+                                    </p:set>
+                                    <p:animEffect transition="in" filter="fade">
+                                      <p:cBhvr>
+                                        <p:cTn id="11" dur="1000"/>
+                                        <p:tgtEl>
+                                          <p:spTgt spid="5">
+                                            <p:txEl>
+                                              <p:pRg st="2" end="2"/>
+                                            </p:txEl>
+                                          </p:spTgt>
+                                        </p:tgtEl>
+                                      </p:cBhvr>
+                                    </p:animEffect>
+                                  </p:childTnLst>
+                                </p:cTn>
+                              </p:par>
+                            </p:childTnLst>
+                          </p:cTn>
+                        </p:par>
+                        <p:par>
+                          <p:cTn id="12" fill="hold">
+                            <p:stCondLst>
+                              <p:cond delay="2000"/>
+                            </p:stCondLst>
+                            <p:childTnLst>
+                              <p:par>
+                                <p:cTn id="13" presetID="10" presetClass="entr" presetSubtype="0" fill="hold" grpId="0" nodeType="afterEffect">
+                                  <p:stCondLst>
+                                    <p:cond delay="0"/>
+                                  </p:stCondLst>
+                                  <p:childTnLst>
+                                    <p:set>
+                                      <p:cBhvr>
+                                        <p:cTn id="14" dur="1" fill="hold">
+                                          <p:stCondLst>
+                                            <p:cond delay="0"/>
+                                          </p:stCondLst>
+                                        </p:cTn>
+                                        <p:tgtEl>
+                                          <p:spTgt spid="5">
+                                            <p:txEl>
+                                              <p:pRg st="3" end="3"/>
+                                            </p:txEl>
+                                          </p:spTgt>
+                                        </p:tgtEl>
+                                        <p:attrNameLst>
+                                          <p:attrName>style.visibility</p:attrName>
+                                        </p:attrNameLst>
+                                      </p:cBhvr>
+                                      <p:to>
+                                        <p:strVal val="visible"/>
+                                      </p:to>
+                                    </p:set>
+                                    <p:animEffect transition="in" filter="fade">
+                                      <p:cBhvr>
+                                        <p:cTn id="15" dur="1000"/>
+                                        <p:tgtEl>
+                                          <p:spTgt spid="5">
+                                            <p:txEl>
+                                              <p:pRg st="3" end="3"/>
+                                            </p:txEl>
+                                          </p:spTgt>
+                                        </p:tgtEl>
+                                      </p:cBhvr>
+                                    </p:animEffect>
+                                  </p:childTnLst>
+                                </p:cTn>
+                              </p:par>
+                            </p:childTnLst>
+                          </p:cTn>
+                        </p:par>
+                        <p:par>
+                          <p:cTn id="16" fill="hold">
+                            <p:stCondLst>
+                              <p:cond delay="3000"/>
+                            </p:stCondLst>
+                            <p:childTnLst>
+                              <p:par>
+                                <p:cTn id="17" presetID="10" presetClass="entr" presetSubtype="0" fill="hold" grpId="0" nodeType="afterEffect">
+                                  <p:stCondLst>
+                                    <p:cond delay="0"/>
+                                  </p:stCondLst>
+                                  <p:childTnLst>
+                                    <p:set>
+                                      <p:cBhvr>
+                                        <p:cTn id="18" dur="1" fill="hold">
+                                          <p:stCondLst>
+                                            <p:cond delay="0"/>
+                                          </p:stCondLst>
+                                        </p:cTn>
+                                        <p:tgtEl>
+                                          <p:spTgt spid="5">
+                                            <p:txEl>
+                                              <p:pRg st="4" end="4"/>
+                                            </p:txEl>
+                                          </p:spTgt>
+                                        </p:tgtEl>
+                                        <p:attrNameLst>
+                                          <p:attrName>style.visibility</p:attrName>
+                                        </p:attrNameLst>
+                                      </p:cBhvr>
+                                      <p:to>
+                                        <p:strVal val="visible"/>
+                                      </p:to>
+                                    </p:set>
+                                    <p:animEffect transition="in" filter="fade">
+                                      <p:cBhvr>
+                                        <p:cTn id="19" dur="1000"/>
+                                        <p:tgtEl>
+                                          <p:spTgt spid="5">
+                                            <p:txEl>
+                                              <p:pRg st="4" end="4"/>
+                                            </p:txEl>
+                                          </p:spTgt>
+                                        </p:tgtEl>
+                                      </p:cBhvr>
+                                    </p:animEffect>
+                                  </p:childTnLst>
+                                </p:cTn>
+                              </p:par>
+                            </p:childTnLst>
+                          </p:cTn>
+                        </p:par>
+                        <p:par>
+                          <p:cTn id="20" fill="hold">
+                            <p:stCondLst>
+                              <p:cond delay="4000"/>
+                            </p:stCondLst>
+                            <p:childTnLst>
+                              <p:par>
+                                <p:cTn id="21" presetID="10" presetClass="entr" presetSubtype="0" fill="hold" grpId="1" nodeType="afterEffect">
+                                  <p:stCondLst>
+                                    <p:cond delay="0"/>
+                                  </p:stCondLst>
+                                  <p:childTnLst>
+                                    <p:set>
+                                      <p:cBhvr>
+                                        <p:cTn id="22" dur="1" fill="hold">
+                                          <p:stCondLst>
+                                            <p:cond delay="0"/>
+                                          </p:stCondLst>
+                                        </p:cTn>
+                                        <p:tgtEl>
+                                          <p:spTgt spid="5">
+                                            <p:txEl>
+                                              <p:pRg st="1" end="1"/>
+                                            </p:txEl>
+                                          </p:spTgt>
+                                        </p:tgtEl>
+                                        <p:attrNameLst>
+                                          <p:attrName>style.visibility</p:attrName>
+                                        </p:attrNameLst>
+                                      </p:cBhvr>
+                                      <p:to>
+                                        <p:strVal val="visible"/>
+                                      </p:to>
+                                    </p:set>
+                                    <p:animEffect transition="in" filter="fade">
+                                      <p:cBhvr>
+                                        <p:cTn id="23" dur="1000"/>
+                                        <p:tgtEl>
+                                          <p:spTgt spid="5">
+                                            <p:txEl>
+                                              <p:pRg st="1" end="1"/>
+                                            </p:txEl>
+                                          </p:spTgt>
+                                        </p:tgtEl>
+                                      </p:cBhvr>
+                                    </p:animEffect>
+                                  </p:childTnLst>
+                                </p:cTn>
+                              </p:par>
+                            </p:childTnLst>
+                          </p:cTn>
+                        </p:par>
+                        <p:par>
+                          <p:cTn id="24" fill="hold">
+                            <p:stCondLst>
+                              <p:cond delay="5000"/>
+                            </p:stCondLst>
+                            <p:childTnLst>
+                              <p:par>
+                                <p:cTn id="25" presetID="10" presetClass="entr" presetSubtype="0" fill="hold" grpId="1" nodeType="afterEffect">
+                                  <p:stCondLst>
+                                    <p:cond delay="0"/>
+                                  </p:stCondLst>
+                                  <p:childTnLst>
+                                    <p:set>
+                                      <p:cBhvr>
+                                        <p:cTn id="26" dur="1" fill="hold">
+                                          <p:stCondLst>
+                                            <p:cond delay="0"/>
+                                          </p:stCondLst>
+                                        </p:cTn>
+                                        <p:tgtEl>
+                                          <p:spTgt spid="5">
+                                            <p:txEl>
+                                              <p:pRg st="2" end="2"/>
+                                            </p:txEl>
+                                          </p:spTgt>
+                                        </p:tgtEl>
+                                        <p:attrNameLst>
+                                          <p:attrName>style.visibility</p:attrName>
+                                        </p:attrNameLst>
+                                      </p:cBhvr>
+                                      <p:to>
+                                        <p:strVal val="visible"/>
+                                      </p:to>
+                                    </p:set>
+                                    <p:animEffect transition="in" filter="fade">
+                                      <p:cBhvr>
+                                        <p:cTn id="27" dur="1000"/>
+                                        <p:tgtEl>
+                                          <p:spTgt spid="5">
+                                            <p:txEl>
+                                              <p:pRg st="2" end="2"/>
+                                            </p:txEl>
+                                          </p:spTgt>
+                                        </p:tgtEl>
+                                      </p:cBhvr>
+                                    </p:animEffect>
+                                  </p:childTnLst>
+                                </p:cTn>
+                              </p:par>
+                            </p:childTnLst>
+                          </p:cTn>
+                        </p:par>
+                        <p:par>
+                          <p:cTn id="28" fill="hold">
+                            <p:stCondLst>
+                              <p:cond delay="6000"/>
+                            </p:stCondLst>
+                            <p:childTnLst>
+                              <p:par>
+                                <p:cTn id="29" presetID="10" presetClass="entr" presetSubtype="0" fill="hold" grpId="1" nodeType="afterEffect">
+                                  <p:stCondLst>
+                                    <p:cond delay="0"/>
+                                  </p:stCondLst>
+                                  <p:childTnLst>
+                                    <p:set>
+                                      <p:cBhvr>
+                                        <p:cTn id="30" dur="1" fill="hold">
+                                          <p:stCondLst>
+                                            <p:cond delay="0"/>
+                                          </p:stCondLst>
+                                        </p:cTn>
+                                        <p:tgtEl>
+                                          <p:spTgt spid="5">
+                                            <p:txEl>
+                                              <p:pRg st="3" end="3"/>
+                                            </p:txEl>
+                                          </p:spTgt>
+                                        </p:tgtEl>
+                                        <p:attrNameLst>
+                                          <p:attrName>style.visibility</p:attrName>
+                                        </p:attrNameLst>
+                                      </p:cBhvr>
+                                      <p:to>
+                                        <p:strVal val="visible"/>
+                                      </p:to>
+                                    </p:set>
+                                    <p:animEffect transition="in" filter="fade">
+                                      <p:cBhvr>
+                                        <p:cTn id="31" dur="1000"/>
+                                        <p:tgtEl>
+                                          <p:spTgt spid="5">
+                                            <p:txEl>
+                                              <p:pRg st="3" end="3"/>
+                                            </p:txEl>
+                                          </p:spTgt>
+                                        </p:tgtEl>
+                                      </p:cBhvr>
+                                    </p:animEffect>
+                                  </p:childTnLst>
+                                </p:cTn>
+                              </p:par>
+                            </p:childTnLst>
+                          </p:cTn>
+                        </p:par>
+                        <p:par>
+                          <p:cTn id="32" fill="hold">
+                            <p:stCondLst>
+                              <p:cond delay="7000"/>
+                            </p:stCondLst>
+                            <p:childTnLst>
+                              <p:par>
+                                <p:cTn id="33" presetID="10" presetClass="entr" presetSubtype="0" fill="hold" grpId="1" nodeType="afterEffect">
+                                  <p:stCondLst>
+                                    <p:cond delay="0"/>
+                                  </p:stCondLst>
+                                  <p:childTnLst>
+                                    <p:set>
+                                      <p:cBhvr>
+                                        <p:cTn id="34" dur="1" fill="hold">
+                                          <p:stCondLst>
+                                            <p:cond delay="0"/>
+                                          </p:stCondLst>
+                                        </p:cTn>
+                                        <p:tgtEl>
+                                          <p:spTgt spid="5">
+                                            <p:txEl>
+                                              <p:pRg st="4" end="4"/>
+                                            </p:txEl>
+                                          </p:spTgt>
+                                        </p:tgtEl>
+                                        <p:attrNameLst>
+                                          <p:attrName>style.visibility</p:attrName>
+                                        </p:attrNameLst>
+                                      </p:cBhvr>
+                                      <p:to>
+                                        <p:strVal val="visible"/>
+                                      </p:to>
+                                    </p:set>
+                                    <p:animEffect transition="in" filter="fade">
+                                      <p:cBhvr>
+                                        <p:cTn id="35" dur="1000"/>
+                                        <p:tgtEl>
+                                          <p:spTgt spid="5">
+                                            <p:txEl>
+                                              <p:pRg st="4" end="4"/>
+                                            </p:txEl>
+                                          </p:spTgt>
+                                        </p:tgtEl>
+                                      </p:cBhvr>
+                                    </p:animEffect>
+                                  </p:childTnLst>
+                                </p:cTn>
+                              </p:par>
+                            </p:childTnLst>
+                          </p:cTn>
+                        </p:par>
+                      </p:childTnLst>
+                    </p:cTn>
+                  </p:par>
+                </p:childTnLst>
+              </p:cTn>
+              <p:prevCondLst>
+                <p:cond evt="onPrev" delay="0">
+                  <p:tgtEl>
+                    <p:sldTgt/>
+                  </p:tgtEl>
+                </p:cond>
+              </p:prevCondLst>
+              <p:nextCondLst>
+                <p:cond evt="onNext" delay="0">
+                  <p:tgtEl>
+                    <p:sldTgt/>
+                  </p:tgtEl>
+                </p:cond>
+              </p:nextCondLst>
+            </p:seq>
+          </p:childTnLst>
+        </p:cTn>
+      </p:par>
+    </p:tnLst>
+    <p:bldLst>
+      <p:bldP spid="5" grpId="0" uiExpand="1" build="p"/>
+      <p:bldP spid="5" grpId="1" build="p"/>
+    </p:bldLst>
+  </p:timing>
+</p:sld>
+</file>
+
+<file path=ppt/slides/slide14.xml><?xml version="1.0" encoding="utf-8"?>
+<p:sld xmlns:a="http://schemas.openxmlformats.org/drawingml/2006/main" xmlns:r="http://schemas.openxmlformats.org/officeDocument/2006/relationships" xmlns:p="http://schemas.openxmlformats.org/presentationml/2006/main">
+  <p:cSld>
+    <p:spTree>
+      <p:nvGrpSpPr>
+        <p:cNvPr id="1" name=""/>
+        <p:cNvGrpSpPr/>
+        <p:nvPr/>
+      </p:nvGrpSpPr>
+      <p:grpSpPr>
+        <a:xfrm>
+          <a:off x="0" y="0"/>
+          <a:ext cx="0" cy="0"/>
+          <a:chOff x="0" y="0"/>
+          <a:chExt cx="0" cy="0"/>
+        </a:xfrm>
+      </p:grpSpPr>
+      <p:sp>
+        <p:nvSpPr>
+          <p:cNvPr id="4" name="Title 1"/>
+          <p:cNvSpPr>
+            <a:spLocks noGrp="1"/>
+          </p:cNvSpPr>
+          <p:nvPr>
+            <p:ph type="title"/>
+          </p:nvPr>
+        </p:nvSpPr>
+        <p:spPr>
+          <a:xfrm>
+            <a:off x="996649" y="2307771"/>
+            <a:ext cx="8596668" cy="1320800"/>
+          </a:xfrm>
+        </p:spPr>
+        <p:txBody>
+          <a:bodyPr>
+            <a:noAutofit/>
+          </a:bodyPr>
+          <a:lstStyle/>
+          <a:p>
+            <a:pPr algn="ctr"/>
+            <a:r>
+              <a:rPr lang="en-IN" sz="7200" dirty="0" smtClean="0">
+                <a:solidFill>
+                  <a:srgbClr val="0070C0"/>
+                </a:solidFill>
+                <a:latin typeface="Arial" panose="020B0604020202020204" pitchFamily="34" charset="0"/>
+                <a:cs typeface="Arial" panose="020B0604020202020204" pitchFamily="34" charset="0"/>
+              </a:rPr>
+              <a:t>THANK YOU</a:t>
+            </a:r>
+            <a:r>
+              <a:rPr lang="en-IN" sz="7200" dirty="0" smtClean="0">
+                <a:solidFill>
+                  <a:srgbClr val="0070C0"/>
+                </a:solidFill>
+                <a:latin typeface="Arial" panose="020B0604020202020204" pitchFamily="34" charset="0"/>
+                <a:cs typeface="Arial" panose="020B0604020202020204" pitchFamily="34" charset="0"/>
+              </a:rPr>
+              <a:t/>
+            </a:r>
+            <a:br>
+              <a:rPr lang="en-IN" sz="7200" dirty="0" smtClean="0">
+                <a:solidFill>
+                  <a:srgbClr val="0070C0"/>
+                </a:solidFill>
+                <a:latin typeface="Arial" panose="020B0604020202020204" pitchFamily="34" charset="0"/>
+                <a:cs typeface="Arial" panose="020B0604020202020204" pitchFamily="34" charset="0"/>
+              </a:rPr>
+            </a:br>
+            <a:endParaRPr lang="en-IN" sz="7200" dirty="0">
+              <a:solidFill>
+                <a:srgbClr val="0070C0"/>
+              </a:solidFill>
+              <a:latin typeface="Arial" panose="020B0604020202020204" pitchFamily="34" charset="0"/>
+              <a:cs typeface="Arial" panose="020B0604020202020204" pitchFamily="34" charset="0"/>
+            </a:endParaRPr>
+          </a:p>
+        </p:txBody>
+      </p:sp>
+    </p:spTree>
+  </p:cSld>
+  <p:clrMapOvr>
+    <a:masterClrMapping/>
+  </p:clrMapOvr>
+  <p:timing>
+    <p:tnLst>
+      <p:par>
+        <p:cTn id="1" dur="indefinite" restart="never" nodeType="tmRoot"/>
+      </p:par>
+    </p:tnLst>
+  </p:timing>
 </p:sld>
 </file>
 
@@ -6167,19 +9225,21 @@
         </p:nvSpPr>
         <p:spPr/>
         <p:txBody>
-          <a:bodyPr/>
+          <a:bodyPr>
+            <a:normAutofit/>
+          </a:bodyPr>
           <a:lstStyle/>
           <a:p>
             <a:pPr algn="ctr"/>
             <a:r>
-              <a:rPr lang="en-IN" sz="4800" dirty="0" smtClean="0">
+              <a:rPr lang="en-IN" sz="6000" dirty="0" smtClean="0">
                 <a:solidFill>
                   <a:srgbClr val="0070C0"/>
                 </a:solidFill>
               </a:rPr>
               <a:t>Purpose </a:t>
             </a:r>
-            <a:endParaRPr lang="en-IN" sz="4800" dirty="0">
+            <a:endParaRPr lang="en-IN" sz="6000" dirty="0">
               <a:solidFill>
                 <a:srgbClr val="0070C0"/>
               </a:solidFill>
@@ -6257,13 +9317,256 @@
     </p:spTree>
     <p:extLst>
       <p:ext uri="{BB962C8B-B14F-4D97-AF65-F5344CB8AC3E}">
-        <p14:creationId xmlns:p14="http://schemas.microsoft.com/office/powerpoint/2010/main" xmlns="" val="1665069484"/>
+        <p14:creationId xmlns="" xmlns:p14="http://schemas.microsoft.com/office/powerpoint/2010/main" val="1665069484"/>
       </p:ext>
     </p:extLst>
   </p:cSld>
   <p:clrMapOvr>
     <a:masterClrMapping/>
   </p:clrMapOvr>
+  <p:timing>
+    <p:tnLst>
+      <p:par>
+        <p:cTn id="1" dur="indefinite" restart="never" nodeType="tmRoot">
+          <p:childTnLst>
+            <p:seq concurrent="1" nextAc="seek">
+              <p:cTn id="2" dur="indefinite" nodeType="mainSeq">
+                <p:childTnLst>
+                  <p:par>
+                    <p:cTn id="3" fill="hold">
+                      <p:stCondLst>
+                        <p:cond delay="indefinite"/>
+                      </p:stCondLst>
+                      <p:childTnLst>
+                        <p:par>
+                          <p:cTn id="4" fill="hold">
+                            <p:stCondLst>
+                              <p:cond delay="0"/>
+                            </p:stCondLst>
+                            <p:childTnLst>
+                              <p:par>
+                                <p:cTn id="5" presetID="10" presetClass="entr" presetSubtype="0" fill="hold" grpId="0" nodeType="clickEffect">
+                                  <p:stCondLst>
+                                    <p:cond delay="0"/>
+                                  </p:stCondLst>
+                                  <p:childTnLst>
+                                    <p:set>
+                                      <p:cBhvr>
+                                        <p:cTn id="6" dur="1" fill="hold">
+                                          <p:stCondLst>
+                                            <p:cond delay="0"/>
+                                          </p:stCondLst>
+                                        </p:cTn>
+                                        <p:tgtEl>
+                                          <p:spTgt spid="2"/>
+                                        </p:tgtEl>
+                                        <p:attrNameLst>
+                                          <p:attrName>style.visibility</p:attrName>
+                                        </p:attrNameLst>
+                                      </p:cBhvr>
+                                      <p:to>
+                                        <p:strVal val="visible"/>
+                                      </p:to>
+                                    </p:set>
+                                    <p:animEffect transition="in" filter="fade">
+                                      <p:cBhvr>
+                                        <p:cTn id="7" dur="2000"/>
+                                        <p:tgtEl>
+                                          <p:spTgt spid="2"/>
+                                        </p:tgtEl>
+                                      </p:cBhvr>
+                                    </p:animEffect>
+                                  </p:childTnLst>
+                                </p:cTn>
+                              </p:par>
+                            </p:childTnLst>
+                          </p:cTn>
+                        </p:par>
+                        <p:par>
+                          <p:cTn id="8" fill="hold">
+                            <p:stCondLst>
+                              <p:cond delay="2000"/>
+                            </p:stCondLst>
+                            <p:childTnLst>
+                              <p:par>
+                                <p:cTn id="9" presetID="10" presetClass="entr" presetSubtype="0" fill="hold" grpId="0" nodeType="afterEffect">
+                                  <p:stCondLst>
+                                    <p:cond delay="0"/>
+                                  </p:stCondLst>
+                                  <p:childTnLst>
+                                    <p:set>
+                                      <p:cBhvr>
+                                        <p:cTn id="10" dur="1" fill="hold">
+                                          <p:stCondLst>
+                                            <p:cond delay="0"/>
+                                          </p:stCondLst>
+                                        </p:cTn>
+                                        <p:tgtEl>
+                                          <p:spTgt spid="3">
+                                            <p:txEl>
+                                              <p:pRg st="0" end="0"/>
+                                            </p:txEl>
+                                          </p:spTgt>
+                                        </p:tgtEl>
+                                        <p:attrNameLst>
+                                          <p:attrName>style.visibility</p:attrName>
+                                        </p:attrNameLst>
+                                      </p:cBhvr>
+                                      <p:to>
+                                        <p:strVal val="visible"/>
+                                      </p:to>
+                                    </p:set>
+                                    <p:animEffect transition="in" filter="fade">
+                                      <p:cBhvr>
+                                        <p:cTn id="11" dur="1000"/>
+                                        <p:tgtEl>
+                                          <p:spTgt spid="3">
+                                            <p:txEl>
+                                              <p:pRg st="0" end="0"/>
+                                            </p:txEl>
+                                          </p:spTgt>
+                                        </p:tgtEl>
+                                      </p:cBhvr>
+                                    </p:animEffect>
+                                  </p:childTnLst>
+                                </p:cTn>
+                              </p:par>
+                            </p:childTnLst>
+                          </p:cTn>
+                        </p:par>
+                        <p:par>
+                          <p:cTn id="12" fill="hold">
+                            <p:stCondLst>
+                              <p:cond delay="3000"/>
+                            </p:stCondLst>
+                            <p:childTnLst>
+                              <p:par>
+                                <p:cTn id="13" presetID="10" presetClass="entr" presetSubtype="0" fill="hold" grpId="0" nodeType="afterEffect">
+                                  <p:stCondLst>
+                                    <p:cond delay="0"/>
+                                  </p:stCondLst>
+                                  <p:childTnLst>
+                                    <p:set>
+                                      <p:cBhvr>
+                                        <p:cTn id="14" dur="1" fill="hold">
+                                          <p:stCondLst>
+                                            <p:cond delay="0"/>
+                                          </p:stCondLst>
+                                        </p:cTn>
+                                        <p:tgtEl>
+                                          <p:spTgt spid="3">
+                                            <p:txEl>
+                                              <p:pRg st="2" end="2"/>
+                                            </p:txEl>
+                                          </p:spTgt>
+                                        </p:tgtEl>
+                                        <p:attrNameLst>
+                                          <p:attrName>style.visibility</p:attrName>
+                                        </p:attrNameLst>
+                                      </p:cBhvr>
+                                      <p:to>
+                                        <p:strVal val="visible"/>
+                                      </p:to>
+                                    </p:set>
+                                    <p:animEffect transition="in" filter="fade">
+                                      <p:cBhvr>
+                                        <p:cTn id="15" dur="1000"/>
+                                        <p:tgtEl>
+                                          <p:spTgt spid="3">
+                                            <p:txEl>
+                                              <p:pRg st="2" end="2"/>
+                                            </p:txEl>
+                                          </p:spTgt>
+                                        </p:tgtEl>
+                                      </p:cBhvr>
+                                    </p:animEffect>
+                                  </p:childTnLst>
+                                </p:cTn>
+                              </p:par>
+                            </p:childTnLst>
+                          </p:cTn>
+                        </p:par>
+                        <p:par>
+                          <p:cTn id="16" fill="hold">
+                            <p:stCondLst>
+                              <p:cond delay="4000"/>
+                            </p:stCondLst>
+                            <p:childTnLst>
+                              <p:par>
+                                <p:cTn id="17" presetID="10" presetClass="entr" presetSubtype="0" fill="hold" grpId="0" nodeType="afterEffect">
+                                  <p:stCondLst>
+                                    <p:cond delay="0"/>
+                                  </p:stCondLst>
+                                  <p:childTnLst>
+                                    <p:set>
+                                      <p:cBhvr>
+                                        <p:cTn id="18" dur="1" fill="hold">
+                                          <p:stCondLst>
+                                            <p:cond delay="0"/>
+                                          </p:stCondLst>
+                                        </p:cTn>
+                                        <p:tgtEl>
+                                          <p:spTgt spid="3">
+                                            <p:txEl>
+                                              <p:pRg st="4" end="4"/>
+                                            </p:txEl>
+                                          </p:spTgt>
+                                        </p:tgtEl>
+                                        <p:attrNameLst>
+                                          <p:attrName>style.visibility</p:attrName>
+                                        </p:attrNameLst>
+                                      </p:cBhvr>
+                                      <p:to>
+                                        <p:strVal val="visible"/>
+                                      </p:to>
+                                    </p:set>
+                                    <p:animEffect transition="in" filter="fade">
+                                      <p:cBhvr>
+                                        <p:cTn id="19" dur="1000"/>
+                                        <p:tgtEl>
+                                          <p:spTgt spid="3">
+                                            <p:txEl>
+                                              <p:pRg st="4" end="4"/>
+                                            </p:txEl>
+                                          </p:spTgt>
+                                        </p:tgtEl>
+                                      </p:cBhvr>
+                                    </p:animEffect>
+                                  </p:childTnLst>
+                                </p:cTn>
+                              </p:par>
+                            </p:childTnLst>
+                          </p:cTn>
+                        </p:par>
+                      </p:childTnLst>
+                    </p:cTn>
+                  </p:par>
+                </p:childTnLst>
+              </p:cTn>
+              <p:prevCondLst>
+                <p:cond evt="onPrev" delay="0">
+                  <p:tgtEl>
+                    <p:sldTgt/>
+                  </p:tgtEl>
+                </p:cond>
+              </p:prevCondLst>
+              <p:nextCondLst>
+                <p:cond evt="onNext" delay="0">
+                  <p:tgtEl>
+                    <p:sldTgt/>
+                  </p:tgtEl>
+                </p:cond>
+              </p:nextCondLst>
+            </p:seq>
+          </p:childTnLst>
+        </p:cTn>
+      </p:par>
+    </p:tnLst>
+    <p:bldLst>
+      <p:bldP spid="2" grpId="0"/>
+      <p:bldP spid="3" grpId="0" build="p"/>
+    </p:bldLst>
+  </p:timing>
 </p:sld>
 </file>
 
@@ -6303,7 +9606,7 @@
           <a:p>
             <a:pPr algn="ctr"/>
             <a:r>
-              <a:rPr lang="en-IN" sz="4800" dirty="0" smtClean="0">
+              <a:rPr lang="en-IN" sz="5400" dirty="0" smtClean="0">
                 <a:solidFill>
                   <a:srgbClr val="0070C0"/>
                 </a:solidFill>
@@ -6312,7 +9615,7 @@
               </a:rPr>
               <a:t>Flow of Work</a:t>
             </a:r>
-            <a:endParaRPr lang="en-IN" sz="4800" dirty="0">
+            <a:endParaRPr lang="en-IN" sz="5400" dirty="0">
               <a:solidFill>
                 <a:srgbClr val="0070C0"/>
               </a:solidFill>
@@ -6481,7 +9784,27 @@
               <a:buFont typeface="Wingdings" panose="05000000000000000000" pitchFamily="2" charset="2"/>
               <a:buChar char="Ø"/>
             </a:pPr>
+            <a:r>
+              <a:rPr lang="en-IN" sz="2400" dirty="0" smtClean="0">
+                <a:latin typeface="Times New Roman" panose="02020603050405020304" pitchFamily="18" charset="0"/>
+                <a:cs typeface="Times New Roman" panose="02020603050405020304" pitchFamily="18" charset="0"/>
+              </a:rPr>
+              <a:t>Source of  Data : </a:t>
+            </a:r>
+            <a:r>
+              <a:rPr lang="en-IN" sz="2800" dirty="0" smtClean="0">
+                <a:solidFill>
+                  <a:srgbClr val="7030A0"/>
+                </a:solidFill>
+                <a:latin typeface="Times New Roman" panose="02020603050405020304" pitchFamily="18" charset="0"/>
+                <a:cs typeface="Times New Roman" panose="02020603050405020304" pitchFamily="18" charset="0"/>
+              </a:rPr>
+              <a:t>www.data.gov.in </a:t>
+            </a:r>
             <a:endParaRPr lang="en-IN" sz="2400" dirty="0">
+              <a:solidFill>
+                <a:srgbClr val="7030A0"/>
+              </a:solidFill>
               <a:latin typeface="Times New Roman" panose="02020603050405020304" pitchFamily="18" charset="0"/>
               <a:cs typeface="Times New Roman" panose="02020603050405020304" pitchFamily="18" charset="0"/>
             </a:endParaRPr>
@@ -6510,13 +9833,577 @@
     </p:spTree>
     <p:extLst>
       <p:ext uri="{BB962C8B-B14F-4D97-AF65-F5344CB8AC3E}">
-        <p14:creationId xmlns:p14="http://schemas.microsoft.com/office/powerpoint/2010/main" xmlns="" val="4023520249"/>
+        <p14:creationId xmlns="" xmlns:p14="http://schemas.microsoft.com/office/powerpoint/2010/main" val="4023520249"/>
       </p:ext>
     </p:extLst>
   </p:cSld>
   <p:clrMapOvr>
     <a:masterClrMapping/>
   </p:clrMapOvr>
+  <p:timing>
+    <p:tnLst>
+      <p:par>
+        <p:cTn id="1" dur="indefinite" restart="never" nodeType="tmRoot">
+          <p:childTnLst>
+            <p:seq concurrent="1" nextAc="seek">
+              <p:cTn id="2" dur="indefinite" nodeType="mainSeq">
+                <p:childTnLst>
+                  <p:par>
+                    <p:cTn id="3" fill="hold">
+                      <p:stCondLst>
+                        <p:cond delay="indefinite"/>
+                      </p:stCondLst>
+                      <p:childTnLst>
+                        <p:par>
+                          <p:cTn id="4" fill="hold">
+                            <p:stCondLst>
+                              <p:cond delay="0"/>
+                            </p:stCondLst>
+                            <p:childTnLst>
+                              <p:par>
+                                <p:cTn id="5" presetID="10" presetClass="entr" presetSubtype="0" fill="hold" grpId="0" nodeType="clickEffect">
+                                  <p:stCondLst>
+                                    <p:cond delay="0"/>
+                                  </p:stCondLst>
+                                  <p:childTnLst>
+                                    <p:set>
+                                      <p:cBhvr>
+                                        <p:cTn id="6" dur="1" fill="hold">
+                                          <p:stCondLst>
+                                            <p:cond delay="0"/>
+                                          </p:stCondLst>
+                                        </p:cTn>
+                                        <p:tgtEl>
+                                          <p:spTgt spid="2"/>
+                                        </p:tgtEl>
+                                        <p:attrNameLst>
+                                          <p:attrName>style.visibility</p:attrName>
+                                        </p:attrNameLst>
+                                      </p:cBhvr>
+                                      <p:to>
+                                        <p:strVal val="visible"/>
+                                      </p:to>
+                                    </p:set>
+                                    <p:animEffect transition="in" filter="fade">
+                                      <p:cBhvr>
+                                        <p:cTn id="7" dur="2000"/>
+                                        <p:tgtEl>
+                                          <p:spTgt spid="2"/>
+                                        </p:tgtEl>
+                                      </p:cBhvr>
+                                    </p:animEffect>
+                                  </p:childTnLst>
+                                </p:cTn>
+                              </p:par>
+                            </p:childTnLst>
+                          </p:cTn>
+                        </p:par>
+                        <p:par>
+                          <p:cTn id="8" fill="hold">
+                            <p:stCondLst>
+                              <p:cond delay="2000"/>
+                            </p:stCondLst>
+                            <p:childTnLst>
+                              <p:par>
+                                <p:cTn id="9" presetID="10" presetClass="entr" presetSubtype="0" fill="hold" grpId="0" nodeType="afterEffect">
+                                  <p:stCondLst>
+                                    <p:cond delay="0"/>
+                                  </p:stCondLst>
+                                  <p:childTnLst>
+                                    <p:set>
+                                      <p:cBhvr>
+                                        <p:cTn id="10" dur="1" fill="hold">
+                                          <p:stCondLst>
+                                            <p:cond delay="0"/>
+                                          </p:stCondLst>
+                                        </p:cTn>
+                                        <p:tgtEl>
+                                          <p:spTgt spid="3">
+                                            <p:txEl>
+                                              <p:pRg st="0" end="0"/>
+                                            </p:txEl>
+                                          </p:spTgt>
+                                        </p:tgtEl>
+                                        <p:attrNameLst>
+                                          <p:attrName>style.visibility</p:attrName>
+                                        </p:attrNameLst>
+                                      </p:cBhvr>
+                                      <p:to>
+                                        <p:strVal val="visible"/>
+                                      </p:to>
+                                    </p:set>
+                                    <p:animEffect transition="in" filter="fade">
+                                      <p:cBhvr>
+                                        <p:cTn id="11" dur="1000"/>
+                                        <p:tgtEl>
+                                          <p:spTgt spid="3">
+                                            <p:txEl>
+                                              <p:pRg st="0" end="0"/>
+                                            </p:txEl>
+                                          </p:spTgt>
+                                        </p:tgtEl>
+                                      </p:cBhvr>
+                                    </p:animEffect>
+                                  </p:childTnLst>
+                                </p:cTn>
+                              </p:par>
+                            </p:childTnLst>
+                          </p:cTn>
+                        </p:par>
+                        <p:par>
+                          <p:cTn id="12" fill="hold">
+                            <p:stCondLst>
+                              <p:cond delay="3000"/>
+                            </p:stCondLst>
+                            <p:childTnLst>
+                              <p:par>
+                                <p:cTn id="13" presetID="10" presetClass="entr" presetSubtype="0" fill="hold" grpId="0" nodeType="afterEffect">
+                                  <p:stCondLst>
+                                    <p:cond delay="0"/>
+                                  </p:stCondLst>
+                                  <p:childTnLst>
+                                    <p:set>
+                                      <p:cBhvr>
+                                        <p:cTn id="14" dur="1" fill="hold">
+                                          <p:stCondLst>
+                                            <p:cond delay="0"/>
+                                          </p:stCondLst>
+                                        </p:cTn>
+                                        <p:tgtEl>
+                                          <p:spTgt spid="3">
+                                            <p:txEl>
+                                              <p:pRg st="1" end="1"/>
+                                            </p:txEl>
+                                          </p:spTgt>
+                                        </p:tgtEl>
+                                        <p:attrNameLst>
+                                          <p:attrName>style.visibility</p:attrName>
+                                        </p:attrNameLst>
+                                      </p:cBhvr>
+                                      <p:to>
+                                        <p:strVal val="visible"/>
+                                      </p:to>
+                                    </p:set>
+                                    <p:animEffect transition="in" filter="fade">
+                                      <p:cBhvr>
+                                        <p:cTn id="15" dur="1000"/>
+                                        <p:tgtEl>
+                                          <p:spTgt spid="3">
+                                            <p:txEl>
+                                              <p:pRg st="1" end="1"/>
+                                            </p:txEl>
+                                          </p:spTgt>
+                                        </p:tgtEl>
+                                      </p:cBhvr>
+                                    </p:animEffect>
+                                  </p:childTnLst>
+                                </p:cTn>
+                              </p:par>
+                            </p:childTnLst>
+                          </p:cTn>
+                        </p:par>
+                        <p:par>
+                          <p:cTn id="16" fill="hold">
+                            <p:stCondLst>
+                              <p:cond delay="4000"/>
+                            </p:stCondLst>
+                            <p:childTnLst>
+                              <p:par>
+                                <p:cTn id="17" presetID="10" presetClass="entr" presetSubtype="0" fill="hold" grpId="0" nodeType="afterEffect">
+                                  <p:stCondLst>
+                                    <p:cond delay="0"/>
+                                  </p:stCondLst>
+                                  <p:childTnLst>
+                                    <p:set>
+                                      <p:cBhvr>
+                                        <p:cTn id="18" dur="1" fill="hold">
+                                          <p:stCondLst>
+                                            <p:cond delay="0"/>
+                                          </p:stCondLst>
+                                        </p:cTn>
+                                        <p:tgtEl>
+                                          <p:spTgt spid="3">
+                                            <p:txEl>
+                                              <p:pRg st="2" end="2"/>
+                                            </p:txEl>
+                                          </p:spTgt>
+                                        </p:tgtEl>
+                                        <p:attrNameLst>
+                                          <p:attrName>style.visibility</p:attrName>
+                                        </p:attrNameLst>
+                                      </p:cBhvr>
+                                      <p:to>
+                                        <p:strVal val="visible"/>
+                                      </p:to>
+                                    </p:set>
+                                    <p:animEffect transition="in" filter="fade">
+                                      <p:cBhvr>
+                                        <p:cTn id="19" dur="1000"/>
+                                        <p:tgtEl>
+                                          <p:spTgt spid="3">
+                                            <p:txEl>
+                                              <p:pRg st="2" end="2"/>
+                                            </p:txEl>
+                                          </p:spTgt>
+                                        </p:tgtEl>
+                                      </p:cBhvr>
+                                    </p:animEffect>
+                                  </p:childTnLst>
+                                </p:cTn>
+                              </p:par>
+                            </p:childTnLst>
+                          </p:cTn>
+                        </p:par>
+                        <p:par>
+                          <p:cTn id="20" fill="hold">
+                            <p:stCondLst>
+                              <p:cond delay="5000"/>
+                            </p:stCondLst>
+                            <p:childTnLst>
+                              <p:par>
+                                <p:cTn id="21" presetID="10" presetClass="entr" presetSubtype="0" fill="hold" grpId="0" nodeType="afterEffect">
+                                  <p:stCondLst>
+                                    <p:cond delay="0"/>
+                                  </p:stCondLst>
+                                  <p:childTnLst>
+                                    <p:set>
+                                      <p:cBhvr>
+                                        <p:cTn id="22" dur="1" fill="hold">
+                                          <p:stCondLst>
+                                            <p:cond delay="0"/>
+                                          </p:stCondLst>
+                                        </p:cTn>
+                                        <p:tgtEl>
+                                          <p:spTgt spid="3">
+                                            <p:txEl>
+                                              <p:pRg st="3" end="3"/>
+                                            </p:txEl>
+                                          </p:spTgt>
+                                        </p:tgtEl>
+                                        <p:attrNameLst>
+                                          <p:attrName>style.visibility</p:attrName>
+                                        </p:attrNameLst>
+                                      </p:cBhvr>
+                                      <p:to>
+                                        <p:strVal val="visible"/>
+                                      </p:to>
+                                    </p:set>
+                                    <p:animEffect transition="in" filter="fade">
+                                      <p:cBhvr>
+                                        <p:cTn id="23" dur="1000"/>
+                                        <p:tgtEl>
+                                          <p:spTgt spid="3">
+                                            <p:txEl>
+                                              <p:pRg st="3" end="3"/>
+                                            </p:txEl>
+                                          </p:spTgt>
+                                        </p:tgtEl>
+                                      </p:cBhvr>
+                                    </p:animEffect>
+                                  </p:childTnLst>
+                                </p:cTn>
+                              </p:par>
+                            </p:childTnLst>
+                          </p:cTn>
+                        </p:par>
+                        <p:par>
+                          <p:cTn id="24" fill="hold">
+                            <p:stCondLst>
+                              <p:cond delay="6000"/>
+                            </p:stCondLst>
+                            <p:childTnLst>
+                              <p:par>
+                                <p:cTn id="25" presetID="10" presetClass="entr" presetSubtype="0" fill="hold" grpId="0" nodeType="afterEffect">
+                                  <p:stCondLst>
+                                    <p:cond delay="0"/>
+                                  </p:stCondLst>
+                                  <p:childTnLst>
+                                    <p:set>
+                                      <p:cBhvr>
+                                        <p:cTn id="26" dur="1" fill="hold">
+                                          <p:stCondLst>
+                                            <p:cond delay="0"/>
+                                          </p:stCondLst>
+                                        </p:cTn>
+                                        <p:tgtEl>
+                                          <p:spTgt spid="3">
+                                            <p:txEl>
+                                              <p:pRg st="4" end="4"/>
+                                            </p:txEl>
+                                          </p:spTgt>
+                                        </p:tgtEl>
+                                        <p:attrNameLst>
+                                          <p:attrName>style.visibility</p:attrName>
+                                        </p:attrNameLst>
+                                      </p:cBhvr>
+                                      <p:to>
+                                        <p:strVal val="visible"/>
+                                      </p:to>
+                                    </p:set>
+                                    <p:animEffect transition="in" filter="fade">
+                                      <p:cBhvr>
+                                        <p:cTn id="27" dur="1000"/>
+                                        <p:tgtEl>
+                                          <p:spTgt spid="3">
+                                            <p:txEl>
+                                              <p:pRg st="4" end="4"/>
+                                            </p:txEl>
+                                          </p:spTgt>
+                                        </p:tgtEl>
+                                      </p:cBhvr>
+                                    </p:animEffect>
+                                  </p:childTnLst>
+                                </p:cTn>
+                              </p:par>
+                            </p:childTnLst>
+                          </p:cTn>
+                        </p:par>
+                        <p:par>
+                          <p:cTn id="28" fill="hold">
+                            <p:stCondLst>
+                              <p:cond delay="7000"/>
+                            </p:stCondLst>
+                            <p:childTnLst>
+                              <p:par>
+                                <p:cTn id="29" presetID="10" presetClass="entr" presetSubtype="0" fill="hold" grpId="0" nodeType="afterEffect">
+                                  <p:stCondLst>
+                                    <p:cond delay="0"/>
+                                  </p:stCondLst>
+                                  <p:childTnLst>
+                                    <p:set>
+                                      <p:cBhvr>
+                                        <p:cTn id="30" dur="1" fill="hold">
+                                          <p:stCondLst>
+                                            <p:cond delay="0"/>
+                                          </p:stCondLst>
+                                        </p:cTn>
+                                        <p:tgtEl>
+                                          <p:spTgt spid="3">
+                                            <p:txEl>
+                                              <p:pRg st="5" end="5"/>
+                                            </p:txEl>
+                                          </p:spTgt>
+                                        </p:tgtEl>
+                                        <p:attrNameLst>
+                                          <p:attrName>style.visibility</p:attrName>
+                                        </p:attrNameLst>
+                                      </p:cBhvr>
+                                      <p:to>
+                                        <p:strVal val="visible"/>
+                                      </p:to>
+                                    </p:set>
+                                    <p:animEffect transition="in" filter="fade">
+                                      <p:cBhvr>
+                                        <p:cTn id="31" dur="1000"/>
+                                        <p:tgtEl>
+                                          <p:spTgt spid="3">
+                                            <p:txEl>
+                                              <p:pRg st="5" end="5"/>
+                                            </p:txEl>
+                                          </p:spTgt>
+                                        </p:tgtEl>
+                                      </p:cBhvr>
+                                    </p:animEffect>
+                                  </p:childTnLst>
+                                </p:cTn>
+                              </p:par>
+                            </p:childTnLst>
+                          </p:cTn>
+                        </p:par>
+                        <p:par>
+                          <p:cTn id="32" fill="hold">
+                            <p:stCondLst>
+                              <p:cond delay="8000"/>
+                            </p:stCondLst>
+                            <p:childTnLst>
+                              <p:par>
+                                <p:cTn id="33" presetID="10" presetClass="entr" presetSubtype="0" fill="hold" grpId="0" nodeType="afterEffect">
+                                  <p:stCondLst>
+                                    <p:cond delay="0"/>
+                                  </p:stCondLst>
+                                  <p:childTnLst>
+                                    <p:set>
+                                      <p:cBhvr>
+                                        <p:cTn id="34" dur="1" fill="hold">
+                                          <p:stCondLst>
+                                            <p:cond delay="0"/>
+                                          </p:stCondLst>
+                                        </p:cTn>
+                                        <p:tgtEl>
+                                          <p:spTgt spid="3">
+                                            <p:txEl>
+                                              <p:pRg st="6" end="6"/>
+                                            </p:txEl>
+                                          </p:spTgt>
+                                        </p:tgtEl>
+                                        <p:attrNameLst>
+                                          <p:attrName>style.visibility</p:attrName>
+                                        </p:attrNameLst>
+                                      </p:cBhvr>
+                                      <p:to>
+                                        <p:strVal val="visible"/>
+                                      </p:to>
+                                    </p:set>
+                                    <p:animEffect transition="in" filter="fade">
+                                      <p:cBhvr>
+                                        <p:cTn id="35" dur="1000"/>
+                                        <p:tgtEl>
+                                          <p:spTgt spid="3">
+                                            <p:txEl>
+                                              <p:pRg st="6" end="6"/>
+                                            </p:txEl>
+                                          </p:spTgt>
+                                        </p:tgtEl>
+                                      </p:cBhvr>
+                                    </p:animEffect>
+                                  </p:childTnLst>
+                                </p:cTn>
+                              </p:par>
+                            </p:childTnLst>
+                          </p:cTn>
+                        </p:par>
+                      </p:childTnLst>
+                    </p:cTn>
+                  </p:par>
+                  <p:par>
+                    <p:cTn id="36" fill="hold">
+                      <p:stCondLst>
+                        <p:cond delay="indefinite"/>
+                      </p:stCondLst>
+                      <p:childTnLst>
+                        <p:par>
+                          <p:cTn id="37" fill="hold">
+                            <p:stCondLst>
+                              <p:cond delay="0"/>
+                            </p:stCondLst>
+                            <p:childTnLst>
+                              <p:par>
+                                <p:cTn id="38" presetID="10" presetClass="entr" presetSubtype="0" fill="hold" grpId="0" nodeType="clickEffect">
+                                  <p:stCondLst>
+                                    <p:cond delay="0"/>
+                                  </p:stCondLst>
+                                  <p:childTnLst>
+                                    <p:set>
+                                      <p:cBhvr>
+                                        <p:cTn id="39" dur="1" fill="hold">
+                                          <p:stCondLst>
+                                            <p:cond delay="0"/>
+                                          </p:stCondLst>
+                                        </p:cTn>
+                                        <p:tgtEl>
+                                          <p:spTgt spid="3">
+                                            <p:txEl>
+                                              <p:pRg st="7" end="7"/>
+                                            </p:txEl>
+                                          </p:spTgt>
+                                        </p:tgtEl>
+                                        <p:attrNameLst>
+                                          <p:attrName>style.visibility</p:attrName>
+                                        </p:attrNameLst>
+                                      </p:cBhvr>
+                                      <p:to>
+                                        <p:strVal val="visible"/>
+                                      </p:to>
+                                    </p:set>
+                                    <p:animEffect transition="in" filter="fade">
+                                      <p:cBhvr>
+                                        <p:cTn id="40" dur="1000"/>
+                                        <p:tgtEl>
+                                          <p:spTgt spid="3">
+                                            <p:txEl>
+                                              <p:pRg st="7" end="7"/>
+                                            </p:txEl>
+                                          </p:spTgt>
+                                        </p:tgtEl>
+                                      </p:cBhvr>
+                                    </p:animEffect>
+                                  </p:childTnLst>
+                                </p:cTn>
+                              </p:par>
+                            </p:childTnLst>
+                          </p:cTn>
+                        </p:par>
+                        <p:par>
+                          <p:cTn id="41" fill="hold">
+                            <p:stCondLst>
+                              <p:cond delay="1000"/>
+                            </p:stCondLst>
+                            <p:childTnLst>
+                              <p:par>
+                                <p:cTn id="42" presetID="10" presetClass="entr" presetSubtype="0" fill="hold" grpId="0" nodeType="afterEffect">
+                                  <p:stCondLst>
+                                    <p:cond delay="0"/>
+                                  </p:stCondLst>
+                                  <p:childTnLst>
+                                    <p:set>
+                                      <p:cBhvr>
+                                        <p:cTn id="43" dur="1" fill="hold">
+                                          <p:stCondLst>
+                                            <p:cond delay="0"/>
+                                          </p:stCondLst>
+                                        </p:cTn>
+                                        <p:tgtEl>
+                                          <p:spTgt spid="3">
+                                            <p:txEl>
+                                              <p:pRg st="8" end="8"/>
+                                            </p:txEl>
+                                          </p:spTgt>
+                                        </p:tgtEl>
+                                        <p:attrNameLst>
+                                          <p:attrName>style.visibility</p:attrName>
+                                        </p:attrNameLst>
+                                      </p:cBhvr>
+                                      <p:to>
+                                        <p:strVal val="visible"/>
+                                      </p:to>
+                                    </p:set>
+                                    <p:animEffect transition="in" filter="fade">
+                                      <p:cBhvr>
+                                        <p:cTn id="44" dur="1000"/>
+                                        <p:tgtEl>
+                                          <p:spTgt spid="3">
+                                            <p:txEl>
+                                              <p:pRg st="8" end="8"/>
+                                            </p:txEl>
+                                          </p:spTgt>
+                                        </p:tgtEl>
+                                      </p:cBhvr>
+                                    </p:animEffect>
+                                  </p:childTnLst>
+                                </p:cTn>
+                              </p:par>
+                            </p:childTnLst>
+                          </p:cTn>
+                        </p:par>
+                      </p:childTnLst>
+                    </p:cTn>
+                  </p:par>
+                </p:childTnLst>
+              </p:cTn>
+              <p:prevCondLst>
+                <p:cond evt="onPrev" delay="0">
+                  <p:tgtEl>
+                    <p:sldTgt/>
+                  </p:tgtEl>
+                </p:cond>
+              </p:prevCondLst>
+              <p:nextCondLst>
+                <p:cond evt="onNext" delay="0">
+                  <p:tgtEl>
+                    <p:sldTgt/>
+                  </p:tgtEl>
+                </p:cond>
+              </p:nextCondLst>
+            </p:seq>
+          </p:childTnLst>
+        </p:cTn>
+      </p:par>
+    </p:tnLst>
+    <p:bldLst>
+      <p:bldP spid="2" grpId="0"/>
+      <p:bldP spid="3" grpId="0" build="p"/>
+    </p:bldLst>
+  </p:timing>
 </p:sld>
 </file>
 
@@ -6618,22 +10505,68 @@
                 <a:latin typeface="Times New Roman" panose="02020603050405020304" pitchFamily="18" charset="0"/>
                 <a:cs typeface="Times New Roman" panose="02020603050405020304" pitchFamily="18" charset="0"/>
               </a:rPr>
-              <a:t>Handler classes , service classes , data classes , </a:t>
-            </a:r>
-            <a:r>
-              <a:rPr lang="en-IN" sz="2400" dirty="0" err="1" smtClean="0">
-                <a:latin typeface="Times New Roman" panose="02020603050405020304" pitchFamily="18" charset="0"/>
-                <a:cs typeface="Times New Roman" panose="02020603050405020304" pitchFamily="18" charset="0"/>
-              </a:rPr>
-              <a:t>dao</a:t>
+              <a:t>Handler classes , </a:t>
             </a:r>
             <a:r>
               <a:rPr lang="en-IN" sz="2400" dirty="0" smtClean="0">
                 <a:latin typeface="Times New Roman" panose="02020603050405020304" pitchFamily="18" charset="0"/>
                 <a:cs typeface="Times New Roman" panose="02020603050405020304" pitchFamily="18" charset="0"/>
               </a:rPr>
-              <a:t> classes were made for each table in database</a:t>
-            </a:r>
+              <a:t>Service </a:t>
+            </a:r>
+            <a:r>
+              <a:rPr lang="en-IN" sz="2400" dirty="0" smtClean="0">
+                <a:latin typeface="Times New Roman" panose="02020603050405020304" pitchFamily="18" charset="0"/>
+                <a:cs typeface="Times New Roman" panose="02020603050405020304" pitchFamily="18" charset="0"/>
+              </a:rPr>
+              <a:t>classes , </a:t>
+            </a:r>
+            <a:r>
+              <a:rPr lang="en-IN" sz="2400" dirty="0" smtClean="0">
+                <a:latin typeface="Times New Roman" panose="02020603050405020304" pitchFamily="18" charset="0"/>
+                <a:cs typeface="Times New Roman" panose="02020603050405020304" pitchFamily="18" charset="0"/>
+              </a:rPr>
+              <a:t>Data </a:t>
+            </a:r>
+            <a:r>
+              <a:rPr lang="en-IN" sz="2400" dirty="0" smtClean="0">
+                <a:latin typeface="Times New Roman" panose="02020603050405020304" pitchFamily="18" charset="0"/>
+                <a:cs typeface="Times New Roman" panose="02020603050405020304" pitchFamily="18" charset="0"/>
+              </a:rPr>
+              <a:t>classes , </a:t>
+            </a:r>
+            <a:r>
+              <a:rPr lang="en-IN" sz="2400" dirty="0" smtClean="0">
+                <a:latin typeface="Times New Roman" panose="02020603050405020304" pitchFamily="18" charset="0"/>
+                <a:cs typeface="Times New Roman" panose="02020603050405020304" pitchFamily="18" charset="0"/>
+              </a:rPr>
+              <a:t>DAO</a:t>
+            </a:r>
+            <a:r>
+              <a:rPr lang="en-IN" sz="2400" dirty="0" smtClean="0">
+                <a:latin typeface="Times New Roman" panose="02020603050405020304" pitchFamily="18" charset="0"/>
+                <a:cs typeface="Times New Roman" panose="02020603050405020304" pitchFamily="18" charset="0"/>
+              </a:rPr>
+              <a:t> </a:t>
+            </a:r>
+            <a:r>
+              <a:rPr lang="en-IN" sz="2400" dirty="0" smtClean="0">
+                <a:latin typeface="Times New Roman" panose="02020603050405020304" pitchFamily="18" charset="0"/>
+                <a:cs typeface="Times New Roman" panose="02020603050405020304" pitchFamily="18" charset="0"/>
+              </a:rPr>
+              <a:t>classes were made for each table in </a:t>
+            </a:r>
+            <a:r>
+              <a:rPr lang="en-IN" sz="2400" dirty="0" smtClean="0">
+                <a:latin typeface="Times New Roman" panose="02020603050405020304" pitchFamily="18" charset="0"/>
+                <a:cs typeface="Times New Roman" panose="02020603050405020304" pitchFamily="18" charset="0"/>
+              </a:rPr>
+              <a:t>database.</a:t>
+            </a:r>
+            <a:endParaRPr lang="en-IN" sz="2400" dirty="0" smtClean="0">
+              <a:latin typeface="Times New Roman" panose="02020603050405020304" pitchFamily="18" charset="0"/>
+              <a:cs typeface="Times New Roman" panose="02020603050405020304" pitchFamily="18" charset="0"/>
+            </a:endParaRPr>
           </a:p>
           <a:p>
             <a:pPr marL="0" indent="0">
@@ -6662,13 +10595,312 @@
     </p:spTree>
     <p:extLst>
       <p:ext uri="{BB962C8B-B14F-4D97-AF65-F5344CB8AC3E}">
-        <p14:creationId xmlns:p14="http://schemas.microsoft.com/office/powerpoint/2010/main" xmlns="" val="1439879549"/>
+        <p14:creationId xmlns="" xmlns:p14="http://schemas.microsoft.com/office/powerpoint/2010/main" val="1439879549"/>
       </p:ext>
     </p:extLst>
   </p:cSld>
   <p:clrMapOvr>
     <a:masterClrMapping/>
   </p:clrMapOvr>
+  <p:timing>
+    <p:tnLst>
+      <p:par>
+        <p:cTn id="1" dur="indefinite" restart="never" nodeType="tmRoot">
+          <p:childTnLst>
+            <p:seq concurrent="1" nextAc="seek">
+              <p:cTn id="2" dur="indefinite" nodeType="mainSeq">
+                <p:childTnLst>
+                  <p:par>
+                    <p:cTn id="3" fill="hold">
+                      <p:stCondLst>
+                        <p:cond delay="indefinite"/>
+                      </p:stCondLst>
+                      <p:childTnLst>
+                        <p:par>
+                          <p:cTn id="4" fill="hold">
+                            <p:stCondLst>
+                              <p:cond delay="0"/>
+                            </p:stCondLst>
+                            <p:childTnLst>
+                              <p:par>
+                                <p:cTn id="5" presetID="10" presetClass="entr" presetSubtype="0" fill="hold" nodeType="clickEffect">
+                                  <p:stCondLst>
+                                    <p:cond delay="0"/>
+                                  </p:stCondLst>
+                                  <p:childTnLst>
+                                    <p:set>
+                                      <p:cBhvr>
+                                        <p:cTn id="6" dur="1" fill="hold">
+                                          <p:stCondLst>
+                                            <p:cond delay="0"/>
+                                          </p:stCondLst>
+                                        </p:cTn>
+                                        <p:tgtEl>
+                                          <p:spTgt spid="3">
+                                            <p:txEl>
+                                              <p:pRg st="0" end="0"/>
+                                            </p:txEl>
+                                          </p:spTgt>
+                                        </p:tgtEl>
+                                        <p:attrNameLst>
+                                          <p:attrName>style.visibility</p:attrName>
+                                        </p:attrNameLst>
+                                      </p:cBhvr>
+                                      <p:to>
+                                        <p:strVal val="visible"/>
+                                      </p:to>
+                                    </p:set>
+                                    <p:animEffect transition="in" filter="fade">
+                                      <p:cBhvr>
+                                        <p:cTn id="7" dur="1000"/>
+                                        <p:tgtEl>
+                                          <p:spTgt spid="3">
+                                            <p:txEl>
+                                              <p:pRg st="0" end="0"/>
+                                            </p:txEl>
+                                          </p:spTgt>
+                                        </p:tgtEl>
+                                      </p:cBhvr>
+                                    </p:animEffect>
+                                  </p:childTnLst>
+                                </p:cTn>
+                              </p:par>
+                            </p:childTnLst>
+                          </p:cTn>
+                        </p:par>
+                        <p:par>
+                          <p:cTn id="8" fill="hold">
+                            <p:stCondLst>
+                              <p:cond delay="1000"/>
+                            </p:stCondLst>
+                            <p:childTnLst>
+                              <p:par>
+                                <p:cTn id="9" presetID="10" presetClass="entr" presetSubtype="0" fill="hold" nodeType="afterEffect">
+                                  <p:stCondLst>
+                                    <p:cond delay="0"/>
+                                  </p:stCondLst>
+                                  <p:childTnLst>
+                                    <p:set>
+                                      <p:cBhvr>
+                                        <p:cTn id="10" dur="1" fill="hold">
+                                          <p:stCondLst>
+                                            <p:cond delay="0"/>
+                                          </p:stCondLst>
+                                        </p:cTn>
+                                        <p:tgtEl>
+                                          <p:spTgt spid="3">
+                                            <p:txEl>
+                                              <p:pRg st="2" end="2"/>
+                                            </p:txEl>
+                                          </p:spTgt>
+                                        </p:tgtEl>
+                                        <p:attrNameLst>
+                                          <p:attrName>style.visibility</p:attrName>
+                                        </p:attrNameLst>
+                                      </p:cBhvr>
+                                      <p:to>
+                                        <p:strVal val="visible"/>
+                                      </p:to>
+                                    </p:set>
+                                    <p:animEffect transition="in" filter="fade">
+                                      <p:cBhvr>
+                                        <p:cTn id="11" dur="1000"/>
+                                        <p:tgtEl>
+                                          <p:spTgt spid="3">
+                                            <p:txEl>
+                                              <p:pRg st="2" end="2"/>
+                                            </p:txEl>
+                                          </p:spTgt>
+                                        </p:tgtEl>
+                                      </p:cBhvr>
+                                    </p:animEffect>
+                                  </p:childTnLst>
+                                </p:cTn>
+                              </p:par>
+                            </p:childTnLst>
+                          </p:cTn>
+                        </p:par>
+                        <p:par>
+                          <p:cTn id="12" fill="hold">
+                            <p:stCondLst>
+                              <p:cond delay="2000"/>
+                            </p:stCondLst>
+                            <p:childTnLst>
+                              <p:par>
+                                <p:cTn id="13" presetID="10" presetClass="entr" presetSubtype="0" fill="hold" nodeType="afterEffect">
+                                  <p:stCondLst>
+                                    <p:cond delay="0"/>
+                                  </p:stCondLst>
+                                  <p:childTnLst>
+                                    <p:set>
+                                      <p:cBhvr>
+                                        <p:cTn id="14" dur="1" fill="hold">
+                                          <p:stCondLst>
+                                            <p:cond delay="0"/>
+                                          </p:stCondLst>
+                                        </p:cTn>
+                                        <p:tgtEl>
+                                          <p:spTgt spid="3">
+                                            <p:txEl>
+                                              <p:pRg st="4" end="4"/>
+                                            </p:txEl>
+                                          </p:spTgt>
+                                        </p:tgtEl>
+                                        <p:attrNameLst>
+                                          <p:attrName>style.visibility</p:attrName>
+                                        </p:attrNameLst>
+                                      </p:cBhvr>
+                                      <p:to>
+                                        <p:strVal val="visible"/>
+                                      </p:to>
+                                    </p:set>
+                                    <p:animEffect transition="in" filter="fade">
+                                      <p:cBhvr>
+                                        <p:cTn id="15" dur="1000"/>
+                                        <p:tgtEl>
+                                          <p:spTgt spid="3">
+                                            <p:txEl>
+                                              <p:pRg st="4" end="4"/>
+                                            </p:txEl>
+                                          </p:spTgt>
+                                        </p:tgtEl>
+                                      </p:cBhvr>
+                                    </p:animEffect>
+                                  </p:childTnLst>
+                                </p:cTn>
+                              </p:par>
+                            </p:childTnLst>
+                          </p:cTn>
+                        </p:par>
+                        <p:par>
+                          <p:cTn id="16" fill="hold">
+                            <p:stCondLst>
+                              <p:cond delay="3000"/>
+                            </p:stCondLst>
+                            <p:childTnLst>
+                              <p:par>
+                                <p:cTn id="17" presetID="10" presetClass="entr" presetSubtype="0" fill="hold" nodeType="afterEffect">
+                                  <p:stCondLst>
+                                    <p:cond delay="0"/>
+                                  </p:stCondLst>
+                                  <p:childTnLst>
+                                    <p:set>
+                                      <p:cBhvr>
+                                        <p:cTn id="18" dur="1" fill="hold">
+                                          <p:stCondLst>
+                                            <p:cond delay="0"/>
+                                          </p:stCondLst>
+                                        </p:cTn>
+                                        <p:tgtEl>
+                                          <p:spTgt spid="3">
+                                            <p:txEl>
+                                              <p:pRg st="6" end="6"/>
+                                            </p:txEl>
+                                          </p:spTgt>
+                                        </p:tgtEl>
+                                        <p:attrNameLst>
+                                          <p:attrName>style.visibility</p:attrName>
+                                        </p:attrNameLst>
+                                      </p:cBhvr>
+                                      <p:to>
+                                        <p:strVal val="visible"/>
+                                      </p:to>
+                                    </p:set>
+                                    <p:animEffect transition="in" filter="fade">
+                                      <p:cBhvr>
+                                        <p:cTn id="19" dur="1000"/>
+                                        <p:tgtEl>
+                                          <p:spTgt spid="3">
+                                            <p:txEl>
+                                              <p:pRg st="6" end="6"/>
+                                            </p:txEl>
+                                          </p:spTgt>
+                                        </p:tgtEl>
+                                      </p:cBhvr>
+                                    </p:animEffect>
+                                  </p:childTnLst>
+                                </p:cTn>
+                              </p:par>
+                            </p:childTnLst>
+                          </p:cTn>
+                        </p:par>
+                        <p:par>
+                          <p:cTn id="20" fill="hold">
+                            <p:stCondLst>
+                              <p:cond delay="4000"/>
+                            </p:stCondLst>
+                            <p:childTnLst>
+                              <p:par>
+                                <p:cTn id="21" presetID="10" presetClass="entr" presetSubtype="0" fill="hold" nodeType="afterEffect">
+                                  <p:stCondLst>
+                                    <p:cond delay="0"/>
+                                  </p:stCondLst>
+                                  <p:childTnLst>
+                                    <p:set>
+                                      <p:cBhvr>
+                                        <p:cTn id="22" dur="1" fill="hold">
+                                          <p:stCondLst>
+                                            <p:cond delay="0"/>
+                                          </p:stCondLst>
+                                        </p:cTn>
+                                        <p:tgtEl>
+                                          <p:spTgt spid="3">
+                                            <p:txEl>
+                                              <p:pRg st="8" end="8"/>
+                                            </p:txEl>
+                                          </p:spTgt>
+                                        </p:tgtEl>
+                                        <p:attrNameLst>
+                                          <p:attrName>style.visibility</p:attrName>
+                                        </p:attrNameLst>
+                                      </p:cBhvr>
+                                      <p:to>
+                                        <p:strVal val="visible"/>
+                                      </p:to>
+                                    </p:set>
+                                    <p:animEffect transition="in" filter="fade">
+                                      <p:cBhvr>
+                                        <p:cTn id="23" dur="1000"/>
+                                        <p:tgtEl>
+                                          <p:spTgt spid="3">
+                                            <p:txEl>
+                                              <p:pRg st="8" end="8"/>
+                                            </p:txEl>
+                                          </p:spTgt>
+                                        </p:tgtEl>
+                                      </p:cBhvr>
+                                    </p:animEffect>
+                                  </p:childTnLst>
+                                </p:cTn>
+                              </p:par>
+                            </p:childTnLst>
+                          </p:cTn>
+                        </p:par>
+                      </p:childTnLst>
+                    </p:cTn>
+                  </p:par>
+                </p:childTnLst>
+              </p:cTn>
+              <p:prevCondLst>
+                <p:cond evt="onPrev" delay="0">
+                  <p:tgtEl>
+                    <p:sldTgt/>
+                  </p:tgtEl>
+                </p:cond>
+              </p:prevCondLst>
+              <p:nextCondLst>
+                <p:cond evt="onNext" delay="0">
+                  <p:tgtEl>
+                    <p:sldTgt/>
+                  </p:tgtEl>
+                </p:cond>
+              </p:nextCondLst>
+            </p:seq>
+          </p:childTnLst>
+        </p:cTn>
+      </p:par>
+    </p:tnLst>
+  </p:timing>
 </p:sld>
 </file>
 
@@ -6869,17 +11101,326 @@
     </p:spTree>
     <p:extLst>
       <p:ext uri="{BB962C8B-B14F-4D97-AF65-F5344CB8AC3E}">
-        <p14:creationId xmlns:p14="http://schemas.microsoft.com/office/powerpoint/2010/main" xmlns="" val="2315167525"/>
+        <p14:creationId xmlns="" xmlns:p14="http://schemas.microsoft.com/office/powerpoint/2010/main" val="2315167525"/>
       </p:ext>
     </p:extLst>
   </p:cSld>
   <p:clrMapOvr>
     <a:masterClrMapping/>
   </p:clrMapOvr>
+  <p:timing>
+    <p:tnLst>
+      <p:par>
+        <p:cTn id="1" dur="indefinite" restart="never" nodeType="tmRoot">
+          <p:childTnLst>
+            <p:seq concurrent="1" nextAc="seek">
+              <p:cTn id="2" dur="indefinite" nodeType="mainSeq">
+                <p:childTnLst>
+                  <p:par>
+                    <p:cTn id="3" fill="hold">
+                      <p:stCondLst>
+                        <p:cond delay="indefinite"/>
+                      </p:stCondLst>
+                      <p:childTnLst>
+                        <p:par>
+                          <p:cTn id="4" fill="hold">
+                            <p:stCondLst>
+                              <p:cond delay="0"/>
+                            </p:stCondLst>
+                            <p:childTnLst>
+                              <p:par>
+                                <p:cTn id="5" presetID="10" presetClass="entr" presetSubtype="0" fill="hold" grpId="0" nodeType="clickEffect">
+                                  <p:stCondLst>
+                                    <p:cond delay="0"/>
+                                  </p:stCondLst>
+                                  <p:childTnLst>
+                                    <p:set>
+                                      <p:cBhvr>
+                                        <p:cTn id="6" dur="1" fill="hold">
+                                          <p:stCondLst>
+                                            <p:cond delay="0"/>
+                                          </p:stCondLst>
+                                        </p:cTn>
+                                        <p:tgtEl>
+                                          <p:spTgt spid="2"/>
+                                        </p:tgtEl>
+                                        <p:attrNameLst>
+                                          <p:attrName>style.visibility</p:attrName>
+                                        </p:attrNameLst>
+                                      </p:cBhvr>
+                                      <p:to>
+                                        <p:strVal val="visible"/>
+                                      </p:to>
+                                    </p:set>
+                                    <p:animEffect transition="in" filter="fade">
+                                      <p:cBhvr>
+                                        <p:cTn id="7" dur="1000"/>
+                                        <p:tgtEl>
+                                          <p:spTgt spid="2"/>
+                                        </p:tgtEl>
+                                      </p:cBhvr>
+                                    </p:animEffect>
+                                  </p:childTnLst>
+                                </p:cTn>
+                              </p:par>
+                              <p:par>
+                                <p:cTn id="8" presetID="10" presetClass="entr" presetSubtype="0" fill="hold" nodeType="withEffect">
+                                  <p:stCondLst>
+                                    <p:cond delay="0"/>
+                                  </p:stCondLst>
+                                  <p:childTnLst>
+                                    <p:set>
+                                      <p:cBhvr>
+                                        <p:cTn id="9" dur="1" fill="hold">
+                                          <p:stCondLst>
+                                            <p:cond delay="0"/>
+                                          </p:stCondLst>
+                                        </p:cTn>
+                                        <p:tgtEl>
+                                          <p:spTgt spid="3">
+                                            <p:txEl>
+                                              <p:pRg st="0" end="0"/>
+                                            </p:txEl>
+                                          </p:spTgt>
+                                        </p:tgtEl>
+                                        <p:attrNameLst>
+                                          <p:attrName>style.visibility</p:attrName>
+                                        </p:attrNameLst>
+                                      </p:cBhvr>
+                                      <p:to>
+                                        <p:strVal val="visible"/>
+                                      </p:to>
+                                    </p:set>
+                                    <p:animEffect transition="in" filter="fade">
+                                      <p:cBhvr>
+                                        <p:cTn id="10" dur="2000"/>
+                                        <p:tgtEl>
+                                          <p:spTgt spid="3">
+                                            <p:txEl>
+                                              <p:pRg st="0" end="0"/>
+                                            </p:txEl>
+                                          </p:spTgt>
+                                        </p:tgtEl>
+                                      </p:cBhvr>
+                                    </p:animEffect>
+                                  </p:childTnLst>
+                                </p:cTn>
+                              </p:par>
+                              <p:par>
+                                <p:cTn id="11" presetID="10" presetClass="entr" presetSubtype="0" fill="hold" nodeType="withEffect">
+                                  <p:stCondLst>
+                                    <p:cond delay="0"/>
+                                  </p:stCondLst>
+                                  <p:childTnLst>
+                                    <p:set>
+                                      <p:cBhvr>
+                                        <p:cTn id="12" dur="1" fill="hold">
+                                          <p:stCondLst>
+                                            <p:cond delay="0"/>
+                                          </p:stCondLst>
+                                        </p:cTn>
+                                        <p:tgtEl>
+                                          <p:spTgt spid="3">
+                                            <p:txEl>
+                                              <p:pRg st="2" end="2"/>
+                                            </p:txEl>
+                                          </p:spTgt>
+                                        </p:tgtEl>
+                                        <p:attrNameLst>
+                                          <p:attrName>style.visibility</p:attrName>
+                                        </p:attrNameLst>
+                                      </p:cBhvr>
+                                      <p:to>
+                                        <p:strVal val="visible"/>
+                                      </p:to>
+                                    </p:set>
+                                    <p:animEffect transition="in" filter="fade">
+                                      <p:cBhvr>
+                                        <p:cTn id="13" dur="1000"/>
+                                        <p:tgtEl>
+                                          <p:spTgt spid="3">
+                                            <p:txEl>
+                                              <p:pRg st="2" end="2"/>
+                                            </p:txEl>
+                                          </p:spTgt>
+                                        </p:tgtEl>
+                                      </p:cBhvr>
+                                    </p:animEffect>
+                                  </p:childTnLst>
+                                </p:cTn>
+                              </p:par>
+                              <p:par>
+                                <p:cTn id="14" presetID="10" presetClass="entr" presetSubtype="0" fill="hold" nodeType="withEffect">
+                                  <p:stCondLst>
+                                    <p:cond delay="0"/>
+                                  </p:stCondLst>
+                                  <p:childTnLst>
+                                    <p:set>
+                                      <p:cBhvr>
+                                        <p:cTn id="15" dur="1" fill="hold">
+                                          <p:stCondLst>
+                                            <p:cond delay="0"/>
+                                          </p:stCondLst>
+                                        </p:cTn>
+                                        <p:tgtEl>
+                                          <p:spTgt spid="3">
+                                            <p:txEl>
+                                              <p:pRg st="4" end="4"/>
+                                            </p:txEl>
+                                          </p:spTgt>
+                                        </p:tgtEl>
+                                        <p:attrNameLst>
+                                          <p:attrName>style.visibility</p:attrName>
+                                        </p:attrNameLst>
+                                      </p:cBhvr>
+                                      <p:to>
+                                        <p:strVal val="visible"/>
+                                      </p:to>
+                                    </p:set>
+                                    <p:animEffect transition="in" filter="fade">
+                                      <p:cBhvr>
+                                        <p:cTn id="16" dur="2000"/>
+                                        <p:tgtEl>
+                                          <p:spTgt spid="3">
+                                            <p:txEl>
+                                              <p:pRg st="4" end="4"/>
+                                            </p:txEl>
+                                          </p:spTgt>
+                                        </p:tgtEl>
+                                      </p:cBhvr>
+                                    </p:animEffect>
+                                  </p:childTnLst>
+                                </p:cTn>
+                              </p:par>
+                            </p:childTnLst>
+                          </p:cTn>
+                        </p:par>
+                      </p:childTnLst>
+                    </p:cTn>
+                  </p:par>
+                </p:childTnLst>
+              </p:cTn>
+              <p:prevCondLst>
+                <p:cond evt="onPrev" delay="0">
+                  <p:tgtEl>
+                    <p:sldTgt/>
+                  </p:tgtEl>
+                </p:cond>
+              </p:prevCondLst>
+              <p:nextCondLst>
+                <p:cond evt="onNext" delay="0">
+                  <p:tgtEl>
+                    <p:sldTgt/>
+                  </p:tgtEl>
+                </p:cond>
+              </p:nextCondLst>
+            </p:seq>
+          </p:childTnLst>
+        </p:cTn>
+      </p:par>
+    </p:tnLst>
+    <p:bldLst>
+      <p:bldP spid="2" grpId="0"/>
+    </p:bldLst>
+  </p:timing>
 </p:sld>
 </file>
 
 <file path=ppt/slides/slide6.xml><?xml version="1.0" encoding="utf-8"?>
+<p:sld xmlns:a="http://schemas.openxmlformats.org/drawingml/2006/main" xmlns:r="http://schemas.openxmlformats.org/officeDocument/2006/relationships" xmlns:p="http://schemas.openxmlformats.org/presentationml/2006/main">
+  <p:cSld>
+    <p:spTree>
+      <p:nvGrpSpPr>
+        <p:cNvPr id="1" name=""/>
+        <p:cNvGrpSpPr/>
+        <p:nvPr/>
+      </p:nvGrpSpPr>
+      <p:grpSpPr>
+        <a:xfrm>
+          <a:off x="0" y="0"/>
+          <a:ext cx="0" cy="0"/>
+          <a:chOff x="0" y="0"/>
+          <a:chExt cx="0" cy="0"/>
+        </a:xfrm>
+      </p:grpSpPr>
+      <p:sp>
+        <p:nvSpPr>
+          <p:cNvPr id="4" name="Title 1"/>
+          <p:cNvSpPr>
+            <a:spLocks noGrp="1"/>
+          </p:cNvSpPr>
+          <p:nvPr>
+            <p:ph type="title"/>
+          </p:nvPr>
+        </p:nvSpPr>
+        <p:spPr>
+          <a:xfrm>
+            <a:off x="1214363" y="2351314"/>
+            <a:ext cx="8596668" cy="1320800"/>
+          </a:xfrm>
+        </p:spPr>
+        <p:txBody>
+          <a:bodyPr>
+            <a:noAutofit/>
+          </a:bodyPr>
+          <a:lstStyle/>
+          <a:p>
+            <a:pPr algn="ctr"/>
+            <a:r>
+              <a:rPr lang="en-IN" sz="7200" dirty="0" smtClean="0">
+                <a:solidFill>
+                  <a:srgbClr val="0070C0"/>
+                </a:solidFill>
+                <a:latin typeface="Arial" panose="020B0604020202020204" pitchFamily="34" charset="0"/>
+                <a:cs typeface="Arial" panose="020B0604020202020204" pitchFamily="34" charset="0"/>
+              </a:rPr>
+              <a:t>Database Schema</a:t>
+            </a:r>
+            <a:r>
+              <a:rPr lang="en-IN" sz="7200" dirty="0" smtClean="0">
+                <a:solidFill>
+                  <a:srgbClr val="0070C0"/>
+                </a:solidFill>
+                <a:latin typeface="Arial" panose="020B0604020202020204" pitchFamily="34" charset="0"/>
+                <a:cs typeface="Arial" panose="020B0604020202020204" pitchFamily="34" charset="0"/>
+              </a:rPr>
+              <a:t/>
+            </a:r>
+            <a:br>
+              <a:rPr lang="en-IN" sz="7200" dirty="0" smtClean="0">
+                <a:solidFill>
+                  <a:srgbClr val="0070C0"/>
+                </a:solidFill>
+                <a:latin typeface="Arial" panose="020B0604020202020204" pitchFamily="34" charset="0"/>
+                <a:cs typeface="Arial" panose="020B0604020202020204" pitchFamily="34" charset="0"/>
+              </a:rPr>
+            </a:br>
+            <a:endParaRPr lang="en-IN" sz="7200" dirty="0">
+              <a:solidFill>
+                <a:srgbClr val="0070C0"/>
+              </a:solidFill>
+              <a:latin typeface="Arial" panose="020B0604020202020204" pitchFamily="34" charset="0"/>
+              <a:cs typeface="Arial" panose="020B0604020202020204" pitchFamily="34" charset="0"/>
+            </a:endParaRPr>
+          </a:p>
+        </p:txBody>
+      </p:sp>
+    </p:spTree>
+  </p:cSld>
+  <p:clrMapOvr>
+    <a:masterClrMapping/>
+  </p:clrMapOvr>
+  <p:timing>
+    <p:tnLst>
+      <p:par>
+        <p:cTn id="1" dur="indefinite" restart="never" nodeType="tmRoot"/>
+      </p:par>
+    </p:tnLst>
+  </p:timing>
+</p:sld>
+</file>
+
+<file path=ppt/slides/slide7.xml><?xml version="1.0" encoding="utf-8"?>
 <p:sld xmlns:a="http://schemas.openxmlformats.org/drawingml/2006/main" xmlns:r="http://schemas.openxmlformats.org/officeDocument/2006/relationships" xmlns:p="http://schemas.openxmlformats.org/presentationml/2006/main">
   <p:cSld>
     <p:spTree>
@@ -6918,7 +11459,7 @@
             </a:clrChange>
             <a:extLst>
               <a:ext uri="{28A0092B-C50C-407E-A947-70E740481C1C}">
-                <a14:useLocalDpi xmlns:a14="http://schemas.microsoft.com/office/drawing/2010/main" xmlns="" val="0"/>
+                <a14:useLocalDpi xmlns="" xmlns:a14="http://schemas.microsoft.com/office/drawing/2010/main" val="0"/>
               </a:ext>
             </a:extLst>
           </a:blip>
@@ -6939,17 +11480,24 @@
     </p:spTree>
     <p:extLst>
       <p:ext uri="{BB962C8B-B14F-4D97-AF65-F5344CB8AC3E}">
-        <p14:creationId xmlns:p14="http://schemas.microsoft.com/office/powerpoint/2010/main" xmlns="" val="2554526102"/>
+        <p14:creationId xmlns="" xmlns:p14="http://schemas.microsoft.com/office/powerpoint/2010/main" val="2554526102"/>
       </p:ext>
     </p:extLst>
   </p:cSld>
   <p:clrMapOvr>
     <a:masterClrMapping/>
   </p:clrMapOvr>
+  <p:timing>
+    <p:tnLst>
+      <p:par>
+        <p:cTn id="1" dur="indefinite" restart="never" nodeType="tmRoot"/>
+      </p:par>
+    </p:tnLst>
+  </p:timing>
 </p:sld>
 </file>
 
-<file path=ppt/slides/slide7.xml><?xml version="1.0" encoding="utf-8"?>
+<file path=ppt/slides/slide8.xml><?xml version="1.0" encoding="utf-8"?>
 <p:sld xmlns:a="http://schemas.openxmlformats.org/drawingml/2006/main" xmlns:r="http://schemas.openxmlformats.org/officeDocument/2006/relationships" xmlns:p="http://schemas.openxmlformats.org/presentationml/2006/main">
   <p:cSld>
     <p:spTree>
@@ -7261,17 +11809,582 @@
     </p:spTree>
     <p:extLst>
       <p:ext uri="{BB962C8B-B14F-4D97-AF65-F5344CB8AC3E}">
-        <p14:creationId xmlns:p14="http://schemas.microsoft.com/office/powerpoint/2010/main" xmlns="" val="889664965"/>
+        <p14:creationId xmlns="" xmlns:p14="http://schemas.microsoft.com/office/powerpoint/2010/main" val="889664965"/>
       </p:ext>
     </p:extLst>
   </p:cSld>
   <p:clrMapOvr>
     <a:masterClrMapping/>
   </p:clrMapOvr>
+  <p:timing>
+    <p:tnLst>
+      <p:par>
+        <p:cTn id="1" dur="indefinite" restart="never" nodeType="tmRoot">
+          <p:childTnLst>
+            <p:seq concurrent="1" nextAc="seek">
+              <p:cTn id="2" dur="indefinite" nodeType="mainSeq">
+                <p:childTnLst>
+                  <p:par>
+                    <p:cTn id="3" fill="hold">
+                      <p:stCondLst>
+                        <p:cond delay="indefinite"/>
+                        <p:cond evt="onBegin" delay="0">
+                          <p:tn val="2"/>
+                        </p:cond>
+                      </p:stCondLst>
+                      <p:childTnLst>
+                        <p:par>
+                          <p:cTn id="4" fill="hold">
+                            <p:stCondLst>
+                              <p:cond delay="0"/>
+                            </p:stCondLst>
+                            <p:childTnLst>
+                              <p:par>
+                                <p:cTn id="5" presetID="10" presetClass="entr" presetSubtype="0" fill="hold" grpId="0" nodeType="afterEffect">
+                                  <p:stCondLst>
+                                    <p:cond delay="0"/>
+                                  </p:stCondLst>
+                                  <p:childTnLst>
+                                    <p:set>
+                                      <p:cBhvr>
+                                        <p:cTn id="6" dur="1" fill="hold">
+                                          <p:stCondLst>
+                                            <p:cond delay="0"/>
+                                          </p:stCondLst>
+                                        </p:cTn>
+                                        <p:tgtEl>
+                                          <p:spTgt spid="3">
+                                            <p:txEl>
+                                              <p:pRg st="0" end="0"/>
+                                            </p:txEl>
+                                          </p:spTgt>
+                                        </p:tgtEl>
+                                        <p:attrNameLst>
+                                          <p:attrName>style.visibility</p:attrName>
+                                        </p:attrNameLst>
+                                      </p:cBhvr>
+                                      <p:to>
+                                        <p:strVal val="visible"/>
+                                      </p:to>
+                                    </p:set>
+                                    <p:animEffect transition="in" filter="fade">
+                                      <p:cBhvr>
+                                        <p:cTn id="7" dur="1000"/>
+                                        <p:tgtEl>
+                                          <p:spTgt spid="3">
+                                            <p:txEl>
+                                              <p:pRg st="0" end="0"/>
+                                            </p:txEl>
+                                          </p:spTgt>
+                                        </p:tgtEl>
+                                      </p:cBhvr>
+                                    </p:animEffect>
+                                  </p:childTnLst>
+                                </p:cTn>
+                              </p:par>
+                            </p:childTnLst>
+                          </p:cTn>
+                        </p:par>
+                        <p:par>
+                          <p:cTn id="8" fill="hold">
+                            <p:stCondLst>
+                              <p:cond delay="1000"/>
+                            </p:stCondLst>
+                            <p:childTnLst>
+                              <p:par>
+                                <p:cTn id="9" presetID="10" presetClass="entr" presetSubtype="0" fill="hold" grpId="0" nodeType="afterEffect">
+                                  <p:stCondLst>
+                                    <p:cond delay="0"/>
+                                  </p:stCondLst>
+                                  <p:childTnLst>
+                                    <p:set>
+                                      <p:cBhvr>
+                                        <p:cTn id="10" dur="1" fill="hold">
+                                          <p:stCondLst>
+                                            <p:cond delay="0"/>
+                                          </p:stCondLst>
+                                        </p:cTn>
+                                        <p:tgtEl>
+                                          <p:spTgt spid="3">
+                                            <p:txEl>
+                                              <p:pRg st="1" end="1"/>
+                                            </p:txEl>
+                                          </p:spTgt>
+                                        </p:tgtEl>
+                                        <p:attrNameLst>
+                                          <p:attrName>style.visibility</p:attrName>
+                                        </p:attrNameLst>
+                                      </p:cBhvr>
+                                      <p:to>
+                                        <p:strVal val="visible"/>
+                                      </p:to>
+                                    </p:set>
+                                    <p:animEffect transition="in" filter="fade">
+                                      <p:cBhvr>
+                                        <p:cTn id="11" dur="1000"/>
+                                        <p:tgtEl>
+                                          <p:spTgt spid="3">
+                                            <p:txEl>
+                                              <p:pRg st="1" end="1"/>
+                                            </p:txEl>
+                                          </p:spTgt>
+                                        </p:tgtEl>
+                                      </p:cBhvr>
+                                    </p:animEffect>
+                                  </p:childTnLst>
+                                </p:cTn>
+                              </p:par>
+                            </p:childTnLst>
+                          </p:cTn>
+                        </p:par>
+                        <p:par>
+                          <p:cTn id="12" fill="hold">
+                            <p:stCondLst>
+                              <p:cond delay="2000"/>
+                            </p:stCondLst>
+                            <p:childTnLst>
+                              <p:par>
+                                <p:cTn id="13" presetID="10" presetClass="entr" presetSubtype="0" fill="hold" grpId="0" nodeType="afterEffect">
+                                  <p:stCondLst>
+                                    <p:cond delay="0"/>
+                                  </p:stCondLst>
+                                  <p:childTnLst>
+                                    <p:set>
+                                      <p:cBhvr>
+                                        <p:cTn id="14" dur="1" fill="hold">
+                                          <p:stCondLst>
+                                            <p:cond delay="0"/>
+                                          </p:stCondLst>
+                                        </p:cTn>
+                                        <p:tgtEl>
+                                          <p:spTgt spid="3">
+                                            <p:txEl>
+                                              <p:pRg st="2" end="2"/>
+                                            </p:txEl>
+                                          </p:spTgt>
+                                        </p:tgtEl>
+                                        <p:attrNameLst>
+                                          <p:attrName>style.visibility</p:attrName>
+                                        </p:attrNameLst>
+                                      </p:cBhvr>
+                                      <p:to>
+                                        <p:strVal val="visible"/>
+                                      </p:to>
+                                    </p:set>
+                                    <p:animEffect transition="in" filter="fade">
+                                      <p:cBhvr>
+                                        <p:cTn id="15" dur="1000"/>
+                                        <p:tgtEl>
+                                          <p:spTgt spid="3">
+                                            <p:txEl>
+                                              <p:pRg st="2" end="2"/>
+                                            </p:txEl>
+                                          </p:spTgt>
+                                        </p:tgtEl>
+                                      </p:cBhvr>
+                                    </p:animEffect>
+                                  </p:childTnLst>
+                                </p:cTn>
+                              </p:par>
+                            </p:childTnLst>
+                          </p:cTn>
+                        </p:par>
+                        <p:par>
+                          <p:cTn id="16" fill="hold">
+                            <p:stCondLst>
+                              <p:cond delay="3000"/>
+                            </p:stCondLst>
+                            <p:childTnLst>
+                              <p:par>
+                                <p:cTn id="17" presetID="10" presetClass="entr" presetSubtype="0" fill="hold" grpId="0" nodeType="afterEffect">
+                                  <p:stCondLst>
+                                    <p:cond delay="0"/>
+                                  </p:stCondLst>
+                                  <p:childTnLst>
+                                    <p:set>
+                                      <p:cBhvr>
+                                        <p:cTn id="18" dur="1" fill="hold">
+                                          <p:stCondLst>
+                                            <p:cond delay="0"/>
+                                          </p:stCondLst>
+                                        </p:cTn>
+                                        <p:tgtEl>
+                                          <p:spTgt spid="3">
+                                            <p:txEl>
+                                              <p:pRg st="4" end="4"/>
+                                            </p:txEl>
+                                          </p:spTgt>
+                                        </p:tgtEl>
+                                        <p:attrNameLst>
+                                          <p:attrName>style.visibility</p:attrName>
+                                        </p:attrNameLst>
+                                      </p:cBhvr>
+                                      <p:to>
+                                        <p:strVal val="visible"/>
+                                      </p:to>
+                                    </p:set>
+                                    <p:animEffect transition="in" filter="fade">
+                                      <p:cBhvr>
+                                        <p:cTn id="19" dur="1000"/>
+                                        <p:tgtEl>
+                                          <p:spTgt spid="3">
+                                            <p:txEl>
+                                              <p:pRg st="4" end="4"/>
+                                            </p:txEl>
+                                          </p:spTgt>
+                                        </p:tgtEl>
+                                      </p:cBhvr>
+                                    </p:animEffect>
+                                  </p:childTnLst>
+                                </p:cTn>
+                              </p:par>
+                            </p:childTnLst>
+                          </p:cTn>
+                        </p:par>
+                        <p:par>
+                          <p:cTn id="20" fill="hold">
+                            <p:stCondLst>
+                              <p:cond delay="4000"/>
+                            </p:stCondLst>
+                            <p:childTnLst>
+                              <p:par>
+                                <p:cTn id="21" presetID="10" presetClass="entr" presetSubtype="0" fill="hold" grpId="0" nodeType="afterEffect">
+                                  <p:stCondLst>
+                                    <p:cond delay="0"/>
+                                  </p:stCondLst>
+                                  <p:childTnLst>
+                                    <p:set>
+                                      <p:cBhvr>
+                                        <p:cTn id="22" dur="1" fill="hold">
+                                          <p:stCondLst>
+                                            <p:cond delay="0"/>
+                                          </p:stCondLst>
+                                        </p:cTn>
+                                        <p:tgtEl>
+                                          <p:spTgt spid="3">
+                                            <p:txEl>
+                                              <p:pRg st="5" end="5"/>
+                                            </p:txEl>
+                                          </p:spTgt>
+                                        </p:tgtEl>
+                                        <p:attrNameLst>
+                                          <p:attrName>style.visibility</p:attrName>
+                                        </p:attrNameLst>
+                                      </p:cBhvr>
+                                      <p:to>
+                                        <p:strVal val="visible"/>
+                                      </p:to>
+                                    </p:set>
+                                    <p:animEffect transition="in" filter="fade">
+                                      <p:cBhvr>
+                                        <p:cTn id="23" dur="1000"/>
+                                        <p:tgtEl>
+                                          <p:spTgt spid="3">
+                                            <p:txEl>
+                                              <p:pRg st="5" end="5"/>
+                                            </p:txEl>
+                                          </p:spTgt>
+                                        </p:tgtEl>
+                                      </p:cBhvr>
+                                    </p:animEffect>
+                                  </p:childTnLst>
+                                </p:cTn>
+                              </p:par>
+                            </p:childTnLst>
+                          </p:cTn>
+                        </p:par>
+                        <p:par>
+                          <p:cTn id="24" fill="hold">
+                            <p:stCondLst>
+                              <p:cond delay="5000"/>
+                            </p:stCondLst>
+                            <p:childTnLst>
+                              <p:par>
+                                <p:cTn id="25" presetID="10" presetClass="entr" presetSubtype="0" fill="hold" grpId="0" nodeType="afterEffect">
+                                  <p:stCondLst>
+                                    <p:cond delay="0"/>
+                                  </p:stCondLst>
+                                  <p:childTnLst>
+                                    <p:set>
+                                      <p:cBhvr>
+                                        <p:cTn id="26" dur="1" fill="hold">
+                                          <p:stCondLst>
+                                            <p:cond delay="0"/>
+                                          </p:stCondLst>
+                                        </p:cTn>
+                                        <p:tgtEl>
+                                          <p:spTgt spid="3">
+                                            <p:txEl>
+                                              <p:pRg st="6" end="6"/>
+                                            </p:txEl>
+                                          </p:spTgt>
+                                        </p:tgtEl>
+                                        <p:attrNameLst>
+                                          <p:attrName>style.visibility</p:attrName>
+                                        </p:attrNameLst>
+                                      </p:cBhvr>
+                                      <p:to>
+                                        <p:strVal val="visible"/>
+                                      </p:to>
+                                    </p:set>
+                                    <p:animEffect transition="in" filter="fade">
+                                      <p:cBhvr>
+                                        <p:cTn id="27" dur="1000"/>
+                                        <p:tgtEl>
+                                          <p:spTgt spid="3">
+                                            <p:txEl>
+                                              <p:pRg st="6" end="6"/>
+                                            </p:txEl>
+                                          </p:spTgt>
+                                        </p:tgtEl>
+                                      </p:cBhvr>
+                                    </p:animEffect>
+                                  </p:childTnLst>
+                                </p:cTn>
+                              </p:par>
+                            </p:childTnLst>
+                          </p:cTn>
+                        </p:par>
+                        <p:par>
+                          <p:cTn id="28" fill="hold">
+                            <p:stCondLst>
+                              <p:cond delay="6000"/>
+                            </p:stCondLst>
+                            <p:childTnLst>
+                              <p:par>
+                                <p:cTn id="29" presetID="10" presetClass="entr" presetSubtype="0" fill="hold" grpId="0" nodeType="afterEffect">
+                                  <p:stCondLst>
+                                    <p:cond delay="0"/>
+                                  </p:stCondLst>
+                                  <p:childTnLst>
+                                    <p:set>
+                                      <p:cBhvr>
+                                        <p:cTn id="30" dur="1" fill="hold">
+                                          <p:stCondLst>
+                                            <p:cond delay="0"/>
+                                          </p:stCondLst>
+                                        </p:cTn>
+                                        <p:tgtEl>
+                                          <p:spTgt spid="3">
+                                            <p:txEl>
+                                              <p:pRg st="8" end="8"/>
+                                            </p:txEl>
+                                          </p:spTgt>
+                                        </p:tgtEl>
+                                        <p:attrNameLst>
+                                          <p:attrName>style.visibility</p:attrName>
+                                        </p:attrNameLst>
+                                      </p:cBhvr>
+                                      <p:to>
+                                        <p:strVal val="visible"/>
+                                      </p:to>
+                                    </p:set>
+                                    <p:animEffect transition="in" filter="fade">
+                                      <p:cBhvr>
+                                        <p:cTn id="31" dur="1000"/>
+                                        <p:tgtEl>
+                                          <p:spTgt spid="3">
+                                            <p:txEl>
+                                              <p:pRg st="8" end="8"/>
+                                            </p:txEl>
+                                          </p:spTgt>
+                                        </p:tgtEl>
+                                      </p:cBhvr>
+                                    </p:animEffect>
+                                  </p:childTnLst>
+                                </p:cTn>
+                              </p:par>
+                            </p:childTnLst>
+                          </p:cTn>
+                        </p:par>
+                        <p:par>
+                          <p:cTn id="32" fill="hold">
+                            <p:stCondLst>
+                              <p:cond delay="7000"/>
+                            </p:stCondLst>
+                            <p:childTnLst>
+                              <p:par>
+                                <p:cTn id="33" presetID="10" presetClass="entr" presetSubtype="0" fill="hold" grpId="0" nodeType="afterEffect">
+                                  <p:stCondLst>
+                                    <p:cond delay="0"/>
+                                  </p:stCondLst>
+                                  <p:childTnLst>
+                                    <p:set>
+                                      <p:cBhvr>
+                                        <p:cTn id="34" dur="1" fill="hold">
+                                          <p:stCondLst>
+                                            <p:cond delay="0"/>
+                                          </p:stCondLst>
+                                        </p:cTn>
+                                        <p:tgtEl>
+                                          <p:spTgt spid="3">
+                                            <p:txEl>
+                                              <p:pRg st="9" end="9"/>
+                                            </p:txEl>
+                                          </p:spTgt>
+                                        </p:tgtEl>
+                                        <p:attrNameLst>
+                                          <p:attrName>style.visibility</p:attrName>
+                                        </p:attrNameLst>
+                                      </p:cBhvr>
+                                      <p:to>
+                                        <p:strVal val="visible"/>
+                                      </p:to>
+                                    </p:set>
+                                    <p:animEffect transition="in" filter="fade">
+                                      <p:cBhvr>
+                                        <p:cTn id="35" dur="1000"/>
+                                        <p:tgtEl>
+                                          <p:spTgt spid="3">
+                                            <p:txEl>
+                                              <p:pRg st="9" end="9"/>
+                                            </p:txEl>
+                                          </p:spTgt>
+                                        </p:tgtEl>
+                                      </p:cBhvr>
+                                    </p:animEffect>
+                                  </p:childTnLst>
+                                </p:cTn>
+                              </p:par>
+                            </p:childTnLst>
+                          </p:cTn>
+                        </p:par>
+                        <p:par>
+                          <p:cTn id="36" fill="hold">
+                            <p:stCondLst>
+                              <p:cond delay="8000"/>
+                            </p:stCondLst>
+                            <p:childTnLst>
+                              <p:par>
+                                <p:cTn id="37" presetID="10" presetClass="entr" presetSubtype="0" fill="hold" grpId="0" nodeType="afterEffect">
+                                  <p:stCondLst>
+                                    <p:cond delay="0"/>
+                                  </p:stCondLst>
+                                  <p:childTnLst>
+                                    <p:set>
+                                      <p:cBhvr>
+                                        <p:cTn id="38" dur="1" fill="hold">
+                                          <p:stCondLst>
+                                            <p:cond delay="0"/>
+                                          </p:stCondLst>
+                                        </p:cTn>
+                                        <p:tgtEl>
+                                          <p:spTgt spid="3">
+                                            <p:txEl>
+                                              <p:pRg st="10" end="10"/>
+                                            </p:txEl>
+                                          </p:spTgt>
+                                        </p:tgtEl>
+                                        <p:attrNameLst>
+                                          <p:attrName>style.visibility</p:attrName>
+                                        </p:attrNameLst>
+                                      </p:cBhvr>
+                                      <p:to>
+                                        <p:strVal val="visible"/>
+                                      </p:to>
+                                    </p:set>
+                                    <p:animEffect transition="in" filter="fade">
+                                      <p:cBhvr>
+                                        <p:cTn id="39" dur="1000"/>
+                                        <p:tgtEl>
+                                          <p:spTgt spid="3">
+                                            <p:txEl>
+                                              <p:pRg st="10" end="10"/>
+                                            </p:txEl>
+                                          </p:spTgt>
+                                        </p:tgtEl>
+                                      </p:cBhvr>
+                                    </p:animEffect>
+                                  </p:childTnLst>
+                                </p:cTn>
+                              </p:par>
+                            </p:childTnLst>
+                          </p:cTn>
+                        </p:par>
+                        <p:par>
+                          <p:cTn id="40" fill="hold">
+                            <p:stCondLst>
+                              <p:cond delay="9000"/>
+                            </p:stCondLst>
+                            <p:childTnLst>
+                              <p:par>
+                                <p:cTn id="41" presetID="10" presetClass="entr" presetSubtype="0" fill="hold" grpId="0" nodeType="afterEffect">
+                                  <p:stCondLst>
+                                    <p:cond delay="0"/>
+                                  </p:stCondLst>
+                                  <p:childTnLst>
+                                    <p:set>
+                                      <p:cBhvr>
+                                        <p:cTn id="42" dur="1" fill="hold">
+                                          <p:stCondLst>
+                                            <p:cond delay="0"/>
+                                          </p:stCondLst>
+                                        </p:cTn>
+                                        <p:tgtEl>
+                                          <p:spTgt spid="3">
+                                            <p:txEl>
+                                              <p:pRg st="11" end="11"/>
+                                            </p:txEl>
+                                          </p:spTgt>
+                                        </p:tgtEl>
+                                        <p:attrNameLst>
+                                          <p:attrName>style.visibility</p:attrName>
+                                        </p:attrNameLst>
+                                      </p:cBhvr>
+                                      <p:to>
+                                        <p:strVal val="visible"/>
+                                      </p:to>
+                                    </p:set>
+                                    <p:animEffect transition="in" filter="fade">
+                                      <p:cBhvr>
+                                        <p:cTn id="43" dur="1000"/>
+                                        <p:tgtEl>
+                                          <p:spTgt spid="3">
+                                            <p:txEl>
+                                              <p:pRg st="11" end="11"/>
+                                            </p:txEl>
+                                          </p:spTgt>
+                                        </p:tgtEl>
+                                      </p:cBhvr>
+                                    </p:animEffect>
+                                  </p:childTnLst>
+                                </p:cTn>
+                              </p:par>
+                            </p:childTnLst>
+                          </p:cTn>
+                        </p:par>
+                      </p:childTnLst>
+                    </p:cTn>
+                  </p:par>
+                </p:childTnLst>
+              </p:cTn>
+              <p:prevCondLst>
+                <p:cond evt="onPrev" delay="0">
+                  <p:tgtEl>
+                    <p:sldTgt/>
+                  </p:tgtEl>
+                </p:cond>
+              </p:prevCondLst>
+              <p:nextCondLst>
+                <p:cond evt="onNext" delay="0">
+                  <p:tgtEl>
+                    <p:sldTgt/>
+                  </p:tgtEl>
+                </p:cond>
+              </p:nextCondLst>
+            </p:seq>
+          </p:childTnLst>
+        </p:cTn>
+      </p:par>
+    </p:tnLst>
+    <p:bldLst>
+      <p:bldP spid="3" grpId="0" uiExpand="1" build="p"/>
+    </p:bldLst>
+  </p:timing>
 </p:sld>
 </file>
 
-<file path=ppt/slides/slide8.xml><?xml version="1.0" encoding="utf-8"?>
+<file path=ppt/slides/slide9.xml><?xml version="1.0" encoding="utf-8"?>
 <p:sld xmlns:a="http://schemas.openxmlformats.org/drawingml/2006/main" xmlns:r="http://schemas.openxmlformats.org/officeDocument/2006/relationships" xmlns:p="http://schemas.openxmlformats.org/presentationml/2006/main">
   <p:cSld>
     <p:spTree>
@@ -7475,112 +12588,422 @@
     </p:spTree>
     <p:extLst>
       <p:ext uri="{BB962C8B-B14F-4D97-AF65-F5344CB8AC3E}">
-        <p14:creationId xmlns:p14="http://schemas.microsoft.com/office/powerpoint/2010/main" xmlns="" val="2475605198"/>
+        <p14:creationId xmlns="" xmlns:p14="http://schemas.microsoft.com/office/powerpoint/2010/main" val="2475605198"/>
       </p:ext>
     </p:extLst>
   </p:cSld>
   <p:clrMapOvr>
     <a:masterClrMapping/>
   </p:clrMapOvr>
-</p:sld>
-</file>
-
-<file path=ppt/slides/slide9.xml><?xml version="1.0" encoding="utf-8"?>
-<p:sld xmlns:a="http://schemas.openxmlformats.org/drawingml/2006/main" xmlns:r="http://schemas.openxmlformats.org/officeDocument/2006/relationships" xmlns:p="http://schemas.openxmlformats.org/presentationml/2006/main">
-  <p:cSld>
-    <p:spTree>
-      <p:nvGrpSpPr>
-        <p:cNvPr id="1" name=""/>
-        <p:cNvGrpSpPr/>
-        <p:nvPr/>
-      </p:nvGrpSpPr>
-      <p:grpSpPr>
-        <a:xfrm>
-          <a:off x="0" y="0"/>
-          <a:ext cx="0" cy="0"/>
-          <a:chOff x="0" y="0"/>
-          <a:chExt cx="0" cy="0"/>
-        </a:xfrm>
-      </p:grpSpPr>
-      <p:sp>
-        <p:nvSpPr>
-          <p:cNvPr id="2" name="Title 1"/>
-          <p:cNvSpPr>
-            <a:spLocks noGrp="1"/>
-          </p:cNvSpPr>
-          <p:nvPr>
-            <p:ph type="title"/>
-          </p:nvPr>
-        </p:nvSpPr>
-        <p:spPr/>
-        <p:txBody>
-          <a:bodyPr>
-            <a:noAutofit/>
-          </a:bodyPr>
-          <a:lstStyle/>
-          <a:p>
-            <a:pPr algn="ctr"/>
-            <a:r>
-              <a:rPr lang="en-IN" sz="4800" dirty="0" smtClean="0">
-                <a:solidFill>
-                  <a:srgbClr val="0070C0"/>
-                </a:solidFill>
-                <a:latin typeface="Arial" panose="020B0604020202020204" pitchFamily="34" charset="0"/>
-                <a:cs typeface="Arial" panose="020B0604020202020204" pitchFamily="34" charset="0"/>
-              </a:rPr>
-              <a:t>Analysis</a:t>
-            </a:r>
-            <a:br>
-              <a:rPr lang="en-IN" sz="4800" dirty="0" smtClean="0">
-                <a:solidFill>
-                  <a:srgbClr val="0070C0"/>
-                </a:solidFill>
-                <a:latin typeface="Arial" panose="020B0604020202020204" pitchFamily="34" charset="0"/>
-                <a:cs typeface="Arial" panose="020B0604020202020204" pitchFamily="34" charset="0"/>
-              </a:rPr>
-            </a:br>
-            <a:endParaRPr lang="en-IN" sz="4800" dirty="0">
-              <a:solidFill>
-                <a:srgbClr val="0070C0"/>
-              </a:solidFill>
-              <a:latin typeface="Arial" panose="020B0604020202020204" pitchFamily="34" charset="0"/>
-              <a:cs typeface="Arial" panose="020B0604020202020204" pitchFamily="34" charset="0"/>
-            </a:endParaRPr>
-          </a:p>
-        </p:txBody>
-      </p:sp>
-      <p:sp>
-        <p:nvSpPr>
-          <p:cNvPr id="3" name="Content Placeholder 2"/>
-          <p:cNvSpPr>
-            <a:spLocks noGrp="1"/>
-          </p:cNvSpPr>
-          <p:nvPr>
-            <p:ph idx="1"/>
-          </p:nvPr>
-        </p:nvSpPr>
-        <p:spPr/>
-        <p:txBody>
-          <a:bodyPr/>
-          <a:lstStyle/>
-          <a:p>
-            <a:pPr marL="0" indent="0">
-              <a:buNone/>
-            </a:pPr>
-            <a:endParaRPr lang="en-IN" dirty="0"/>
-          </a:p>
-        </p:txBody>
-      </p:sp>
-    </p:spTree>
-    <p:extLst>
-      <p:ext uri="{BB962C8B-B14F-4D97-AF65-F5344CB8AC3E}">
-        <p14:creationId xmlns:p14="http://schemas.microsoft.com/office/powerpoint/2010/main" xmlns="" val="1829217413"/>
-      </p:ext>
-    </p:extLst>
-  </p:cSld>
-  <p:clrMapOvr>
-    <a:masterClrMapping/>
-  </p:clrMapOvr>
+  <p:timing>
+    <p:tnLst>
+      <p:par>
+        <p:cTn id="1" dur="indefinite" restart="never" nodeType="tmRoot">
+          <p:childTnLst>
+            <p:seq concurrent="1" nextAc="seek">
+              <p:cTn id="2" dur="indefinite" nodeType="mainSeq">
+                <p:childTnLst>
+                  <p:par>
+                    <p:cTn id="3" fill="hold">
+                      <p:stCondLst>
+                        <p:cond delay="indefinite"/>
+                        <p:cond evt="onBegin" delay="0">
+                          <p:tn val="2"/>
+                        </p:cond>
+                      </p:stCondLst>
+                      <p:childTnLst>
+                        <p:par>
+                          <p:cTn id="4" fill="hold">
+                            <p:stCondLst>
+                              <p:cond delay="0"/>
+                            </p:stCondLst>
+                            <p:childTnLst>
+                              <p:par>
+                                <p:cTn id="5" presetID="10" presetClass="entr" presetSubtype="0" fill="hold" grpId="0" nodeType="afterEffect">
+                                  <p:stCondLst>
+                                    <p:cond delay="0"/>
+                                  </p:stCondLst>
+                                  <p:childTnLst>
+                                    <p:set>
+                                      <p:cBhvr>
+                                        <p:cTn id="6" dur="1" fill="hold">
+                                          <p:stCondLst>
+                                            <p:cond delay="0"/>
+                                          </p:stCondLst>
+                                        </p:cTn>
+                                        <p:tgtEl>
+                                          <p:spTgt spid="3">
+                                            <p:txEl>
+                                              <p:pRg st="0" end="0"/>
+                                            </p:txEl>
+                                          </p:spTgt>
+                                        </p:tgtEl>
+                                        <p:attrNameLst>
+                                          <p:attrName>style.visibility</p:attrName>
+                                        </p:attrNameLst>
+                                      </p:cBhvr>
+                                      <p:to>
+                                        <p:strVal val="visible"/>
+                                      </p:to>
+                                    </p:set>
+                                    <p:animEffect transition="in" filter="fade">
+                                      <p:cBhvr>
+                                        <p:cTn id="7" dur="1000"/>
+                                        <p:tgtEl>
+                                          <p:spTgt spid="3">
+                                            <p:txEl>
+                                              <p:pRg st="0" end="0"/>
+                                            </p:txEl>
+                                          </p:spTgt>
+                                        </p:tgtEl>
+                                      </p:cBhvr>
+                                    </p:animEffect>
+                                  </p:childTnLst>
+                                </p:cTn>
+                              </p:par>
+                            </p:childTnLst>
+                          </p:cTn>
+                        </p:par>
+                        <p:par>
+                          <p:cTn id="8" fill="hold">
+                            <p:stCondLst>
+                              <p:cond delay="1000"/>
+                            </p:stCondLst>
+                            <p:childTnLst>
+                              <p:par>
+                                <p:cTn id="9" presetID="10" presetClass="entr" presetSubtype="0" fill="hold" grpId="0" nodeType="afterEffect">
+                                  <p:stCondLst>
+                                    <p:cond delay="0"/>
+                                  </p:stCondLst>
+                                  <p:childTnLst>
+                                    <p:set>
+                                      <p:cBhvr>
+                                        <p:cTn id="10" dur="1" fill="hold">
+                                          <p:stCondLst>
+                                            <p:cond delay="0"/>
+                                          </p:stCondLst>
+                                        </p:cTn>
+                                        <p:tgtEl>
+                                          <p:spTgt spid="3">
+                                            <p:txEl>
+                                              <p:pRg st="1" end="1"/>
+                                            </p:txEl>
+                                          </p:spTgt>
+                                        </p:tgtEl>
+                                        <p:attrNameLst>
+                                          <p:attrName>style.visibility</p:attrName>
+                                        </p:attrNameLst>
+                                      </p:cBhvr>
+                                      <p:to>
+                                        <p:strVal val="visible"/>
+                                      </p:to>
+                                    </p:set>
+                                    <p:animEffect transition="in" filter="fade">
+                                      <p:cBhvr>
+                                        <p:cTn id="11" dur="1000"/>
+                                        <p:tgtEl>
+                                          <p:spTgt spid="3">
+                                            <p:txEl>
+                                              <p:pRg st="1" end="1"/>
+                                            </p:txEl>
+                                          </p:spTgt>
+                                        </p:tgtEl>
+                                      </p:cBhvr>
+                                    </p:animEffect>
+                                  </p:childTnLst>
+                                </p:cTn>
+                              </p:par>
+                            </p:childTnLst>
+                          </p:cTn>
+                        </p:par>
+                        <p:par>
+                          <p:cTn id="12" fill="hold">
+                            <p:stCondLst>
+                              <p:cond delay="2000"/>
+                            </p:stCondLst>
+                            <p:childTnLst>
+                              <p:par>
+                                <p:cTn id="13" presetID="10" presetClass="entr" presetSubtype="0" fill="hold" grpId="0" nodeType="afterEffect">
+                                  <p:stCondLst>
+                                    <p:cond delay="0"/>
+                                  </p:stCondLst>
+                                  <p:childTnLst>
+                                    <p:set>
+                                      <p:cBhvr>
+                                        <p:cTn id="14" dur="1" fill="hold">
+                                          <p:stCondLst>
+                                            <p:cond delay="0"/>
+                                          </p:stCondLst>
+                                        </p:cTn>
+                                        <p:tgtEl>
+                                          <p:spTgt spid="3">
+                                            <p:txEl>
+                                              <p:pRg st="2" end="2"/>
+                                            </p:txEl>
+                                          </p:spTgt>
+                                        </p:tgtEl>
+                                        <p:attrNameLst>
+                                          <p:attrName>style.visibility</p:attrName>
+                                        </p:attrNameLst>
+                                      </p:cBhvr>
+                                      <p:to>
+                                        <p:strVal val="visible"/>
+                                      </p:to>
+                                    </p:set>
+                                    <p:animEffect transition="in" filter="fade">
+                                      <p:cBhvr>
+                                        <p:cTn id="15" dur="1000"/>
+                                        <p:tgtEl>
+                                          <p:spTgt spid="3">
+                                            <p:txEl>
+                                              <p:pRg st="2" end="2"/>
+                                            </p:txEl>
+                                          </p:spTgt>
+                                        </p:tgtEl>
+                                      </p:cBhvr>
+                                    </p:animEffect>
+                                  </p:childTnLst>
+                                </p:cTn>
+                              </p:par>
+                            </p:childTnLst>
+                          </p:cTn>
+                        </p:par>
+                        <p:par>
+                          <p:cTn id="16" fill="hold">
+                            <p:stCondLst>
+                              <p:cond delay="3000"/>
+                            </p:stCondLst>
+                            <p:childTnLst>
+                              <p:par>
+                                <p:cTn id="17" presetID="10" presetClass="entr" presetSubtype="0" fill="hold" grpId="0" nodeType="afterEffect">
+                                  <p:stCondLst>
+                                    <p:cond delay="0"/>
+                                  </p:stCondLst>
+                                  <p:childTnLst>
+                                    <p:set>
+                                      <p:cBhvr>
+                                        <p:cTn id="18" dur="1" fill="hold">
+                                          <p:stCondLst>
+                                            <p:cond delay="0"/>
+                                          </p:stCondLst>
+                                        </p:cTn>
+                                        <p:tgtEl>
+                                          <p:spTgt spid="3">
+                                            <p:txEl>
+                                              <p:pRg st="4" end="4"/>
+                                            </p:txEl>
+                                          </p:spTgt>
+                                        </p:tgtEl>
+                                        <p:attrNameLst>
+                                          <p:attrName>style.visibility</p:attrName>
+                                        </p:attrNameLst>
+                                      </p:cBhvr>
+                                      <p:to>
+                                        <p:strVal val="visible"/>
+                                      </p:to>
+                                    </p:set>
+                                    <p:animEffect transition="in" filter="fade">
+                                      <p:cBhvr>
+                                        <p:cTn id="19" dur="1000"/>
+                                        <p:tgtEl>
+                                          <p:spTgt spid="3">
+                                            <p:txEl>
+                                              <p:pRg st="4" end="4"/>
+                                            </p:txEl>
+                                          </p:spTgt>
+                                        </p:tgtEl>
+                                      </p:cBhvr>
+                                    </p:animEffect>
+                                  </p:childTnLst>
+                                </p:cTn>
+                              </p:par>
+                            </p:childTnLst>
+                          </p:cTn>
+                        </p:par>
+                        <p:par>
+                          <p:cTn id="20" fill="hold">
+                            <p:stCondLst>
+                              <p:cond delay="4000"/>
+                            </p:stCondLst>
+                            <p:childTnLst>
+                              <p:par>
+                                <p:cTn id="21" presetID="10" presetClass="entr" presetSubtype="0" fill="hold" grpId="0" nodeType="afterEffect">
+                                  <p:stCondLst>
+                                    <p:cond delay="0"/>
+                                  </p:stCondLst>
+                                  <p:childTnLst>
+                                    <p:set>
+                                      <p:cBhvr>
+                                        <p:cTn id="22" dur="1" fill="hold">
+                                          <p:stCondLst>
+                                            <p:cond delay="0"/>
+                                          </p:stCondLst>
+                                        </p:cTn>
+                                        <p:tgtEl>
+                                          <p:spTgt spid="3">
+                                            <p:txEl>
+                                              <p:pRg st="5" end="5"/>
+                                            </p:txEl>
+                                          </p:spTgt>
+                                        </p:tgtEl>
+                                        <p:attrNameLst>
+                                          <p:attrName>style.visibility</p:attrName>
+                                        </p:attrNameLst>
+                                      </p:cBhvr>
+                                      <p:to>
+                                        <p:strVal val="visible"/>
+                                      </p:to>
+                                    </p:set>
+                                    <p:animEffect transition="in" filter="fade">
+                                      <p:cBhvr>
+                                        <p:cTn id="23" dur="1000"/>
+                                        <p:tgtEl>
+                                          <p:spTgt spid="3">
+                                            <p:txEl>
+                                              <p:pRg st="5" end="5"/>
+                                            </p:txEl>
+                                          </p:spTgt>
+                                        </p:tgtEl>
+                                      </p:cBhvr>
+                                    </p:animEffect>
+                                  </p:childTnLst>
+                                </p:cTn>
+                              </p:par>
+                            </p:childTnLst>
+                          </p:cTn>
+                        </p:par>
+                        <p:par>
+                          <p:cTn id="24" fill="hold">
+                            <p:stCondLst>
+                              <p:cond delay="5000"/>
+                            </p:stCondLst>
+                            <p:childTnLst>
+                              <p:par>
+                                <p:cTn id="25" presetID="10" presetClass="entr" presetSubtype="0" fill="hold" grpId="0" nodeType="afterEffect">
+                                  <p:stCondLst>
+                                    <p:cond delay="0"/>
+                                  </p:stCondLst>
+                                  <p:childTnLst>
+                                    <p:set>
+                                      <p:cBhvr>
+                                        <p:cTn id="26" dur="1" fill="hold">
+                                          <p:stCondLst>
+                                            <p:cond delay="0"/>
+                                          </p:stCondLst>
+                                        </p:cTn>
+                                        <p:tgtEl>
+                                          <p:spTgt spid="3">
+                                            <p:txEl>
+                                              <p:pRg st="6" end="6"/>
+                                            </p:txEl>
+                                          </p:spTgt>
+                                        </p:tgtEl>
+                                        <p:attrNameLst>
+                                          <p:attrName>style.visibility</p:attrName>
+                                        </p:attrNameLst>
+                                      </p:cBhvr>
+                                      <p:to>
+                                        <p:strVal val="visible"/>
+                                      </p:to>
+                                    </p:set>
+                                    <p:animEffect transition="in" filter="fade">
+                                      <p:cBhvr>
+                                        <p:cTn id="27" dur="1000"/>
+                                        <p:tgtEl>
+                                          <p:spTgt spid="3">
+                                            <p:txEl>
+                                              <p:pRg st="6" end="6"/>
+                                            </p:txEl>
+                                          </p:spTgt>
+                                        </p:tgtEl>
+                                      </p:cBhvr>
+                                    </p:animEffect>
+                                  </p:childTnLst>
+                                </p:cTn>
+                              </p:par>
+                            </p:childTnLst>
+                          </p:cTn>
+                        </p:par>
+                        <p:par>
+                          <p:cTn id="28" fill="hold">
+                            <p:stCondLst>
+                              <p:cond delay="6000"/>
+                            </p:stCondLst>
+                            <p:childTnLst>
+                              <p:par>
+                                <p:cTn id="29" presetID="10" presetClass="entr" presetSubtype="0" fill="hold" grpId="0" nodeType="afterEffect">
+                                  <p:stCondLst>
+                                    <p:cond delay="0"/>
+                                  </p:stCondLst>
+                                  <p:childTnLst>
+                                    <p:set>
+                                      <p:cBhvr>
+                                        <p:cTn id="30" dur="1" fill="hold">
+                                          <p:stCondLst>
+                                            <p:cond delay="0"/>
+                                          </p:stCondLst>
+                                        </p:cTn>
+                                        <p:tgtEl>
+                                          <p:spTgt spid="3">
+                                            <p:txEl>
+                                              <p:pRg st="7" end="7"/>
+                                            </p:txEl>
+                                          </p:spTgt>
+                                        </p:tgtEl>
+                                        <p:attrNameLst>
+                                          <p:attrName>style.visibility</p:attrName>
+                                        </p:attrNameLst>
+                                      </p:cBhvr>
+                                      <p:to>
+                                        <p:strVal val="visible"/>
+                                      </p:to>
+                                    </p:set>
+                                    <p:animEffect transition="in" filter="fade">
+                                      <p:cBhvr>
+                                        <p:cTn id="31" dur="1000"/>
+                                        <p:tgtEl>
+                                          <p:spTgt spid="3">
+                                            <p:txEl>
+                                              <p:pRg st="7" end="7"/>
+                                            </p:txEl>
+                                          </p:spTgt>
+                                        </p:tgtEl>
+                                      </p:cBhvr>
+                                    </p:animEffect>
+                                  </p:childTnLst>
+                                </p:cTn>
+                              </p:par>
+                            </p:childTnLst>
+                          </p:cTn>
+                        </p:par>
+                      </p:childTnLst>
+                    </p:cTn>
+                  </p:par>
+                </p:childTnLst>
+              </p:cTn>
+              <p:prevCondLst>
+                <p:cond evt="onPrev" delay="0">
+                  <p:tgtEl>
+                    <p:sldTgt/>
+                  </p:tgtEl>
+                </p:cond>
+              </p:prevCondLst>
+              <p:nextCondLst>
+                <p:cond evt="onNext" delay="0">
+                  <p:tgtEl>
+                    <p:sldTgt/>
+                  </p:tgtEl>
+                </p:cond>
+              </p:nextCondLst>
+            </p:seq>
+          </p:childTnLst>
+        </p:cTn>
+      </p:par>
+    </p:tnLst>
+    <p:bldLst>
+      <p:bldP spid="3" grpId="0" build="p"/>
+    </p:bldLst>
+  </p:timing>
 </p:sld>
 </file>
 
@@ -7835,7 +13258,7 @@
   <a:extraClrSchemeLst/>
   <a:extLst>
     <a:ext uri="{05A4C25C-085E-4340-85A3-A5531E510DB2}">
-      <thm15:themeFamily xmlns:thm15="http://schemas.microsoft.com/office/thememl/2012/main" xmlns="" name="Facet" id="{C0C680CD-088A-49FC-A102-D699147F32B2}" vid="{0B5AB586-D108-4FC1-8368-649FE654B894}"/>
+      <thm15:themeFamily xmlns="" xmlns:thm15="http://schemas.microsoft.com/office/thememl/2012/main" name="Facet" id="{C0C680CD-088A-49FC-A102-D699147F32B2}" vid="{0B5AB586-D108-4FC1-8368-649FE654B894}"/>
     </a:ext>
   </a:extLst>
 </a:theme>

--- a/docs/HAD project.pptx
+++ b/docs/HAD project.pptx
@@ -14,11 +14,15 @@
     <p:sldId id="264" r:id="rId8"/>
     <p:sldId id="261" r:id="rId9"/>
     <p:sldId id="263" r:id="rId10"/>
-    <p:sldId id="266" r:id="rId11"/>
-    <p:sldId id="262" r:id="rId12"/>
-    <p:sldId id="265" r:id="rId13"/>
-    <p:sldId id="268" r:id="rId14"/>
-    <p:sldId id="269" r:id="rId15"/>
+    <p:sldId id="274" r:id="rId11"/>
+    <p:sldId id="266" r:id="rId12"/>
+    <p:sldId id="272" r:id="rId13"/>
+    <p:sldId id="270" r:id="rId14"/>
+    <p:sldId id="271" r:id="rId15"/>
+    <p:sldId id="273" r:id="rId16"/>
+    <p:sldId id="265" r:id="rId17"/>
+    <p:sldId id="268" r:id="rId18"/>
+    <p:sldId id="269" r:id="rId19"/>
   </p:sldIdLst>
   <p:sldSz cx="12192000" cy="6858000"/>
   <p:notesSz cx="6858000" cy="9144000"/>
@@ -119,10 +123,3293 @@
   </p:defaultTextStyle>
   <p:extLst>
     <p:ext uri="{EFAFB233-063F-42B5-8137-9DF3F51BA10A}">
-      <p15:sldGuideLst xmlns="" xmlns:p15="http://schemas.microsoft.com/office/powerpoint/2012/main"/>
+      <p15:sldGuideLst xmlns:p15="http://schemas.microsoft.com/office/powerpoint/2012/main" xmlns=""/>
     </p:ext>
   </p:extLst>
 </p:presentation>
+</file>
+
+<file path=ppt/diagrams/colors1.xml><?xml version="1.0" encoding="utf-8"?>
+<dgm:colorsDef xmlns:dgm="http://schemas.openxmlformats.org/drawingml/2006/diagram" xmlns:a="http://schemas.openxmlformats.org/drawingml/2006/main" uniqueId="urn:microsoft.com/office/officeart/2005/8/colors/accent1_2">
+  <dgm:title val=""/>
+  <dgm:desc val=""/>
+  <dgm:catLst>
+    <dgm:cat type="accent1" pri="11200"/>
+  </dgm:catLst>
+  <dgm:styleLbl name="node0">
+    <dgm:fillClrLst meth="repeat">
+      <a:schemeClr val="accent1"/>
+    </dgm:fillClrLst>
+    <dgm:linClrLst meth="repeat">
+      <a:schemeClr val="lt1"/>
+    </dgm:linClrLst>
+    <dgm:effectClrLst/>
+    <dgm:txLinClrLst/>
+    <dgm:txFillClrLst/>
+    <dgm:txEffectClrLst/>
+  </dgm:styleLbl>
+  <dgm:styleLbl name="alignNode1">
+    <dgm:fillClrLst meth="repeat">
+      <a:schemeClr val="accent1"/>
+    </dgm:fillClrLst>
+    <dgm:linClrLst meth="repeat">
+      <a:schemeClr val="accent1"/>
+    </dgm:linClrLst>
+    <dgm:effectClrLst/>
+    <dgm:txLinClrLst/>
+    <dgm:txFillClrLst/>
+    <dgm:txEffectClrLst/>
+  </dgm:styleLbl>
+  <dgm:styleLbl name="node1">
+    <dgm:fillClrLst meth="repeat">
+      <a:schemeClr val="accent1"/>
+    </dgm:fillClrLst>
+    <dgm:linClrLst meth="repeat">
+      <a:schemeClr val="lt1"/>
+    </dgm:linClrLst>
+    <dgm:effectClrLst/>
+    <dgm:txLinClrLst/>
+    <dgm:txFillClrLst/>
+    <dgm:txEffectClrLst/>
+  </dgm:styleLbl>
+  <dgm:styleLbl name="lnNode1">
+    <dgm:fillClrLst meth="repeat">
+      <a:schemeClr val="accent1"/>
+    </dgm:fillClrLst>
+    <dgm:linClrLst meth="repeat">
+      <a:schemeClr val="lt1"/>
+    </dgm:linClrLst>
+    <dgm:effectClrLst/>
+    <dgm:txLinClrLst/>
+    <dgm:txFillClrLst/>
+    <dgm:txEffectClrLst/>
+  </dgm:styleLbl>
+  <dgm:styleLbl name="vennNode1">
+    <dgm:fillClrLst meth="repeat">
+      <a:schemeClr val="accent1">
+        <a:alpha val="50000"/>
+      </a:schemeClr>
+    </dgm:fillClrLst>
+    <dgm:linClrLst meth="repeat">
+      <a:schemeClr val="lt1"/>
+    </dgm:linClrLst>
+    <dgm:effectClrLst/>
+    <dgm:txLinClrLst/>
+    <dgm:txFillClrLst/>
+    <dgm:txEffectClrLst/>
+  </dgm:styleLbl>
+  <dgm:styleLbl name="node2">
+    <dgm:fillClrLst meth="repeat">
+      <a:schemeClr val="accent1"/>
+    </dgm:fillClrLst>
+    <dgm:linClrLst meth="repeat">
+      <a:schemeClr val="lt1"/>
+    </dgm:linClrLst>
+    <dgm:effectClrLst/>
+    <dgm:txLinClrLst/>
+    <dgm:txFillClrLst/>
+    <dgm:txEffectClrLst/>
+  </dgm:styleLbl>
+  <dgm:styleLbl name="node3">
+    <dgm:fillClrLst meth="repeat">
+      <a:schemeClr val="accent1"/>
+    </dgm:fillClrLst>
+    <dgm:linClrLst meth="repeat">
+      <a:schemeClr val="lt1"/>
+    </dgm:linClrLst>
+    <dgm:effectClrLst/>
+    <dgm:txLinClrLst/>
+    <dgm:txFillClrLst/>
+    <dgm:txEffectClrLst/>
+  </dgm:styleLbl>
+  <dgm:styleLbl name="node4">
+    <dgm:fillClrLst meth="repeat">
+      <a:schemeClr val="accent1"/>
+    </dgm:fillClrLst>
+    <dgm:linClrLst meth="repeat">
+      <a:schemeClr val="lt1"/>
+    </dgm:linClrLst>
+    <dgm:effectClrLst/>
+    <dgm:txLinClrLst/>
+    <dgm:txFillClrLst/>
+    <dgm:txEffectClrLst/>
+  </dgm:styleLbl>
+  <dgm:styleLbl name="fgImgPlace1">
+    <dgm:fillClrLst meth="repeat">
+      <a:schemeClr val="accent1">
+        <a:tint val="50000"/>
+      </a:schemeClr>
+    </dgm:fillClrLst>
+    <dgm:linClrLst meth="repeat">
+      <a:schemeClr val="lt1"/>
+    </dgm:linClrLst>
+    <dgm:effectClrLst/>
+    <dgm:txLinClrLst/>
+    <dgm:txFillClrLst meth="repeat">
+      <a:schemeClr val="lt1"/>
+    </dgm:txFillClrLst>
+    <dgm:txEffectClrLst/>
+  </dgm:styleLbl>
+  <dgm:styleLbl name="alignImgPlace1">
+    <dgm:fillClrLst meth="repeat">
+      <a:schemeClr val="accent1">
+        <a:tint val="50000"/>
+      </a:schemeClr>
+    </dgm:fillClrLst>
+    <dgm:linClrLst meth="repeat">
+      <a:schemeClr val="lt1"/>
+    </dgm:linClrLst>
+    <dgm:effectClrLst/>
+    <dgm:txLinClrLst/>
+    <dgm:txFillClrLst meth="repeat">
+      <a:schemeClr val="lt1"/>
+    </dgm:txFillClrLst>
+    <dgm:txEffectClrLst/>
+  </dgm:styleLbl>
+  <dgm:styleLbl name="bgImgPlace1">
+    <dgm:fillClrLst meth="repeat">
+      <a:schemeClr val="accent1">
+        <a:tint val="50000"/>
+      </a:schemeClr>
+    </dgm:fillClrLst>
+    <dgm:linClrLst meth="repeat">
+      <a:schemeClr val="lt1"/>
+    </dgm:linClrLst>
+    <dgm:effectClrLst/>
+    <dgm:txLinClrLst/>
+    <dgm:txFillClrLst meth="repeat">
+      <a:schemeClr val="lt1"/>
+    </dgm:txFillClrLst>
+    <dgm:txEffectClrLst/>
+  </dgm:styleLbl>
+  <dgm:styleLbl name="sibTrans2D1">
+    <dgm:fillClrLst meth="repeat">
+      <a:schemeClr val="accent1">
+        <a:tint val="60000"/>
+      </a:schemeClr>
+    </dgm:fillClrLst>
+    <dgm:linClrLst meth="repeat">
+      <a:schemeClr val="accent1">
+        <a:tint val="60000"/>
+      </a:schemeClr>
+    </dgm:linClrLst>
+    <dgm:effectClrLst/>
+    <dgm:txLinClrLst/>
+    <dgm:txFillClrLst/>
+    <dgm:txEffectClrLst/>
+  </dgm:styleLbl>
+  <dgm:styleLbl name="fgSibTrans2D1">
+    <dgm:fillClrLst meth="repeat">
+      <a:schemeClr val="accent1">
+        <a:tint val="60000"/>
+      </a:schemeClr>
+    </dgm:fillClrLst>
+    <dgm:linClrLst meth="repeat">
+      <a:schemeClr val="accent1">
+        <a:tint val="60000"/>
+      </a:schemeClr>
+    </dgm:linClrLst>
+    <dgm:effectClrLst/>
+    <dgm:txLinClrLst/>
+    <dgm:txFillClrLst/>
+    <dgm:txEffectClrLst/>
+  </dgm:styleLbl>
+  <dgm:styleLbl name="bgSibTrans2D1">
+    <dgm:fillClrLst meth="repeat">
+      <a:schemeClr val="accent1">
+        <a:tint val="60000"/>
+      </a:schemeClr>
+    </dgm:fillClrLst>
+    <dgm:linClrLst meth="repeat">
+      <a:schemeClr val="accent1">
+        <a:tint val="60000"/>
+      </a:schemeClr>
+    </dgm:linClrLst>
+    <dgm:effectClrLst/>
+    <dgm:txLinClrLst/>
+    <dgm:txFillClrLst/>
+    <dgm:txEffectClrLst/>
+  </dgm:styleLbl>
+  <dgm:styleLbl name="sibTrans1D1">
+    <dgm:fillClrLst meth="repeat">
+      <a:schemeClr val="accent1"/>
+    </dgm:fillClrLst>
+    <dgm:linClrLst meth="repeat">
+      <a:schemeClr val="accent1"/>
+    </dgm:linClrLst>
+    <dgm:effectClrLst/>
+    <dgm:txLinClrLst/>
+    <dgm:txFillClrLst meth="repeat">
+      <a:schemeClr val="tx1"/>
+    </dgm:txFillClrLst>
+    <dgm:txEffectClrLst/>
+  </dgm:styleLbl>
+  <dgm:styleLbl name="callout">
+    <dgm:fillClrLst meth="repeat">
+      <a:schemeClr val="accent1"/>
+    </dgm:fillClrLst>
+    <dgm:linClrLst meth="repeat">
+      <a:schemeClr val="accent1">
+        <a:tint val="50000"/>
+      </a:schemeClr>
+    </dgm:linClrLst>
+    <dgm:effectClrLst/>
+    <dgm:txLinClrLst/>
+    <dgm:txFillClrLst meth="repeat">
+      <a:schemeClr val="tx1"/>
+    </dgm:txFillClrLst>
+    <dgm:txEffectClrLst/>
+  </dgm:styleLbl>
+  <dgm:styleLbl name="asst0">
+    <dgm:fillClrLst meth="repeat">
+      <a:schemeClr val="accent1"/>
+    </dgm:fillClrLst>
+    <dgm:linClrLst meth="repeat">
+      <a:schemeClr val="lt1"/>
+    </dgm:linClrLst>
+    <dgm:effectClrLst/>
+    <dgm:txLinClrLst/>
+    <dgm:txFillClrLst/>
+    <dgm:txEffectClrLst/>
+  </dgm:styleLbl>
+  <dgm:styleLbl name="asst1">
+    <dgm:fillClrLst meth="repeat">
+      <a:schemeClr val="accent1"/>
+    </dgm:fillClrLst>
+    <dgm:linClrLst meth="repeat">
+      <a:schemeClr val="lt1"/>
+    </dgm:linClrLst>
+    <dgm:effectClrLst/>
+    <dgm:txLinClrLst/>
+    <dgm:txFillClrLst/>
+    <dgm:txEffectClrLst/>
+  </dgm:styleLbl>
+  <dgm:styleLbl name="asst2">
+    <dgm:fillClrLst meth="repeat">
+      <a:schemeClr val="accent1"/>
+    </dgm:fillClrLst>
+    <dgm:linClrLst meth="repeat">
+      <a:schemeClr val="lt1"/>
+    </dgm:linClrLst>
+    <dgm:effectClrLst/>
+    <dgm:txLinClrLst/>
+    <dgm:txFillClrLst/>
+    <dgm:txEffectClrLst/>
+  </dgm:styleLbl>
+  <dgm:styleLbl name="asst3">
+    <dgm:fillClrLst meth="repeat">
+      <a:schemeClr val="accent1"/>
+    </dgm:fillClrLst>
+    <dgm:linClrLst meth="repeat">
+      <a:schemeClr val="lt1"/>
+    </dgm:linClrLst>
+    <dgm:effectClrLst/>
+    <dgm:txLinClrLst/>
+    <dgm:txFillClrLst/>
+    <dgm:txEffectClrLst/>
+  </dgm:styleLbl>
+  <dgm:styleLbl name="asst4">
+    <dgm:fillClrLst meth="repeat">
+      <a:schemeClr val="accent1"/>
+    </dgm:fillClrLst>
+    <dgm:linClrLst meth="repeat">
+      <a:schemeClr val="lt1"/>
+    </dgm:linClrLst>
+    <dgm:effectClrLst/>
+    <dgm:txLinClrLst/>
+    <dgm:txFillClrLst/>
+    <dgm:txEffectClrLst/>
+  </dgm:styleLbl>
+  <dgm:styleLbl name="parChTrans2D1">
+    <dgm:fillClrLst meth="repeat">
+      <a:schemeClr val="accent1">
+        <a:tint val="60000"/>
+      </a:schemeClr>
+    </dgm:fillClrLst>
+    <dgm:linClrLst meth="repeat">
+      <a:schemeClr val="accent1">
+        <a:tint val="60000"/>
+      </a:schemeClr>
+    </dgm:linClrLst>
+    <dgm:effectClrLst/>
+    <dgm:txLinClrLst/>
+    <dgm:txFillClrLst meth="repeat">
+      <a:schemeClr val="lt1"/>
+    </dgm:txFillClrLst>
+    <dgm:txEffectClrLst/>
+  </dgm:styleLbl>
+  <dgm:styleLbl name="parChTrans2D2">
+    <dgm:fillClrLst meth="repeat">
+      <a:schemeClr val="accent1"/>
+    </dgm:fillClrLst>
+    <dgm:linClrLst meth="repeat">
+      <a:schemeClr val="accent1"/>
+    </dgm:linClrLst>
+    <dgm:effectClrLst/>
+    <dgm:txLinClrLst/>
+    <dgm:txFillClrLst meth="repeat">
+      <a:schemeClr val="lt1"/>
+    </dgm:txFillClrLst>
+    <dgm:txEffectClrLst/>
+  </dgm:styleLbl>
+  <dgm:styleLbl name="parChTrans2D3">
+    <dgm:fillClrLst meth="repeat">
+      <a:schemeClr val="accent1"/>
+    </dgm:fillClrLst>
+    <dgm:linClrLst meth="repeat">
+      <a:schemeClr val="accent1"/>
+    </dgm:linClrLst>
+    <dgm:effectClrLst/>
+    <dgm:txLinClrLst/>
+    <dgm:txFillClrLst meth="repeat">
+      <a:schemeClr val="lt1"/>
+    </dgm:txFillClrLst>
+    <dgm:txEffectClrLst/>
+  </dgm:styleLbl>
+  <dgm:styleLbl name="parChTrans2D4">
+    <dgm:fillClrLst meth="repeat">
+      <a:schemeClr val="accent1"/>
+    </dgm:fillClrLst>
+    <dgm:linClrLst meth="repeat">
+      <a:schemeClr val="accent1"/>
+    </dgm:linClrLst>
+    <dgm:effectClrLst/>
+    <dgm:txLinClrLst/>
+    <dgm:txFillClrLst meth="repeat">
+      <a:schemeClr val="lt1"/>
+    </dgm:txFillClrLst>
+    <dgm:txEffectClrLst/>
+  </dgm:styleLbl>
+  <dgm:styleLbl name="parChTrans1D1">
+    <dgm:fillClrLst meth="repeat">
+      <a:schemeClr val="accent1"/>
+    </dgm:fillClrLst>
+    <dgm:linClrLst meth="repeat">
+      <a:schemeClr val="accent1">
+        <a:shade val="60000"/>
+      </a:schemeClr>
+    </dgm:linClrLst>
+    <dgm:effectClrLst/>
+    <dgm:txLinClrLst/>
+    <dgm:txFillClrLst meth="repeat">
+      <a:schemeClr val="tx1"/>
+    </dgm:txFillClrLst>
+    <dgm:txEffectClrLst/>
+  </dgm:styleLbl>
+  <dgm:styleLbl name="parChTrans1D2">
+    <dgm:fillClrLst meth="repeat">
+      <a:schemeClr val="accent1"/>
+    </dgm:fillClrLst>
+    <dgm:linClrLst meth="repeat">
+      <a:schemeClr val="accent1">
+        <a:shade val="60000"/>
+      </a:schemeClr>
+    </dgm:linClrLst>
+    <dgm:effectClrLst/>
+    <dgm:txLinClrLst/>
+    <dgm:txFillClrLst meth="repeat">
+      <a:schemeClr val="tx1"/>
+    </dgm:txFillClrLst>
+    <dgm:txEffectClrLst/>
+  </dgm:styleLbl>
+  <dgm:styleLbl name="parChTrans1D3">
+    <dgm:fillClrLst meth="repeat">
+      <a:schemeClr val="accent1"/>
+    </dgm:fillClrLst>
+    <dgm:linClrLst meth="repeat">
+      <a:schemeClr val="accent1">
+        <a:shade val="80000"/>
+      </a:schemeClr>
+    </dgm:linClrLst>
+    <dgm:effectClrLst/>
+    <dgm:txLinClrLst/>
+    <dgm:txFillClrLst meth="repeat">
+      <a:schemeClr val="tx1"/>
+    </dgm:txFillClrLst>
+    <dgm:txEffectClrLst/>
+  </dgm:styleLbl>
+  <dgm:styleLbl name="parChTrans1D4">
+    <dgm:fillClrLst meth="repeat">
+      <a:schemeClr val="accent1"/>
+    </dgm:fillClrLst>
+    <dgm:linClrLst meth="repeat">
+      <a:schemeClr val="accent1">
+        <a:shade val="80000"/>
+      </a:schemeClr>
+    </dgm:linClrLst>
+    <dgm:effectClrLst/>
+    <dgm:txLinClrLst/>
+    <dgm:txFillClrLst meth="repeat">
+      <a:schemeClr val="tx1"/>
+    </dgm:txFillClrLst>
+    <dgm:txEffectClrLst/>
+  </dgm:styleLbl>
+  <dgm:styleLbl name="fgAcc1">
+    <dgm:fillClrLst meth="repeat">
+      <a:schemeClr val="lt1">
+        <a:alpha val="90000"/>
+      </a:schemeClr>
+    </dgm:fillClrLst>
+    <dgm:linClrLst meth="repeat">
+      <a:schemeClr val="accent1"/>
+    </dgm:linClrLst>
+    <dgm:effectClrLst/>
+    <dgm:txLinClrLst/>
+    <dgm:txFillClrLst meth="repeat">
+      <a:schemeClr val="dk1"/>
+    </dgm:txFillClrLst>
+    <dgm:txEffectClrLst/>
+  </dgm:styleLbl>
+  <dgm:styleLbl name="conFgAcc1">
+    <dgm:fillClrLst meth="repeat">
+      <a:schemeClr val="lt1">
+        <a:alpha val="90000"/>
+      </a:schemeClr>
+    </dgm:fillClrLst>
+    <dgm:linClrLst meth="repeat">
+      <a:schemeClr val="accent1"/>
+    </dgm:linClrLst>
+    <dgm:effectClrLst/>
+    <dgm:txLinClrLst/>
+    <dgm:txFillClrLst meth="repeat">
+      <a:schemeClr val="dk1"/>
+    </dgm:txFillClrLst>
+    <dgm:txEffectClrLst/>
+  </dgm:styleLbl>
+  <dgm:styleLbl name="alignAcc1">
+    <dgm:fillClrLst meth="repeat">
+      <a:schemeClr val="lt1">
+        <a:alpha val="90000"/>
+      </a:schemeClr>
+    </dgm:fillClrLst>
+    <dgm:linClrLst meth="repeat">
+      <a:schemeClr val="accent1"/>
+    </dgm:linClrLst>
+    <dgm:effectClrLst/>
+    <dgm:txLinClrLst/>
+    <dgm:txFillClrLst meth="repeat">
+      <a:schemeClr val="dk1"/>
+    </dgm:txFillClrLst>
+    <dgm:txEffectClrLst/>
+  </dgm:styleLbl>
+  <dgm:styleLbl name="trAlignAcc1">
+    <dgm:fillClrLst meth="repeat">
+      <a:schemeClr val="lt1">
+        <a:alpha val="40000"/>
+      </a:schemeClr>
+    </dgm:fillClrLst>
+    <dgm:linClrLst meth="repeat">
+      <a:schemeClr val="accent1"/>
+    </dgm:linClrLst>
+    <dgm:effectClrLst/>
+    <dgm:txLinClrLst/>
+    <dgm:txFillClrLst meth="repeat">
+      <a:schemeClr val="dk1"/>
+    </dgm:txFillClrLst>
+    <dgm:txEffectClrLst/>
+  </dgm:styleLbl>
+  <dgm:styleLbl name="bgAcc1">
+    <dgm:fillClrLst meth="repeat">
+      <a:schemeClr val="lt1">
+        <a:alpha val="90000"/>
+      </a:schemeClr>
+    </dgm:fillClrLst>
+    <dgm:linClrLst meth="repeat">
+      <a:schemeClr val="accent1"/>
+    </dgm:linClrLst>
+    <dgm:effectClrLst/>
+    <dgm:txLinClrLst/>
+    <dgm:txFillClrLst meth="repeat">
+      <a:schemeClr val="dk1"/>
+    </dgm:txFillClrLst>
+    <dgm:txEffectClrLst/>
+  </dgm:styleLbl>
+  <dgm:styleLbl name="solidFgAcc1">
+    <dgm:fillClrLst meth="repeat">
+      <a:schemeClr val="lt1"/>
+    </dgm:fillClrLst>
+    <dgm:linClrLst meth="repeat">
+      <a:schemeClr val="accent1"/>
+    </dgm:linClrLst>
+    <dgm:effectClrLst/>
+    <dgm:txLinClrLst/>
+    <dgm:txFillClrLst meth="repeat">
+      <a:schemeClr val="dk1"/>
+    </dgm:txFillClrLst>
+    <dgm:txEffectClrLst/>
+  </dgm:styleLbl>
+  <dgm:styleLbl name="solidAlignAcc1">
+    <dgm:fillClrLst meth="repeat">
+      <a:schemeClr val="lt1"/>
+    </dgm:fillClrLst>
+    <dgm:linClrLst meth="repeat">
+      <a:schemeClr val="accent1"/>
+    </dgm:linClrLst>
+    <dgm:effectClrLst/>
+    <dgm:txLinClrLst/>
+    <dgm:txFillClrLst meth="repeat">
+      <a:schemeClr val="dk1"/>
+    </dgm:txFillClrLst>
+    <dgm:txEffectClrLst/>
+  </dgm:styleLbl>
+  <dgm:styleLbl name="solidBgAcc1">
+    <dgm:fillClrLst meth="repeat">
+      <a:schemeClr val="lt1"/>
+    </dgm:fillClrLst>
+    <dgm:linClrLst meth="repeat">
+      <a:schemeClr val="accent1"/>
+    </dgm:linClrLst>
+    <dgm:effectClrLst/>
+    <dgm:txLinClrLst/>
+    <dgm:txFillClrLst meth="repeat">
+      <a:schemeClr val="dk1"/>
+    </dgm:txFillClrLst>
+    <dgm:txEffectClrLst/>
+  </dgm:styleLbl>
+  <dgm:styleLbl name="fgAccFollowNode1">
+    <dgm:fillClrLst meth="repeat">
+      <a:schemeClr val="accent1">
+        <a:alpha val="90000"/>
+        <a:tint val="40000"/>
+      </a:schemeClr>
+    </dgm:fillClrLst>
+    <dgm:linClrLst meth="repeat">
+      <a:schemeClr val="accent1">
+        <a:alpha val="90000"/>
+        <a:tint val="40000"/>
+      </a:schemeClr>
+    </dgm:linClrLst>
+    <dgm:effectClrLst/>
+    <dgm:txLinClrLst/>
+    <dgm:txFillClrLst meth="repeat">
+      <a:schemeClr val="dk1"/>
+    </dgm:txFillClrLst>
+    <dgm:txEffectClrLst/>
+  </dgm:styleLbl>
+  <dgm:styleLbl name="alignAccFollowNode1">
+    <dgm:fillClrLst meth="repeat">
+      <a:schemeClr val="accent1">
+        <a:alpha val="90000"/>
+        <a:tint val="40000"/>
+      </a:schemeClr>
+    </dgm:fillClrLst>
+    <dgm:linClrLst meth="repeat">
+      <a:schemeClr val="accent1">
+        <a:alpha val="90000"/>
+        <a:tint val="40000"/>
+      </a:schemeClr>
+    </dgm:linClrLst>
+    <dgm:effectClrLst/>
+    <dgm:txLinClrLst/>
+    <dgm:txFillClrLst meth="repeat">
+      <a:schemeClr val="dk1"/>
+    </dgm:txFillClrLst>
+    <dgm:txEffectClrLst/>
+  </dgm:styleLbl>
+  <dgm:styleLbl name="bgAccFollowNode1">
+    <dgm:fillClrLst meth="repeat">
+      <a:schemeClr val="accent1">
+        <a:alpha val="90000"/>
+        <a:tint val="40000"/>
+      </a:schemeClr>
+    </dgm:fillClrLst>
+    <dgm:linClrLst meth="repeat">
+      <a:schemeClr val="accent1">
+        <a:alpha val="90000"/>
+        <a:tint val="40000"/>
+      </a:schemeClr>
+    </dgm:linClrLst>
+    <dgm:effectClrLst/>
+    <dgm:txLinClrLst/>
+    <dgm:txFillClrLst meth="repeat">
+      <a:schemeClr val="dk1"/>
+    </dgm:txFillClrLst>
+    <dgm:txEffectClrLst/>
+  </dgm:styleLbl>
+  <dgm:styleLbl name="fgAcc0">
+    <dgm:fillClrLst meth="repeat">
+      <a:schemeClr val="lt1">
+        <a:alpha val="90000"/>
+      </a:schemeClr>
+    </dgm:fillClrLst>
+    <dgm:linClrLst meth="repeat">
+      <a:schemeClr val="accent1"/>
+    </dgm:linClrLst>
+    <dgm:effectClrLst/>
+    <dgm:txLinClrLst/>
+    <dgm:txFillClrLst meth="repeat">
+      <a:schemeClr val="dk1"/>
+    </dgm:txFillClrLst>
+    <dgm:txEffectClrLst/>
+  </dgm:styleLbl>
+  <dgm:styleLbl name="fgAcc2">
+    <dgm:fillClrLst meth="repeat">
+      <a:schemeClr val="lt1">
+        <a:alpha val="90000"/>
+      </a:schemeClr>
+    </dgm:fillClrLst>
+    <dgm:linClrLst meth="repeat">
+      <a:schemeClr val="accent1"/>
+    </dgm:linClrLst>
+    <dgm:effectClrLst/>
+    <dgm:txLinClrLst/>
+    <dgm:txFillClrLst meth="repeat">
+      <a:schemeClr val="dk1"/>
+    </dgm:txFillClrLst>
+    <dgm:txEffectClrLst/>
+  </dgm:styleLbl>
+  <dgm:styleLbl name="fgAcc3">
+    <dgm:fillClrLst meth="repeat">
+      <a:schemeClr val="lt1">
+        <a:alpha val="90000"/>
+      </a:schemeClr>
+    </dgm:fillClrLst>
+    <dgm:linClrLst meth="repeat">
+      <a:schemeClr val="accent1"/>
+    </dgm:linClrLst>
+    <dgm:effectClrLst/>
+    <dgm:txLinClrLst/>
+    <dgm:txFillClrLst meth="repeat">
+      <a:schemeClr val="dk1"/>
+    </dgm:txFillClrLst>
+    <dgm:txEffectClrLst/>
+  </dgm:styleLbl>
+  <dgm:styleLbl name="fgAcc4">
+    <dgm:fillClrLst meth="repeat">
+      <a:schemeClr val="lt1">
+        <a:alpha val="90000"/>
+      </a:schemeClr>
+    </dgm:fillClrLst>
+    <dgm:linClrLst meth="repeat">
+      <a:schemeClr val="accent1"/>
+    </dgm:linClrLst>
+    <dgm:effectClrLst/>
+    <dgm:txLinClrLst/>
+    <dgm:txFillClrLst meth="repeat">
+      <a:schemeClr val="dk1"/>
+    </dgm:txFillClrLst>
+    <dgm:txEffectClrLst/>
+  </dgm:styleLbl>
+  <dgm:styleLbl name="bgShp">
+    <dgm:fillClrLst meth="repeat">
+      <a:schemeClr val="accent1">
+        <a:tint val="40000"/>
+      </a:schemeClr>
+    </dgm:fillClrLst>
+    <dgm:linClrLst meth="repeat">
+      <a:schemeClr val="accent1"/>
+    </dgm:linClrLst>
+    <dgm:effectClrLst/>
+    <dgm:txLinClrLst/>
+    <dgm:txFillClrLst meth="repeat">
+      <a:schemeClr val="dk1"/>
+    </dgm:txFillClrLst>
+    <dgm:txEffectClrLst/>
+  </dgm:styleLbl>
+  <dgm:styleLbl name="dkBgShp">
+    <dgm:fillClrLst meth="repeat">
+      <a:schemeClr val="accent1">
+        <a:shade val="80000"/>
+      </a:schemeClr>
+    </dgm:fillClrLst>
+    <dgm:linClrLst meth="repeat">
+      <a:schemeClr val="accent1"/>
+    </dgm:linClrLst>
+    <dgm:effectClrLst/>
+    <dgm:txLinClrLst/>
+    <dgm:txFillClrLst meth="repeat">
+      <a:schemeClr val="lt1"/>
+    </dgm:txFillClrLst>
+    <dgm:txEffectClrLst/>
+  </dgm:styleLbl>
+  <dgm:styleLbl name="trBgShp">
+    <dgm:fillClrLst meth="repeat">
+      <a:schemeClr val="accent1">
+        <a:tint val="50000"/>
+        <a:alpha val="40000"/>
+      </a:schemeClr>
+    </dgm:fillClrLst>
+    <dgm:linClrLst meth="repeat">
+      <a:schemeClr val="accent1"/>
+    </dgm:linClrLst>
+    <dgm:effectClrLst/>
+    <dgm:txLinClrLst/>
+    <dgm:txFillClrLst meth="repeat">
+      <a:schemeClr val="lt1"/>
+    </dgm:txFillClrLst>
+    <dgm:txEffectClrLst/>
+  </dgm:styleLbl>
+  <dgm:styleLbl name="fgShp">
+    <dgm:fillClrLst meth="repeat">
+      <a:schemeClr val="accent1">
+        <a:tint val="60000"/>
+      </a:schemeClr>
+    </dgm:fillClrLst>
+    <dgm:linClrLst meth="repeat">
+      <a:schemeClr val="lt1"/>
+    </dgm:linClrLst>
+    <dgm:effectClrLst/>
+    <dgm:txLinClrLst/>
+    <dgm:txFillClrLst meth="repeat">
+      <a:schemeClr val="dk1"/>
+    </dgm:txFillClrLst>
+    <dgm:txEffectClrLst/>
+  </dgm:styleLbl>
+  <dgm:styleLbl name="revTx">
+    <dgm:fillClrLst meth="repeat">
+      <a:schemeClr val="lt1">
+        <a:alpha val="0"/>
+      </a:schemeClr>
+    </dgm:fillClrLst>
+    <dgm:linClrLst meth="repeat">
+      <a:schemeClr val="dk1">
+        <a:alpha val="0"/>
+      </a:schemeClr>
+    </dgm:linClrLst>
+    <dgm:effectClrLst/>
+    <dgm:txLinClrLst/>
+    <dgm:txFillClrLst meth="repeat">
+      <a:schemeClr val="tx1"/>
+    </dgm:txFillClrLst>
+    <dgm:txEffectClrLst/>
+  </dgm:styleLbl>
+</dgm:colorsDef>
+</file>
+
+<file path=ppt/diagrams/data1.xml><?xml version="1.0" encoding="utf-8"?>
+<dgm:dataModel xmlns:dgm="http://schemas.openxmlformats.org/drawingml/2006/diagram" xmlns:a="http://schemas.openxmlformats.org/drawingml/2006/main">
+  <dgm:ptLst>
+    <dgm:pt modelId="{2C30F772-69EA-4818-8B40-953945D49393}" type="doc">
+      <dgm:prSet loTypeId="urn:microsoft.com/office/officeart/2005/8/layout/vProcess5" loCatId="process" qsTypeId="urn:microsoft.com/office/officeart/2005/8/quickstyle/simple1" qsCatId="simple" csTypeId="urn:microsoft.com/office/officeart/2005/8/colors/accent1_2" csCatId="accent1" phldr="1"/>
+      <dgm:spPr/>
+      <dgm:t>
+        <a:bodyPr/>
+        <a:lstStyle/>
+        <a:p>
+          <a:endParaRPr lang="en-IN"/>
+        </a:p>
+      </dgm:t>
+    </dgm:pt>
+    <dgm:pt modelId="{63A8D8A4-D7E9-4BF2-90BF-82775F8C8217}">
+      <dgm:prSet phldrT="[Text]"/>
+      <dgm:spPr/>
+      <dgm:t>
+        <a:bodyPr/>
+        <a:lstStyle/>
+        <a:p>
+          <a:r>
+            <a:rPr lang="en-US" dirty="0" smtClean="0"/>
+            <a:t>Services</a:t>
+          </a:r>
+          <a:endParaRPr lang="en-IN" dirty="0"/>
+        </a:p>
+      </dgm:t>
+    </dgm:pt>
+    <dgm:pt modelId="{C354A89E-6FC4-4850-9CAD-B17CA62086C3}" type="parTrans" cxnId="{E3F3996E-09E5-4CB8-8D53-08FEB3D254C6}">
+      <dgm:prSet/>
+      <dgm:spPr/>
+      <dgm:t>
+        <a:bodyPr/>
+        <a:lstStyle/>
+        <a:p>
+          <a:endParaRPr lang="en-IN"/>
+        </a:p>
+      </dgm:t>
+    </dgm:pt>
+    <dgm:pt modelId="{96DFB6DC-7794-45A1-A7FA-33D60DF69E59}" type="sibTrans" cxnId="{E3F3996E-09E5-4CB8-8D53-08FEB3D254C6}">
+      <dgm:prSet/>
+      <dgm:spPr/>
+      <dgm:t>
+        <a:bodyPr/>
+        <a:lstStyle/>
+        <a:p>
+          <a:endParaRPr lang="en-IN"/>
+        </a:p>
+      </dgm:t>
+    </dgm:pt>
+    <dgm:pt modelId="{629842FB-B705-48E9-A76F-7C26CDA88EC2}">
+      <dgm:prSet phldrT="[Text]"/>
+      <dgm:spPr/>
+      <dgm:t>
+        <a:bodyPr/>
+        <a:lstStyle/>
+        <a:p>
+          <a:r>
+            <a:rPr lang="en-US" dirty="0" smtClean="0"/>
+            <a:t>Handler</a:t>
+          </a:r>
+          <a:endParaRPr lang="en-IN" dirty="0"/>
+        </a:p>
+      </dgm:t>
+    </dgm:pt>
+    <dgm:pt modelId="{2EF092FA-24BA-4216-B90C-8C196E4511C3}" type="parTrans" cxnId="{30D3B1E7-93FD-412F-A41A-6A65493F1983}">
+      <dgm:prSet/>
+      <dgm:spPr/>
+      <dgm:t>
+        <a:bodyPr/>
+        <a:lstStyle/>
+        <a:p>
+          <a:endParaRPr lang="en-IN"/>
+        </a:p>
+      </dgm:t>
+    </dgm:pt>
+    <dgm:pt modelId="{18EDC6FE-C9E0-4437-A86B-BECA03A811E8}" type="sibTrans" cxnId="{30D3B1E7-93FD-412F-A41A-6A65493F1983}">
+      <dgm:prSet/>
+      <dgm:spPr/>
+      <dgm:t>
+        <a:bodyPr/>
+        <a:lstStyle/>
+        <a:p>
+          <a:endParaRPr lang="en-IN"/>
+        </a:p>
+      </dgm:t>
+    </dgm:pt>
+    <dgm:pt modelId="{23CFFF57-82AB-4C5A-8916-E3680249A62A}">
+      <dgm:prSet phldrT="[Text]"/>
+      <dgm:spPr/>
+      <dgm:t>
+        <a:bodyPr/>
+        <a:lstStyle/>
+        <a:p>
+          <a:r>
+            <a:rPr lang="en-US" dirty="0" smtClean="0"/>
+            <a:t>DAO</a:t>
+          </a:r>
+          <a:endParaRPr lang="en-IN" dirty="0"/>
+        </a:p>
+      </dgm:t>
+    </dgm:pt>
+    <dgm:pt modelId="{811EBBF1-F132-4475-936B-AB3ABEDF6084}" type="parTrans" cxnId="{A39FEB9E-15FA-48FC-B4CD-5EFD62C151B1}">
+      <dgm:prSet/>
+      <dgm:spPr/>
+      <dgm:t>
+        <a:bodyPr/>
+        <a:lstStyle/>
+        <a:p>
+          <a:endParaRPr lang="en-IN"/>
+        </a:p>
+      </dgm:t>
+    </dgm:pt>
+    <dgm:pt modelId="{649C0F16-FDAE-46CF-82D0-9682B9F4805E}" type="sibTrans" cxnId="{A39FEB9E-15FA-48FC-B4CD-5EFD62C151B1}">
+      <dgm:prSet/>
+      <dgm:spPr/>
+      <dgm:t>
+        <a:bodyPr/>
+        <a:lstStyle/>
+        <a:p>
+          <a:endParaRPr lang="en-IN"/>
+        </a:p>
+      </dgm:t>
+    </dgm:pt>
+    <dgm:pt modelId="{97C37993-3BF4-4F32-99CE-25F3CCE5A3F6}" type="pres">
+      <dgm:prSet presAssocID="{2C30F772-69EA-4818-8B40-953945D49393}" presName="outerComposite" presStyleCnt="0">
+        <dgm:presLayoutVars>
+          <dgm:chMax val="5"/>
+          <dgm:dir/>
+          <dgm:resizeHandles val="exact"/>
+        </dgm:presLayoutVars>
+      </dgm:prSet>
+      <dgm:spPr/>
+    </dgm:pt>
+    <dgm:pt modelId="{21C0C951-536D-4A3F-B601-0A3EF4D63AC2}" type="pres">
+      <dgm:prSet presAssocID="{2C30F772-69EA-4818-8B40-953945D49393}" presName="dummyMaxCanvas" presStyleCnt="0">
+        <dgm:presLayoutVars/>
+      </dgm:prSet>
+      <dgm:spPr/>
+    </dgm:pt>
+    <dgm:pt modelId="{641BAC4E-9BE8-4D6A-8CB2-6A9FA6369FF4}" type="pres">
+      <dgm:prSet presAssocID="{2C30F772-69EA-4818-8B40-953945D49393}" presName="ThreeNodes_1" presStyleLbl="node1" presStyleIdx="0" presStyleCnt="3" custLinFactNeighborX="-32847" custLinFactNeighborY="-4329">
+        <dgm:presLayoutVars>
+          <dgm:bulletEnabled val="1"/>
+        </dgm:presLayoutVars>
+      </dgm:prSet>
+      <dgm:spPr/>
+      <dgm:t>
+        <a:bodyPr/>
+        <a:lstStyle/>
+        <a:p>
+          <a:endParaRPr lang="en-IN"/>
+        </a:p>
+      </dgm:t>
+    </dgm:pt>
+    <dgm:pt modelId="{9CE68F4D-E14E-46D5-8C1A-E50051EDCF4E}" type="pres">
+      <dgm:prSet presAssocID="{2C30F772-69EA-4818-8B40-953945D49393}" presName="ThreeNodes_2" presStyleLbl="node1" presStyleIdx="1" presStyleCnt="3">
+        <dgm:presLayoutVars>
+          <dgm:bulletEnabled val="1"/>
+        </dgm:presLayoutVars>
+      </dgm:prSet>
+      <dgm:spPr/>
+      <dgm:t>
+        <a:bodyPr/>
+        <a:lstStyle/>
+        <a:p>
+          <a:endParaRPr lang="en-IN"/>
+        </a:p>
+      </dgm:t>
+    </dgm:pt>
+    <dgm:pt modelId="{05654473-83E8-4392-9D4A-BF4548A361E9}" type="pres">
+      <dgm:prSet presAssocID="{2C30F772-69EA-4818-8B40-953945D49393}" presName="ThreeNodes_3" presStyleLbl="node1" presStyleIdx="2" presStyleCnt="3">
+        <dgm:presLayoutVars>
+          <dgm:bulletEnabled val="1"/>
+        </dgm:presLayoutVars>
+      </dgm:prSet>
+      <dgm:spPr/>
+      <dgm:t>
+        <a:bodyPr/>
+        <a:lstStyle/>
+        <a:p>
+          <a:endParaRPr lang="en-IN"/>
+        </a:p>
+      </dgm:t>
+    </dgm:pt>
+    <dgm:pt modelId="{5D8751E0-A5E6-45E1-8F71-D42383EF1CDC}" type="pres">
+      <dgm:prSet presAssocID="{2C30F772-69EA-4818-8B40-953945D49393}" presName="ThreeConn_1-2" presStyleLbl="fgAccFollowNode1" presStyleIdx="0" presStyleCnt="2">
+        <dgm:presLayoutVars>
+          <dgm:bulletEnabled val="1"/>
+        </dgm:presLayoutVars>
+      </dgm:prSet>
+      <dgm:spPr/>
+    </dgm:pt>
+    <dgm:pt modelId="{6FE4BB4A-A4D0-4181-A7EA-FFE2ECB1A3D0}" type="pres">
+      <dgm:prSet presAssocID="{2C30F772-69EA-4818-8B40-953945D49393}" presName="ThreeConn_2-3" presStyleLbl="fgAccFollowNode1" presStyleIdx="1" presStyleCnt="2">
+        <dgm:presLayoutVars>
+          <dgm:bulletEnabled val="1"/>
+        </dgm:presLayoutVars>
+      </dgm:prSet>
+      <dgm:spPr/>
+    </dgm:pt>
+    <dgm:pt modelId="{464660D7-9C34-4D6C-9B7F-52B6AEEE847E}" type="pres">
+      <dgm:prSet presAssocID="{2C30F772-69EA-4818-8B40-953945D49393}" presName="ThreeNodes_1_text" presStyleLbl="node1" presStyleIdx="2" presStyleCnt="3">
+        <dgm:presLayoutVars>
+          <dgm:bulletEnabled val="1"/>
+        </dgm:presLayoutVars>
+      </dgm:prSet>
+      <dgm:spPr/>
+      <dgm:t>
+        <a:bodyPr/>
+        <a:lstStyle/>
+        <a:p>
+          <a:endParaRPr lang="en-IN"/>
+        </a:p>
+      </dgm:t>
+    </dgm:pt>
+    <dgm:pt modelId="{562D0CDB-DA38-4686-9112-CB97205C9B3C}" type="pres">
+      <dgm:prSet presAssocID="{2C30F772-69EA-4818-8B40-953945D49393}" presName="ThreeNodes_2_text" presStyleLbl="node1" presStyleIdx="2" presStyleCnt="3">
+        <dgm:presLayoutVars>
+          <dgm:bulletEnabled val="1"/>
+        </dgm:presLayoutVars>
+      </dgm:prSet>
+      <dgm:spPr/>
+      <dgm:t>
+        <a:bodyPr/>
+        <a:lstStyle/>
+        <a:p>
+          <a:endParaRPr lang="en-IN"/>
+        </a:p>
+      </dgm:t>
+    </dgm:pt>
+    <dgm:pt modelId="{BBE7DE13-8F56-4C4C-9E4B-A18CA0A67CFB}" type="pres">
+      <dgm:prSet presAssocID="{2C30F772-69EA-4818-8B40-953945D49393}" presName="ThreeNodes_3_text" presStyleLbl="node1" presStyleIdx="2" presStyleCnt="3">
+        <dgm:presLayoutVars>
+          <dgm:bulletEnabled val="1"/>
+        </dgm:presLayoutVars>
+      </dgm:prSet>
+      <dgm:spPr/>
+      <dgm:t>
+        <a:bodyPr/>
+        <a:lstStyle/>
+        <a:p>
+          <a:endParaRPr lang="en-IN"/>
+        </a:p>
+      </dgm:t>
+    </dgm:pt>
+  </dgm:ptLst>
+  <dgm:cxnLst>
+    <dgm:cxn modelId="{137B49D9-B4F2-4A1C-88E2-10B83DC6544E}" type="presOf" srcId="{18EDC6FE-C9E0-4437-A86B-BECA03A811E8}" destId="{6FE4BB4A-A4D0-4181-A7EA-FFE2ECB1A3D0}" srcOrd="0" destOrd="0" presId="urn:microsoft.com/office/officeart/2005/8/layout/vProcess5"/>
+    <dgm:cxn modelId="{809B43DF-F126-4513-A1F8-A2D7F6150D4D}" type="presOf" srcId="{63A8D8A4-D7E9-4BF2-90BF-82775F8C8217}" destId="{464660D7-9C34-4D6C-9B7F-52B6AEEE847E}" srcOrd="1" destOrd="0" presId="urn:microsoft.com/office/officeart/2005/8/layout/vProcess5"/>
+    <dgm:cxn modelId="{80E0F94D-4230-4424-B989-0DEA05E93EAE}" type="presOf" srcId="{63A8D8A4-D7E9-4BF2-90BF-82775F8C8217}" destId="{641BAC4E-9BE8-4D6A-8CB2-6A9FA6369FF4}" srcOrd="0" destOrd="0" presId="urn:microsoft.com/office/officeart/2005/8/layout/vProcess5"/>
+    <dgm:cxn modelId="{EA59985F-E001-4F53-86BB-5F6E29688A33}" type="presOf" srcId="{96DFB6DC-7794-45A1-A7FA-33D60DF69E59}" destId="{5D8751E0-A5E6-45E1-8F71-D42383EF1CDC}" srcOrd="0" destOrd="0" presId="urn:microsoft.com/office/officeart/2005/8/layout/vProcess5"/>
+    <dgm:cxn modelId="{5FEF4B33-3F5F-4067-B4A7-AEBEB1FABFCF}" type="presOf" srcId="{23CFFF57-82AB-4C5A-8916-E3680249A62A}" destId="{BBE7DE13-8F56-4C4C-9E4B-A18CA0A67CFB}" srcOrd="1" destOrd="0" presId="urn:microsoft.com/office/officeart/2005/8/layout/vProcess5"/>
+    <dgm:cxn modelId="{A39FEB9E-15FA-48FC-B4CD-5EFD62C151B1}" srcId="{2C30F772-69EA-4818-8B40-953945D49393}" destId="{23CFFF57-82AB-4C5A-8916-E3680249A62A}" srcOrd="2" destOrd="0" parTransId="{811EBBF1-F132-4475-936B-AB3ABEDF6084}" sibTransId="{649C0F16-FDAE-46CF-82D0-9682B9F4805E}"/>
+    <dgm:cxn modelId="{45F0D139-3FD5-41C5-A342-B41072809AD3}" type="presOf" srcId="{2C30F772-69EA-4818-8B40-953945D49393}" destId="{97C37993-3BF4-4F32-99CE-25F3CCE5A3F6}" srcOrd="0" destOrd="0" presId="urn:microsoft.com/office/officeart/2005/8/layout/vProcess5"/>
+    <dgm:cxn modelId="{E3F3996E-09E5-4CB8-8D53-08FEB3D254C6}" srcId="{2C30F772-69EA-4818-8B40-953945D49393}" destId="{63A8D8A4-D7E9-4BF2-90BF-82775F8C8217}" srcOrd="0" destOrd="0" parTransId="{C354A89E-6FC4-4850-9CAD-B17CA62086C3}" sibTransId="{96DFB6DC-7794-45A1-A7FA-33D60DF69E59}"/>
+    <dgm:cxn modelId="{30D3B1E7-93FD-412F-A41A-6A65493F1983}" srcId="{2C30F772-69EA-4818-8B40-953945D49393}" destId="{629842FB-B705-48E9-A76F-7C26CDA88EC2}" srcOrd="1" destOrd="0" parTransId="{2EF092FA-24BA-4216-B90C-8C196E4511C3}" sibTransId="{18EDC6FE-C9E0-4437-A86B-BECA03A811E8}"/>
+    <dgm:cxn modelId="{3E7B60B5-699D-4C06-B4CF-5C6C14C462F6}" type="presOf" srcId="{629842FB-B705-48E9-A76F-7C26CDA88EC2}" destId="{562D0CDB-DA38-4686-9112-CB97205C9B3C}" srcOrd="1" destOrd="0" presId="urn:microsoft.com/office/officeart/2005/8/layout/vProcess5"/>
+    <dgm:cxn modelId="{0A3EC74F-19E2-4976-B36C-07E1CBFA9260}" type="presOf" srcId="{629842FB-B705-48E9-A76F-7C26CDA88EC2}" destId="{9CE68F4D-E14E-46D5-8C1A-E50051EDCF4E}" srcOrd="0" destOrd="0" presId="urn:microsoft.com/office/officeart/2005/8/layout/vProcess5"/>
+    <dgm:cxn modelId="{BEC213E6-0CFC-4888-B6FD-AD2EA67C661E}" type="presOf" srcId="{23CFFF57-82AB-4C5A-8916-E3680249A62A}" destId="{05654473-83E8-4392-9D4A-BF4548A361E9}" srcOrd="0" destOrd="0" presId="urn:microsoft.com/office/officeart/2005/8/layout/vProcess5"/>
+    <dgm:cxn modelId="{2E7C6B18-8A68-4947-9013-654CD7DCDB56}" type="presParOf" srcId="{97C37993-3BF4-4F32-99CE-25F3CCE5A3F6}" destId="{21C0C951-536D-4A3F-B601-0A3EF4D63AC2}" srcOrd="0" destOrd="0" presId="urn:microsoft.com/office/officeart/2005/8/layout/vProcess5"/>
+    <dgm:cxn modelId="{EAF00864-AE9A-4B73-9451-A8B9FA9B9EE2}" type="presParOf" srcId="{97C37993-3BF4-4F32-99CE-25F3CCE5A3F6}" destId="{641BAC4E-9BE8-4D6A-8CB2-6A9FA6369FF4}" srcOrd="1" destOrd="0" presId="urn:microsoft.com/office/officeart/2005/8/layout/vProcess5"/>
+    <dgm:cxn modelId="{6657EFC8-53A8-454B-8617-B98E5D931306}" type="presParOf" srcId="{97C37993-3BF4-4F32-99CE-25F3CCE5A3F6}" destId="{9CE68F4D-E14E-46D5-8C1A-E50051EDCF4E}" srcOrd="2" destOrd="0" presId="urn:microsoft.com/office/officeart/2005/8/layout/vProcess5"/>
+    <dgm:cxn modelId="{16632430-F6D9-4360-8B34-3D314180E6E5}" type="presParOf" srcId="{97C37993-3BF4-4F32-99CE-25F3CCE5A3F6}" destId="{05654473-83E8-4392-9D4A-BF4548A361E9}" srcOrd="3" destOrd="0" presId="urn:microsoft.com/office/officeart/2005/8/layout/vProcess5"/>
+    <dgm:cxn modelId="{F0D59B86-DBB9-4F62-9102-DE12A0C842D3}" type="presParOf" srcId="{97C37993-3BF4-4F32-99CE-25F3CCE5A3F6}" destId="{5D8751E0-A5E6-45E1-8F71-D42383EF1CDC}" srcOrd="4" destOrd="0" presId="urn:microsoft.com/office/officeart/2005/8/layout/vProcess5"/>
+    <dgm:cxn modelId="{32DB537F-EF30-4B9F-AF86-EA7B48357A28}" type="presParOf" srcId="{97C37993-3BF4-4F32-99CE-25F3CCE5A3F6}" destId="{6FE4BB4A-A4D0-4181-A7EA-FFE2ECB1A3D0}" srcOrd="5" destOrd="0" presId="urn:microsoft.com/office/officeart/2005/8/layout/vProcess5"/>
+    <dgm:cxn modelId="{0FC913A5-0D3B-44FE-A029-92AB61D69592}" type="presParOf" srcId="{97C37993-3BF4-4F32-99CE-25F3CCE5A3F6}" destId="{464660D7-9C34-4D6C-9B7F-52B6AEEE847E}" srcOrd="6" destOrd="0" presId="urn:microsoft.com/office/officeart/2005/8/layout/vProcess5"/>
+    <dgm:cxn modelId="{B304655D-05B7-4517-9EA6-DC9AC19F01AF}" type="presParOf" srcId="{97C37993-3BF4-4F32-99CE-25F3CCE5A3F6}" destId="{562D0CDB-DA38-4686-9112-CB97205C9B3C}" srcOrd="7" destOrd="0" presId="urn:microsoft.com/office/officeart/2005/8/layout/vProcess5"/>
+    <dgm:cxn modelId="{8F1CD6BA-D712-4984-AC4B-96AC2CACE5DB}" type="presParOf" srcId="{97C37993-3BF4-4F32-99CE-25F3CCE5A3F6}" destId="{BBE7DE13-8F56-4C4C-9E4B-A18CA0A67CFB}" srcOrd="8" destOrd="0" presId="urn:microsoft.com/office/officeart/2005/8/layout/vProcess5"/>
+  </dgm:cxnLst>
+  <dgm:bg/>
+  <dgm:whole/>
+</dgm:dataModel>
+</file>
+
+<file path=ppt/diagrams/layout1.xml><?xml version="1.0" encoding="utf-8"?>
+<dgm:layoutDef xmlns:dgm="http://schemas.openxmlformats.org/drawingml/2006/diagram" xmlns:a="http://schemas.openxmlformats.org/drawingml/2006/main" uniqueId="urn:microsoft.com/office/officeart/2005/8/layout/vProcess5">
+  <dgm:title val=""/>
+  <dgm:desc val=""/>
+  <dgm:catLst>
+    <dgm:cat type="process" pri="14000"/>
+  </dgm:catLst>
+  <dgm:sampData>
+    <dgm:dataModel>
+      <dgm:ptLst>
+        <dgm:pt modelId="0" type="doc"/>
+        <dgm:pt modelId="1">
+          <dgm:prSet phldr="1"/>
+        </dgm:pt>
+        <dgm:pt modelId="2">
+          <dgm:prSet phldr="1"/>
+        </dgm:pt>
+        <dgm:pt modelId="3">
+          <dgm:prSet phldr="1"/>
+        </dgm:pt>
+      </dgm:ptLst>
+      <dgm:cxnLst>
+        <dgm:cxn modelId="5" srcId="0" destId="1" srcOrd="0" destOrd="0"/>
+        <dgm:cxn modelId="6" srcId="0" destId="2" srcOrd="1" destOrd="0"/>
+        <dgm:cxn modelId="7" srcId="0" destId="3" srcOrd="2" destOrd="0"/>
+      </dgm:cxnLst>
+      <dgm:bg/>
+      <dgm:whole/>
+    </dgm:dataModel>
+  </dgm:sampData>
+  <dgm:styleData>
+    <dgm:dataModel>
+      <dgm:ptLst>
+        <dgm:pt modelId="0" type="doc"/>
+        <dgm:pt modelId="1"/>
+        <dgm:pt modelId="2"/>
+      </dgm:ptLst>
+      <dgm:cxnLst>
+        <dgm:cxn modelId="3" srcId="0" destId="1" srcOrd="0" destOrd="0"/>
+        <dgm:cxn modelId="4" srcId="0" destId="2" srcOrd="1" destOrd="0"/>
+      </dgm:cxnLst>
+      <dgm:bg/>
+      <dgm:whole/>
+    </dgm:dataModel>
+  </dgm:styleData>
+  <dgm:clrData>
+    <dgm:dataModel>
+      <dgm:ptLst>
+        <dgm:pt modelId="0" type="doc"/>
+        <dgm:pt modelId="1"/>
+        <dgm:pt modelId="2"/>
+        <dgm:pt modelId="3"/>
+        <dgm:pt modelId="4"/>
+      </dgm:ptLst>
+      <dgm:cxnLst>
+        <dgm:cxn modelId="6" srcId="0" destId="1" srcOrd="0" destOrd="0"/>
+        <dgm:cxn modelId="7" srcId="0" destId="2" srcOrd="1" destOrd="0"/>
+        <dgm:cxn modelId="8" srcId="0" destId="3" srcOrd="2" destOrd="0"/>
+        <dgm:cxn modelId="9" srcId="0" destId="4" srcOrd="3" destOrd="0"/>
+      </dgm:cxnLst>
+      <dgm:bg/>
+      <dgm:whole/>
+    </dgm:dataModel>
+  </dgm:clrData>
+  <dgm:layoutNode name="outerComposite">
+    <dgm:varLst>
+      <dgm:chMax val="5"/>
+      <dgm:dir/>
+      <dgm:resizeHandles val="exact"/>
+    </dgm:varLst>
+    <dgm:alg type="composite"/>
+    <dgm:shape xmlns:r="http://schemas.openxmlformats.org/officeDocument/2006/relationships" r:blip="">
+      <dgm:adjLst/>
+    </dgm:shape>
+    <dgm:presOf/>
+    <dgm:choose name="Name0">
+      <dgm:if name="Name1" func="var" arg="dir" op="equ" val="norm">
+        <dgm:constrLst>
+          <dgm:constr type="primFontSz" for="ch" ptType="node" op="equ" val="65"/>
+          <dgm:constr type="w" for="ch" forName="dummyMaxCanvas" refType="w"/>
+          <dgm:constr type="h" for="ch" forName="dummyMaxCanvas" refType="h"/>
+          <dgm:constr type="w" for="ch" forName="OneNode_1" refType="w"/>
+          <dgm:constr type="h" for="ch" forName="OneNode_1" refType="h" fact="0.5"/>
+          <dgm:constr type="ctrY" for="ch" forName="OneNode_1" refType="h" fact="0.5"/>
+          <dgm:constr type="w" for="ch" forName="TwoNodes_1" refType="w" fact="0.85"/>
+          <dgm:constr type="h" for="ch" forName="TwoNodes_1" refType="h" fact="0.45"/>
+          <dgm:constr type="t" for="ch" forName="TwoNodes_1"/>
+          <dgm:constr type="l" for="ch" forName="TwoNodes_1"/>
+          <dgm:constr type="w" for="ch" forName="TwoNodes_2" refType="w" fact="0.85"/>
+          <dgm:constr type="h" for="ch" forName="TwoNodes_2" refType="h" fact="0.45"/>
+          <dgm:constr type="b" for="ch" forName="TwoNodes_2" refType="h"/>
+          <dgm:constr type="r" for="ch" forName="TwoNodes_2" refType="w"/>
+          <dgm:constr type="w" for="ch" forName="TwoConn_1-2" refType="h" refFor="ch" refForName="TwoNodes_1" fact="0.65"/>
+          <dgm:constr type="h" for="ch" forName="TwoConn_1-2" refType="h" refFor="ch" refForName="TwoNodes_1" fact="0.65"/>
+          <dgm:constr type="ctrY" for="ch" forName="TwoConn_1-2" refType="h" fact="0.5"/>
+          <dgm:constr type="r" for="ch" forName="TwoConn_1-2" refType="r" refFor="ch" refForName="TwoNodes_1"/>
+          <dgm:constr type="r" for="ch" forName="TwoNodes_1_text" refType="l" refFor="ch" refForName="TwoConn_1-2"/>
+          <dgm:constr type="rOff" for="ch" forName="TwoNodes_1_text" refType="w" refFor="ch" refForName="TwoConn_1-2" fact="-0.5"/>
+          <dgm:constr type="t" for="ch" forName="TwoNodes_1_text" refType="t" refFor="ch" refForName="TwoNodes_1"/>
+          <dgm:constr type="b" for="ch" forName="TwoNodes_1_text" refType="b" refFor="ch" refForName="TwoNodes_1"/>
+          <dgm:constr type="l" for="ch" forName="TwoNodes_1_text" refType="l" refFor="ch" refForName="TwoNodes_1"/>
+          <dgm:constr type="r" for="ch" forName="TwoNodes_2_text" refType="l" refFor="ch" refForName="TwoConn_1-2"/>
+          <dgm:constr type="t" for="ch" forName="TwoNodes_2_text" refType="t" refFor="ch" refForName="TwoNodes_2"/>
+          <dgm:constr type="b" for="ch" forName="TwoNodes_2_text" refType="b" refFor="ch" refForName="TwoNodes_2"/>
+          <dgm:constr type="l" for="ch" forName="TwoNodes_2_text" refType="l" refFor="ch" refForName="TwoNodes_2"/>
+          <dgm:constr type="w" for="ch" forName="ThreeNodes_1" refType="w" fact="0.85"/>
+          <dgm:constr type="h" for="ch" forName="ThreeNodes_1" refType="h" fact="0.3"/>
+          <dgm:constr type="t" for="ch" forName="ThreeNodes_1"/>
+          <dgm:constr type="l" for="ch" forName="ThreeNodes_1"/>
+          <dgm:constr type="w" for="ch" forName="ThreeNodes_2" refType="w" fact="0.85"/>
+          <dgm:constr type="h" for="ch" forName="ThreeNodes_2" refType="h" fact="0.3"/>
+          <dgm:constr type="ctrY" for="ch" forName="ThreeNodes_2" refType="h" fact="0.5"/>
+          <dgm:constr type="ctrX" for="ch" forName="ThreeNodes_2" refType="w" fact="0.5"/>
+          <dgm:constr type="w" for="ch" forName="ThreeNodes_3" refType="w" fact="0.85"/>
+          <dgm:constr type="h" for="ch" forName="ThreeNodes_3" refType="h" fact="0.3"/>
+          <dgm:constr type="b" for="ch" forName="ThreeNodes_3" refType="h"/>
+          <dgm:constr type="r" for="ch" forName="ThreeNodes_3" refType="w"/>
+          <dgm:constr type="w" for="ch" forName="ThreeConn_1-2" refType="h" refFor="ch" refForName="ThreeNodes_1" fact="0.65"/>
+          <dgm:constr type="h" for="ch" forName="ThreeConn_1-2" refType="h" refFor="ch" refForName="ThreeNodes_1" fact="0.65"/>
+          <dgm:constr type="ctrY" for="ch" forName="ThreeConn_1-2" refType="h" fact="0.325"/>
+          <dgm:constr type="r" for="ch" forName="ThreeConn_1-2" refType="r" refFor="ch" refForName="ThreeNodes_1"/>
+          <dgm:constr type="w" for="ch" forName="ThreeConn_2-3" refType="h" refFor="ch" refForName="ThreeNodes_2" fact="0.65"/>
+          <dgm:constr type="h" for="ch" forName="ThreeConn_2-3" refType="h" refFor="ch" refForName="ThreeNodes_2" fact="0.65"/>
+          <dgm:constr type="ctrY" for="ch" forName="ThreeConn_2-3" refType="h" fact="0.673"/>
+          <dgm:constr type="r" for="ch" forName="ThreeConn_2-3" refType="r" refFor="ch" refForName="ThreeNodes_2"/>
+          <dgm:constr type="r" for="ch" forName="ThreeNodes_1_text" refType="l" refFor="ch" refForName="ThreeConn_1-2"/>
+          <dgm:constr type="rOff" for="ch" forName="ThreeNodes_1_text" refType="w" refFor="ch" refForName="ThreeConn_1-2" fact="-0.57"/>
+          <dgm:constr type="t" for="ch" forName="ThreeNodes_1_text" refType="t" refFor="ch" refForName="ThreeNodes_1"/>
+          <dgm:constr type="b" for="ch" forName="ThreeNodes_1_text" refType="b" refFor="ch" refForName="ThreeNodes_1"/>
+          <dgm:constr type="l" for="ch" forName="ThreeNodes_1_text" refType="l" refFor="ch" refForName="ThreeNodes_1"/>
+          <dgm:constr type="r" for="ch" forName="ThreeNodes_2_text" refType="l" refFor="ch" refForName="ThreeConn_1-2"/>
+          <dgm:constr type="t" for="ch" forName="ThreeNodes_2_text" refType="t" refFor="ch" refForName="ThreeNodes_2"/>
+          <dgm:constr type="b" for="ch" forName="ThreeNodes_2_text" refType="b" refFor="ch" refForName="ThreeNodes_2"/>
+          <dgm:constr type="l" for="ch" forName="ThreeNodes_2_text" refType="l" refFor="ch" refForName="ThreeNodes_2"/>
+          <dgm:constr type="r" for="ch" forName="ThreeNodes_3_text" refType="l" refFor="ch" refForName="ThreeConn_2-3"/>
+          <dgm:constr type="t" for="ch" forName="ThreeNodes_3_text" refType="t" refFor="ch" refForName="ThreeNodes_3"/>
+          <dgm:constr type="b" for="ch" forName="ThreeNodes_3_text" refType="b" refFor="ch" refForName="ThreeNodes_3"/>
+          <dgm:constr type="l" for="ch" forName="ThreeNodes_3_text" refType="l" refFor="ch" refForName="ThreeNodes_3"/>
+          <dgm:constr type="w" for="ch" forName="FourNodes_1" refType="w" fact="0.8"/>
+          <dgm:constr type="h" for="ch" forName="FourNodes_1" refType="h" fact="0.22"/>
+          <dgm:constr type="t" for="ch" forName="FourNodes_1"/>
+          <dgm:constr type="l" for="ch" forName="FourNodes_1"/>
+          <dgm:constr type="w" for="ch" forName="FourNodes_2" refType="w" fact="0.8"/>
+          <dgm:constr type="h" for="ch" forName="FourNodes_2" refType="h" fact="0.22"/>
+          <dgm:constr type="ctrY" for="ch" forName="FourNodes_2" refType="h" fact="0.37"/>
+          <dgm:constr type="ctrX" for="ch" forName="FourNodes_2" refType="w" fact="0.467"/>
+          <dgm:constr type="w" for="ch" forName="FourNodes_3" refType="w" fact="0.8"/>
+          <dgm:constr type="h" for="ch" forName="FourNodes_3" refType="h" fact="0.22"/>
+          <dgm:constr type="ctrY" for="ch" forName="FourNodes_3" refType="h" fact="0.63"/>
+          <dgm:constr type="ctrX" for="ch" forName="FourNodes_3" refType="w" fact="0.533"/>
+          <dgm:constr type="w" for="ch" forName="FourNodes_4" refType="w" fact="0.8"/>
+          <dgm:constr type="h" for="ch" forName="FourNodes_4" refType="h" fact="0.22"/>
+          <dgm:constr type="b" for="ch" forName="FourNodes_4" refType="h"/>
+          <dgm:constr type="r" for="ch" forName="FourNodes_4" refType="w"/>
+          <dgm:constr type="w" for="ch" forName="FourConn_1-2" refType="h" refFor="ch" refForName="FourNodes_1" fact="0.65"/>
+          <dgm:constr type="h" for="ch" forName="FourConn_1-2" refType="h" refFor="ch" refForName="FourNodes_1" fact="0.65"/>
+          <dgm:constr type="ctrY" for="ch" forName="FourConn_1-2" refType="h" fact="0.24"/>
+          <dgm:constr type="r" for="ch" forName="FourConn_1-2" refType="r" refFor="ch" refForName="FourNodes_1"/>
+          <dgm:constr type="w" for="ch" forName="FourConn_2-3" refType="h" refFor="ch" refForName="FourNodes_2" fact="0.65"/>
+          <dgm:constr type="h" for="ch" forName="FourConn_2-3" refType="h" refFor="ch" refForName="FourNodes_2" fact="0.65"/>
+          <dgm:constr type="ctrY" for="ch" forName="FourConn_2-3" refType="h" fact="0.5"/>
+          <dgm:constr type="r" for="ch" forName="FourConn_2-3" refType="r" refFor="ch" refForName="FourNodes_2"/>
+          <dgm:constr type="w" for="ch" forName="FourConn_3-4" refType="h" refFor="ch" refForName="FourNodes_3" fact="0.65"/>
+          <dgm:constr type="h" for="ch" forName="FourConn_3-4" refType="h" refFor="ch" refForName="FourNodes_3" fact="0.65"/>
+          <dgm:constr type="ctrY" for="ch" forName="FourConn_3-4" refType="h" fact="0.76"/>
+          <dgm:constr type="r" for="ch" forName="FourConn_3-4" refType="r" refFor="ch" refForName="FourNodes_3"/>
+          <dgm:constr type="r" for="ch" forName="FourNodes_1_text" refType="l" refFor="ch" refForName="FourConn_1-2"/>
+          <dgm:constr type="rOff" for="ch" forName="FourNodes_1_text" refType="w" refFor="ch" refForName="FourConn_1-2" fact="-0.7"/>
+          <dgm:constr type="t" for="ch" forName="FourNodes_1_text" refType="t" refFor="ch" refForName="FourNodes_1"/>
+          <dgm:constr type="b" for="ch" forName="FourNodes_1_text" refType="b" refFor="ch" refForName="FourNodes_1"/>
+          <dgm:constr type="l" for="ch" forName="FourNodes_1_text" refType="l" refFor="ch" refForName="FourNodes_1"/>
+          <dgm:constr type="r" for="ch" forName="FourNodes_2_text" refType="l" refFor="ch" refForName="FourConn_1-2"/>
+          <dgm:constr type="t" for="ch" forName="FourNodes_2_text" refType="t" refFor="ch" refForName="FourNodes_2"/>
+          <dgm:constr type="b" for="ch" forName="FourNodes_2_text" refType="b" refFor="ch" refForName="FourNodes_2"/>
+          <dgm:constr type="l" for="ch" forName="FourNodes_2_text" refType="l" refFor="ch" refForName="FourNodes_2"/>
+          <dgm:constr type="r" for="ch" forName="FourNodes_3_text" refType="l" refFor="ch" refForName="FourConn_2-3"/>
+          <dgm:constr type="t" for="ch" forName="FourNodes_3_text" refType="t" refFor="ch" refForName="FourNodes_3"/>
+          <dgm:constr type="b" for="ch" forName="FourNodes_3_text" refType="b" refFor="ch" refForName="FourNodes_3"/>
+          <dgm:constr type="l" for="ch" forName="FourNodes_3_text" refType="l" refFor="ch" refForName="FourNodes_3"/>
+          <dgm:constr type="r" for="ch" forName="FourNodes_4_text" refType="l" refFor="ch" refForName="FourConn_3-4"/>
+          <dgm:constr type="t" for="ch" forName="FourNodes_4_text" refType="t" refFor="ch" refForName="FourNodes_4"/>
+          <dgm:constr type="b" for="ch" forName="FourNodes_4_text" refType="b" refFor="ch" refForName="FourNodes_4"/>
+          <dgm:constr type="l" for="ch" forName="FourNodes_4_text" refType="l" refFor="ch" refForName="FourNodes_4"/>
+          <dgm:constr type="w" for="ch" forName="FiveNodes_1" refType="w" fact="0.77"/>
+          <dgm:constr type="h" for="ch" forName="FiveNodes_1" refType="h" fact="0.18"/>
+          <dgm:constr type="t" for="ch" forName="FiveNodes_1"/>
+          <dgm:constr type="l" for="ch" forName="FiveNodes_1"/>
+          <dgm:constr type="w" for="ch" forName="FiveNodes_2" refType="w" fact="0.77"/>
+          <dgm:constr type="h" for="ch" forName="FiveNodes_2" refType="h" fact="0.18"/>
+          <dgm:constr type="ctrY" for="ch" forName="FiveNodes_2" refType="h" fact="0.295"/>
+          <dgm:constr type="ctrX" for="ch" forName="FiveNodes_2" refType="w" fact="0.4425"/>
+          <dgm:constr type="w" for="ch" forName="FiveNodes_3" refType="w" fact="0.77"/>
+          <dgm:constr type="h" for="ch" forName="FiveNodes_3" refType="h" fact="0.18"/>
+          <dgm:constr type="ctrY" for="ch" forName="FiveNodes_3" refType="h" fact="0.5"/>
+          <dgm:constr type="ctrX" for="ch" forName="FiveNodes_3" refType="w" fact="0.5"/>
+          <dgm:constr type="w" for="ch" forName="FiveNodes_4" refType="w" fact="0.77"/>
+          <dgm:constr type="h" for="ch" forName="FiveNodes_4" refType="h" fact="0.18"/>
+          <dgm:constr type="ctrY" for="ch" forName="FiveNodes_4" refType="h" fact="0.705"/>
+          <dgm:constr type="ctrX" for="ch" forName="FiveNodes_4" refType="w" fact="0.5575"/>
+          <dgm:constr type="w" for="ch" forName="FiveNodes_5" refType="w" fact="0.77"/>
+          <dgm:constr type="h" for="ch" forName="FiveNodes_5" refType="h" fact="0.18"/>
+          <dgm:constr type="b" for="ch" forName="FiveNodes_5" refType="h"/>
+          <dgm:constr type="r" for="ch" forName="FiveNodes_5" refType="w"/>
+          <dgm:constr type="w" for="ch" forName="FiveConn_1-2" refType="h" refFor="ch" refForName="FiveNodes_1" fact="0.65"/>
+          <dgm:constr type="h" for="ch" forName="FiveConn_1-2" refType="h" refFor="ch" refForName="FiveNodes_1" fact="0.65"/>
+          <dgm:constr type="ctrY" for="ch" forName="FiveConn_1-2" refType="h" fact="0.19"/>
+          <dgm:constr type="r" for="ch" forName="FiveConn_1-2" refType="r" refFor="ch" refForName="FiveNodes_1"/>
+          <dgm:constr type="w" for="ch" forName="FiveConn_2-3" refType="h" refFor="ch" refForName="FiveNodes_2" fact="0.65"/>
+          <dgm:constr type="h" for="ch" forName="FiveConn_2-3" refType="h" refFor="ch" refForName="FiveNodes_2" fact="0.65"/>
+          <dgm:constr type="ctrY" for="ch" forName="FiveConn_2-3" refType="h" fact="0.395"/>
+          <dgm:constr type="r" for="ch" forName="FiveConn_2-3" refType="r" refFor="ch" refForName="FiveNodes_2"/>
+          <dgm:constr type="w" for="ch" forName="FiveConn_3-4" refType="h" refFor="ch" refForName="FiveNodes_3" fact="0.65"/>
+          <dgm:constr type="h" for="ch" forName="FiveConn_3-4" refType="h" refFor="ch" refForName="FiveNodes_3" fact="0.65"/>
+          <dgm:constr type="ctrY" for="ch" forName="FiveConn_3-4" refType="h" fact="0.597"/>
+          <dgm:constr type="r" for="ch" forName="FiveConn_3-4" refType="r" refFor="ch" refForName="FiveNodes_3"/>
+          <dgm:constr type="w" for="ch" forName="FiveConn_4-5" refType="h" refFor="ch" refForName="FiveNodes_4" fact="0.65"/>
+          <dgm:constr type="h" for="ch" forName="FiveConn_4-5" refType="h" refFor="ch" refForName="FiveNodes_4" fact="0.65"/>
+          <dgm:constr type="ctrY" for="ch" forName="FiveConn_4-5" refType="h" fact="0.804"/>
+          <dgm:constr type="r" for="ch" forName="FiveConn_4-5" refType="r" refFor="ch" refForName="FiveNodes_4"/>
+          <dgm:constr type="r" for="ch" forName="FiveNodes_1_text" refType="l" refFor="ch" refForName="FiveConn_1-2"/>
+          <dgm:constr type="rOff" for="ch" forName="FiveNodes_1_text" refType="w" refFor="ch" refForName="FiveConn_1-2" fact="-0.75"/>
+          <dgm:constr type="t" for="ch" forName="FiveNodes_1_text" refType="t" refFor="ch" refForName="FiveNodes_1"/>
+          <dgm:constr type="b" for="ch" forName="FiveNodes_1_text" refType="b" refFor="ch" refForName="FiveNodes_1"/>
+          <dgm:constr type="l" for="ch" forName="FiveNodes_1_text" refType="l" refFor="ch" refForName="FiveNodes_1"/>
+          <dgm:constr type="r" for="ch" forName="FiveNodes_2_text" refType="l" refFor="ch" refForName="FiveConn_1-2"/>
+          <dgm:constr type="t" for="ch" forName="FiveNodes_2_text" refType="t" refFor="ch" refForName="FiveNodes_2"/>
+          <dgm:constr type="b" for="ch" forName="FiveNodes_2_text" refType="b" refFor="ch" refForName="FiveNodes_2"/>
+          <dgm:constr type="l" for="ch" forName="FiveNodes_2_text" refType="l" refFor="ch" refForName="FiveNodes_2"/>
+          <dgm:constr type="r" for="ch" forName="FiveNodes_3_text" refType="l" refFor="ch" refForName="FiveConn_2-3"/>
+          <dgm:constr type="t" for="ch" forName="FiveNodes_3_text" refType="t" refFor="ch" refForName="FiveNodes_3"/>
+          <dgm:constr type="b" for="ch" forName="FiveNodes_3_text" refType="b" refFor="ch" refForName="FiveNodes_3"/>
+          <dgm:constr type="l" for="ch" forName="FiveNodes_3_text" refType="l" refFor="ch" refForName="FiveNodes_3"/>
+          <dgm:constr type="r" for="ch" forName="FiveNodes_4_text" refType="l" refFor="ch" refForName="FiveConn_3-4"/>
+          <dgm:constr type="t" for="ch" forName="FiveNodes_4_text" refType="t" refFor="ch" refForName="FiveNodes_4"/>
+          <dgm:constr type="b" for="ch" forName="FiveNodes_4_text" refType="b" refFor="ch" refForName="FiveNodes_4"/>
+          <dgm:constr type="l" for="ch" forName="FiveNodes_4_text" refType="l" refFor="ch" refForName="FiveNodes_4"/>
+          <dgm:constr type="r" for="ch" forName="FiveNodes_5_text" refType="l" refFor="ch" refForName="FiveConn_4-5"/>
+          <dgm:constr type="t" for="ch" forName="FiveNodes_5_text" refType="t" refFor="ch" refForName="FiveNodes_5"/>
+          <dgm:constr type="b" for="ch" forName="FiveNodes_5_text" refType="b" refFor="ch" refForName="FiveNodes_5"/>
+          <dgm:constr type="l" for="ch" forName="FiveNodes_5_text" refType="l" refFor="ch" refForName="FiveNodes_5"/>
+        </dgm:constrLst>
+      </dgm:if>
+      <dgm:else name="Name2">
+        <dgm:constrLst>
+          <dgm:constr type="primFontSz" for="ch" ptType="node" op="equ" val="65"/>
+          <dgm:constr type="w" for="ch" forName="dummyMaxCanvas" refType="w"/>
+          <dgm:constr type="h" for="ch" forName="dummyMaxCanvas" refType="h"/>
+          <dgm:constr type="w" for="ch" forName="OneNode_1" refType="w"/>
+          <dgm:constr type="h" for="ch" forName="OneNode_1" refType="h" fact="0.5"/>
+          <dgm:constr type="ctrY" for="ch" forName="OneNode_1" refType="h" fact="0.5"/>
+          <dgm:constr type="w" for="ch" forName="TwoNodes_1" refType="w" fact="0.85"/>
+          <dgm:constr type="h" for="ch" forName="TwoNodes_1" refType="h" fact="0.45"/>
+          <dgm:constr type="t" for="ch" forName="TwoNodes_1"/>
+          <dgm:constr type="r" for="ch" forName="TwoNodes_1" refType="w"/>
+          <dgm:constr type="w" for="ch" forName="TwoNodes_2" refType="w" fact="0.85"/>
+          <dgm:constr type="h" for="ch" forName="TwoNodes_2" refType="h" fact="0.45"/>
+          <dgm:constr type="b" for="ch" forName="TwoNodes_2" refType="h"/>
+          <dgm:constr type="l" for="ch" forName="TwoNodes_2"/>
+          <dgm:constr type="w" for="ch" forName="TwoConn_1-2" refType="h" refFor="ch" refForName="TwoNodes_1" fact="0.65"/>
+          <dgm:constr type="h" for="ch" forName="TwoConn_1-2" refType="h" refFor="ch" refForName="TwoNodes_1" fact="0.65"/>
+          <dgm:constr type="ctrY" for="ch" forName="TwoConn_1-2" refType="h" fact="0.5"/>
+          <dgm:constr type="l" for="ch" forName="TwoConn_1-2" refType="l" refFor="ch" refForName="TwoNodes_1"/>
+          <dgm:constr type="l" for="ch" forName="TwoNodes_1_text" refType="r" refFor="ch" refForName="TwoConn_1-2"/>
+          <dgm:constr type="lOff" for="ch" forName="TwoNodes_1_text" refType="w" refFor="ch" refForName="TwoConn_1-2" fact="0.5"/>
+          <dgm:constr type="t" for="ch" forName="TwoNodes_1_text" refType="t" refFor="ch" refForName="TwoNodes_1"/>
+          <dgm:constr type="b" for="ch" forName="TwoNodes_1_text" refType="b" refFor="ch" refForName="TwoNodes_1"/>
+          <dgm:constr type="r" for="ch" forName="TwoNodes_1_text" refType="r" refFor="ch" refForName="TwoNodes_1"/>
+          <dgm:constr type="l" for="ch" forName="TwoNodes_2_text" refType="r" refFor="ch" refForName="TwoConn_1-2"/>
+          <dgm:constr type="t" for="ch" forName="TwoNodes_2_text" refType="t" refFor="ch" refForName="TwoNodes_2"/>
+          <dgm:constr type="b" for="ch" forName="TwoNodes_2_text" refType="b" refFor="ch" refForName="TwoNodes_2"/>
+          <dgm:constr type="r" for="ch" forName="TwoNodes_2_text" refType="r" refFor="ch" refForName="TwoNodes_2"/>
+          <dgm:constr type="w" for="ch" forName="ThreeNodes_1" refType="w" fact="0.85"/>
+          <dgm:constr type="h" for="ch" forName="ThreeNodes_1" refType="h" fact="0.3"/>
+          <dgm:constr type="t" for="ch" forName="ThreeNodes_1"/>
+          <dgm:constr type="r" for="ch" forName="ThreeNodes_1" refType="w"/>
+          <dgm:constr type="w" for="ch" forName="ThreeNodes_2" refType="w" fact="0.85"/>
+          <dgm:constr type="h" for="ch" forName="ThreeNodes_2" refType="h" fact="0.3"/>
+          <dgm:constr type="ctrY" for="ch" forName="ThreeNodes_2" refType="h" fact="0.5"/>
+          <dgm:constr type="ctrX" for="ch" forName="ThreeNodes_2" refType="w" fact="0.5"/>
+          <dgm:constr type="w" for="ch" forName="ThreeNodes_3" refType="w" fact="0.85"/>
+          <dgm:constr type="h" for="ch" forName="ThreeNodes_3" refType="h" fact="0.3"/>
+          <dgm:constr type="b" for="ch" forName="ThreeNodes_3" refType="h"/>
+          <dgm:constr type="l" for="ch" forName="ThreeNodes_3"/>
+          <dgm:constr type="w" for="ch" forName="ThreeConn_1-2" refType="h" refFor="ch" refForName="ThreeNodes_1" fact="0.65"/>
+          <dgm:constr type="h" for="ch" forName="ThreeConn_1-2" refType="h" refFor="ch" refForName="ThreeNodes_1" fact="0.65"/>
+          <dgm:constr type="ctrY" for="ch" forName="ThreeConn_1-2" refType="h" fact="0.325"/>
+          <dgm:constr type="l" for="ch" forName="ThreeConn_1-2" refType="l" refFor="ch" refForName="ThreeNodes_1"/>
+          <dgm:constr type="w" for="ch" forName="ThreeConn_2-3" refType="h" refFor="ch" refForName="ThreeNodes_2" fact="0.65"/>
+          <dgm:constr type="h" for="ch" forName="ThreeConn_2-3" refType="h" refFor="ch" refForName="ThreeNodes_2" fact="0.65"/>
+          <dgm:constr type="ctrY" for="ch" forName="ThreeConn_2-3" refType="h" fact="0.673"/>
+          <dgm:constr type="l" for="ch" forName="ThreeConn_2-3" refType="l" refFor="ch" refForName="ThreeNodes_2"/>
+          <dgm:constr type="l" for="ch" forName="ThreeNodes_1_text" refType="r" refFor="ch" refForName="ThreeConn_1-2"/>
+          <dgm:constr type="lOff" for="ch" forName="ThreeNodes_1_text" refType="w" refFor="ch" refForName="ThreeConn_1-2" fact="0.55"/>
+          <dgm:constr type="t" for="ch" forName="ThreeNodes_1_text" refType="t" refFor="ch" refForName="ThreeNodes_1"/>
+          <dgm:constr type="b" for="ch" forName="ThreeNodes_1_text" refType="b" refFor="ch" refForName="ThreeNodes_1"/>
+          <dgm:constr type="r" for="ch" forName="ThreeNodes_1_text" refType="r" refFor="ch" refForName="ThreeNodes_1"/>
+          <dgm:constr type="l" for="ch" forName="ThreeNodes_2_text" refType="r" refFor="ch" refForName="ThreeConn_1-2"/>
+          <dgm:constr type="t" for="ch" forName="ThreeNodes_2_text" refType="t" refFor="ch" refForName="ThreeNodes_2"/>
+          <dgm:constr type="b" for="ch" forName="ThreeNodes_2_text" refType="b" refFor="ch" refForName="ThreeNodes_2"/>
+          <dgm:constr type="r" for="ch" forName="ThreeNodes_2_text" refType="r" refFor="ch" refForName="ThreeNodes_2"/>
+          <dgm:constr type="l" for="ch" forName="ThreeNodes_3_text" refType="r" refFor="ch" refForName="ThreeConn_2-3"/>
+          <dgm:constr type="t" for="ch" forName="ThreeNodes_3_text" refType="t" refFor="ch" refForName="ThreeNodes_3"/>
+          <dgm:constr type="b" for="ch" forName="ThreeNodes_3_text" refType="b" refFor="ch" refForName="ThreeNodes_3"/>
+          <dgm:constr type="r" for="ch" forName="ThreeNodes_3_text" refType="r" refFor="ch" refForName="ThreeNodes_3"/>
+          <dgm:constr type="w" for="ch" forName="FourNodes_1" refType="w" fact="0.8"/>
+          <dgm:constr type="h" for="ch" forName="FourNodes_1" refType="h" fact="0.22"/>
+          <dgm:constr type="t" for="ch" forName="FourNodes_1"/>
+          <dgm:constr type="r" for="ch" forName="FourNodes_1" refType="w"/>
+          <dgm:constr type="w" for="ch" forName="FourNodes_2" refType="w" fact="0.8"/>
+          <dgm:constr type="h" for="ch" forName="FourNodes_2" refType="h" fact="0.22"/>
+          <dgm:constr type="ctrY" for="ch" forName="FourNodes_2" refType="h" fact="0.37"/>
+          <dgm:constr type="ctrX" for="ch" forName="FourNodes_2" refType="w" fact="0.533"/>
+          <dgm:constr type="w" for="ch" forName="FourNodes_3" refType="w" fact="0.8"/>
+          <dgm:constr type="h" for="ch" forName="FourNodes_3" refType="h" fact="0.22"/>
+          <dgm:constr type="ctrY" for="ch" forName="FourNodes_3" refType="h" fact="0.63"/>
+          <dgm:constr type="ctrX" for="ch" forName="FourNodes_3" refType="w" fact="0.467"/>
+          <dgm:constr type="w" for="ch" forName="FourNodes_4" refType="w" fact="0.8"/>
+          <dgm:constr type="h" for="ch" forName="FourNodes_4" refType="h" fact="0.22"/>
+          <dgm:constr type="b" for="ch" forName="FourNodes_4" refType="h"/>
+          <dgm:constr type="l" for="ch" forName="FourNodes_4"/>
+          <dgm:constr type="w" for="ch" forName="FourConn_1-2" refType="h" refFor="ch" refForName="FourNodes_1" fact="0.65"/>
+          <dgm:constr type="h" for="ch" forName="FourConn_1-2" refType="h" refFor="ch" refForName="FourNodes_1" fact="0.65"/>
+          <dgm:constr type="ctrY" for="ch" forName="FourConn_1-2" refType="h" fact="0.24"/>
+          <dgm:constr type="l" for="ch" forName="FourConn_1-2" refType="l" refFor="ch" refForName="FourNodes_1"/>
+          <dgm:constr type="w" for="ch" forName="FourConn_2-3" refType="h" refFor="ch" refForName="FourNodes_2" fact="0.65"/>
+          <dgm:constr type="h" for="ch" forName="FourConn_2-3" refType="h" refFor="ch" refForName="FourNodes_2" fact="0.65"/>
+          <dgm:constr type="ctrY" for="ch" forName="FourConn_2-3" refType="h" fact="0.5"/>
+          <dgm:constr type="l" for="ch" forName="FourConn_2-3" refType="l" refFor="ch" refForName="FourNodes_2"/>
+          <dgm:constr type="w" for="ch" forName="FourConn_3-4" refType="h" refFor="ch" refForName="FourNodes_3" fact="0.65"/>
+          <dgm:constr type="h" for="ch" forName="FourConn_3-4" refType="h" refFor="ch" refForName="FourNodes_3" fact="0.65"/>
+          <dgm:constr type="ctrY" for="ch" forName="FourConn_3-4" refType="h" fact="0.76"/>
+          <dgm:constr type="l" for="ch" forName="FourConn_3-4" refType="l" refFor="ch" refForName="FourNodes_3"/>
+          <dgm:constr type="l" for="ch" forName="FourNodes_1_text" refType="r" refFor="ch" refForName="FourConn_1-2"/>
+          <dgm:constr type="lOff" for="ch" forName="FourNodes_1_text" refType="w" refFor="ch" refForName="FourConn_1-2" fact="0.69"/>
+          <dgm:constr type="t" for="ch" forName="FourNodes_1_text" refType="t" refFor="ch" refForName="FourNodes_1"/>
+          <dgm:constr type="b" for="ch" forName="FourNodes_1_text" refType="b" refFor="ch" refForName="FourNodes_1"/>
+          <dgm:constr type="r" for="ch" forName="FourNodes_1_text" refType="r" refFor="ch" refForName="FourNodes_1"/>
+          <dgm:constr type="l" for="ch" forName="FourNodes_2_text" refType="r" refFor="ch" refForName="FourConn_1-2"/>
+          <dgm:constr type="t" for="ch" forName="FourNodes_2_text" refType="t" refFor="ch" refForName="FourNodes_2"/>
+          <dgm:constr type="b" for="ch" forName="FourNodes_2_text" refType="b" refFor="ch" refForName="FourNodes_2"/>
+          <dgm:constr type="r" for="ch" forName="FourNodes_2_text" refType="r" refFor="ch" refForName="FourNodes_2"/>
+          <dgm:constr type="l" for="ch" forName="FourNodes_3_text" refType="r" refFor="ch" refForName="FourConn_2-3"/>
+          <dgm:constr type="t" for="ch" forName="FourNodes_3_text" refType="t" refFor="ch" refForName="FourNodes_3"/>
+          <dgm:constr type="b" for="ch" forName="FourNodes_3_text" refType="b" refFor="ch" refForName="FourNodes_3"/>
+          <dgm:constr type="r" for="ch" forName="FourNodes_3_text" refType="r" refFor="ch" refForName="FourNodes_3"/>
+          <dgm:constr type="l" for="ch" forName="FourNodes_4_text" refType="r" refFor="ch" refForName="FourConn_3-4"/>
+          <dgm:constr type="t" for="ch" forName="FourNodes_4_text" refType="t" refFor="ch" refForName="FourNodes_4"/>
+          <dgm:constr type="b" for="ch" forName="FourNodes_4_text" refType="b" refFor="ch" refForName="FourNodes_4"/>
+          <dgm:constr type="r" for="ch" forName="FourNodes_4_text" refType="r" refFor="ch" refForName="FourNodes_4"/>
+          <dgm:constr type="w" for="ch" forName="FiveNodes_1" refType="w" fact="0.77"/>
+          <dgm:constr type="h" for="ch" forName="FiveNodes_1" refType="h" fact="0.18"/>
+          <dgm:constr type="t" for="ch" forName="FiveNodes_1"/>
+          <dgm:constr type="r" for="ch" forName="FiveNodes_1" refType="w"/>
+          <dgm:constr type="w" for="ch" forName="FiveNodes_2" refType="w" fact="0.77"/>
+          <dgm:constr type="h" for="ch" forName="FiveNodes_2" refType="h" fact="0.18"/>
+          <dgm:constr type="ctrY" for="ch" forName="FiveNodes_2" refType="h" fact="0.295"/>
+          <dgm:constr type="ctrX" for="ch" forName="FiveNodes_2" refType="w" fact="0.5575"/>
+          <dgm:constr type="w" for="ch" forName="FiveNodes_3" refType="w" fact="0.77"/>
+          <dgm:constr type="h" for="ch" forName="FiveNodes_3" refType="h" fact="0.18"/>
+          <dgm:constr type="ctrY" for="ch" forName="FiveNodes_3" refType="h" fact="0.5"/>
+          <dgm:constr type="ctrX" for="ch" forName="FiveNodes_3" refType="w" fact="0.5"/>
+          <dgm:constr type="w" for="ch" forName="FiveNodes_4" refType="w" fact="0.77"/>
+          <dgm:constr type="h" for="ch" forName="FiveNodes_4" refType="h" fact="0.18"/>
+          <dgm:constr type="ctrY" for="ch" forName="FiveNodes_4" refType="h" fact="0.705"/>
+          <dgm:constr type="ctrX" for="ch" forName="FiveNodes_4" refType="w" fact="0.4425"/>
+          <dgm:constr type="w" for="ch" forName="FiveNodes_5" refType="w" fact="0.77"/>
+          <dgm:constr type="h" for="ch" forName="FiveNodes_5" refType="h" fact="0.18"/>
+          <dgm:constr type="b" for="ch" forName="FiveNodes_5" refType="h"/>
+          <dgm:constr type="l" for="ch" forName="FiveNodes_5"/>
+          <dgm:constr type="w" for="ch" forName="FiveConn_1-2" refType="h" refFor="ch" refForName="FiveNodes_1" fact="0.65"/>
+          <dgm:constr type="h" for="ch" forName="FiveConn_1-2" refType="h" refFor="ch" refForName="FiveNodes_1" fact="0.65"/>
+          <dgm:constr type="ctrY" for="ch" forName="FiveConn_1-2" refType="h" fact="0.19"/>
+          <dgm:constr type="l" for="ch" forName="FiveConn_1-2" refType="l" refFor="ch" refForName="FiveNodes_1"/>
+          <dgm:constr type="w" for="ch" forName="FiveConn_2-3" refType="h" refFor="ch" refForName="FiveNodes_2" fact="0.65"/>
+          <dgm:constr type="h" for="ch" forName="FiveConn_2-3" refType="h" refFor="ch" refForName="FiveNodes_2" fact="0.65"/>
+          <dgm:constr type="ctrY" for="ch" forName="FiveConn_2-3" refType="h" fact="0.395"/>
+          <dgm:constr type="l" for="ch" forName="FiveConn_2-3" refType="l" refFor="ch" refForName="FiveNodes_2"/>
+          <dgm:constr type="w" for="ch" forName="FiveConn_3-4" refType="h" refFor="ch" refForName="FiveNodes_3" fact="0.65"/>
+          <dgm:constr type="h" for="ch" forName="FiveConn_3-4" refType="h" refFor="ch" refForName="FiveNodes_3" fact="0.65"/>
+          <dgm:constr type="ctrY" for="ch" forName="FiveConn_3-4" refType="h" fact="0.597"/>
+          <dgm:constr type="l" for="ch" forName="FiveConn_3-4" refType="l" refFor="ch" refForName="FiveNodes_3"/>
+          <dgm:constr type="w" for="ch" forName="FiveConn_4-5" refType="h" refFor="ch" refForName="FiveNodes_4" fact="0.65"/>
+          <dgm:constr type="h" for="ch" forName="FiveConn_4-5" refType="h" refFor="ch" refForName="FiveNodes_4" fact="0.65"/>
+          <dgm:constr type="ctrY" for="ch" forName="FiveConn_4-5" refType="h" fact="0.804"/>
+          <dgm:constr type="l" for="ch" forName="FiveConn_4-5" refType="l" refFor="ch" refForName="FiveNodes_4"/>
+          <dgm:constr type="l" for="ch" forName="FiveNodes_1_text" refType="r" refFor="ch" refForName="FiveConn_1-2"/>
+          <dgm:constr type="lOff" for="ch" forName="FiveNodes_1_text" refType="w" refFor="ch" refForName="FiveConn_1-2" fact="0.73"/>
+          <dgm:constr type="t" for="ch" forName="FiveNodes_1_text" refType="t" refFor="ch" refForName="FiveNodes_1"/>
+          <dgm:constr type="b" for="ch" forName="FiveNodes_1_text" refType="b" refFor="ch" refForName="FiveNodes_1"/>
+          <dgm:constr type="r" for="ch" forName="FiveNodes_1_text" refType="r" refFor="ch" refForName="FiveNodes_1"/>
+          <dgm:constr type="l" for="ch" forName="FiveNodes_2_text" refType="r" refFor="ch" refForName="FiveConn_1-2"/>
+          <dgm:constr type="t" for="ch" forName="FiveNodes_2_text" refType="t" refFor="ch" refForName="FiveNodes_2"/>
+          <dgm:constr type="b" for="ch" forName="FiveNodes_2_text" refType="b" refFor="ch" refForName="FiveNodes_2"/>
+          <dgm:constr type="r" for="ch" forName="FiveNodes_2_text" refType="r" refFor="ch" refForName="FiveNodes_2"/>
+          <dgm:constr type="l" for="ch" forName="FiveNodes_3_text" refType="r" refFor="ch" refForName="FiveConn_2-3"/>
+          <dgm:constr type="t" for="ch" forName="FiveNodes_3_text" refType="t" refFor="ch" refForName="FiveNodes_3"/>
+          <dgm:constr type="b" for="ch" forName="FiveNodes_3_text" refType="b" refFor="ch" refForName="FiveNodes_3"/>
+          <dgm:constr type="r" for="ch" forName="FiveNodes_3_text" refType="r" refFor="ch" refForName="FiveNodes_3"/>
+          <dgm:constr type="l" for="ch" forName="FiveNodes_4_text" refType="r" refFor="ch" refForName="FiveConn_3-4"/>
+          <dgm:constr type="t" for="ch" forName="FiveNodes_4_text" refType="t" refFor="ch" refForName="FiveNodes_4"/>
+          <dgm:constr type="b" for="ch" forName="FiveNodes_4_text" refType="b" refFor="ch" refForName="FiveNodes_4"/>
+          <dgm:constr type="r" for="ch" forName="FiveNodes_4_text" refType="r" refFor="ch" refForName="FiveNodes_4"/>
+          <dgm:constr type="l" for="ch" forName="FiveNodes_5_text" refType="r" refFor="ch" refForName="FiveConn_4-5"/>
+          <dgm:constr type="t" for="ch" forName="FiveNodes_5_text" refType="t" refFor="ch" refForName="FiveNodes_5"/>
+          <dgm:constr type="b" for="ch" forName="FiveNodes_5_text" refType="b" refFor="ch" refForName="FiveNodes_5"/>
+          <dgm:constr type="r" for="ch" forName="FiveNodes_5_text" refType="r" refFor="ch" refForName="FiveNodes_5"/>
+        </dgm:constrLst>
+      </dgm:else>
+    </dgm:choose>
+    <dgm:ruleLst/>
+    <dgm:layoutNode name="dummyMaxCanvas">
+      <dgm:varLst/>
+      <dgm:alg type="sp"/>
+      <dgm:shape xmlns:r="http://schemas.openxmlformats.org/officeDocument/2006/relationships" r:blip="">
+        <dgm:adjLst/>
+      </dgm:shape>
+      <dgm:presOf/>
+      <dgm:constrLst/>
+      <dgm:ruleLst/>
+    </dgm:layoutNode>
+    <dgm:choose name="Name3">
+      <dgm:if name="Name4" axis="ch" ptType="node" func="cnt" op="equ" val="1">
+        <dgm:layoutNode name="OneNode_1">
+          <dgm:varLst>
+            <dgm:bulletEnabled val="1"/>
+          </dgm:varLst>
+          <dgm:alg type="tx"/>
+          <dgm:shape xmlns:r="http://schemas.openxmlformats.org/officeDocument/2006/relationships" type="roundRect" r:blip="">
+            <dgm:adjLst>
+              <dgm:adj idx="1" val="0.1"/>
+            </dgm:adjLst>
+          </dgm:shape>
+          <dgm:presOf axis="ch desOrSelf" ptType="node node" st="1 1" cnt="1 0"/>
+          <dgm:constrLst>
+            <dgm:constr type="lMarg" refType="primFontSz" fact="0.3"/>
+            <dgm:constr type="rMarg" refType="primFontSz" fact="0.3"/>
+            <dgm:constr type="tMarg" refType="primFontSz" fact="0.3"/>
+            <dgm:constr type="bMarg" refType="primFontSz" fact="0.3"/>
+          </dgm:constrLst>
+          <dgm:ruleLst>
+            <dgm:rule type="primFontSz" val="5" fact="NaN" max="NaN"/>
+          </dgm:ruleLst>
+        </dgm:layoutNode>
+      </dgm:if>
+      <dgm:else name="Name5">
+        <dgm:choose name="Name6">
+          <dgm:if name="Name7" axis="ch" ptType="node" func="cnt" op="equ" val="2">
+            <dgm:layoutNode name="TwoNodes_1">
+              <dgm:varLst>
+                <dgm:bulletEnabled val="1"/>
+              </dgm:varLst>
+              <dgm:alg type="sp"/>
+              <dgm:shape xmlns:r="http://schemas.openxmlformats.org/officeDocument/2006/relationships" type="roundRect" r:blip="">
+                <dgm:adjLst>
+                  <dgm:adj idx="1" val="0.1"/>
+                </dgm:adjLst>
+              </dgm:shape>
+              <dgm:presOf axis="ch desOrSelf" ptType="node node" st="1 1" cnt="1 0"/>
+              <dgm:constrLst/>
+              <dgm:ruleLst/>
+            </dgm:layoutNode>
+            <dgm:layoutNode name="TwoNodes_2">
+              <dgm:varLst>
+                <dgm:bulletEnabled val="1"/>
+              </dgm:varLst>
+              <dgm:alg type="sp"/>
+              <dgm:shape xmlns:r="http://schemas.openxmlformats.org/officeDocument/2006/relationships" type="roundRect" r:blip="">
+                <dgm:adjLst>
+                  <dgm:adj idx="1" val="0.1"/>
+                </dgm:adjLst>
+              </dgm:shape>
+              <dgm:presOf axis="ch desOrSelf" ptType="node node" st="2 1" cnt="1 0"/>
+              <dgm:constrLst/>
+              <dgm:ruleLst/>
+            </dgm:layoutNode>
+            <dgm:layoutNode name="TwoConn_1-2" styleLbl="fgAccFollowNode1">
+              <dgm:varLst>
+                <dgm:bulletEnabled val="1"/>
+              </dgm:varLst>
+              <dgm:alg type="tx"/>
+              <dgm:shape xmlns:r="http://schemas.openxmlformats.org/officeDocument/2006/relationships" type="downArrow" r:blip="">
+                <dgm:adjLst>
+                  <dgm:adj idx="1" val="0.55"/>
+                  <dgm:adj idx="2" val="0.45"/>
+                </dgm:adjLst>
+              </dgm:shape>
+              <dgm:presOf axis="ch" ptType="sibTrans" cnt="1"/>
+              <dgm:constrLst>
+                <dgm:constr type="lMarg" refType="primFontSz" fact="0.1"/>
+                <dgm:constr type="rMarg" refType="primFontSz" fact="0.1"/>
+                <dgm:constr type="tMarg" refType="primFontSz" fact="0.1"/>
+                <dgm:constr type="bMarg" refType="primFontSz" fact="0.1"/>
+              </dgm:constrLst>
+              <dgm:ruleLst>
+                <dgm:rule type="primFontSz" val="5" fact="NaN" max="NaN"/>
+              </dgm:ruleLst>
+            </dgm:layoutNode>
+            <dgm:layoutNode name="TwoNodes_1_text">
+              <dgm:varLst>
+                <dgm:bulletEnabled val="1"/>
+              </dgm:varLst>
+              <dgm:alg type="tx">
+                <dgm:param type="parTxLTRAlign" val="l"/>
+                <dgm:param type="txAnchorVertCh" val="mid"/>
+              </dgm:alg>
+              <dgm:shape xmlns:r="http://schemas.openxmlformats.org/officeDocument/2006/relationships" type="roundRect" r:blip="" hideGeom="1">
+                <dgm:adjLst>
+                  <dgm:adj idx="1" val="0.1"/>
+                </dgm:adjLst>
+              </dgm:shape>
+              <dgm:presOf axis="ch desOrSelf" ptType="node node" st="1 1" cnt="1 0"/>
+              <dgm:constrLst>
+                <dgm:constr type="lMarg" refType="primFontSz" fact="0.3"/>
+                <dgm:constr type="rMarg" refType="primFontSz" fact="0.3"/>
+                <dgm:constr type="tMarg" refType="primFontSz" fact="0.3"/>
+                <dgm:constr type="bMarg" refType="primFontSz" fact="0.3"/>
+              </dgm:constrLst>
+              <dgm:ruleLst>
+                <dgm:rule type="primFontSz" val="5" fact="NaN" max="NaN"/>
+              </dgm:ruleLst>
+            </dgm:layoutNode>
+            <dgm:layoutNode name="TwoNodes_2_text">
+              <dgm:varLst>
+                <dgm:bulletEnabled val="1"/>
+              </dgm:varLst>
+              <dgm:alg type="tx">
+                <dgm:param type="parTxLTRAlign" val="l"/>
+                <dgm:param type="txAnchorVertCh" val="mid"/>
+              </dgm:alg>
+              <dgm:shape xmlns:r="http://schemas.openxmlformats.org/officeDocument/2006/relationships" type="roundRect" r:blip="" hideGeom="1">
+                <dgm:adjLst>
+                  <dgm:adj idx="1" val="0.1"/>
+                </dgm:adjLst>
+              </dgm:shape>
+              <dgm:presOf axis="ch desOrSelf" ptType="node node" st="2 1" cnt="1 0"/>
+              <dgm:constrLst>
+                <dgm:constr type="lMarg" refType="primFontSz" fact="0.3"/>
+                <dgm:constr type="rMarg" refType="primFontSz" fact="0.3"/>
+                <dgm:constr type="tMarg" refType="primFontSz" fact="0.3"/>
+                <dgm:constr type="bMarg" refType="primFontSz" fact="0.3"/>
+              </dgm:constrLst>
+              <dgm:ruleLst>
+                <dgm:rule type="primFontSz" val="5" fact="NaN" max="NaN"/>
+              </dgm:ruleLst>
+            </dgm:layoutNode>
+          </dgm:if>
+          <dgm:else name="Name8">
+            <dgm:choose name="Name9">
+              <dgm:if name="Name10" axis="ch" ptType="node" func="cnt" op="equ" val="3">
+                <dgm:layoutNode name="ThreeNodes_1">
+                  <dgm:varLst>
+                    <dgm:bulletEnabled val="1"/>
+                  </dgm:varLst>
+                  <dgm:alg type="sp"/>
+                  <dgm:shape xmlns:r="http://schemas.openxmlformats.org/officeDocument/2006/relationships" type="roundRect" r:blip="">
+                    <dgm:adjLst>
+                      <dgm:adj idx="1" val="0.1"/>
+                    </dgm:adjLst>
+                  </dgm:shape>
+                  <dgm:presOf axis="ch desOrSelf" ptType="node node" st="1 1" cnt="1 0"/>
+                  <dgm:constrLst/>
+                  <dgm:ruleLst/>
+                </dgm:layoutNode>
+                <dgm:layoutNode name="ThreeNodes_2">
+                  <dgm:varLst>
+                    <dgm:bulletEnabled val="1"/>
+                  </dgm:varLst>
+                  <dgm:alg type="sp"/>
+                  <dgm:shape xmlns:r="http://schemas.openxmlformats.org/officeDocument/2006/relationships" type="roundRect" r:blip="">
+                    <dgm:adjLst>
+                      <dgm:adj idx="1" val="0.1"/>
+                    </dgm:adjLst>
+                  </dgm:shape>
+                  <dgm:presOf axis="ch desOrSelf" ptType="node node" st="2 1" cnt="1 0"/>
+                  <dgm:constrLst/>
+                  <dgm:ruleLst/>
+                </dgm:layoutNode>
+                <dgm:layoutNode name="ThreeNodes_3">
+                  <dgm:varLst>
+                    <dgm:bulletEnabled val="1"/>
+                  </dgm:varLst>
+                  <dgm:alg type="sp"/>
+                  <dgm:shape xmlns:r="http://schemas.openxmlformats.org/officeDocument/2006/relationships" type="roundRect" r:blip="">
+                    <dgm:adjLst>
+                      <dgm:adj idx="1" val="0.1"/>
+                    </dgm:adjLst>
+                  </dgm:shape>
+                  <dgm:presOf axis="ch desOrSelf" ptType="node node" st="3 1" cnt="1 0"/>
+                  <dgm:constrLst/>
+                  <dgm:ruleLst/>
+                </dgm:layoutNode>
+                <dgm:layoutNode name="ThreeConn_1-2" styleLbl="fgAccFollowNode1">
+                  <dgm:varLst>
+                    <dgm:bulletEnabled val="1"/>
+                  </dgm:varLst>
+                  <dgm:alg type="tx"/>
+                  <dgm:shape xmlns:r="http://schemas.openxmlformats.org/officeDocument/2006/relationships" type="downArrow" r:blip="">
+                    <dgm:adjLst>
+                      <dgm:adj idx="1" val="0.55"/>
+                      <dgm:adj idx="2" val="0.45"/>
+                    </dgm:adjLst>
+                  </dgm:shape>
+                  <dgm:presOf axis="ch" ptType="sibTrans" cnt="1"/>
+                  <dgm:constrLst>
+                    <dgm:constr type="lMarg" refType="primFontSz" fact="0.1"/>
+                    <dgm:constr type="rMarg" refType="primFontSz" fact="0.1"/>
+                    <dgm:constr type="tMarg" refType="primFontSz" fact="0.1"/>
+                    <dgm:constr type="bMarg" refType="primFontSz" fact="0.1"/>
+                  </dgm:constrLst>
+                  <dgm:ruleLst>
+                    <dgm:rule type="primFontSz" val="5" fact="NaN" max="NaN"/>
+                  </dgm:ruleLst>
+                </dgm:layoutNode>
+                <dgm:layoutNode name="ThreeConn_2-3" styleLbl="fgAccFollowNode1">
+                  <dgm:varLst>
+                    <dgm:bulletEnabled val="1"/>
+                  </dgm:varLst>
+                  <dgm:alg type="tx"/>
+                  <dgm:shape xmlns:r="http://schemas.openxmlformats.org/officeDocument/2006/relationships" type="downArrow" r:blip="">
+                    <dgm:adjLst>
+                      <dgm:adj idx="1" val="0.55"/>
+                      <dgm:adj idx="2" val="0.45"/>
+                    </dgm:adjLst>
+                  </dgm:shape>
+                  <dgm:presOf axis="ch" ptType="sibTrans" st="2" cnt="1"/>
+                  <dgm:constrLst>
+                    <dgm:constr type="lMarg" refType="primFontSz" fact="0.1"/>
+                    <dgm:constr type="rMarg" refType="primFontSz" fact="0.1"/>
+                    <dgm:constr type="tMarg" refType="primFontSz" fact="0.1"/>
+                    <dgm:constr type="bMarg" refType="primFontSz" fact="0.1"/>
+                  </dgm:constrLst>
+                  <dgm:ruleLst>
+                    <dgm:rule type="primFontSz" val="5" fact="NaN" max="NaN"/>
+                  </dgm:ruleLst>
+                </dgm:layoutNode>
+                <dgm:layoutNode name="ThreeNodes_1_text">
+                  <dgm:varLst>
+                    <dgm:bulletEnabled val="1"/>
+                  </dgm:varLst>
+                  <dgm:alg type="tx">
+                    <dgm:param type="parTxLTRAlign" val="l"/>
+                    <dgm:param type="txAnchorVertCh" val="mid"/>
+                  </dgm:alg>
+                  <dgm:shape xmlns:r="http://schemas.openxmlformats.org/officeDocument/2006/relationships" type="roundRect" r:blip="" hideGeom="1">
+                    <dgm:adjLst>
+                      <dgm:adj idx="1" val="0.1"/>
+                    </dgm:adjLst>
+                  </dgm:shape>
+                  <dgm:presOf axis="ch desOrSelf" ptType="node node" st="1 1" cnt="1 0"/>
+                  <dgm:constrLst>
+                    <dgm:constr type="lMarg" refType="primFontSz" fact="0.3"/>
+                    <dgm:constr type="rMarg" refType="primFontSz" fact="0.3"/>
+                    <dgm:constr type="tMarg" refType="primFontSz" fact="0.3"/>
+                    <dgm:constr type="bMarg" refType="primFontSz" fact="0.3"/>
+                  </dgm:constrLst>
+                  <dgm:ruleLst>
+                    <dgm:rule type="primFontSz" val="5" fact="NaN" max="NaN"/>
+                  </dgm:ruleLst>
+                </dgm:layoutNode>
+                <dgm:layoutNode name="ThreeNodes_2_text">
+                  <dgm:varLst>
+                    <dgm:bulletEnabled val="1"/>
+                  </dgm:varLst>
+                  <dgm:alg type="tx">
+                    <dgm:param type="parTxLTRAlign" val="l"/>
+                    <dgm:param type="txAnchorVertCh" val="mid"/>
+                  </dgm:alg>
+                  <dgm:shape xmlns:r="http://schemas.openxmlformats.org/officeDocument/2006/relationships" type="roundRect" r:blip="" hideGeom="1">
+                    <dgm:adjLst>
+                      <dgm:adj idx="1" val="0.1"/>
+                    </dgm:adjLst>
+                  </dgm:shape>
+                  <dgm:presOf axis="ch desOrSelf" ptType="node node" st="2 1" cnt="1 0"/>
+                  <dgm:constrLst>
+                    <dgm:constr type="lMarg" refType="primFontSz" fact="0.3"/>
+                    <dgm:constr type="rMarg" refType="primFontSz" fact="0.3"/>
+                    <dgm:constr type="tMarg" refType="primFontSz" fact="0.3"/>
+                    <dgm:constr type="bMarg" refType="primFontSz" fact="0.3"/>
+                  </dgm:constrLst>
+                  <dgm:ruleLst>
+                    <dgm:rule type="primFontSz" val="5" fact="NaN" max="NaN"/>
+                  </dgm:ruleLst>
+                </dgm:layoutNode>
+                <dgm:layoutNode name="ThreeNodes_3_text">
+                  <dgm:varLst>
+                    <dgm:bulletEnabled val="1"/>
+                  </dgm:varLst>
+                  <dgm:alg type="tx">
+                    <dgm:param type="parTxLTRAlign" val="l"/>
+                    <dgm:param type="txAnchorVertCh" val="mid"/>
+                  </dgm:alg>
+                  <dgm:shape xmlns:r="http://schemas.openxmlformats.org/officeDocument/2006/relationships" type="roundRect" r:blip="" hideGeom="1">
+                    <dgm:adjLst>
+                      <dgm:adj idx="1" val="0.1"/>
+                    </dgm:adjLst>
+                  </dgm:shape>
+                  <dgm:presOf axis="ch desOrSelf" ptType="node node" st="3 1" cnt="1 0"/>
+                  <dgm:constrLst>
+                    <dgm:constr type="lMarg" refType="primFontSz" fact="0.3"/>
+                    <dgm:constr type="rMarg" refType="primFontSz" fact="0.3"/>
+                    <dgm:constr type="tMarg" refType="primFontSz" fact="0.3"/>
+                    <dgm:constr type="bMarg" refType="primFontSz" fact="0.3"/>
+                  </dgm:constrLst>
+                  <dgm:ruleLst>
+                    <dgm:rule type="primFontSz" val="5" fact="NaN" max="NaN"/>
+                  </dgm:ruleLst>
+                </dgm:layoutNode>
+              </dgm:if>
+              <dgm:else name="Name11">
+                <dgm:choose name="Name12">
+                  <dgm:if name="Name13" axis="ch" ptType="node" func="cnt" op="equ" val="4">
+                    <dgm:layoutNode name="FourNodes_1">
+                      <dgm:varLst>
+                        <dgm:bulletEnabled val="1"/>
+                      </dgm:varLst>
+                      <dgm:alg type="sp"/>
+                      <dgm:shape xmlns:r="http://schemas.openxmlformats.org/officeDocument/2006/relationships" type="roundRect" r:blip="">
+                        <dgm:adjLst>
+                          <dgm:adj idx="1" val="0.1"/>
+                        </dgm:adjLst>
+                      </dgm:shape>
+                      <dgm:presOf axis="ch desOrSelf" ptType="node node" st="1 1" cnt="1 0"/>
+                      <dgm:constrLst/>
+                      <dgm:ruleLst/>
+                    </dgm:layoutNode>
+                    <dgm:layoutNode name="FourNodes_2">
+                      <dgm:varLst>
+                        <dgm:bulletEnabled val="1"/>
+                      </dgm:varLst>
+                      <dgm:alg type="sp"/>
+                      <dgm:shape xmlns:r="http://schemas.openxmlformats.org/officeDocument/2006/relationships" type="roundRect" r:blip="">
+                        <dgm:adjLst>
+                          <dgm:adj idx="1" val="0.1"/>
+                        </dgm:adjLst>
+                      </dgm:shape>
+                      <dgm:presOf axis="ch desOrSelf" ptType="node node" st="2 1" cnt="1 0"/>
+                      <dgm:constrLst/>
+                      <dgm:ruleLst/>
+                    </dgm:layoutNode>
+                    <dgm:layoutNode name="FourNodes_3">
+                      <dgm:varLst>
+                        <dgm:bulletEnabled val="1"/>
+                      </dgm:varLst>
+                      <dgm:alg type="sp"/>
+                      <dgm:shape xmlns:r="http://schemas.openxmlformats.org/officeDocument/2006/relationships" type="roundRect" r:blip="">
+                        <dgm:adjLst>
+                          <dgm:adj idx="1" val="0.1"/>
+                        </dgm:adjLst>
+                      </dgm:shape>
+                      <dgm:presOf axis="ch desOrSelf" ptType="node node" st="3 1" cnt="1 0"/>
+                      <dgm:constrLst/>
+                      <dgm:ruleLst/>
+                    </dgm:layoutNode>
+                    <dgm:layoutNode name="FourNodes_4">
+                      <dgm:varLst>
+                        <dgm:bulletEnabled val="1"/>
+                      </dgm:varLst>
+                      <dgm:alg type="sp"/>
+                      <dgm:shape xmlns:r="http://schemas.openxmlformats.org/officeDocument/2006/relationships" type="roundRect" r:blip="">
+                        <dgm:adjLst>
+                          <dgm:adj idx="1" val="0.1"/>
+                        </dgm:adjLst>
+                      </dgm:shape>
+                      <dgm:presOf axis="ch desOrSelf" ptType="node node" st="4 1" cnt="1 0"/>
+                      <dgm:constrLst/>
+                      <dgm:ruleLst/>
+                    </dgm:layoutNode>
+                    <dgm:layoutNode name="FourConn_1-2" styleLbl="fgAccFollowNode1">
+                      <dgm:varLst>
+                        <dgm:bulletEnabled val="1"/>
+                      </dgm:varLst>
+                      <dgm:alg type="tx"/>
+                      <dgm:shape xmlns:r="http://schemas.openxmlformats.org/officeDocument/2006/relationships" type="downArrow" r:blip="">
+                        <dgm:adjLst>
+                          <dgm:adj idx="1" val="0.55"/>
+                          <dgm:adj idx="2" val="0.45"/>
+                        </dgm:adjLst>
+                      </dgm:shape>
+                      <dgm:presOf axis="ch" ptType="sibTrans" cnt="1"/>
+                      <dgm:constrLst>
+                        <dgm:constr type="lMarg" refType="primFontSz" fact="0.1"/>
+                        <dgm:constr type="rMarg" refType="primFontSz" fact="0.1"/>
+                        <dgm:constr type="tMarg" refType="primFontSz" fact="0.1"/>
+                        <dgm:constr type="bMarg" refType="primFontSz" fact="0.1"/>
+                      </dgm:constrLst>
+                      <dgm:ruleLst>
+                        <dgm:rule type="primFontSz" val="5" fact="NaN" max="NaN"/>
+                      </dgm:ruleLst>
+                    </dgm:layoutNode>
+                    <dgm:layoutNode name="FourConn_2-3" styleLbl="fgAccFollowNode1">
+                      <dgm:varLst>
+                        <dgm:bulletEnabled val="1"/>
+                      </dgm:varLst>
+                      <dgm:alg type="tx"/>
+                      <dgm:shape xmlns:r="http://schemas.openxmlformats.org/officeDocument/2006/relationships" type="downArrow" r:blip="">
+                        <dgm:adjLst>
+                          <dgm:adj idx="1" val="0.55"/>
+                          <dgm:adj idx="2" val="0.45"/>
+                        </dgm:adjLst>
+                      </dgm:shape>
+                      <dgm:presOf axis="ch" ptType="sibTrans" st="2" cnt="1"/>
+                      <dgm:constrLst>
+                        <dgm:constr type="lMarg" refType="primFontSz" fact="0.1"/>
+                        <dgm:constr type="rMarg" refType="primFontSz" fact="0.1"/>
+                        <dgm:constr type="tMarg" refType="primFontSz" fact="0.1"/>
+                        <dgm:constr type="bMarg" refType="primFontSz" fact="0.1"/>
+                      </dgm:constrLst>
+                      <dgm:ruleLst>
+                        <dgm:rule type="primFontSz" val="5" fact="NaN" max="NaN"/>
+                      </dgm:ruleLst>
+                    </dgm:layoutNode>
+                    <dgm:layoutNode name="FourConn_3-4" styleLbl="fgAccFollowNode1">
+                      <dgm:varLst>
+                        <dgm:bulletEnabled val="1"/>
+                      </dgm:varLst>
+                      <dgm:alg type="tx"/>
+                      <dgm:shape xmlns:r="http://schemas.openxmlformats.org/officeDocument/2006/relationships" type="downArrow" r:blip="">
+                        <dgm:adjLst>
+                          <dgm:adj idx="1" val="0.55"/>
+                          <dgm:adj idx="2" val="0.45"/>
+                        </dgm:adjLst>
+                      </dgm:shape>
+                      <dgm:presOf axis="ch" ptType="sibTrans" st="3" cnt="1"/>
+                      <dgm:constrLst>
+                        <dgm:constr type="lMarg" refType="primFontSz" fact="0.1"/>
+                        <dgm:constr type="rMarg" refType="primFontSz" fact="0.1"/>
+                        <dgm:constr type="tMarg" refType="primFontSz" fact="0.1"/>
+                        <dgm:constr type="bMarg" refType="primFontSz" fact="0.1"/>
+                      </dgm:constrLst>
+                      <dgm:ruleLst>
+                        <dgm:rule type="primFontSz" val="5" fact="NaN" max="NaN"/>
+                      </dgm:ruleLst>
+                    </dgm:layoutNode>
+                    <dgm:layoutNode name="FourNodes_1_text">
+                      <dgm:varLst>
+                        <dgm:bulletEnabled val="1"/>
+                      </dgm:varLst>
+                      <dgm:alg type="tx">
+                        <dgm:param type="parTxLTRAlign" val="l"/>
+                        <dgm:param type="txAnchorVertCh" val="mid"/>
+                      </dgm:alg>
+                      <dgm:shape xmlns:r="http://schemas.openxmlformats.org/officeDocument/2006/relationships" type="roundRect" r:blip="" hideGeom="1">
+                        <dgm:adjLst>
+                          <dgm:adj idx="1" val="0.1"/>
+                        </dgm:adjLst>
+                      </dgm:shape>
+                      <dgm:presOf axis="ch desOrSelf" ptType="node node" st="1 1" cnt="1 0"/>
+                      <dgm:constrLst>
+                        <dgm:constr type="lMarg" refType="primFontSz" fact="0.3"/>
+                        <dgm:constr type="rMarg" refType="primFontSz" fact="0.3"/>
+                        <dgm:constr type="tMarg" refType="primFontSz" fact="0.3"/>
+                        <dgm:constr type="bMarg" refType="primFontSz" fact="0.3"/>
+                      </dgm:constrLst>
+                      <dgm:ruleLst>
+                        <dgm:rule type="primFontSz" val="5" fact="NaN" max="NaN"/>
+                      </dgm:ruleLst>
+                    </dgm:layoutNode>
+                    <dgm:layoutNode name="FourNodes_2_text">
+                      <dgm:varLst>
+                        <dgm:bulletEnabled val="1"/>
+                      </dgm:varLst>
+                      <dgm:alg type="tx">
+                        <dgm:param type="parTxLTRAlign" val="l"/>
+                        <dgm:param type="txAnchorVertCh" val="mid"/>
+                      </dgm:alg>
+                      <dgm:shape xmlns:r="http://schemas.openxmlformats.org/officeDocument/2006/relationships" type="roundRect" r:blip="" hideGeom="1">
+                        <dgm:adjLst>
+                          <dgm:adj idx="1" val="0.1"/>
+                        </dgm:adjLst>
+                      </dgm:shape>
+                      <dgm:presOf axis="ch desOrSelf" ptType="node node" st="2 1" cnt="1 0"/>
+                      <dgm:constrLst>
+                        <dgm:constr type="lMarg" refType="primFontSz" fact="0.3"/>
+                        <dgm:constr type="rMarg" refType="primFontSz" fact="0.3"/>
+                        <dgm:constr type="tMarg" refType="primFontSz" fact="0.3"/>
+                        <dgm:constr type="bMarg" refType="primFontSz" fact="0.3"/>
+                      </dgm:constrLst>
+                      <dgm:ruleLst>
+                        <dgm:rule type="primFontSz" val="5" fact="NaN" max="NaN"/>
+                      </dgm:ruleLst>
+                    </dgm:layoutNode>
+                    <dgm:layoutNode name="FourNodes_3_text">
+                      <dgm:varLst>
+                        <dgm:bulletEnabled val="1"/>
+                      </dgm:varLst>
+                      <dgm:alg type="tx">
+                        <dgm:param type="parTxLTRAlign" val="l"/>
+                        <dgm:param type="txAnchorVertCh" val="mid"/>
+                      </dgm:alg>
+                      <dgm:shape xmlns:r="http://schemas.openxmlformats.org/officeDocument/2006/relationships" type="roundRect" r:blip="" hideGeom="1">
+                        <dgm:adjLst>
+                          <dgm:adj idx="1" val="0.1"/>
+                        </dgm:adjLst>
+                      </dgm:shape>
+                      <dgm:presOf axis="ch desOrSelf" ptType="node node" st="3 1" cnt="1 0"/>
+                      <dgm:constrLst>
+                        <dgm:constr type="lMarg" refType="primFontSz" fact="0.3"/>
+                        <dgm:constr type="rMarg" refType="primFontSz" fact="0.3"/>
+                        <dgm:constr type="tMarg" refType="primFontSz" fact="0.3"/>
+                        <dgm:constr type="bMarg" refType="primFontSz" fact="0.3"/>
+                      </dgm:constrLst>
+                      <dgm:ruleLst>
+                        <dgm:rule type="primFontSz" val="5" fact="NaN" max="NaN"/>
+                      </dgm:ruleLst>
+                    </dgm:layoutNode>
+                    <dgm:layoutNode name="FourNodes_4_text">
+                      <dgm:varLst>
+                        <dgm:bulletEnabled val="1"/>
+                      </dgm:varLst>
+                      <dgm:alg type="tx">
+                        <dgm:param type="parTxLTRAlign" val="l"/>
+                        <dgm:param type="txAnchorVertCh" val="mid"/>
+                      </dgm:alg>
+                      <dgm:shape xmlns:r="http://schemas.openxmlformats.org/officeDocument/2006/relationships" type="roundRect" r:blip="" hideGeom="1">
+                        <dgm:adjLst>
+                          <dgm:adj idx="1" val="0.1"/>
+                        </dgm:adjLst>
+                      </dgm:shape>
+                      <dgm:presOf axis="ch desOrSelf" ptType="node node" st="4 1" cnt="1 0"/>
+                      <dgm:constrLst>
+                        <dgm:constr type="lMarg" refType="primFontSz" fact="0.3"/>
+                        <dgm:constr type="rMarg" refType="primFontSz" fact="0.3"/>
+                        <dgm:constr type="tMarg" refType="primFontSz" fact="0.3"/>
+                        <dgm:constr type="bMarg" refType="primFontSz" fact="0.3"/>
+                      </dgm:constrLst>
+                      <dgm:ruleLst>
+                        <dgm:rule type="primFontSz" val="5" fact="NaN" max="NaN"/>
+                      </dgm:ruleLst>
+                    </dgm:layoutNode>
+                  </dgm:if>
+                  <dgm:else name="Name14">
+                    <dgm:choose name="Name15">
+                      <dgm:if name="Name16" axis="ch" ptType="node" func="cnt" op="gte" val="5">
+                        <dgm:layoutNode name="FiveNodes_1">
+                          <dgm:varLst>
+                            <dgm:bulletEnabled val="1"/>
+                          </dgm:varLst>
+                          <dgm:alg type="sp"/>
+                          <dgm:shape xmlns:r="http://schemas.openxmlformats.org/officeDocument/2006/relationships" type="roundRect" r:blip="">
+                            <dgm:adjLst>
+                              <dgm:adj idx="1" val="0.1"/>
+                            </dgm:adjLst>
+                          </dgm:shape>
+                          <dgm:presOf axis="ch desOrSelf" ptType="node node" st="1 1" cnt="1 0"/>
+                          <dgm:constrLst/>
+                          <dgm:ruleLst/>
+                        </dgm:layoutNode>
+                        <dgm:layoutNode name="FiveNodes_2">
+                          <dgm:varLst>
+                            <dgm:bulletEnabled val="1"/>
+                          </dgm:varLst>
+                          <dgm:alg type="sp"/>
+                          <dgm:shape xmlns:r="http://schemas.openxmlformats.org/officeDocument/2006/relationships" type="roundRect" r:blip="">
+                            <dgm:adjLst>
+                              <dgm:adj idx="1" val="0.1"/>
+                            </dgm:adjLst>
+                          </dgm:shape>
+                          <dgm:presOf axis="ch desOrSelf" ptType="node node" st="2 1" cnt="1 0"/>
+                          <dgm:constrLst/>
+                          <dgm:ruleLst/>
+                        </dgm:layoutNode>
+                        <dgm:layoutNode name="FiveNodes_3">
+                          <dgm:varLst>
+                            <dgm:bulletEnabled val="1"/>
+                          </dgm:varLst>
+                          <dgm:alg type="sp"/>
+                          <dgm:shape xmlns:r="http://schemas.openxmlformats.org/officeDocument/2006/relationships" type="roundRect" r:blip="">
+                            <dgm:adjLst>
+                              <dgm:adj idx="1" val="0.1"/>
+                            </dgm:adjLst>
+                          </dgm:shape>
+                          <dgm:presOf axis="ch desOrSelf" ptType="node node" st="3 1" cnt="1 0"/>
+                          <dgm:constrLst/>
+                          <dgm:ruleLst/>
+                        </dgm:layoutNode>
+                        <dgm:layoutNode name="FiveNodes_4">
+                          <dgm:varLst>
+                            <dgm:bulletEnabled val="1"/>
+                          </dgm:varLst>
+                          <dgm:alg type="sp"/>
+                          <dgm:shape xmlns:r="http://schemas.openxmlformats.org/officeDocument/2006/relationships" type="roundRect" r:blip="">
+                            <dgm:adjLst>
+                              <dgm:adj idx="1" val="0.1"/>
+                            </dgm:adjLst>
+                          </dgm:shape>
+                          <dgm:presOf axis="ch desOrSelf" ptType="node node" st="4 1" cnt="1 0"/>
+                          <dgm:constrLst/>
+                          <dgm:ruleLst/>
+                        </dgm:layoutNode>
+                        <dgm:layoutNode name="FiveNodes_5">
+                          <dgm:varLst>
+                            <dgm:bulletEnabled val="1"/>
+                          </dgm:varLst>
+                          <dgm:alg type="sp"/>
+                          <dgm:shape xmlns:r="http://schemas.openxmlformats.org/officeDocument/2006/relationships" type="roundRect" r:blip="">
+                            <dgm:adjLst>
+                              <dgm:adj idx="1" val="0.1"/>
+                            </dgm:adjLst>
+                          </dgm:shape>
+                          <dgm:presOf axis="ch desOrSelf" ptType="node node" st="5 1" cnt="1 0"/>
+                          <dgm:constrLst/>
+                          <dgm:ruleLst/>
+                        </dgm:layoutNode>
+                        <dgm:layoutNode name="FiveConn_1-2" styleLbl="fgAccFollowNode1">
+                          <dgm:varLst>
+                            <dgm:bulletEnabled val="1"/>
+                          </dgm:varLst>
+                          <dgm:alg type="tx"/>
+                          <dgm:shape xmlns:r="http://schemas.openxmlformats.org/officeDocument/2006/relationships" type="downArrow" r:blip="">
+                            <dgm:adjLst>
+                              <dgm:adj idx="1" val="0.55"/>
+                              <dgm:adj idx="2" val="0.45"/>
+                            </dgm:adjLst>
+                          </dgm:shape>
+                          <dgm:presOf axis="ch" ptType="sibTrans" cnt="1"/>
+                          <dgm:constrLst>
+                            <dgm:constr type="lMarg" refType="primFontSz" fact="0.1"/>
+                            <dgm:constr type="rMarg" refType="primFontSz" fact="0.1"/>
+                            <dgm:constr type="tMarg" refType="primFontSz" fact="0.1"/>
+                            <dgm:constr type="bMarg" refType="primFontSz" fact="0.1"/>
+                          </dgm:constrLst>
+                          <dgm:ruleLst>
+                            <dgm:rule type="primFontSz" val="5" fact="NaN" max="NaN"/>
+                          </dgm:ruleLst>
+                        </dgm:layoutNode>
+                        <dgm:layoutNode name="FiveConn_2-3" styleLbl="fgAccFollowNode1">
+                          <dgm:varLst>
+                            <dgm:bulletEnabled val="1"/>
+                          </dgm:varLst>
+                          <dgm:alg type="tx"/>
+                          <dgm:shape xmlns:r="http://schemas.openxmlformats.org/officeDocument/2006/relationships" type="downArrow" r:blip="">
+                            <dgm:adjLst>
+                              <dgm:adj idx="1" val="0.55"/>
+                              <dgm:adj idx="2" val="0.45"/>
+                            </dgm:adjLst>
+                          </dgm:shape>
+                          <dgm:presOf axis="ch" ptType="sibTrans" st="2" cnt="1"/>
+                          <dgm:constrLst>
+                            <dgm:constr type="lMarg" refType="primFontSz" fact="0.1"/>
+                            <dgm:constr type="rMarg" refType="primFontSz" fact="0.1"/>
+                            <dgm:constr type="tMarg" refType="primFontSz" fact="0.1"/>
+                            <dgm:constr type="bMarg" refType="primFontSz" fact="0.1"/>
+                          </dgm:constrLst>
+                          <dgm:ruleLst>
+                            <dgm:rule type="primFontSz" val="5" fact="NaN" max="NaN"/>
+                          </dgm:ruleLst>
+                        </dgm:layoutNode>
+                        <dgm:layoutNode name="FiveConn_3-4" styleLbl="fgAccFollowNode1">
+                          <dgm:varLst>
+                            <dgm:bulletEnabled val="1"/>
+                          </dgm:varLst>
+                          <dgm:alg type="tx"/>
+                          <dgm:shape xmlns:r="http://schemas.openxmlformats.org/officeDocument/2006/relationships" type="downArrow" r:blip="">
+                            <dgm:adjLst>
+                              <dgm:adj idx="1" val="0.55"/>
+                              <dgm:adj idx="2" val="0.45"/>
+                            </dgm:adjLst>
+                          </dgm:shape>
+                          <dgm:presOf axis="ch" ptType="sibTrans" st="3" cnt="1"/>
+                          <dgm:constrLst>
+                            <dgm:constr type="lMarg" refType="primFontSz" fact="0.1"/>
+                            <dgm:constr type="rMarg" refType="primFontSz" fact="0.1"/>
+                            <dgm:constr type="tMarg" refType="primFontSz" fact="0.1"/>
+                            <dgm:constr type="bMarg" refType="primFontSz" fact="0.1"/>
+                          </dgm:constrLst>
+                          <dgm:ruleLst>
+                            <dgm:rule type="primFontSz" val="5" fact="NaN" max="NaN"/>
+                          </dgm:ruleLst>
+                        </dgm:layoutNode>
+                        <dgm:layoutNode name="FiveConn_4-5" styleLbl="fgAccFollowNode1">
+                          <dgm:varLst>
+                            <dgm:bulletEnabled val="1"/>
+                          </dgm:varLst>
+                          <dgm:alg type="tx"/>
+                          <dgm:shape xmlns:r="http://schemas.openxmlformats.org/officeDocument/2006/relationships" type="downArrow" r:blip="">
+                            <dgm:adjLst>
+                              <dgm:adj idx="1" val="0.55"/>
+                              <dgm:adj idx="2" val="0.45"/>
+                            </dgm:adjLst>
+                          </dgm:shape>
+                          <dgm:presOf axis="ch" ptType="sibTrans" st="4" cnt="1"/>
+                          <dgm:constrLst>
+                            <dgm:constr type="lMarg" refType="primFontSz" fact="0.1"/>
+                            <dgm:constr type="rMarg" refType="primFontSz" fact="0.1"/>
+                            <dgm:constr type="tMarg" refType="primFontSz" fact="0.1"/>
+                            <dgm:constr type="bMarg" refType="primFontSz" fact="0.1"/>
+                          </dgm:constrLst>
+                          <dgm:ruleLst>
+                            <dgm:rule type="primFontSz" val="5" fact="NaN" max="NaN"/>
+                          </dgm:ruleLst>
+                        </dgm:layoutNode>
+                        <dgm:layoutNode name="FiveNodes_1_text">
+                          <dgm:varLst>
+                            <dgm:bulletEnabled val="1"/>
+                          </dgm:varLst>
+                          <dgm:alg type="tx">
+                            <dgm:param type="parTxLTRAlign" val="l"/>
+                            <dgm:param type="txAnchorVertCh" val="mid"/>
+                          </dgm:alg>
+                          <dgm:shape xmlns:r="http://schemas.openxmlformats.org/officeDocument/2006/relationships" type="roundRect" r:blip="" hideGeom="1">
+                            <dgm:adjLst>
+                              <dgm:adj idx="1" val="0.1"/>
+                            </dgm:adjLst>
+                          </dgm:shape>
+                          <dgm:presOf axis="ch desOrSelf" ptType="node node" st="1 1" cnt="1 0"/>
+                          <dgm:constrLst>
+                            <dgm:constr type="lMarg" refType="primFontSz" fact="0.3"/>
+                            <dgm:constr type="rMarg" refType="primFontSz" fact="0.3"/>
+                            <dgm:constr type="tMarg" refType="primFontSz" fact="0.3"/>
+                            <dgm:constr type="bMarg" refType="primFontSz" fact="0.3"/>
+                          </dgm:constrLst>
+                          <dgm:ruleLst>
+                            <dgm:rule type="primFontSz" val="5" fact="NaN" max="NaN"/>
+                          </dgm:ruleLst>
+                        </dgm:layoutNode>
+                        <dgm:layoutNode name="FiveNodes_2_text">
+                          <dgm:varLst>
+                            <dgm:bulletEnabled val="1"/>
+                          </dgm:varLst>
+                          <dgm:alg type="tx">
+                            <dgm:param type="parTxLTRAlign" val="l"/>
+                            <dgm:param type="txAnchorVertCh" val="mid"/>
+                          </dgm:alg>
+                          <dgm:shape xmlns:r="http://schemas.openxmlformats.org/officeDocument/2006/relationships" type="roundRect" r:blip="" hideGeom="1">
+                            <dgm:adjLst>
+                              <dgm:adj idx="1" val="0.1"/>
+                            </dgm:adjLst>
+                          </dgm:shape>
+                          <dgm:presOf axis="ch desOrSelf" ptType="node node" st="2 1" cnt="1 0"/>
+                          <dgm:constrLst>
+                            <dgm:constr type="lMarg" refType="primFontSz" fact="0.3"/>
+                            <dgm:constr type="rMarg" refType="primFontSz" fact="0.3"/>
+                            <dgm:constr type="tMarg" refType="primFontSz" fact="0.3"/>
+                            <dgm:constr type="bMarg" refType="primFontSz" fact="0.3"/>
+                          </dgm:constrLst>
+                          <dgm:ruleLst>
+                            <dgm:rule type="primFontSz" val="5" fact="NaN" max="NaN"/>
+                          </dgm:ruleLst>
+                        </dgm:layoutNode>
+                        <dgm:layoutNode name="FiveNodes_3_text">
+                          <dgm:varLst>
+                            <dgm:bulletEnabled val="1"/>
+                          </dgm:varLst>
+                          <dgm:alg type="tx">
+                            <dgm:param type="parTxLTRAlign" val="l"/>
+                            <dgm:param type="txAnchorVertCh" val="mid"/>
+                          </dgm:alg>
+                          <dgm:shape xmlns:r="http://schemas.openxmlformats.org/officeDocument/2006/relationships" type="roundRect" r:blip="" hideGeom="1">
+                            <dgm:adjLst>
+                              <dgm:adj idx="1" val="0.1"/>
+                            </dgm:adjLst>
+                          </dgm:shape>
+                          <dgm:presOf axis="ch desOrSelf" ptType="node node" st="3 1" cnt="1 0"/>
+                          <dgm:constrLst>
+                            <dgm:constr type="lMarg" refType="primFontSz" fact="0.3"/>
+                            <dgm:constr type="rMarg" refType="primFontSz" fact="0.3"/>
+                            <dgm:constr type="tMarg" refType="primFontSz" fact="0.3"/>
+                            <dgm:constr type="bMarg" refType="primFontSz" fact="0.3"/>
+                          </dgm:constrLst>
+                          <dgm:ruleLst>
+                            <dgm:rule type="primFontSz" val="5" fact="NaN" max="NaN"/>
+                          </dgm:ruleLst>
+                        </dgm:layoutNode>
+                        <dgm:layoutNode name="FiveNodes_4_text">
+                          <dgm:varLst>
+                            <dgm:bulletEnabled val="1"/>
+                          </dgm:varLst>
+                          <dgm:alg type="tx">
+                            <dgm:param type="parTxLTRAlign" val="l"/>
+                            <dgm:param type="txAnchorVertCh" val="mid"/>
+                          </dgm:alg>
+                          <dgm:shape xmlns:r="http://schemas.openxmlformats.org/officeDocument/2006/relationships" type="roundRect" r:blip="" hideGeom="1">
+                            <dgm:adjLst>
+                              <dgm:adj idx="1" val="0.1"/>
+                            </dgm:adjLst>
+                          </dgm:shape>
+                          <dgm:presOf axis="ch desOrSelf" ptType="node node" st="4 1" cnt="1 0"/>
+                          <dgm:constrLst>
+                            <dgm:constr type="lMarg" refType="primFontSz" fact="0.3"/>
+                            <dgm:constr type="rMarg" refType="primFontSz" fact="0.3"/>
+                            <dgm:constr type="tMarg" refType="primFontSz" fact="0.3"/>
+                            <dgm:constr type="bMarg" refType="primFontSz" fact="0.3"/>
+                          </dgm:constrLst>
+                          <dgm:ruleLst>
+                            <dgm:rule type="primFontSz" val="5" fact="NaN" max="NaN"/>
+                          </dgm:ruleLst>
+                        </dgm:layoutNode>
+                        <dgm:layoutNode name="FiveNodes_5_text">
+                          <dgm:varLst>
+                            <dgm:bulletEnabled val="1"/>
+                          </dgm:varLst>
+                          <dgm:alg type="tx">
+                            <dgm:param type="parTxLTRAlign" val="l"/>
+                            <dgm:param type="txAnchorVertCh" val="mid"/>
+                          </dgm:alg>
+                          <dgm:shape xmlns:r="http://schemas.openxmlformats.org/officeDocument/2006/relationships" type="roundRect" r:blip="" hideGeom="1">
+                            <dgm:adjLst>
+                              <dgm:adj idx="1" val="0.1"/>
+                            </dgm:adjLst>
+                          </dgm:shape>
+                          <dgm:presOf axis="ch desOrSelf" ptType="node node" st="5 1" cnt="1 0"/>
+                          <dgm:constrLst>
+                            <dgm:constr type="lMarg" refType="primFontSz" fact="0.3"/>
+                            <dgm:constr type="rMarg" refType="primFontSz" fact="0.3"/>
+                            <dgm:constr type="tMarg" refType="primFontSz" fact="0.3"/>
+                            <dgm:constr type="bMarg" refType="primFontSz" fact="0.3"/>
+                          </dgm:constrLst>
+                          <dgm:ruleLst>
+                            <dgm:rule type="primFontSz" val="5" fact="NaN" max="NaN"/>
+                          </dgm:ruleLst>
+                        </dgm:layoutNode>
+                      </dgm:if>
+                      <dgm:else name="Name17"/>
+                    </dgm:choose>
+                  </dgm:else>
+                </dgm:choose>
+              </dgm:else>
+            </dgm:choose>
+          </dgm:else>
+        </dgm:choose>
+      </dgm:else>
+    </dgm:choose>
+  </dgm:layoutNode>
+</dgm:layoutDef>
+</file>
+
+<file path=ppt/diagrams/quickStyle1.xml><?xml version="1.0" encoding="utf-8"?>
+<dgm:styleDef xmlns:dgm="http://schemas.openxmlformats.org/drawingml/2006/diagram" xmlns:a="http://schemas.openxmlformats.org/drawingml/2006/main" uniqueId="urn:microsoft.com/office/officeart/2005/8/quickstyle/simple1">
+  <dgm:title val=""/>
+  <dgm:desc val=""/>
+  <dgm:catLst>
+    <dgm:cat type="simple" pri="10100"/>
+  </dgm:catLst>
+  <dgm:scene3d>
+    <a:camera prst="orthographicFront"/>
+    <a:lightRig rig="threePt" dir="t"/>
+  </dgm:scene3d>
+  <dgm:styleLbl name="node0">
+    <dgm:scene3d>
+      <a:camera prst="orthographicFront"/>
+      <a:lightRig rig="threePt" dir="t"/>
+    </dgm:scene3d>
+    <dgm:sp3d/>
+    <dgm:txPr/>
+    <dgm:style>
+      <a:lnRef idx="2">
+        <a:scrgbClr r="0" g="0" b="0"/>
+      </a:lnRef>
+      <a:fillRef idx="1">
+        <a:scrgbClr r="0" g="0" b="0"/>
+      </a:fillRef>
+      <a:effectRef idx="0">
+        <a:scrgbClr r="0" g="0" b="0"/>
+      </a:effectRef>
+      <a:fontRef idx="minor">
+        <a:schemeClr val="lt1"/>
+      </a:fontRef>
+    </dgm:style>
+  </dgm:styleLbl>
+  <dgm:styleLbl name="lnNode1">
+    <dgm:scene3d>
+      <a:camera prst="orthographicFront"/>
+      <a:lightRig rig="threePt" dir="t"/>
+    </dgm:scene3d>
+    <dgm:sp3d/>
+    <dgm:txPr/>
+    <dgm:style>
+      <a:lnRef idx="2">
+        <a:scrgbClr r="0" g="0" b="0"/>
+      </a:lnRef>
+      <a:fillRef idx="1">
+        <a:scrgbClr r="0" g="0" b="0"/>
+      </a:fillRef>
+      <a:effectRef idx="0">
+        <a:scrgbClr r="0" g="0" b="0"/>
+      </a:effectRef>
+      <a:fontRef idx="minor">
+        <a:schemeClr val="lt1"/>
+      </a:fontRef>
+    </dgm:style>
+  </dgm:styleLbl>
+  <dgm:styleLbl name="vennNode1">
+    <dgm:scene3d>
+      <a:camera prst="orthographicFront"/>
+      <a:lightRig rig="threePt" dir="t"/>
+    </dgm:scene3d>
+    <dgm:sp3d/>
+    <dgm:txPr/>
+    <dgm:style>
+      <a:lnRef idx="2">
+        <a:scrgbClr r="0" g="0" b="0"/>
+      </a:lnRef>
+      <a:fillRef idx="1">
+        <a:scrgbClr r="0" g="0" b="0"/>
+      </a:fillRef>
+      <a:effectRef idx="0">
+        <a:scrgbClr r="0" g="0" b="0"/>
+      </a:effectRef>
+      <a:fontRef idx="minor">
+        <a:schemeClr val="tx1"/>
+      </a:fontRef>
+    </dgm:style>
+  </dgm:styleLbl>
+  <dgm:styleLbl name="alignNode1">
+    <dgm:scene3d>
+      <a:camera prst="orthographicFront"/>
+      <a:lightRig rig="threePt" dir="t"/>
+    </dgm:scene3d>
+    <dgm:sp3d/>
+    <dgm:txPr/>
+    <dgm:style>
+      <a:lnRef idx="2">
+        <a:scrgbClr r="0" g="0" b="0"/>
+      </a:lnRef>
+      <a:fillRef idx="1">
+        <a:scrgbClr r="0" g="0" b="0"/>
+      </a:fillRef>
+      <a:effectRef idx="0">
+        <a:scrgbClr r="0" g="0" b="0"/>
+      </a:effectRef>
+      <a:fontRef idx="minor">
+        <a:schemeClr val="lt1"/>
+      </a:fontRef>
+    </dgm:style>
+  </dgm:styleLbl>
+  <dgm:styleLbl name="node1">
+    <dgm:scene3d>
+      <a:camera prst="orthographicFront"/>
+      <a:lightRig rig="threePt" dir="t"/>
+    </dgm:scene3d>
+    <dgm:sp3d/>
+    <dgm:txPr/>
+    <dgm:style>
+      <a:lnRef idx="2">
+        <a:scrgbClr r="0" g="0" b="0"/>
+      </a:lnRef>
+      <a:fillRef idx="1">
+        <a:scrgbClr r="0" g="0" b="0"/>
+      </a:fillRef>
+      <a:effectRef idx="0">
+        <a:scrgbClr r="0" g="0" b="0"/>
+      </a:effectRef>
+      <a:fontRef idx="minor">
+        <a:schemeClr val="lt1"/>
+      </a:fontRef>
+    </dgm:style>
+  </dgm:styleLbl>
+  <dgm:styleLbl name="node2">
+    <dgm:scene3d>
+      <a:camera prst="orthographicFront"/>
+      <a:lightRig rig="threePt" dir="t"/>
+    </dgm:scene3d>
+    <dgm:sp3d/>
+    <dgm:txPr/>
+    <dgm:style>
+      <a:lnRef idx="2">
+        <a:scrgbClr r="0" g="0" b="0"/>
+      </a:lnRef>
+      <a:fillRef idx="1">
+        <a:scrgbClr r="0" g="0" b="0"/>
+      </a:fillRef>
+      <a:effectRef idx="0">
+        <a:scrgbClr r="0" g="0" b="0"/>
+      </a:effectRef>
+      <a:fontRef idx="minor">
+        <a:schemeClr val="lt1"/>
+      </a:fontRef>
+    </dgm:style>
+  </dgm:styleLbl>
+  <dgm:styleLbl name="node3">
+    <dgm:scene3d>
+      <a:camera prst="orthographicFront"/>
+      <a:lightRig rig="threePt" dir="t"/>
+    </dgm:scene3d>
+    <dgm:sp3d/>
+    <dgm:txPr/>
+    <dgm:style>
+      <a:lnRef idx="2">
+        <a:scrgbClr r="0" g="0" b="0"/>
+      </a:lnRef>
+      <a:fillRef idx="1">
+        <a:scrgbClr r="0" g="0" b="0"/>
+      </a:fillRef>
+      <a:effectRef idx="0">
+        <a:scrgbClr r="0" g="0" b="0"/>
+      </a:effectRef>
+      <a:fontRef idx="minor">
+        <a:schemeClr val="lt1"/>
+      </a:fontRef>
+    </dgm:style>
+  </dgm:styleLbl>
+  <dgm:styleLbl name="node4">
+    <dgm:scene3d>
+      <a:camera prst="orthographicFront"/>
+      <a:lightRig rig="threePt" dir="t"/>
+    </dgm:scene3d>
+    <dgm:sp3d/>
+    <dgm:txPr/>
+    <dgm:style>
+      <a:lnRef idx="2">
+        <a:scrgbClr r="0" g="0" b="0"/>
+      </a:lnRef>
+      <a:fillRef idx="1">
+        <a:scrgbClr r="0" g="0" b="0"/>
+      </a:fillRef>
+      <a:effectRef idx="0">
+        <a:scrgbClr r="0" g="0" b="0"/>
+      </a:effectRef>
+      <a:fontRef idx="minor">
+        <a:schemeClr val="lt1"/>
+      </a:fontRef>
+    </dgm:style>
+  </dgm:styleLbl>
+  <dgm:styleLbl name="fgImgPlace1">
+    <dgm:scene3d>
+      <a:camera prst="orthographicFront"/>
+      <a:lightRig rig="threePt" dir="t"/>
+    </dgm:scene3d>
+    <dgm:sp3d/>
+    <dgm:txPr/>
+    <dgm:style>
+      <a:lnRef idx="2">
+        <a:scrgbClr r="0" g="0" b="0"/>
+      </a:lnRef>
+      <a:fillRef idx="1">
+        <a:scrgbClr r="0" g="0" b="0"/>
+      </a:fillRef>
+      <a:effectRef idx="0">
+        <a:scrgbClr r="0" g="0" b="0"/>
+      </a:effectRef>
+      <a:fontRef idx="minor"/>
+    </dgm:style>
+  </dgm:styleLbl>
+  <dgm:styleLbl name="alignImgPlace1">
+    <dgm:scene3d>
+      <a:camera prst="orthographicFront"/>
+      <a:lightRig rig="threePt" dir="t"/>
+    </dgm:scene3d>
+    <dgm:sp3d/>
+    <dgm:txPr/>
+    <dgm:style>
+      <a:lnRef idx="2">
+        <a:scrgbClr r="0" g="0" b="0"/>
+      </a:lnRef>
+      <a:fillRef idx="1">
+        <a:scrgbClr r="0" g="0" b="0"/>
+      </a:fillRef>
+      <a:effectRef idx="0">
+        <a:scrgbClr r="0" g="0" b="0"/>
+      </a:effectRef>
+      <a:fontRef idx="minor"/>
+    </dgm:style>
+  </dgm:styleLbl>
+  <dgm:styleLbl name="bgImgPlace1">
+    <dgm:scene3d>
+      <a:camera prst="orthographicFront"/>
+      <a:lightRig rig="threePt" dir="t"/>
+    </dgm:scene3d>
+    <dgm:sp3d/>
+    <dgm:txPr/>
+    <dgm:style>
+      <a:lnRef idx="2">
+        <a:scrgbClr r="0" g="0" b="0"/>
+      </a:lnRef>
+      <a:fillRef idx="1">
+        <a:scrgbClr r="0" g="0" b="0"/>
+      </a:fillRef>
+      <a:effectRef idx="0">
+        <a:scrgbClr r="0" g="0" b="0"/>
+      </a:effectRef>
+      <a:fontRef idx="minor"/>
+    </dgm:style>
+  </dgm:styleLbl>
+  <dgm:styleLbl name="sibTrans2D1">
+    <dgm:scene3d>
+      <a:camera prst="orthographicFront"/>
+      <a:lightRig rig="threePt" dir="t"/>
+    </dgm:scene3d>
+    <dgm:sp3d/>
+    <dgm:txPr/>
+    <dgm:style>
+      <a:lnRef idx="0">
+        <a:scrgbClr r="0" g="0" b="0"/>
+      </a:lnRef>
+      <a:fillRef idx="1">
+        <a:scrgbClr r="0" g="0" b="0"/>
+      </a:fillRef>
+      <a:effectRef idx="0">
+        <a:scrgbClr r="0" g="0" b="0"/>
+      </a:effectRef>
+      <a:fontRef idx="minor">
+        <a:schemeClr val="lt1"/>
+      </a:fontRef>
+    </dgm:style>
+  </dgm:styleLbl>
+  <dgm:styleLbl name="fgSibTrans2D1">
+    <dgm:scene3d>
+      <a:camera prst="orthographicFront"/>
+      <a:lightRig rig="threePt" dir="t"/>
+    </dgm:scene3d>
+    <dgm:sp3d/>
+    <dgm:txPr/>
+    <dgm:style>
+      <a:lnRef idx="0">
+        <a:scrgbClr r="0" g="0" b="0"/>
+      </a:lnRef>
+      <a:fillRef idx="1">
+        <a:scrgbClr r="0" g="0" b="0"/>
+      </a:fillRef>
+      <a:effectRef idx="0">
+        <a:scrgbClr r="0" g="0" b="0"/>
+      </a:effectRef>
+      <a:fontRef idx="minor">
+        <a:schemeClr val="lt1"/>
+      </a:fontRef>
+    </dgm:style>
+  </dgm:styleLbl>
+  <dgm:styleLbl name="bgSibTrans2D1">
+    <dgm:scene3d>
+      <a:camera prst="orthographicFront"/>
+      <a:lightRig rig="threePt" dir="t"/>
+    </dgm:scene3d>
+    <dgm:sp3d/>
+    <dgm:txPr/>
+    <dgm:style>
+      <a:lnRef idx="0">
+        <a:scrgbClr r="0" g="0" b="0"/>
+      </a:lnRef>
+      <a:fillRef idx="1">
+        <a:scrgbClr r="0" g="0" b="0"/>
+      </a:fillRef>
+      <a:effectRef idx="0">
+        <a:scrgbClr r="0" g="0" b="0"/>
+      </a:effectRef>
+      <a:fontRef idx="minor">
+        <a:schemeClr val="lt1"/>
+      </a:fontRef>
+    </dgm:style>
+  </dgm:styleLbl>
+  <dgm:styleLbl name="sibTrans1D1">
+    <dgm:scene3d>
+      <a:camera prst="orthographicFront"/>
+      <a:lightRig rig="threePt" dir="t"/>
+    </dgm:scene3d>
+    <dgm:sp3d/>
+    <dgm:txPr/>
+    <dgm:style>
+      <a:lnRef idx="1">
+        <a:scrgbClr r="0" g="0" b="0"/>
+      </a:lnRef>
+      <a:fillRef idx="0">
+        <a:scrgbClr r="0" g="0" b="0"/>
+      </a:fillRef>
+      <a:effectRef idx="0">
+        <a:scrgbClr r="0" g="0" b="0"/>
+      </a:effectRef>
+      <a:fontRef idx="minor"/>
+    </dgm:style>
+  </dgm:styleLbl>
+  <dgm:styleLbl name="callout">
+    <dgm:scene3d>
+      <a:camera prst="orthographicFront"/>
+      <a:lightRig rig="threePt" dir="t"/>
+    </dgm:scene3d>
+    <dgm:sp3d/>
+    <dgm:txPr/>
+    <dgm:style>
+      <a:lnRef idx="2">
+        <a:scrgbClr r="0" g="0" b="0"/>
+      </a:lnRef>
+      <a:fillRef idx="1">
+        <a:scrgbClr r="0" g="0" b="0"/>
+      </a:fillRef>
+      <a:effectRef idx="0">
+        <a:scrgbClr r="0" g="0" b="0"/>
+      </a:effectRef>
+      <a:fontRef idx="minor"/>
+    </dgm:style>
+  </dgm:styleLbl>
+  <dgm:styleLbl name="asst0">
+    <dgm:scene3d>
+      <a:camera prst="orthographicFront"/>
+      <a:lightRig rig="threePt" dir="t"/>
+    </dgm:scene3d>
+    <dgm:sp3d/>
+    <dgm:txPr/>
+    <dgm:style>
+      <a:lnRef idx="2">
+        <a:scrgbClr r="0" g="0" b="0"/>
+      </a:lnRef>
+      <a:fillRef idx="1">
+        <a:scrgbClr r="0" g="0" b="0"/>
+      </a:fillRef>
+      <a:effectRef idx="0">
+        <a:scrgbClr r="0" g="0" b="0"/>
+      </a:effectRef>
+      <a:fontRef idx="minor">
+        <a:schemeClr val="lt1"/>
+      </a:fontRef>
+    </dgm:style>
+  </dgm:styleLbl>
+  <dgm:styleLbl name="asst1">
+    <dgm:scene3d>
+      <a:camera prst="orthographicFront"/>
+      <a:lightRig rig="threePt" dir="t"/>
+    </dgm:scene3d>
+    <dgm:sp3d/>
+    <dgm:txPr/>
+    <dgm:style>
+      <a:lnRef idx="2">
+        <a:scrgbClr r="0" g="0" b="0"/>
+      </a:lnRef>
+      <a:fillRef idx="1">
+        <a:scrgbClr r="0" g="0" b="0"/>
+      </a:fillRef>
+      <a:effectRef idx="0">
+        <a:scrgbClr r="0" g="0" b="0"/>
+      </a:effectRef>
+      <a:fontRef idx="minor">
+        <a:schemeClr val="lt1"/>
+      </a:fontRef>
+    </dgm:style>
+  </dgm:styleLbl>
+  <dgm:styleLbl name="asst2">
+    <dgm:scene3d>
+      <a:camera prst="orthographicFront"/>
+      <a:lightRig rig="threePt" dir="t"/>
+    </dgm:scene3d>
+    <dgm:sp3d/>
+    <dgm:txPr/>
+    <dgm:style>
+      <a:lnRef idx="2">
+        <a:scrgbClr r="0" g="0" b="0"/>
+      </a:lnRef>
+      <a:fillRef idx="1">
+        <a:scrgbClr r="0" g="0" b="0"/>
+      </a:fillRef>
+      <a:effectRef idx="0">
+        <a:scrgbClr r="0" g="0" b="0"/>
+      </a:effectRef>
+      <a:fontRef idx="minor">
+        <a:schemeClr val="lt1"/>
+      </a:fontRef>
+    </dgm:style>
+  </dgm:styleLbl>
+  <dgm:styleLbl name="asst3">
+    <dgm:scene3d>
+      <a:camera prst="orthographicFront"/>
+      <a:lightRig rig="threePt" dir="t"/>
+    </dgm:scene3d>
+    <dgm:sp3d/>
+    <dgm:txPr/>
+    <dgm:style>
+      <a:lnRef idx="2">
+        <a:scrgbClr r="0" g="0" b="0"/>
+      </a:lnRef>
+      <a:fillRef idx="1">
+        <a:scrgbClr r="0" g="0" b="0"/>
+      </a:fillRef>
+      <a:effectRef idx="0">
+        <a:scrgbClr r="0" g="0" b="0"/>
+      </a:effectRef>
+      <a:fontRef idx="minor">
+        <a:schemeClr val="lt1"/>
+      </a:fontRef>
+    </dgm:style>
+  </dgm:styleLbl>
+  <dgm:styleLbl name="asst4">
+    <dgm:scene3d>
+      <a:camera prst="orthographicFront"/>
+      <a:lightRig rig="threePt" dir="t"/>
+    </dgm:scene3d>
+    <dgm:sp3d/>
+    <dgm:txPr/>
+    <dgm:style>
+      <a:lnRef idx="2">
+        <a:scrgbClr r="0" g="0" b="0"/>
+      </a:lnRef>
+      <a:fillRef idx="1">
+        <a:scrgbClr r="0" g="0" b="0"/>
+      </a:fillRef>
+      <a:effectRef idx="0">
+        <a:scrgbClr r="0" g="0" b="0"/>
+      </a:effectRef>
+      <a:fontRef idx="minor">
+        <a:schemeClr val="lt1"/>
+      </a:fontRef>
+    </dgm:style>
+  </dgm:styleLbl>
+  <dgm:styleLbl name="parChTrans2D1">
+    <dgm:scene3d>
+      <a:camera prst="orthographicFront"/>
+      <a:lightRig rig="threePt" dir="t"/>
+    </dgm:scene3d>
+    <dgm:sp3d/>
+    <dgm:txPr/>
+    <dgm:style>
+      <a:lnRef idx="2">
+        <a:scrgbClr r="0" g="0" b="0"/>
+      </a:lnRef>
+      <a:fillRef idx="1">
+        <a:scrgbClr r="0" g="0" b="0"/>
+      </a:fillRef>
+      <a:effectRef idx="0">
+        <a:scrgbClr r="0" g="0" b="0"/>
+      </a:effectRef>
+      <a:fontRef idx="minor">
+        <a:schemeClr val="lt1"/>
+      </a:fontRef>
+    </dgm:style>
+  </dgm:styleLbl>
+  <dgm:styleLbl name="parChTrans2D2">
+    <dgm:scene3d>
+      <a:camera prst="orthographicFront"/>
+      <a:lightRig rig="threePt" dir="t"/>
+    </dgm:scene3d>
+    <dgm:sp3d/>
+    <dgm:txPr/>
+    <dgm:style>
+      <a:lnRef idx="2">
+        <a:scrgbClr r="0" g="0" b="0"/>
+      </a:lnRef>
+      <a:fillRef idx="1">
+        <a:scrgbClr r="0" g="0" b="0"/>
+      </a:fillRef>
+      <a:effectRef idx="0">
+        <a:scrgbClr r="0" g="0" b="0"/>
+      </a:effectRef>
+      <a:fontRef idx="minor">
+        <a:schemeClr val="lt1"/>
+      </a:fontRef>
+    </dgm:style>
+  </dgm:styleLbl>
+  <dgm:styleLbl name="parChTrans2D3">
+    <dgm:scene3d>
+      <a:camera prst="orthographicFront"/>
+      <a:lightRig rig="threePt" dir="t"/>
+    </dgm:scene3d>
+    <dgm:sp3d/>
+    <dgm:txPr/>
+    <dgm:style>
+      <a:lnRef idx="2">
+        <a:scrgbClr r="0" g="0" b="0"/>
+      </a:lnRef>
+      <a:fillRef idx="1">
+        <a:scrgbClr r="0" g="0" b="0"/>
+      </a:fillRef>
+      <a:effectRef idx="0">
+        <a:scrgbClr r="0" g="0" b="0"/>
+      </a:effectRef>
+      <a:fontRef idx="minor">
+        <a:schemeClr val="lt1"/>
+      </a:fontRef>
+    </dgm:style>
+  </dgm:styleLbl>
+  <dgm:styleLbl name="parChTrans2D4">
+    <dgm:scene3d>
+      <a:camera prst="orthographicFront"/>
+      <a:lightRig rig="threePt" dir="t"/>
+    </dgm:scene3d>
+    <dgm:sp3d/>
+    <dgm:txPr/>
+    <dgm:style>
+      <a:lnRef idx="2">
+        <a:scrgbClr r="0" g="0" b="0"/>
+      </a:lnRef>
+      <a:fillRef idx="1">
+        <a:scrgbClr r="0" g="0" b="0"/>
+      </a:fillRef>
+      <a:effectRef idx="0">
+        <a:scrgbClr r="0" g="0" b="0"/>
+      </a:effectRef>
+      <a:fontRef idx="minor">
+        <a:schemeClr val="lt1"/>
+      </a:fontRef>
+    </dgm:style>
+  </dgm:styleLbl>
+  <dgm:styleLbl name="parChTrans1D1">
+    <dgm:scene3d>
+      <a:camera prst="orthographicFront"/>
+      <a:lightRig rig="threePt" dir="t"/>
+    </dgm:scene3d>
+    <dgm:sp3d/>
+    <dgm:txPr/>
+    <dgm:style>
+      <a:lnRef idx="2">
+        <a:scrgbClr r="0" g="0" b="0"/>
+      </a:lnRef>
+      <a:fillRef idx="0">
+        <a:scrgbClr r="0" g="0" b="0"/>
+      </a:fillRef>
+      <a:effectRef idx="0">
+        <a:scrgbClr r="0" g="0" b="0"/>
+      </a:effectRef>
+      <a:fontRef idx="minor"/>
+    </dgm:style>
+  </dgm:styleLbl>
+  <dgm:styleLbl name="parChTrans1D2">
+    <dgm:scene3d>
+      <a:camera prst="orthographicFront"/>
+      <a:lightRig rig="threePt" dir="t"/>
+    </dgm:scene3d>
+    <dgm:sp3d/>
+    <dgm:txPr/>
+    <dgm:style>
+      <a:lnRef idx="2">
+        <a:scrgbClr r="0" g="0" b="0"/>
+      </a:lnRef>
+      <a:fillRef idx="0">
+        <a:scrgbClr r="0" g="0" b="0"/>
+      </a:fillRef>
+      <a:effectRef idx="0">
+        <a:scrgbClr r="0" g="0" b="0"/>
+      </a:effectRef>
+      <a:fontRef idx="minor"/>
+    </dgm:style>
+  </dgm:styleLbl>
+  <dgm:styleLbl name="parChTrans1D3">
+    <dgm:scene3d>
+      <a:camera prst="orthographicFront"/>
+      <a:lightRig rig="threePt" dir="t"/>
+    </dgm:scene3d>
+    <dgm:sp3d/>
+    <dgm:txPr/>
+    <dgm:style>
+      <a:lnRef idx="2">
+        <a:scrgbClr r="0" g="0" b="0"/>
+      </a:lnRef>
+      <a:fillRef idx="0">
+        <a:scrgbClr r="0" g="0" b="0"/>
+      </a:fillRef>
+      <a:effectRef idx="0">
+        <a:scrgbClr r="0" g="0" b="0"/>
+      </a:effectRef>
+      <a:fontRef idx="minor"/>
+    </dgm:style>
+  </dgm:styleLbl>
+  <dgm:styleLbl name="parChTrans1D4">
+    <dgm:scene3d>
+      <a:camera prst="orthographicFront"/>
+      <a:lightRig rig="threePt" dir="t"/>
+    </dgm:scene3d>
+    <dgm:sp3d/>
+    <dgm:txPr/>
+    <dgm:style>
+      <a:lnRef idx="2">
+        <a:scrgbClr r="0" g="0" b="0"/>
+      </a:lnRef>
+      <a:fillRef idx="0">
+        <a:scrgbClr r="0" g="0" b="0"/>
+      </a:fillRef>
+      <a:effectRef idx="0">
+        <a:scrgbClr r="0" g="0" b="0"/>
+      </a:effectRef>
+      <a:fontRef idx="minor"/>
+    </dgm:style>
+  </dgm:styleLbl>
+  <dgm:styleLbl name="fgAcc1">
+    <dgm:scene3d>
+      <a:camera prst="orthographicFront"/>
+      <a:lightRig rig="threePt" dir="t"/>
+    </dgm:scene3d>
+    <dgm:sp3d/>
+    <dgm:txPr/>
+    <dgm:style>
+      <a:lnRef idx="2">
+        <a:scrgbClr r="0" g="0" b="0"/>
+      </a:lnRef>
+      <a:fillRef idx="1">
+        <a:scrgbClr r="0" g="0" b="0"/>
+      </a:fillRef>
+      <a:effectRef idx="0">
+        <a:scrgbClr r="0" g="0" b="0"/>
+      </a:effectRef>
+      <a:fontRef idx="minor"/>
+    </dgm:style>
+  </dgm:styleLbl>
+  <dgm:styleLbl name="conFgAcc1">
+    <dgm:scene3d>
+      <a:camera prst="orthographicFront"/>
+      <a:lightRig rig="threePt" dir="t"/>
+    </dgm:scene3d>
+    <dgm:sp3d/>
+    <dgm:txPr/>
+    <dgm:style>
+      <a:lnRef idx="2">
+        <a:scrgbClr r="0" g="0" b="0"/>
+      </a:lnRef>
+      <a:fillRef idx="1">
+        <a:scrgbClr r="0" g="0" b="0"/>
+      </a:fillRef>
+      <a:effectRef idx="0">
+        <a:scrgbClr r="0" g="0" b="0"/>
+      </a:effectRef>
+      <a:fontRef idx="minor"/>
+    </dgm:style>
+  </dgm:styleLbl>
+  <dgm:styleLbl name="alignAcc1">
+    <dgm:scene3d>
+      <a:camera prst="orthographicFront"/>
+      <a:lightRig rig="threePt" dir="t"/>
+    </dgm:scene3d>
+    <dgm:sp3d/>
+    <dgm:txPr/>
+    <dgm:style>
+      <a:lnRef idx="2">
+        <a:scrgbClr r="0" g="0" b="0"/>
+      </a:lnRef>
+      <a:fillRef idx="1">
+        <a:scrgbClr r="0" g="0" b="0"/>
+      </a:fillRef>
+      <a:effectRef idx="0">
+        <a:scrgbClr r="0" g="0" b="0"/>
+      </a:effectRef>
+      <a:fontRef idx="minor"/>
+    </dgm:style>
+  </dgm:styleLbl>
+  <dgm:styleLbl name="trAlignAcc1">
+    <dgm:scene3d>
+      <a:camera prst="orthographicFront"/>
+      <a:lightRig rig="threePt" dir="t"/>
+    </dgm:scene3d>
+    <dgm:sp3d/>
+    <dgm:txPr/>
+    <dgm:style>
+      <a:lnRef idx="1">
+        <a:scrgbClr r="0" g="0" b="0"/>
+      </a:lnRef>
+      <a:fillRef idx="1">
+        <a:scrgbClr r="0" g="0" b="0"/>
+      </a:fillRef>
+      <a:effectRef idx="0">
+        <a:scrgbClr r="0" g="0" b="0"/>
+      </a:effectRef>
+      <a:fontRef idx="minor"/>
+    </dgm:style>
+  </dgm:styleLbl>
+  <dgm:styleLbl name="bgAcc1">
+    <dgm:scene3d>
+      <a:camera prst="orthographicFront"/>
+      <a:lightRig rig="threePt" dir="t"/>
+    </dgm:scene3d>
+    <dgm:sp3d/>
+    <dgm:txPr/>
+    <dgm:style>
+      <a:lnRef idx="2">
+        <a:scrgbClr r="0" g="0" b="0"/>
+      </a:lnRef>
+      <a:fillRef idx="1">
+        <a:scrgbClr r="0" g="0" b="0"/>
+      </a:fillRef>
+      <a:effectRef idx="0">
+        <a:scrgbClr r="0" g="0" b="0"/>
+      </a:effectRef>
+      <a:fontRef idx="minor"/>
+    </dgm:style>
+  </dgm:styleLbl>
+  <dgm:styleLbl name="solidFgAcc1">
+    <dgm:scene3d>
+      <a:camera prst="orthographicFront"/>
+      <a:lightRig rig="threePt" dir="t"/>
+    </dgm:scene3d>
+    <dgm:sp3d/>
+    <dgm:txPr/>
+    <dgm:style>
+      <a:lnRef idx="2">
+        <a:scrgbClr r="0" g="0" b="0"/>
+      </a:lnRef>
+      <a:fillRef idx="1">
+        <a:scrgbClr r="0" g="0" b="0"/>
+      </a:fillRef>
+      <a:effectRef idx="0">
+        <a:scrgbClr r="0" g="0" b="0"/>
+      </a:effectRef>
+      <a:fontRef idx="minor"/>
+    </dgm:style>
+  </dgm:styleLbl>
+  <dgm:styleLbl name="solidAlignAcc1">
+    <dgm:scene3d>
+      <a:camera prst="orthographicFront"/>
+      <a:lightRig rig="threePt" dir="t"/>
+    </dgm:scene3d>
+    <dgm:sp3d/>
+    <dgm:txPr/>
+    <dgm:style>
+      <a:lnRef idx="2">
+        <a:scrgbClr r="0" g="0" b="0"/>
+      </a:lnRef>
+      <a:fillRef idx="1">
+        <a:scrgbClr r="0" g="0" b="0"/>
+      </a:fillRef>
+      <a:effectRef idx="0">
+        <a:scrgbClr r="0" g="0" b="0"/>
+      </a:effectRef>
+      <a:fontRef idx="minor"/>
+    </dgm:style>
+  </dgm:styleLbl>
+  <dgm:styleLbl name="solidBgAcc1">
+    <dgm:scene3d>
+      <a:camera prst="orthographicFront"/>
+      <a:lightRig rig="threePt" dir="t"/>
+    </dgm:scene3d>
+    <dgm:sp3d/>
+    <dgm:txPr/>
+    <dgm:style>
+      <a:lnRef idx="2">
+        <a:scrgbClr r="0" g="0" b="0"/>
+      </a:lnRef>
+      <a:fillRef idx="1">
+        <a:scrgbClr r="0" g="0" b="0"/>
+      </a:fillRef>
+      <a:effectRef idx="0">
+        <a:scrgbClr r="0" g="0" b="0"/>
+      </a:effectRef>
+      <a:fontRef idx="minor"/>
+    </dgm:style>
+  </dgm:styleLbl>
+  <dgm:styleLbl name="fgAccFollowNode1">
+    <dgm:scene3d>
+      <a:camera prst="orthographicFront"/>
+      <a:lightRig rig="threePt" dir="t"/>
+    </dgm:scene3d>
+    <dgm:sp3d/>
+    <dgm:txPr/>
+    <dgm:style>
+      <a:lnRef idx="2">
+        <a:scrgbClr r="0" g="0" b="0"/>
+      </a:lnRef>
+      <a:fillRef idx="1">
+        <a:scrgbClr r="0" g="0" b="0"/>
+      </a:fillRef>
+      <a:effectRef idx="0">
+        <a:scrgbClr r="0" g="0" b="0"/>
+      </a:effectRef>
+      <a:fontRef idx="minor"/>
+    </dgm:style>
+  </dgm:styleLbl>
+  <dgm:styleLbl name="alignAccFollowNode1">
+    <dgm:scene3d>
+      <a:camera prst="orthographicFront"/>
+      <a:lightRig rig="threePt" dir="t"/>
+    </dgm:scene3d>
+    <dgm:sp3d/>
+    <dgm:txPr/>
+    <dgm:style>
+      <a:lnRef idx="2">
+        <a:scrgbClr r="0" g="0" b="0"/>
+      </a:lnRef>
+      <a:fillRef idx="1">
+        <a:scrgbClr r="0" g="0" b="0"/>
+      </a:fillRef>
+      <a:effectRef idx="0">
+        <a:scrgbClr r="0" g="0" b="0"/>
+      </a:effectRef>
+      <a:fontRef idx="minor"/>
+    </dgm:style>
+  </dgm:styleLbl>
+  <dgm:styleLbl name="bgAccFollowNode1">
+    <dgm:scene3d>
+      <a:camera prst="orthographicFront"/>
+      <a:lightRig rig="threePt" dir="t"/>
+    </dgm:scene3d>
+    <dgm:sp3d/>
+    <dgm:txPr/>
+    <dgm:style>
+      <a:lnRef idx="2">
+        <a:scrgbClr r="0" g="0" b="0"/>
+      </a:lnRef>
+      <a:fillRef idx="1">
+        <a:scrgbClr r="0" g="0" b="0"/>
+      </a:fillRef>
+      <a:effectRef idx="0">
+        <a:scrgbClr r="0" g="0" b="0"/>
+      </a:effectRef>
+      <a:fontRef idx="minor"/>
+    </dgm:style>
+  </dgm:styleLbl>
+  <dgm:styleLbl name="fgAcc0">
+    <dgm:scene3d>
+      <a:camera prst="orthographicFront"/>
+      <a:lightRig rig="threePt" dir="t"/>
+    </dgm:scene3d>
+    <dgm:sp3d/>
+    <dgm:txPr/>
+    <dgm:style>
+      <a:lnRef idx="2">
+        <a:scrgbClr r="0" g="0" b="0"/>
+      </a:lnRef>
+      <a:fillRef idx="1">
+        <a:scrgbClr r="0" g="0" b="0"/>
+      </a:fillRef>
+      <a:effectRef idx="0">
+        <a:scrgbClr r="0" g="0" b="0"/>
+      </a:effectRef>
+      <a:fontRef idx="minor"/>
+    </dgm:style>
+  </dgm:styleLbl>
+  <dgm:styleLbl name="fgAcc2">
+    <dgm:scene3d>
+      <a:camera prst="orthographicFront"/>
+      <a:lightRig rig="threePt" dir="t"/>
+    </dgm:scene3d>
+    <dgm:sp3d/>
+    <dgm:txPr/>
+    <dgm:style>
+      <a:lnRef idx="2">
+        <a:scrgbClr r="0" g="0" b="0"/>
+      </a:lnRef>
+      <a:fillRef idx="1">
+        <a:scrgbClr r="0" g="0" b="0"/>
+      </a:fillRef>
+      <a:effectRef idx="0">
+        <a:scrgbClr r="0" g="0" b="0"/>
+      </a:effectRef>
+      <a:fontRef idx="minor"/>
+    </dgm:style>
+  </dgm:styleLbl>
+  <dgm:styleLbl name="fgAcc3">
+    <dgm:scene3d>
+      <a:camera prst="orthographicFront"/>
+      <a:lightRig rig="threePt" dir="t"/>
+    </dgm:scene3d>
+    <dgm:sp3d/>
+    <dgm:txPr/>
+    <dgm:style>
+      <a:lnRef idx="2">
+        <a:scrgbClr r="0" g="0" b="0"/>
+      </a:lnRef>
+      <a:fillRef idx="1">
+        <a:scrgbClr r="0" g="0" b="0"/>
+      </a:fillRef>
+      <a:effectRef idx="0">
+        <a:scrgbClr r="0" g="0" b="0"/>
+      </a:effectRef>
+      <a:fontRef idx="minor"/>
+    </dgm:style>
+  </dgm:styleLbl>
+  <dgm:styleLbl name="fgAcc4">
+    <dgm:scene3d>
+      <a:camera prst="orthographicFront"/>
+      <a:lightRig rig="threePt" dir="t"/>
+    </dgm:scene3d>
+    <dgm:sp3d/>
+    <dgm:txPr/>
+    <dgm:style>
+      <a:lnRef idx="2">
+        <a:scrgbClr r="0" g="0" b="0"/>
+      </a:lnRef>
+      <a:fillRef idx="1">
+        <a:scrgbClr r="0" g="0" b="0"/>
+      </a:fillRef>
+      <a:effectRef idx="0">
+        <a:scrgbClr r="0" g="0" b="0"/>
+      </a:effectRef>
+      <a:fontRef idx="minor"/>
+    </dgm:style>
+  </dgm:styleLbl>
+  <dgm:styleLbl name="bgShp">
+    <dgm:scene3d>
+      <a:camera prst="orthographicFront"/>
+      <a:lightRig rig="threePt" dir="t"/>
+    </dgm:scene3d>
+    <dgm:sp3d/>
+    <dgm:txPr/>
+    <dgm:style>
+      <a:lnRef idx="0">
+        <a:scrgbClr r="0" g="0" b="0"/>
+      </a:lnRef>
+      <a:fillRef idx="1">
+        <a:scrgbClr r="0" g="0" b="0"/>
+      </a:fillRef>
+      <a:effectRef idx="0">
+        <a:scrgbClr r="0" g="0" b="0"/>
+      </a:effectRef>
+      <a:fontRef idx="minor"/>
+    </dgm:style>
+  </dgm:styleLbl>
+  <dgm:styleLbl name="dkBgShp">
+    <dgm:scene3d>
+      <a:camera prst="orthographicFront"/>
+      <a:lightRig rig="threePt" dir="t"/>
+    </dgm:scene3d>
+    <dgm:sp3d/>
+    <dgm:txPr/>
+    <dgm:style>
+      <a:lnRef idx="0">
+        <a:scrgbClr r="0" g="0" b="0"/>
+      </a:lnRef>
+      <a:fillRef idx="1">
+        <a:scrgbClr r="0" g="0" b="0"/>
+      </a:fillRef>
+      <a:effectRef idx="0">
+        <a:scrgbClr r="0" g="0" b="0"/>
+      </a:effectRef>
+      <a:fontRef idx="minor"/>
+    </dgm:style>
+  </dgm:styleLbl>
+  <dgm:styleLbl name="trBgShp">
+    <dgm:scene3d>
+      <a:camera prst="orthographicFront"/>
+      <a:lightRig rig="threePt" dir="t"/>
+    </dgm:scene3d>
+    <dgm:sp3d/>
+    <dgm:txPr/>
+    <dgm:style>
+      <a:lnRef idx="0">
+        <a:scrgbClr r="0" g="0" b="0"/>
+      </a:lnRef>
+      <a:fillRef idx="1">
+        <a:scrgbClr r="0" g="0" b="0"/>
+      </a:fillRef>
+      <a:effectRef idx="0">
+        <a:scrgbClr r="0" g="0" b="0"/>
+      </a:effectRef>
+      <a:fontRef idx="minor"/>
+    </dgm:style>
+  </dgm:styleLbl>
+  <dgm:styleLbl name="fgShp">
+    <dgm:scene3d>
+      <a:camera prst="orthographicFront"/>
+      <a:lightRig rig="threePt" dir="t"/>
+    </dgm:scene3d>
+    <dgm:sp3d/>
+    <dgm:txPr/>
+    <dgm:style>
+      <a:lnRef idx="2">
+        <a:scrgbClr r="0" g="0" b="0"/>
+      </a:lnRef>
+      <a:fillRef idx="1">
+        <a:scrgbClr r="0" g="0" b="0"/>
+      </a:fillRef>
+      <a:effectRef idx="0">
+        <a:scrgbClr r="0" g="0" b="0"/>
+      </a:effectRef>
+      <a:fontRef idx="minor"/>
+    </dgm:style>
+  </dgm:styleLbl>
+  <dgm:styleLbl name="revTx">
+    <dgm:scene3d>
+      <a:camera prst="orthographicFront"/>
+      <a:lightRig rig="threePt" dir="t"/>
+    </dgm:scene3d>
+    <dgm:sp3d/>
+    <dgm:txPr/>
+    <dgm:style>
+      <a:lnRef idx="0">
+        <a:scrgbClr r="0" g="0" b="0"/>
+      </a:lnRef>
+      <a:fillRef idx="0">
+        <a:scrgbClr r="0" g="0" b="0"/>
+      </a:fillRef>
+      <a:effectRef idx="0">
+        <a:scrgbClr r="0" g="0" b="0"/>
+      </a:effectRef>
+      <a:fontRef idx="minor"/>
+    </dgm:style>
+  </dgm:styleLbl>
+</dgm:styleDef>
 </file>
 
 <file path=ppt/slideLayouts/slideLayout1.xml><?xml version="1.0" encoding="utf-8"?>
@@ -871,7 +4158,7 @@
             <a:fld id="{5E0691F5-9D0C-4B99-AAF3-BF4DD8AE5AD6}" type="datetimeFigureOut">
               <a:rPr lang="en-IN" smtClean="0"/>
               <a:pPr/>
-              <a:t>12-02-2016</a:t>
+              <a:t>24-02-2016</a:t>
             </a:fld>
             <a:endParaRPr lang="en-IN"/>
           </a:p>
@@ -923,7 +4210,7 @@
     </p:spTree>
     <p:extLst>
       <p:ext uri="{BB962C8B-B14F-4D97-AF65-F5344CB8AC3E}">
-        <p14:creationId xmlns="" xmlns:p14="http://schemas.microsoft.com/office/powerpoint/2010/main" val="745236216"/>
+        <p14:creationId xmlns:p14="http://schemas.microsoft.com/office/powerpoint/2010/main" xmlns="" val="745236216"/>
       </p:ext>
     </p:extLst>
   </p:cSld>
@@ -1124,7 +4411,7 @@
             <a:fld id="{5E0691F5-9D0C-4B99-AAF3-BF4DD8AE5AD6}" type="datetimeFigureOut">
               <a:rPr lang="en-IN" smtClean="0"/>
               <a:pPr/>
-              <a:t>12-02-2016</a:t>
+              <a:t>24-02-2016</a:t>
             </a:fld>
             <a:endParaRPr lang="en-IN"/>
           </a:p>
@@ -1176,7 +4463,7 @@
     </p:spTree>
     <p:extLst>
       <p:ext uri="{BB962C8B-B14F-4D97-AF65-F5344CB8AC3E}">
-        <p14:creationId xmlns="" xmlns:p14="http://schemas.microsoft.com/office/powerpoint/2010/main" val="2293863678"/>
+        <p14:creationId xmlns:p14="http://schemas.microsoft.com/office/powerpoint/2010/main" xmlns="" val="2293863678"/>
       </p:ext>
     </p:extLst>
   </p:cSld>
@@ -1440,7 +4727,7 @@
             <a:fld id="{5E0691F5-9D0C-4B99-AAF3-BF4DD8AE5AD6}" type="datetimeFigureOut">
               <a:rPr lang="en-IN" smtClean="0"/>
               <a:pPr/>
-              <a:t>12-02-2016</a:t>
+              <a:t>24-02-2016</a:t>
             </a:fld>
             <a:endParaRPr lang="en-IN"/>
           </a:p>
@@ -1574,7 +4861,7 @@
     </p:spTree>
     <p:extLst>
       <p:ext uri="{BB962C8B-B14F-4D97-AF65-F5344CB8AC3E}">
-        <p14:creationId xmlns="" xmlns:p14="http://schemas.microsoft.com/office/powerpoint/2010/main" val="3646211488"/>
+        <p14:creationId xmlns:p14="http://schemas.microsoft.com/office/powerpoint/2010/main" xmlns="" val="3646211488"/>
       </p:ext>
     </p:extLst>
   </p:cSld>
@@ -1775,7 +5062,7 @@
             <a:fld id="{5E0691F5-9D0C-4B99-AAF3-BF4DD8AE5AD6}" type="datetimeFigureOut">
               <a:rPr lang="en-IN" smtClean="0"/>
               <a:pPr/>
-              <a:t>12-02-2016</a:t>
+              <a:t>24-02-2016</a:t>
             </a:fld>
             <a:endParaRPr lang="en-IN"/>
           </a:p>
@@ -1827,7 +5114,7 @@
     </p:spTree>
     <p:extLst>
       <p:ext uri="{BB962C8B-B14F-4D97-AF65-F5344CB8AC3E}">
-        <p14:creationId xmlns="" xmlns:p14="http://schemas.microsoft.com/office/powerpoint/2010/main" val="130304460"/>
+        <p14:creationId xmlns:p14="http://schemas.microsoft.com/office/powerpoint/2010/main" xmlns="" val="130304460"/>
       </p:ext>
     </p:extLst>
   </p:cSld>
@@ -2091,7 +5378,7 @@
             <a:fld id="{5E0691F5-9D0C-4B99-AAF3-BF4DD8AE5AD6}" type="datetimeFigureOut">
               <a:rPr lang="en-IN" smtClean="0"/>
               <a:pPr/>
-              <a:t>12-02-2016</a:t>
+              <a:t>24-02-2016</a:t>
             </a:fld>
             <a:endParaRPr lang="en-IN"/>
           </a:p>
@@ -2225,7 +5512,7 @@
     </p:spTree>
     <p:extLst>
       <p:ext uri="{BB962C8B-B14F-4D97-AF65-F5344CB8AC3E}">
-        <p14:creationId xmlns="" xmlns:p14="http://schemas.microsoft.com/office/powerpoint/2010/main" val="988258245"/>
+        <p14:creationId xmlns:p14="http://schemas.microsoft.com/office/powerpoint/2010/main" xmlns="" val="988258245"/>
       </p:ext>
     </p:extLst>
   </p:cSld>
@@ -2486,7 +5773,7 @@
             <a:fld id="{5E0691F5-9D0C-4B99-AAF3-BF4DD8AE5AD6}" type="datetimeFigureOut">
               <a:rPr lang="en-IN" smtClean="0"/>
               <a:pPr/>
-              <a:t>12-02-2016</a:t>
+              <a:t>24-02-2016</a:t>
             </a:fld>
             <a:endParaRPr lang="en-IN"/>
           </a:p>
@@ -2538,7 +5825,7 @@
     </p:spTree>
     <p:extLst>
       <p:ext uri="{BB962C8B-B14F-4D97-AF65-F5344CB8AC3E}">
-        <p14:creationId xmlns="" xmlns:p14="http://schemas.microsoft.com/office/powerpoint/2010/main" val="1129624647"/>
+        <p14:creationId xmlns:p14="http://schemas.microsoft.com/office/powerpoint/2010/main" xmlns="" val="1129624647"/>
       </p:ext>
     </p:extLst>
   </p:cSld>
@@ -2658,7 +5945,7 @@
             <a:fld id="{5E0691F5-9D0C-4B99-AAF3-BF4DD8AE5AD6}" type="datetimeFigureOut">
               <a:rPr lang="en-IN" smtClean="0"/>
               <a:pPr/>
-              <a:t>12-02-2016</a:t>
+              <a:t>24-02-2016</a:t>
             </a:fld>
             <a:endParaRPr lang="en-IN"/>
           </a:p>
@@ -2710,7 +5997,7 @@
     </p:spTree>
     <p:extLst>
       <p:ext uri="{BB962C8B-B14F-4D97-AF65-F5344CB8AC3E}">
-        <p14:creationId xmlns="" xmlns:p14="http://schemas.microsoft.com/office/powerpoint/2010/main" val="743166043"/>
+        <p14:creationId xmlns:p14="http://schemas.microsoft.com/office/powerpoint/2010/main" xmlns="" val="743166043"/>
       </p:ext>
     </p:extLst>
   </p:cSld>
@@ -2840,7 +6127,7 @@
             <a:fld id="{5E0691F5-9D0C-4B99-AAF3-BF4DD8AE5AD6}" type="datetimeFigureOut">
               <a:rPr lang="en-IN" smtClean="0"/>
               <a:pPr/>
-              <a:t>12-02-2016</a:t>
+              <a:t>24-02-2016</a:t>
             </a:fld>
             <a:endParaRPr lang="en-IN"/>
           </a:p>
@@ -2892,7 +6179,7 @@
     </p:spTree>
     <p:extLst>
       <p:ext uri="{BB962C8B-B14F-4D97-AF65-F5344CB8AC3E}">
-        <p14:creationId xmlns="" xmlns:p14="http://schemas.microsoft.com/office/powerpoint/2010/main" val="1185054740"/>
+        <p14:creationId xmlns:p14="http://schemas.microsoft.com/office/powerpoint/2010/main" xmlns="" val="1185054740"/>
       </p:ext>
     </p:extLst>
   </p:cSld>
@@ -3012,7 +6299,7 @@
             <a:fld id="{5E0691F5-9D0C-4B99-AAF3-BF4DD8AE5AD6}" type="datetimeFigureOut">
               <a:rPr lang="en-IN" smtClean="0"/>
               <a:pPr/>
-              <a:t>12-02-2016</a:t>
+              <a:t>24-02-2016</a:t>
             </a:fld>
             <a:endParaRPr lang="en-IN"/>
           </a:p>
@@ -3064,7 +6351,7 @@
     </p:spTree>
     <p:extLst>
       <p:ext uri="{BB962C8B-B14F-4D97-AF65-F5344CB8AC3E}">
-        <p14:creationId xmlns="" xmlns:p14="http://schemas.microsoft.com/office/powerpoint/2010/main" val="3602506870"/>
+        <p14:creationId xmlns:p14="http://schemas.microsoft.com/office/powerpoint/2010/main" xmlns="" val="3602506870"/>
       </p:ext>
     </p:extLst>
   </p:cSld>
@@ -3261,7 +6548,7 @@
             <a:fld id="{5E0691F5-9D0C-4B99-AAF3-BF4DD8AE5AD6}" type="datetimeFigureOut">
               <a:rPr lang="en-IN" smtClean="0"/>
               <a:pPr/>
-              <a:t>12-02-2016</a:t>
+              <a:t>24-02-2016</a:t>
             </a:fld>
             <a:endParaRPr lang="en-IN"/>
           </a:p>
@@ -3313,7 +6600,7 @@
     </p:spTree>
     <p:extLst>
       <p:ext uri="{BB962C8B-B14F-4D97-AF65-F5344CB8AC3E}">
-        <p14:creationId xmlns="" xmlns:p14="http://schemas.microsoft.com/office/powerpoint/2010/main" val="2175426062"/>
+        <p14:creationId xmlns:p14="http://schemas.microsoft.com/office/powerpoint/2010/main" xmlns="" val="2175426062"/>
       </p:ext>
     </p:extLst>
   </p:cSld>
@@ -3495,7 +6782,7 @@
             <a:fld id="{5E0691F5-9D0C-4B99-AAF3-BF4DD8AE5AD6}" type="datetimeFigureOut">
               <a:rPr lang="en-IN" smtClean="0"/>
               <a:pPr/>
-              <a:t>12-02-2016</a:t>
+              <a:t>24-02-2016</a:t>
             </a:fld>
             <a:endParaRPr lang="en-IN"/>
           </a:p>
@@ -3547,7 +6834,7 @@
     </p:spTree>
     <p:extLst>
       <p:ext uri="{BB962C8B-B14F-4D97-AF65-F5344CB8AC3E}">
-        <p14:creationId xmlns="" xmlns:p14="http://schemas.microsoft.com/office/powerpoint/2010/main" val="1265907016"/>
+        <p14:creationId xmlns:p14="http://schemas.microsoft.com/office/powerpoint/2010/main" xmlns="" val="1265907016"/>
       </p:ext>
     </p:extLst>
   </p:cSld>
@@ -3871,7 +7158,7 @@
             <a:fld id="{5E0691F5-9D0C-4B99-AAF3-BF4DD8AE5AD6}" type="datetimeFigureOut">
               <a:rPr lang="en-IN" smtClean="0"/>
               <a:pPr/>
-              <a:t>12-02-2016</a:t>
+              <a:t>24-02-2016</a:t>
             </a:fld>
             <a:endParaRPr lang="en-IN"/>
           </a:p>
@@ -3923,7 +7210,7 @@
     </p:spTree>
     <p:extLst>
       <p:ext uri="{BB962C8B-B14F-4D97-AF65-F5344CB8AC3E}">
-        <p14:creationId xmlns="" xmlns:p14="http://schemas.microsoft.com/office/powerpoint/2010/main" val="618977615"/>
+        <p14:creationId xmlns:p14="http://schemas.microsoft.com/office/powerpoint/2010/main" xmlns="" val="618977615"/>
       </p:ext>
     </p:extLst>
   </p:cSld>
@@ -3996,7 +7283,7 @@
             <a:fld id="{5E0691F5-9D0C-4B99-AAF3-BF4DD8AE5AD6}" type="datetimeFigureOut">
               <a:rPr lang="en-IN" smtClean="0"/>
               <a:pPr/>
-              <a:t>12-02-2016</a:t>
+              <a:t>24-02-2016</a:t>
             </a:fld>
             <a:endParaRPr lang="en-IN"/>
           </a:p>
@@ -4048,7 +7335,7 @@
     </p:spTree>
     <p:extLst>
       <p:ext uri="{BB962C8B-B14F-4D97-AF65-F5344CB8AC3E}">
-        <p14:creationId xmlns="" xmlns:p14="http://schemas.microsoft.com/office/powerpoint/2010/main" val="3986691130"/>
+        <p14:creationId xmlns:p14="http://schemas.microsoft.com/office/powerpoint/2010/main" xmlns="" val="3986691130"/>
       </p:ext>
     </p:extLst>
   </p:cSld>
@@ -4093,7 +7380,7 @@
             <a:fld id="{5E0691F5-9D0C-4B99-AAF3-BF4DD8AE5AD6}" type="datetimeFigureOut">
               <a:rPr lang="en-IN" smtClean="0"/>
               <a:pPr/>
-              <a:t>12-02-2016</a:t>
+              <a:t>24-02-2016</a:t>
             </a:fld>
             <a:endParaRPr lang="en-IN"/>
           </a:p>
@@ -4145,7 +7432,7 @@
     </p:spTree>
     <p:extLst>
       <p:ext uri="{BB962C8B-B14F-4D97-AF65-F5344CB8AC3E}">
-        <p14:creationId xmlns="" xmlns:p14="http://schemas.microsoft.com/office/powerpoint/2010/main" val="2293448865"/>
+        <p14:creationId xmlns:p14="http://schemas.microsoft.com/office/powerpoint/2010/main" xmlns="" val="2293448865"/>
       </p:ext>
     </p:extLst>
   </p:cSld>
@@ -4350,7 +7637,7 @@
             <a:fld id="{5E0691F5-9D0C-4B99-AAF3-BF4DD8AE5AD6}" type="datetimeFigureOut">
               <a:rPr lang="en-IN" smtClean="0"/>
               <a:pPr/>
-              <a:t>12-02-2016</a:t>
+              <a:t>24-02-2016</a:t>
             </a:fld>
             <a:endParaRPr lang="en-IN"/>
           </a:p>
@@ -4402,7 +7689,7 @@
     </p:spTree>
     <p:extLst>
       <p:ext uri="{BB962C8B-B14F-4D97-AF65-F5344CB8AC3E}">
-        <p14:creationId xmlns="" xmlns:p14="http://schemas.microsoft.com/office/powerpoint/2010/main" val="4242348760"/>
+        <p14:creationId xmlns:p14="http://schemas.microsoft.com/office/powerpoint/2010/main" xmlns="" val="4242348760"/>
       </p:ext>
     </p:extLst>
   </p:cSld>
@@ -4658,7 +7945,7 @@
             <a:fld id="{5E0691F5-9D0C-4B99-AAF3-BF4DD8AE5AD6}" type="datetimeFigureOut">
               <a:rPr lang="en-IN" smtClean="0"/>
               <a:pPr/>
-              <a:t>12-02-2016</a:t>
+              <a:t>24-02-2016</a:t>
             </a:fld>
             <a:endParaRPr lang="en-IN"/>
           </a:p>
@@ -4667,7 +7954,7 @@
     </p:spTree>
     <p:extLst>
       <p:ext uri="{BB962C8B-B14F-4D97-AF65-F5344CB8AC3E}">
-        <p14:creationId xmlns="" xmlns:p14="http://schemas.microsoft.com/office/powerpoint/2010/main" val="1810002345"/>
+        <p14:creationId xmlns:p14="http://schemas.microsoft.com/office/powerpoint/2010/main" xmlns="" val="1810002345"/>
       </p:ext>
     </p:extLst>
   </p:cSld>
@@ -5361,7 +8648,7 @@
             <a:fld id="{5E0691F5-9D0C-4B99-AAF3-BF4DD8AE5AD6}" type="datetimeFigureOut">
               <a:rPr lang="en-IN" smtClean="0"/>
               <a:pPr/>
-              <a:t>12-02-2016</a:t>
+              <a:t>24-02-2016</a:t>
             </a:fld>
             <a:endParaRPr lang="en-IN"/>
           </a:p>
@@ -5447,7 +8734,7 @@
     </p:spTree>
     <p:extLst>
       <p:ext uri="{BB962C8B-B14F-4D97-AF65-F5344CB8AC3E}">
-        <p14:creationId xmlns="" xmlns:p14="http://schemas.microsoft.com/office/powerpoint/2010/main" val="854385474"/>
+        <p14:creationId xmlns:p14="http://schemas.microsoft.com/office/powerpoint/2010/main" xmlns="" val="854385474"/>
       </p:ext>
     </p:extLst>
   </p:cSld>
@@ -5898,8 +9185,8 @@
         </p:nvSpPr>
         <p:spPr>
           <a:xfrm>
-            <a:off x="1397885" y="1148940"/>
-            <a:ext cx="7766936" cy="1646302"/>
+            <a:off x="0" y="1308597"/>
+            <a:ext cx="10392231" cy="1646302"/>
           </a:xfrm>
         </p:spPr>
         <p:txBody>
@@ -5912,7 +9199,7 @@
                 <a:solidFill>
                   <a:srgbClr val="0070C0"/>
                 </a:solidFill>
-                <a:latin typeface="Arial" panose="020B0604020202020204" pitchFamily="34" charset="0"/>
+                <a:latin typeface="Calibri" pitchFamily="34" charset="0"/>
                 <a:cs typeface="Arial" panose="020B0604020202020204" pitchFamily="34" charset="0"/>
               </a:rPr>
               <a:t>HOUSEHOLD ANALYSIS DASHBOARD</a:t>
@@ -5921,7 +9208,7 @@
               <a:solidFill>
                 <a:srgbClr val="0070C0"/>
               </a:solidFill>
-              <a:latin typeface="Arial" panose="020B0604020202020204" pitchFamily="34" charset="0"/>
+              <a:latin typeface="Calibri" pitchFamily="34" charset="0"/>
               <a:cs typeface="Arial" panose="020B0604020202020204" pitchFamily="34" charset="0"/>
             </a:endParaRPr>
           </a:p>
@@ -5940,7 +9227,7 @@
         <p:spPr>
           <a:xfrm>
             <a:off x="4045551" y="3395740"/>
-            <a:ext cx="8292026" cy="2868582"/>
+            <a:ext cx="4111478" cy="3019574"/>
           </a:xfrm>
         </p:spPr>
         <p:txBody>
@@ -5951,180 +9238,231 @@
           <a:p>
             <a:pPr algn="just"/>
             <a:r>
-              <a:rPr lang="en-IN" sz="2000" dirty="0" smtClean="0">
-                <a:latin typeface="Times New Roman" panose="02020603050405020304" pitchFamily="18" charset="0"/>
+              <a:rPr lang="en-IN" sz="2800" dirty="0" smtClean="0">
+                <a:solidFill>
+                  <a:schemeClr val="tx1">
+                    <a:lumMod val="65000"/>
+                    <a:lumOff val="35000"/>
+                  </a:schemeClr>
+                </a:solidFill>
+                <a:latin typeface="Calibri" pitchFamily="34" charset="0"/>
                 <a:cs typeface="Times New Roman" panose="02020603050405020304" pitchFamily="18" charset="0"/>
               </a:rPr>
-              <a:t>Group members-</a:t>
-            </a:r>
-          </a:p>
-          <a:p>
-            <a:pPr algn="just"/>
-            <a:r>
-              <a:rPr lang="en-IN" sz="2000" dirty="0" smtClean="0">
-                <a:latin typeface="Times New Roman" panose="02020603050405020304" pitchFamily="18" charset="0"/>
+              <a:t>Group </a:t>
+            </a:r>
+            <a:r>
+              <a:rPr lang="en-IN" sz="2800" dirty="0" smtClean="0">
+                <a:solidFill>
+                  <a:schemeClr val="tx1">
+                    <a:lumMod val="65000"/>
+                    <a:lumOff val="35000"/>
+                  </a:schemeClr>
+                </a:solidFill>
+                <a:latin typeface="Calibri" pitchFamily="34" charset="0"/>
                 <a:cs typeface="Times New Roman" panose="02020603050405020304" pitchFamily="18" charset="0"/>
               </a:rPr>
-              <a:t>               </a:t>
-            </a:r>
-            <a:r>
-              <a:rPr lang="en-IN" sz="2000" dirty="0" err="1" smtClean="0">
-                <a:latin typeface="Times New Roman" panose="02020603050405020304" pitchFamily="18" charset="0"/>
+              <a:t>members-</a:t>
+            </a:r>
+          </a:p>
+          <a:p>
+            <a:pPr algn="l">
+              <a:buFont typeface="Arial" pitchFamily="34" charset="0"/>
+              <a:buChar char="•"/>
+            </a:pPr>
+            <a:r>
+              <a:rPr lang="en-IN" sz="2000" dirty="0" smtClean="0">
+                <a:solidFill>
+                  <a:schemeClr val="tx1">
+                    <a:lumMod val="65000"/>
+                    <a:lumOff val="35000"/>
+                  </a:schemeClr>
+                </a:solidFill>
+                <a:latin typeface="Calibri" pitchFamily="34" charset="0"/>
                 <a:cs typeface="Times New Roman" panose="02020603050405020304" pitchFamily="18" charset="0"/>
               </a:rPr>
-              <a:t>Shubham</a:t>
+              <a:t>Shubham </a:t>
             </a:r>
             <a:r>
               <a:rPr lang="en-IN" sz="2000" dirty="0" smtClean="0">
-                <a:latin typeface="Times New Roman" panose="02020603050405020304" pitchFamily="18" charset="0"/>
-                <a:cs typeface="Times New Roman" panose="02020603050405020304" pitchFamily="18" charset="0"/>
-              </a:rPr>
-              <a:t> </a:t>
-            </a:r>
-            <a:r>
-              <a:rPr lang="en-IN" sz="2000" dirty="0" err="1" smtClean="0">
-                <a:latin typeface="Times New Roman" panose="02020603050405020304" pitchFamily="18" charset="0"/>
+                <a:solidFill>
+                  <a:schemeClr val="tx1">
+                    <a:lumMod val="65000"/>
+                    <a:lumOff val="35000"/>
+                  </a:schemeClr>
+                </a:solidFill>
+                <a:latin typeface="Calibri" pitchFamily="34" charset="0"/>
                 <a:cs typeface="Times New Roman" panose="02020603050405020304" pitchFamily="18" charset="0"/>
               </a:rPr>
               <a:t>Patil</a:t>
             </a:r>
-            <a:endParaRPr lang="en-IN" sz="2000" dirty="0" smtClean="0">
-              <a:latin typeface="Times New Roman" panose="02020603050405020304" pitchFamily="18" charset="0"/>
-              <a:cs typeface="Times New Roman" panose="02020603050405020304" pitchFamily="18" charset="0"/>
-            </a:endParaRPr>
-          </a:p>
-          <a:p>
-            <a:pPr algn="just"/>
+          </a:p>
+          <a:p>
+            <a:pPr algn="l">
+              <a:buFont typeface="Arial" pitchFamily="34" charset="0"/>
+              <a:buChar char="•"/>
+            </a:pPr>
             <a:r>
               <a:rPr lang="en-IN" sz="2000" dirty="0" smtClean="0">
-                <a:latin typeface="Times New Roman" panose="02020603050405020304" pitchFamily="18" charset="0"/>
+                <a:solidFill>
+                  <a:schemeClr val="tx1">
+                    <a:lumMod val="65000"/>
+                    <a:lumOff val="35000"/>
+                  </a:schemeClr>
+                </a:solidFill>
+                <a:latin typeface="Calibri" pitchFamily="34" charset="0"/>
                 <a:cs typeface="Times New Roman" panose="02020603050405020304" pitchFamily="18" charset="0"/>
               </a:rPr>
-              <a:t>               </a:t>
-            </a:r>
-            <a:r>
-              <a:rPr lang="en-IN" sz="2000" dirty="0" err="1" smtClean="0">
-                <a:latin typeface="Times New Roman" panose="02020603050405020304" pitchFamily="18" charset="0"/>
+              <a:t>Akshat </a:t>
+            </a:r>
+            <a:r>
+              <a:rPr lang="en-IN" sz="2000" dirty="0" smtClean="0">
+                <a:solidFill>
+                  <a:schemeClr val="tx1">
+                    <a:lumMod val="65000"/>
+                    <a:lumOff val="35000"/>
+                  </a:schemeClr>
+                </a:solidFill>
+                <a:latin typeface="Calibri" pitchFamily="34" charset="0"/>
                 <a:cs typeface="Times New Roman" panose="02020603050405020304" pitchFamily="18" charset="0"/>
               </a:rPr>
-              <a:t>Akshat</a:t>
-            </a:r>
+              <a:t>Shukla</a:t>
+            </a:r>
+          </a:p>
+          <a:p>
+            <a:pPr algn="l">
+              <a:buFont typeface="Arial" pitchFamily="34" charset="0"/>
+              <a:buChar char="•"/>
+            </a:pPr>
             <a:r>
               <a:rPr lang="en-IN" sz="2000" dirty="0" smtClean="0">
-                <a:latin typeface="Times New Roman" panose="02020603050405020304" pitchFamily="18" charset="0"/>
+                <a:solidFill>
+                  <a:schemeClr val="tx1">
+                    <a:lumMod val="65000"/>
+                    <a:lumOff val="35000"/>
+                  </a:schemeClr>
+                </a:solidFill>
+                <a:latin typeface="Calibri" pitchFamily="34" charset="0"/>
                 <a:cs typeface="Times New Roman" panose="02020603050405020304" pitchFamily="18" charset="0"/>
               </a:rPr>
-              <a:t> Shukla</a:t>
-            </a:r>
-          </a:p>
-          <a:p>
-            <a:pPr algn="just"/>
+              <a:t>Aishwarya </a:t>
+            </a:r>
             <a:r>
               <a:rPr lang="en-IN" sz="2000" dirty="0" smtClean="0">
-                <a:latin typeface="Times New Roman" panose="02020603050405020304" pitchFamily="18" charset="0"/>
+                <a:solidFill>
+                  <a:schemeClr val="tx1">
+                    <a:lumMod val="65000"/>
+                    <a:lumOff val="35000"/>
+                  </a:schemeClr>
+                </a:solidFill>
+                <a:latin typeface="Calibri" pitchFamily="34" charset="0"/>
                 <a:cs typeface="Times New Roman" panose="02020603050405020304" pitchFamily="18" charset="0"/>
               </a:rPr>
-              <a:t>               </a:t>
-            </a:r>
-            <a:r>
-              <a:rPr lang="en-IN" sz="2000" dirty="0" err="1" smtClean="0">
-                <a:latin typeface="Times New Roman" panose="02020603050405020304" pitchFamily="18" charset="0"/>
+              <a:t>Naidu</a:t>
+            </a:r>
+          </a:p>
+          <a:p>
+            <a:pPr algn="l">
+              <a:buFont typeface="Arial" pitchFamily="34" charset="0"/>
+              <a:buChar char="•"/>
+            </a:pPr>
+            <a:r>
+              <a:rPr lang="en-IN" sz="2000" dirty="0" smtClean="0">
+                <a:solidFill>
+                  <a:schemeClr val="tx1">
+                    <a:lumMod val="65000"/>
+                    <a:lumOff val="35000"/>
+                  </a:schemeClr>
+                </a:solidFill>
+                <a:latin typeface="Calibri" pitchFamily="34" charset="0"/>
                 <a:cs typeface="Times New Roman" panose="02020603050405020304" pitchFamily="18" charset="0"/>
               </a:rPr>
-              <a:t>Aishwarya</a:t>
+              <a:t>Raina </a:t>
             </a:r>
             <a:r>
               <a:rPr lang="en-IN" sz="2000" dirty="0" smtClean="0">
-                <a:latin typeface="Times New Roman" panose="02020603050405020304" pitchFamily="18" charset="0"/>
-                <a:cs typeface="Times New Roman" panose="02020603050405020304" pitchFamily="18" charset="0"/>
-              </a:rPr>
-              <a:t> Naidu</a:t>
-            </a:r>
-          </a:p>
-          <a:p>
-            <a:pPr algn="just"/>
-            <a:r>
-              <a:rPr lang="en-IN" sz="2000" dirty="0" smtClean="0">
-                <a:latin typeface="Times New Roman" panose="02020603050405020304" pitchFamily="18" charset="0"/>
-                <a:cs typeface="Times New Roman" panose="02020603050405020304" pitchFamily="18" charset="0"/>
-              </a:rPr>
-              <a:t>              Raina </a:t>
-            </a:r>
-            <a:r>
-              <a:rPr lang="en-IN" sz="2000" dirty="0" err="1" smtClean="0">
-                <a:latin typeface="Times New Roman" panose="02020603050405020304" pitchFamily="18" charset="0"/>
+                <a:solidFill>
+                  <a:schemeClr val="tx1">
+                    <a:lumMod val="65000"/>
+                    <a:lumOff val="35000"/>
+                  </a:schemeClr>
+                </a:solidFill>
+                <a:latin typeface="Calibri" pitchFamily="34" charset="0"/>
                 <a:cs typeface="Times New Roman" panose="02020603050405020304" pitchFamily="18" charset="0"/>
               </a:rPr>
               <a:t>Kishor</a:t>
             </a:r>
-            <a:endParaRPr lang="en-IN" sz="2000" dirty="0" smtClean="0">
-              <a:latin typeface="Times New Roman" panose="02020603050405020304" pitchFamily="18" charset="0"/>
-              <a:cs typeface="Times New Roman" panose="02020603050405020304" pitchFamily="18" charset="0"/>
-            </a:endParaRPr>
-          </a:p>
-          <a:p>
-            <a:pPr algn="just"/>
+          </a:p>
+          <a:p>
+            <a:pPr algn="l">
+              <a:buFont typeface="Arial" pitchFamily="34" charset="0"/>
+              <a:buChar char="•"/>
+            </a:pPr>
             <a:r>
               <a:rPr lang="en-IN" sz="2000" dirty="0" smtClean="0">
-                <a:latin typeface="Times New Roman" panose="02020603050405020304" pitchFamily="18" charset="0"/>
+                <a:solidFill>
+                  <a:schemeClr val="tx1">
+                    <a:lumMod val="65000"/>
+                    <a:lumOff val="35000"/>
+                  </a:schemeClr>
+                </a:solidFill>
+                <a:latin typeface="Calibri" pitchFamily="34" charset="0"/>
                 <a:cs typeface="Times New Roman" panose="02020603050405020304" pitchFamily="18" charset="0"/>
               </a:rPr>
-              <a:t>              </a:t>
-            </a:r>
-            <a:r>
-              <a:rPr lang="en-IN" sz="2000" dirty="0" err="1" smtClean="0">
-                <a:latin typeface="Times New Roman" panose="02020603050405020304" pitchFamily="18" charset="0"/>
+              <a:t>Jayneeta </a:t>
+            </a:r>
+            <a:r>
+              <a:rPr lang="en-IN" sz="2000" dirty="0" smtClean="0">
+                <a:solidFill>
+                  <a:schemeClr val="tx1">
+                    <a:lumMod val="65000"/>
+                    <a:lumOff val="35000"/>
+                  </a:schemeClr>
+                </a:solidFill>
+                <a:latin typeface="Calibri" pitchFamily="34" charset="0"/>
                 <a:cs typeface="Times New Roman" panose="02020603050405020304" pitchFamily="18" charset="0"/>
               </a:rPr>
-              <a:t>Jayneeta</a:t>
-            </a:r>
+              <a:t>Sinha</a:t>
+            </a:r>
+          </a:p>
+          <a:p>
+            <a:pPr algn="l">
+              <a:buFont typeface="Arial" pitchFamily="34" charset="0"/>
+              <a:buChar char="•"/>
+            </a:pPr>
             <a:r>
               <a:rPr lang="en-IN" sz="2000" dirty="0" smtClean="0">
-                <a:latin typeface="Times New Roman" panose="02020603050405020304" pitchFamily="18" charset="0"/>
+                <a:solidFill>
+                  <a:schemeClr val="tx1">
+                    <a:lumMod val="65000"/>
+                    <a:lumOff val="35000"/>
+                  </a:schemeClr>
+                </a:solidFill>
+                <a:latin typeface="Calibri" pitchFamily="34" charset="0"/>
                 <a:cs typeface="Times New Roman" panose="02020603050405020304" pitchFamily="18" charset="0"/>
               </a:rPr>
-              <a:t> Sinha</a:t>
-            </a:r>
-          </a:p>
-          <a:p>
-            <a:pPr algn="just"/>
+              <a:t>Priyanka </a:t>
+            </a:r>
             <a:r>
               <a:rPr lang="en-IN" sz="2000" dirty="0" smtClean="0">
-                <a:latin typeface="Times New Roman" panose="02020603050405020304" pitchFamily="18" charset="0"/>
+                <a:solidFill>
+                  <a:schemeClr val="tx1">
+                    <a:lumMod val="65000"/>
+                    <a:lumOff val="35000"/>
+                  </a:schemeClr>
+                </a:solidFill>
+                <a:latin typeface="Calibri" pitchFamily="34" charset="0"/>
                 <a:cs typeface="Times New Roman" panose="02020603050405020304" pitchFamily="18" charset="0"/>
               </a:rPr>
-              <a:t>              </a:t>
-            </a:r>
-            <a:r>
-              <a:rPr lang="en-IN" sz="2000" dirty="0" err="1" smtClean="0">
-                <a:latin typeface="Times New Roman" panose="02020603050405020304" pitchFamily="18" charset="0"/>
-                <a:cs typeface="Times New Roman" panose="02020603050405020304" pitchFamily="18" charset="0"/>
-              </a:rPr>
-              <a:t>Priyanka</a:t>
-            </a:r>
-            <a:r>
-              <a:rPr lang="en-IN" sz="2000" dirty="0" smtClean="0">
-                <a:latin typeface="Times New Roman" panose="02020603050405020304" pitchFamily="18" charset="0"/>
-                <a:cs typeface="Times New Roman" panose="02020603050405020304" pitchFamily="18" charset="0"/>
-              </a:rPr>
-              <a:t> </a:t>
-            </a:r>
-            <a:r>
-              <a:rPr lang="en-IN" sz="2000" dirty="0" err="1" smtClean="0">
-                <a:latin typeface="Times New Roman" panose="02020603050405020304" pitchFamily="18" charset="0"/>
-                <a:cs typeface="Times New Roman" panose="02020603050405020304" pitchFamily="18" charset="0"/>
-              </a:rPr>
-              <a:t>Koparkar</a:t>
-            </a:r>
-            <a:r>
-              <a:rPr lang="en-IN" sz="2000" dirty="0" smtClean="0">
-                <a:latin typeface="Times New Roman" panose="02020603050405020304" pitchFamily="18" charset="0"/>
-                <a:cs typeface="Times New Roman" panose="02020603050405020304" pitchFamily="18" charset="0"/>
-              </a:rPr>
-              <a:t> </a:t>
+              <a:t>Koparkar </a:t>
             </a:r>
             <a:endParaRPr lang="en-IN" sz="2000" dirty="0">
-              <a:latin typeface="Times New Roman" panose="02020603050405020304" pitchFamily="18" charset="0"/>
+              <a:solidFill>
+                <a:schemeClr val="tx1">
+                  <a:lumMod val="65000"/>
+                  <a:lumOff val="35000"/>
+                </a:schemeClr>
+              </a:solidFill>
+              <a:latin typeface="Calibri" pitchFamily="34" charset="0"/>
               <a:cs typeface="Times New Roman" panose="02020603050405020304" pitchFamily="18" charset="0"/>
             </a:endParaRPr>
           </a:p>
@@ -6133,7 +9471,7 @@
     </p:spTree>
     <p:extLst>
       <p:ext uri="{BB962C8B-B14F-4D97-AF65-F5344CB8AC3E}">
-        <p14:creationId xmlns="" xmlns:p14="http://schemas.microsoft.com/office/powerpoint/2010/main" val="1646587919"/>
+        <p14:creationId xmlns:p14="http://schemas.microsoft.com/office/powerpoint/2010/main" xmlns="" val="1646587919"/>
       </p:ext>
     </p:extLst>
   </p:cSld>
@@ -6612,14 +9950,238 @@
       </p:grpSpPr>
       <p:sp>
         <p:nvSpPr>
-          <p:cNvPr id="4" name="Rounded Rectangle 3"/>
+          <p:cNvPr id="2" name="Title 1"/>
+          <p:cNvSpPr>
+            <a:spLocks noGrp="1"/>
+          </p:cNvSpPr>
+          <p:nvPr>
+            <p:ph type="title"/>
+          </p:nvPr>
+        </p:nvSpPr>
+        <p:spPr>
+          <a:xfrm>
+            <a:off x="749906" y="2772229"/>
+            <a:ext cx="8596668" cy="1320800"/>
+          </a:xfrm>
+        </p:spPr>
+        <p:txBody>
+          <a:bodyPr>
+            <a:noAutofit/>
+          </a:bodyPr>
+          <a:lstStyle/>
+          <a:p>
+            <a:pPr algn="ctr"/>
+            <a:r>
+              <a:rPr lang="en-US" sz="5400" b="1" baseline="-25000" dirty="0" smtClean="0">
+                <a:solidFill>
+                  <a:srgbClr val="0070C0"/>
+                </a:solidFill>
+                <a:latin typeface="Calibri" pitchFamily="34" charset="0"/>
+                <a:cs typeface="Arial" pitchFamily="34" charset="0"/>
+              </a:rPr>
+              <a:t>Service Layer / Application Logic</a:t>
+            </a:r>
+            <a:endParaRPr lang="en-IN" sz="5400" b="1" baseline="-25000" dirty="0">
+              <a:solidFill>
+                <a:srgbClr val="0070C0"/>
+              </a:solidFill>
+              <a:latin typeface="Calibri" pitchFamily="34" charset="0"/>
+              <a:cs typeface="Arial" pitchFamily="34" charset="0"/>
+            </a:endParaRPr>
+          </a:p>
+        </p:txBody>
+      </p:sp>
+    </p:spTree>
+  </p:cSld>
+  <p:clrMapOvr>
+    <a:masterClrMapping/>
+  </p:clrMapOvr>
+  <p:timing>
+    <p:tnLst>
+      <p:par>
+        <p:cTn id="1" dur="indefinite" restart="never" nodeType="tmRoot"/>
+      </p:par>
+    </p:tnLst>
+  </p:timing>
+</p:sld>
+</file>
+
+<file path=ppt/slides/slide11.xml><?xml version="1.0" encoding="utf-8"?>
+<p:sld xmlns:a="http://schemas.openxmlformats.org/drawingml/2006/main" xmlns:r="http://schemas.openxmlformats.org/officeDocument/2006/relationships" xmlns:p="http://schemas.openxmlformats.org/presentationml/2006/main">
+  <p:cSld>
+    <p:spTree>
+      <p:nvGrpSpPr>
+        <p:cNvPr id="1" name=""/>
+        <p:cNvGrpSpPr/>
+        <p:nvPr/>
+      </p:nvGrpSpPr>
+      <p:grpSpPr>
+        <a:xfrm>
+          <a:off x="0" y="0"/>
+          <a:ext cx="0" cy="0"/>
+          <a:chOff x="0" y="0"/>
+          <a:chExt cx="0" cy="0"/>
+        </a:xfrm>
+      </p:grpSpPr>
+      <p:sp>
+        <p:nvSpPr>
+          <p:cNvPr id="14" name="Oval 13"/>
           <p:cNvSpPr/>
           <p:nvPr/>
         </p:nvSpPr>
         <p:spPr>
           <a:xfrm>
-            <a:off x="638637" y="3018970"/>
-            <a:ext cx="1785257" cy="1074057"/>
+            <a:off x="2438405" y="5624277"/>
+            <a:ext cx="1654628" cy="1066801"/>
+          </a:xfrm>
+          <a:prstGeom prst="ellipse">
+            <a:avLst/>
+          </a:prstGeom>
+        </p:spPr>
+        <p:style>
+          <a:lnRef idx="2">
+            <a:schemeClr val="accent1">
+              <a:shade val="50000"/>
+            </a:schemeClr>
+          </a:lnRef>
+          <a:fillRef idx="1">
+            <a:schemeClr val="accent1"/>
+          </a:fillRef>
+          <a:effectRef idx="0">
+            <a:schemeClr val="accent1"/>
+          </a:effectRef>
+          <a:fontRef idx="minor">
+            <a:schemeClr val="lt1"/>
+          </a:fontRef>
+        </p:style>
+        <p:txBody>
+          <a:bodyPr rtlCol="0" anchor="ctr"/>
+          <a:lstStyle/>
+          <a:p>
+            <a:pPr algn="ctr"/>
+            <a:r>
+              <a:rPr lang="en-US" dirty="0" smtClean="0">
+                <a:latin typeface="Calibri" pitchFamily="34" charset="0"/>
+              </a:rPr>
+              <a:t>Database</a:t>
+            </a:r>
+            <a:endParaRPr lang="en-IN" dirty="0">
+              <a:latin typeface="Calibri" pitchFamily="34" charset="0"/>
+            </a:endParaRPr>
+          </a:p>
+        </p:txBody>
+      </p:sp>
+      <p:sp>
+        <p:nvSpPr>
+          <p:cNvPr id="11" name="Title 1"/>
+          <p:cNvSpPr>
+            <a:spLocks noGrp="1"/>
+          </p:cNvSpPr>
+          <p:nvPr>
+            <p:ph type="title"/>
+          </p:nvPr>
+        </p:nvSpPr>
+        <p:spPr>
+          <a:xfrm>
+            <a:off x="662820" y="203200"/>
+            <a:ext cx="8596668" cy="1320800"/>
+          </a:xfrm>
+        </p:spPr>
+        <p:txBody>
+          <a:bodyPr>
+            <a:noAutofit/>
+          </a:bodyPr>
+          <a:lstStyle/>
+          <a:p>
+            <a:pPr algn="ctr"/>
+            <a:r>
+              <a:rPr lang="en-IN" sz="5400" dirty="0" smtClean="0">
+                <a:solidFill>
+                  <a:srgbClr val="0070C0"/>
+                </a:solidFill>
+                <a:latin typeface="Calibri" pitchFamily="34" charset="0"/>
+                <a:cs typeface="Arial" panose="020B0604020202020204" pitchFamily="34" charset="0"/>
+              </a:rPr>
+              <a:t>Application Architecture</a:t>
+            </a:r>
+            <a:endParaRPr lang="en-IN" sz="5400" dirty="0">
+              <a:solidFill>
+                <a:srgbClr val="0070C0"/>
+              </a:solidFill>
+              <a:latin typeface="Calibri" pitchFamily="34" charset="0"/>
+              <a:cs typeface="Arial" panose="020B0604020202020204" pitchFamily="34" charset="0"/>
+            </a:endParaRPr>
+          </a:p>
+        </p:txBody>
+      </p:sp>
+      <p:graphicFrame>
+        <p:nvGraphicFramePr>
+          <p:cNvPr id="12" name="Diagram 11"/>
+          <p:cNvGraphicFramePr/>
+          <p:nvPr/>
+        </p:nvGraphicFramePr>
+        <p:xfrm>
+          <a:off x="711206" y="3251192"/>
+          <a:ext cx="4731657" cy="2002971"/>
+        </p:xfrm>
+        <a:graphic>
+          <a:graphicData uri="http://schemas.openxmlformats.org/drawingml/2006/diagram">
+            <dgm:relIds xmlns:dgm="http://schemas.openxmlformats.org/drawingml/2006/diagram" xmlns:r="http://schemas.openxmlformats.org/officeDocument/2006/relationships" r:dm="rId2" r:lo="rId3" r:qs="rId4" r:cs="rId5"/>
+          </a:graphicData>
+        </a:graphic>
+      </p:graphicFrame>
+      <p:sp>
+        <p:nvSpPr>
+          <p:cNvPr id="16" name="Left Arrow 15"/>
+          <p:cNvSpPr/>
+          <p:nvPr/>
+        </p:nvSpPr>
+        <p:spPr>
+          <a:xfrm rot="16200000">
+            <a:off x="2924634" y="5275937"/>
+            <a:ext cx="566057" cy="391886"/>
+          </a:xfrm>
+          <a:prstGeom prst="leftArrow">
+            <a:avLst/>
+          </a:prstGeom>
+        </p:spPr>
+        <p:style>
+          <a:lnRef idx="2">
+            <a:schemeClr val="accent1">
+              <a:shade val="50000"/>
+            </a:schemeClr>
+          </a:lnRef>
+          <a:fillRef idx="1">
+            <a:schemeClr val="accent1"/>
+          </a:fillRef>
+          <a:effectRef idx="0">
+            <a:schemeClr val="accent1"/>
+          </a:effectRef>
+          <a:fontRef idx="minor">
+            <a:schemeClr val="lt1"/>
+          </a:fontRef>
+        </p:style>
+        <p:txBody>
+          <a:bodyPr rtlCol="0" anchor="ctr"/>
+          <a:lstStyle/>
+          <a:p>
+            <a:pPr algn="ctr"/>
+            <a:endParaRPr lang="en-IN">
+              <a:latin typeface="Calibri" pitchFamily="34" charset="0"/>
+            </a:endParaRPr>
+          </a:p>
+        </p:txBody>
+      </p:sp>
+      <p:sp>
+        <p:nvSpPr>
+          <p:cNvPr id="17" name="Rounded Rectangle 16"/>
+          <p:cNvSpPr/>
+          <p:nvPr/>
+        </p:nvSpPr>
+        <p:spPr>
+          <a:xfrm>
+            <a:off x="5820233" y="4644565"/>
+            <a:ext cx="2148115" cy="595086"/>
           </a:xfrm>
           <a:prstGeom prst="roundRect">
             <a:avLst/>
@@ -6647,37 +10209,29 @@
           <a:p>
             <a:pPr algn="ctr"/>
             <a:r>
-              <a:rPr lang="en-US" sz="2800" dirty="0" smtClean="0">
-                <a:solidFill>
-                  <a:schemeClr val="bg1"/>
-                </a:solidFill>
-                <a:latin typeface="Times New Roman" pitchFamily="18" charset="0"/>
-                <a:cs typeface="Times New Roman" pitchFamily="18" charset="0"/>
+              <a:rPr lang="en-US" dirty="0" smtClean="0">
+                <a:latin typeface="Calibri" pitchFamily="34" charset="0"/>
               </a:rPr>
-              <a:t>Services</a:t>
-            </a:r>
-            <a:endParaRPr lang="en-US" sz="2800" dirty="0">
-              <a:solidFill>
-                <a:schemeClr val="bg1"/>
-              </a:solidFill>
-              <a:latin typeface="Times New Roman" pitchFamily="18" charset="0"/>
-              <a:cs typeface="Times New Roman" pitchFamily="18" charset="0"/>
+              <a:t>Data Objects</a:t>
+            </a:r>
+            <a:endParaRPr lang="en-IN" dirty="0">
+              <a:latin typeface="Calibri" pitchFamily="34" charset="0"/>
             </a:endParaRPr>
           </a:p>
         </p:txBody>
       </p:sp>
       <p:sp>
         <p:nvSpPr>
-          <p:cNvPr id="5" name="Rounded Rectangle 4"/>
+          <p:cNvPr id="15" name="Left Arrow 14"/>
           <p:cNvSpPr/>
           <p:nvPr/>
         </p:nvSpPr>
         <p:spPr>
           <a:xfrm>
-            <a:off x="3236697" y="3062514"/>
-            <a:ext cx="1930400" cy="986972"/>
+            <a:off x="5326749" y="4731651"/>
+            <a:ext cx="566057" cy="391886"/>
           </a:xfrm>
-          <a:prstGeom prst="roundRect">
+          <a:prstGeom prst="leftArrow">
             <a:avLst/>
           </a:prstGeom>
         </p:spPr>
@@ -6702,33 +10256,137 @@
           <a:lstStyle/>
           <a:p>
             <a:pPr algn="ctr"/>
-            <a:r>
-              <a:rPr lang="en-US" sz="2800" dirty="0" smtClean="0">
-                <a:latin typeface="Times New Roman" pitchFamily="18" charset="0"/>
-                <a:cs typeface="Times New Roman" pitchFamily="18" charset="0"/>
-              </a:rPr>
-              <a:t>Handlers</a:t>
-            </a:r>
-            <a:endParaRPr lang="en-US" sz="2800" dirty="0">
-              <a:latin typeface="Times New Roman" pitchFamily="18" charset="0"/>
-              <a:cs typeface="Times New Roman" pitchFamily="18" charset="0"/>
+            <a:endParaRPr lang="en-IN">
+              <a:latin typeface="Calibri" pitchFamily="34" charset="0"/>
             </a:endParaRPr>
           </a:p>
         </p:txBody>
       </p:sp>
+      <p:grpSp>
+        <p:nvGrpSpPr>
+          <p:cNvPr id="20" name="Group 19"/>
+          <p:cNvGrpSpPr/>
+          <p:nvPr/>
+        </p:nvGrpSpPr>
+        <p:grpSpPr>
+          <a:xfrm>
+            <a:off x="6052457" y="1393370"/>
+            <a:ext cx="1770743" cy="1553028"/>
+            <a:chOff x="5791200" y="1451428"/>
+            <a:chExt cx="1770743" cy="1553028"/>
+          </a:xfrm>
+        </p:grpSpPr>
+        <p:sp>
+          <p:nvSpPr>
+            <p:cNvPr id="18" name="Rounded Rectangle 17"/>
+            <p:cNvSpPr/>
+            <p:nvPr/>
+          </p:nvSpPr>
+          <p:spPr>
+            <a:xfrm>
+              <a:off x="5791200" y="1451428"/>
+              <a:ext cx="1770743" cy="1553028"/>
+            </a:xfrm>
+            <a:prstGeom prst="roundRect">
+              <a:avLst/>
+            </a:prstGeom>
+          </p:spPr>
+          <p:style>
+            <a:lnRef idx="2">
+              <a:schemeClr val="accent1">
+                <a:shade val="50000"/>
+              </a:schemeClr>
+            </a:lnRef>
+            <a:fillRef idx="1">
+              <a:schemeClr val="accent1"/>
+            </a:fillRef>
+            <a:effectRef idx="0">
+              <a:schemeClr val="accent1"/>
+            </a:effectRef>
+            <a:fontRef idx="minor">
+              <a:schemeClr val="lt1"/>
+            </a:fontRef>
+          </p:style>
+          <p:txBody>
+            <a:bodyPr rtlCol="0" anchor="ctr"/>
+            <a:lstStyle/>
+            <a:p>
+              <a:pPr algn="ctr"/>
+              <a:r>
+                <a:rPr lang="en-US" dirty="0" smtClean="0">
+                  <a:latin typeface="Calibri" pitchFamily="34" charset="0"/>
+                </a:rPr>
+                <a:t>UI</a:t>
+              </a:r>
+              <a:endParaRPr lang="en-IN" dirty="0">
+                <a:latin typeface="Calibri" pitchFamily="34" charset="0"/>
+              </a:endParaRPr>
+            </a:p>
+          </p:txBody>
+        </p:sp>
+        <p:sp>
+          <p:nvSpPr>
+            <p:cNvPr id="19" name="Smiley Face 18"/>
+            <p:cNvSpPr/>
+            <p:nvPr/>
+          </p:nvSpPr>
+          <p:spPr>
+            <a:xfrm>
+              <a:off x="6850743" y="2264229"/>
+              <a:ext cx="522515" cy="551543"/>
+            </a:xfrm>
+            <a:prstGeom prst="smileyFace">
+              <a:avLst>
+                <a:gd name="adj" fmla="val 4653"/>
+              </a:avLst>
+            </a:prstGeom>
+          </p:spPr>
+          <p:style>
+            <a:lnRef idx="2">
+              <a:schemeClr val="accent1">
+                <a:shade val="50000"/>
+              </a:schemeClr>
+            </a:lnRef>
+            <a:fillRef idx="1">
+              <a:schemeClr val="accent1"/>
+            </a:fillRef>
+            <a:effectRef idx="0">
+              <a:schemeClr val="accent1"/>
+            </a:effectRef>
+            <a:fontRef idx="minor">
+              <a:schemeClr val="lt1"/>
+            </a:fontRef>
+          </p:style>
+          <p:txBody>
+            <a:bodyPr rtlCol="0" anchor="ctr"/>
+            <a:lstStyle/>
+            <a:p>
+              <a:pPr algn="ctr"/>
+              <a:endParaRPr lang="en-IN">
+                <a:latin typeface="Calibri" pitchFamily="34" charset="0"/>
+              </a:endParaRPr>
+            </a:p>
+          </p:txBody>
+        </p:sp>
+      </p:grpSp>
       <p:sp>
         <p:nvSpPr>
-          <p:cNvPr id="6" name="Rounded Rectangle 5"/>
+          <p:cNvPr id="22" name="Bent Arrow 21"/>
           <p:cNvSpPr/>
           <p:nvPr/>
         </p:nvSpPr>
         <p:spPr>
-          <a:xfrm>
-            <a:off x="5892809" y="3077029"/>
-            <a:ext cx="1683664" cy="1030519"/>
+          <a:xfrm rot="16200000" flipH="1">
+            <a:off x="3817260" y="986973"/>
+            <a:ext cx="1117600" cy="3614054"/>
           </a:xfrm>
-          <a:prstGeom prst="roundRect">
-            <a:avLst/>
+          <a:prstGeom prst="bentArrow">
+            <a:avLst>
+              <a:gd name="adj1" fmla="val 22381"/>
+              <a:gd name="adj2" fmla="val 25000"/>
+              <a:gd name="adj3" fmla="val 25060"/>
+              <a:gd name="adj4" fmla="val 42560"/>
+            </a:avLst>
           </a:prstGeom>
         </p:spPr>
         <p:style>
@@ -6752,248 +10410,11 @@
           <a:lstStyle/>
           <a:p>
             <a:pPr algn="ctr"/>
-            <a:r>
-              <a:rPr lang="en-US" sz="2400" dirty="0" smtClean="0">
-                <a:latin typeface="Times New Roman" pitchFamily="18" charset="0"/>
-                <a:cs typeface="Times New Roman" pitchFamily="18" charset="0"/>
-              </a:rPr>
-              <a:t>DAO Classes</a:t>
-            </a:r>
-            <a:endParaRPr lang="en-US" sz="2400" dirty="0">
-              <a:latin typeface="Times New Roman" pitchFamily="18" charset="0"/>
-              <a:cs typeface="Times New Roman" pitchFamily="18" charset="0"/>
-            </a:endParaRPr>
-          </a:p>
-        </p:txBody>
-      </p:sp>
-      <p:sp>
-        <p:nvSpPr>
-          <p:cNvPr id="7" name="Rounded Rectangle 6"/>
-          <p:cNvSpPr/>
-          <p:nvPr/>
-        </p:nvSpPr>
-        <p:spPr>
-          <a:xfrm>
-            <a:off x="8345721" y="3091542"/>
-            <a:ext cx="1669143" cy="1030514"/>
-          </a:xfrm>
-          <a:prstGeom prst="roundRect">
-            <a:avLst/>
-          </a:prstGeom>
-        </p:spPr>
-        <p:style>
-          <a:lnRef idx="2">
-            <a:schemeClr val="accent1">
-              <a:shade val="50000"/>
-            </a:schemeClr>
-          </a:lnRef>
-          <a:fillRef idx="1">
-            <a:schemeClr val="accent1"/>
-          </a:fillRef>
-          <a:effectRef idx="0">
-            <a:schemeClr val="accent1"/>
-          </a:effectRef>
-          <a:fontRef idx="minor">
-            <a:schemeClr val="lt1"/>
-          </a:fontRef>
-        </p:style>
-        <p:txBody>
-          <a:bodyPr rtlCol="0" anchor="ctr"/>
-          <a:lstStyle/>
-          <a:p>
-            <a:pPr algn="ctr"/>
-            <a:r>
-              <a:rPr lang="en-US" sz="2400" dirty="0" smtClean="0">
-                <a:latin typeface="Times New Roman" pitchFamily="18" charset="0"/>
-                <a:cs typeface="Times New Roman" pitchFamily="18" charset="0"/>
-              </a:rPr>
-              <a:t>Data Classes</a:t>
-            </a:r>
-            <a:endParaRPr lang="en-US" sz="2400" dirty="0">
-              <a:latin typeface="Times New Roman" pitchFamily="18" charset="0"/>
-              <a:cs typeface="Times New Roman" pitchFamily="18" charset="0"/>
-            </a:endParaRPr>
-          </a:p>
-        </p:txBody>
-      </p:sp>
-      <p:sp>
-        <p:nvSpPr>
-          <p:cNvPr id="8" name="Right Arrow 7"/>
-          <p:cNvSpPr/>
-          <p:nvPr/>
-        </p:nvSpPr>
-        <p:spPr>
-          <a:xfrm>
-            <a:off x="2496457" y="3454400"/>
-            <a:ext cx="682172" cy="261257"/>
-          </a:xfrm>
-          <a:prstGeom prst="rightArrow">
-            <a:avLst/>
-          </a:prstGeom>
-        </p:spPr>
-        <p:style>
-          <a:lnRef idx="2">
-            <a:schemeClr val="accent2">
-              <a:shade val="50000"/>
-            </a:schemeClr>
-          </a:lnRef>
-          <a:fillRef idx="1">
-            <a:schemeClr val="accent2"/>
-          </a:fillRef>
-          <a:effectRef idx="0">
-            <a:schemeClr val="accent2"/>
-          </a:effectRef>
-          <a:fontRef idx="minor">
-            <a:schemeClr val="lt1"/>
-          </a:fontRef>
-        </p:style>
-        <p:txBody>
-          <a:bodyPr rtlCol="0" anchor="ctr"/>
-          <a:lstStyle/>
-          <a:p>
-            <a:pPr algn="ctr"/>
-            <a:endParaRPr lang="en-US"/>
-          </a:p>
-        </p:txBody>
-      </p:sp>
-      <p:sp>
-        <p:nvSpPr>
-          <p:cNvPr id="9" name="Right Arrow 8"/>
-          <p:cNvSpPr/>
-          <p:nvPr/>
-        </p:nvSpPr>
-        <p:spPr>
-          <a:xfrm>
-            <a:off x="5203372" y="3403600"/>
-            <a:ext cx="682172" cy="261257"/>
-          </a:xfrm>
-          <a:prstGeom prst="rightArrow">
-            <a:avLst/>
-          </a:prstGeom>
-        </p:spPr>
-        <p:style>
-          <a:lnRef idx="2">
-            <a:schemeClr val="accent2">
-              <a:shade val="50000"/>
-            </a:schemeClr>
-          </a:lnRef>
-          <a:fillRef idx="1">
-            <a:schemeClr val="accent2"/>
-          </a:fillRef>
-          <a:effectRef idx="0">
-            <a:schemeClr val="accent2"/>
-          </a:effectRef>
-          <a:fontRef idx="minor">
-            <a:schemeClr val="lt1"/>
-          </a:fontRef>
-        </p:style>
-        <p:txBody>
-          <a:bodyPr rtlCol="0" anchor="ctr"/>
-          <a:lstStyle/>
-          <a:p>
-            <a:pPr algn="ctr"/>
-            <a:endParaRPr lang="en-US"/>
-          </a:p>
-        </p:txBody>
-      </p:sp>
-      <p:sp>
-        <p:nvSpPr>
-          <p:cNvPr id="10" name="Right Arrow 9"/>
-          <p:cNvSpPr/>
-          <p:nvPr/>
-        </p:nvSpPr>
-        <p:spPr>
-          <a:xfrm>
-            <a:off x="7663543" y="3468914"/>
-            <a:ext cx="682172" cy="261257"/>
-          </a:xfrm>
-          <a:prstGeom prst="rightArrow">
-            <a:avLst/>
-          </a:prstGeom>
-        </p:spPr>
-        <p:style>
-          <a:lnRef idx="2">
-            <a:schemeClr val="accent2">
-              <a:shade val="50000"/>
-            </a:schemeClr>
-          </a:lnRef>
-          <a:fillRef idx="1">
-            <a:schemeClr val="accent2"/>
-          </a:fillRef>
-          <a:effectRef idx="0">
-            <a:schemeClr val="accent2"/>
-          </a:effectRef>
-          <a:fontRef idx="minor">
-            <a:schemeClr val="lt1"/>
-          </a:fontRef>
-        </p:style>
-        <p:txBody>
-          <a:bodyPr rtlCol="0" anchor="ctr"/>
-          <a:lstStyle/>
-          <a:p>
-            <a:pPr algn="ctr"/>
-            <a:endParaRPr lang="en-US"/>
-          </a:p>
-        </p:txBody>
-      </p:sp>
-      <p:sp>
-        <p:nvSpPr>
-          <p:cNvPr id="11" name="Title 1"/>
-          <p:cNvSpPr>
-            <a:spLocks noGrp="1"/>
-          </p:cNvSpPr>
-          <p:nvPr>
-            <p:ph type="title"/>
-          </p:nvPr>
-        </p:nvSpPr>
-        <p:spPr>
-          <a:xfrm>
-            <a:off x="677334" y="609600"/>
-            <a:ext cx="8596668" cy="1320800"/>
-          </a:xfrm>
-        </p:spPr>
-        <p:txBody>
-          <a:bodyPr>
-            <a:noAutofit/>
-          </a:bodyPr>
-          <a:lstStyle/>
-          <a:p>
-            <a:pPr algn="ctr"/>
-            <a:r>
-              <a:rPr lang="en-IN" sz="5400" dirty="0" smtClean="0">
-                <a:solidFill>
-                  <a:srgbClr val="0070C0"/>
-                </a:solidFill>
-                <a:latin typeface="Arial" panose="020B0604020202020204" pitchFamily="34" charset="0"/>
-                <a:cs typeface="Arial" panose="020B0604020202020204" pitchFamily="34" charset="0"/>
-              </a:rPr>
-              <a:t>Flow in Web Services:</a:t>
-            </a:r>
-            <a:r>
-              <a:rPr lang="en-IN" sz="5400" dirty="0" smtClean="0">
-                <a:solidFill>
-                  <a:srgbClr val="0070C0"/>
-                </a:solidFill>
-                <a:latin typeface="Arial" panose="020B0604020202020204" pitchFamily="34" charset="0"/>
-                <a:cs typeface="Arial" panose="020B0604020202020204" pitchFamily="34" charset="0"/>
-              </a:rPr>
-              <a:t/>
-            </a:r>
-            <a:br>
-              <a:rPr lang="en-IN" sz="5400" dirty="0" smtClean="0">
-                <a:solidFill>
-                  <a:srgbClr val="0070C0"/>
-                </a:solidFill>
-                <a:latin typeface="Arial" panose="020B0604020202020204" pitchFamily="34" charset="0"/>
-                <a:cs typeface="Arial" panose="020B0604020202020204" pitchFamily="34" charset="0"/>
-              </a:rPr>
-            </a:br>
-            <a:endParaRPr lang="en-IN" sz="5400" dirty="0">
+            <a:endParaRPr lang="en-IN">
               <a:solidFill>
-                <a:srgbClr val="0070C0"/>
+                <a:schemeClr val="tx1"/>
               </a:solidFill>
-              <a:latin typeface="Arial" panose="020B0604020202020204" pitchFamily="34" charset="0"/>
-              <a:cs typeface="Arial" panose="020B0604020202020204" pitchFamily="34" charset="0"/>
+              <a:latin typeface="Calibri" pitchFamily="34" charset="0"/>
             </a:endParaRPr>
           </a:p>
         </p:txBody>
@@ -7064,498 +10485,6 @@
                             </p:childTnLst>
                           </p:cTn>
                         </p:par>
-                        <p:par>
-                          <p:cTn id="8" fill="hold">
-                            <p:stCondLst>
-                              <p:cond delay="1000"/>
-                            </p:stCondLst>
-                            <p:childTnLst>
-                              <p:par>
-                                <p:cTn id="9" presetID="42" presetClass="entr" presetSubtype="0" fill="hold" grpId="0" nodeType="afterEffect">
-                                  <p:stCondLst>
-                                    <p:cond delay="0"/>
-                                  </p:stCondLst>
-                                  <p:childTnLst>
-                                    <p:set>
-                                      <p:cBhvr>
-                                        <p:cTn id="10" dur="1" fill="hold">
-                                          <p:stCondLst>
-                                            <p:cond delay="0"/>
-                                          </p:stCondLst>
-                                        </p:cTn>
-                                        <p:tgtEl>
-                                          <p:spTgt spid="4"/>
-                                        </p:tgtEl>
-                                        <p:attrNameLst>
-                                          <p:attrName>style.visibility</p:attrName>
-                                        </p:attrNameLst>
-                                      </p:cBhvr>
-                                      <p:to>
-                                        <p:strVal val="visible"/>
-                                      </p:to>
-                                    </p:set>
-                                    <p:animEffect transition="in" filter="fade">
-                                      <p:cBhvr>
-                                        <p:cTn id="11" dur="500"/>
-                                        <p:tgtEl>
-                                          <p:spTgt spid="4"/>
-                                        </p:tgtEl>
-                                      </p:cBhvr>
-                                    </p:animEffect>
-                                    <p:anim calcmode="lin" valueType="num">
-                                      <p:cBhvr>
-                                        <p:cTn id="12" dur="500" fill="hold"/>
-                                        <p:tgtEl>
-                                          <p:spTgt spid="4"/>
-                                        </p:tgtEl>
-                                        <p:attrNameLst>
-                                          <p:attrName>ppt_x</p:attrName>
-                                        </p:attrNameLst>
-                                      </p:cBhvr>
-                                      <p:tavLst>
-                                        <p:tav tm="0">
-                                          <p:val>
-                                            <p:strVal val="#ppt_x"/>
-                                          </p:val>
-                                        </p:tav>
-                                        <p:tav tm="100000">
-                                          <p:val>
-                                            <p:strVal val="#ppt_x"/>
-                                          </p:val>
-                                        </p:tav>
-                                      </p:tavLst>
-                                    </p:anim>
-                                    <p:anim calcmode="lin" valueType="num">
-                                      <p:cBhvr>
-                                        <p:cTn id="13" dur="500" fill="hold"/>
-                                        <p:tgtEl>
-                                          <p:spTgt spid="4"/>
-                                        </p:tgtEl>
-                                        <p:attrNameLst>
-                                          <p:attrName>ppt_y</p:attrName>
-                                        </p:attrNameLst>
-                                      </p:cBhvr>
-                                      <p:tavLst>
-                                        <p:tav tm="0">
-                                          <p:val>
-                                            <p:strVal val="#ppt_y+.1"/>
-                                          </p:val>
-                                        </p:tav>
-                                        <p:tav tm="100000">
-                                          <p:val>
-                                            <p:strVal val="#ppt_y"/>
-                                          </p:val>
-                                        </p:tav>
-                                      </p:tavLst>
-                                    </p:anim>
-                                  </p:childTnLst>
-                                </p:cTn>
-                              </p:par>
-                            </p:childTnLst>
-                          </p:cTn>
-                        </p:par>
-                        <p:par>
-                          <p:cTn id="14" fill="hold">
-                            <p:stCondLst>
-                              <p:cond delay="1500"/>
-                            </p:stCondLst>
-                            <p:childTnLst>
-                              <p:par>
-                                <p:cTn id="15" presetID="12" presetClass="entr" presetSubtype="4" fill="hold" grpId="0" nodeType="afterEffect">
-                                  <p:stCondLst>
-                                    <p:cond delay="0"/>
-                                  </p:stCondLst>
-                                  <p:childTnLst>
-                                    <p:set>
-                                      <p:cBhvr>
-                                        <p:cTn id="16" dur="1" fill="hold">
-                                          <p:stCondLst>
-                                            <p:cond delay="0"/>
-                                          </p:stCondLst>
-                                        </p:cTn>
-                                        <p:tgtEl>
-                                          <p:spTgt spid="8"/>
-                                        </p:tgtEl>
-                                        <p:attrNameLst>
-                                          <p:attrName>style.visibility</p:attrName>
-                                        </p:attrNameLst>
-                                      </p:cBhvr>
-                                      <p:to>
-                                        <p:strVal val="visible"/>
-                                      </p:to>
-                                    </p:set>
-                                    <p:animEffect transition="in" filter="slide(fromBottom)">
-                                      <p:cBhvr>
-                                        <p:cTn id="17" dur="500"/>
-                                        <p:tgtEl>
-                                          <p:spTgt spid="8"/>
-                                        </p:tgtEl>
-                                      </p:cBhvr>
-                                    </p:animEffect>
-                                  </p:childTnLst>
-                                </p:cTn>
-                              </p:par>
-                            </p:childTnLst>
-                          </p:cTn>
-                        </p:par>
-                        <p:par>
-                          <p:cTn id="18" fill="hold">
-                            <p:stCondLst>
-                              <p:cond delay="2000"/>
-                            </p:stCondLst>
-                            <p:childTnLst>
-                              <p:par>
-                                <p:cTn id="19" presetID="42" presetClass="entr" presetSubtype="0" fill="hold" grpId="0" nodeType="afterEffect">
-                                  <p:stCondLst>
-                                    <p:cond delay="0"/>
-                                  </p:stCondLst>
-                                  <p:childTnLst>
-                                    <p:set>
-                                      <p:cBhvr>
-                                        <p:cTn id="20" dur="1" fill="hold">
-                                          <p:stCondLst>
-                                            <p:cond delay="0"/>
-                                          </p:stCondLst>
-                                        </p:cTn>
-                                        <p:tgtEl>
-                                          <p:spTgt spid="5"/>
-                                        </p:tgtEl>
-                                        <p:attrNameLst>
-                                          <p:attrName>style.visibility</p:attrName>
-                                        </p:attrNameLst>
-                                      </p:cBhvr>
-                                      <p:to>
-                                        <p:strVal val="visible"/>
-                                      </p:to>
-                                    </p:set>
-                                    <p:animEffect transition="in" filter="fade">
-                                      <p:cBhvr>
-                                        <p:cTn id="21" dur="500"/>
-                                        <p:tgtEl>
-                                          <p:spTgt spid="5"/>
-                                        </p:tgtEl>
-                                      </p:cBhvr>
-                                    </p:animEffect>
-                                    <p:anim calcmode="lin" valueType="num">
-                                      <p:cBhvr>
-                                        <p:cTn id="22" dur="500" fill="hold"/>
-                                        <p:tgtEl>
-                                          <p:spTgt spid="5"/>
-                                        </p:tgtEl>
-                                        <p:attrNameLst>
-                                          <p:attrName>ppt_x</p:attrName>
-                                        </p:attrNameLst>
-                                      </p:cBhvr>
-                                      <p:tavLst>
-                                        <p:tav tm="0">
-                                          <p:val>
-                                            <p:strVal val="#ppt_x"/>
-                                          </p:val>
-                                        </p:tav>
-                                        <p:tav tm="100000">
-                                          <p:val>
-                                            <p:strVal val="#ppt_x"/>
-                                          </p:val>
-                                        </p:tav>
-                                      </p:tavLst>
-                                    </p:anim>
-                                    <p:anim calcmode="lin" valueType="num">
-                                      <p:cBhvr>
-                                        <p:cTn id="23" dur="500" fill="hold"/>
-                                        <p:tgtEl>
-                                          <p:spTgt spid="5"/>
-                                        </p:tgtEl>
-                                        <p:attrNameLst>
-                                          <p:attrName>ppt_y</p:attrName>
-                                        </p:attrNameLst>
-                                      </p:cBhvr>
-                                      <p:tavLst>
-                                        <p:tav tm="0">
-                                          <p:val>
-                                            <p:strVal val="#ppt_y+.1"/>
-                                          </p:val>
-                                        </p:tav>
-                                        <p:tav tm="100000">
-                                          <p:val>
-                                            <p:strVal val="#ppt_y"/>
-                                          </p:val>
-                                        </p:tav>
-                                      </p:tavLst>
-                                    </p:anim>
-                                  </p:childTnLst>
-                                </p:cTn>
-                              </p:par>
-                            </p:childTnLst>
-                          </p:cTn>
-                        </p:par>
-                        <p:par>
-                          <p:cTn id="24" fill="hold">
-                            <p:stCondLst>
-                              <p:cond delay="2500"/>
-                            </p:stCondLst>
-                            <p:childTnLst>
-                              <p:par>
-                                <p:cTn id="25" presetID="12" presetClass="entr" presetSubtype="4" fill="hold" grpId="0" nodeType="afterEffect">
-                                  <p:stCondLst>
-                                    <p:cond delay="0"/>
-                                  </p:stCondLst>
-                                  <p:childTnLst>
-                                    <p:set>
-                                      <p:cBhvr>
-                                        <p:cTn id="26" dur="1" fill="hold">
-                                          <p:stCondLst>
-                                            <p:cond delay="0"/>
-                                          </p:stCondLst>
-                                        </p:cTn>
-                                        <p:tgtEl>
-                                          <p:spTgt spid="9"/>
-                                        </p:tgtEl>
-                                        <p:attrNameLst>
-                                          <p:attrName>style.visibility</p:attrName>
-                                        </p:attrNameLst>
-                                      </p:cBhvr>
-                                      <p:to>
-                                        <p:strVal val="visible"/>
-                                      </p:to>
-                                    </p:set>
-                                    <p:animEffect transition="in" filter="slide(fromBottom)">
-                                      <p:cBhvr>
-                                        <p:cTn id="27" dur="500"/>
-                                        <p:tgtEl>
-                                          <p:spTgt spid="9"/>
-                                        </p:tgtEl>
-                                      </p:cBhvr>
-                                    </p:animEffect>
-                                  </p:childTnLst>
-                                </p:cTn>
-                              </p:par>
-                            </p:childTnLst>
-                          </p:cTn>
-                        </p:par>
-                        <p:par>
-                          <p:cTn id="28" fill="hold">
-                            <p:stCondLst>
-                              <p:cond delay="3000"/>
-                            </p:stCondLst>
-                            <p:childTnLst>
-                              <p:par>
-                                <p:cTn id="29" presetID="42" presetClass="entr" presetSubtype="0" fill="hold" grpId="0" nodeType="afterEffect">
-                                  <p:stCondLst>
-                                    <p:cond delay="0"/>
-                                  </p:stCondLst>
-                                  <p:childTnLst>
-                                    <p:set>
-                                      <p:cBhvr>
-                                        <p:cTn id="30" dur="1" fill="hold">
-                                          <p:stCondLst>
-                                            <p:cond delay="0"/>
-                                          </p:stCondLst>
-                                        </p:cTn>
-                                        <p:tgtEl>
-                                          <p:spTgt spid="6"/>
-                                        </p:tgtEl>
-                                        <p:attrNameLst>
-                                          <p:attrName>style.visibility</p:attrName>
-                                        </p:attrNameLst>
-                                      </p:cBhvr>
-                                      <p:to>
-                                        <p:strVal val="visible"/>
-                                      </p:to>
-                                    </p:set>
-                                    <p:animEffect transition="in" filter="fade">
-                                      <p:cBhvr>
-                                        <p:cTn id="31" dur="500"/>
-                                        <p:tgtEl>
-                                          <p:spTgt spid="6"/>
-                                        </p:tgtEl>
-                                      </p:cBhvr>
-                                    </p:animEffect>
-                                    <p:anim calcmode="lin" valueType="num">
-                                      <p:cBhvr>
-                                        <p:cTn id="32" dur="500" fill="hold"/>
-                                        <p:tgtEl>
-                                          <p:spTgt spid="6"/>
-                                        </p:tgtEl>
-                                        <p:attrNameLst>
-                                          <p:attrName>ppt_x</p:attrName>
-                                        </p:attrNameLst>
-                                      </p:cBhvr>
-                                      <p:tavLst>
-                                        <p:tav tm="0">
-                                          <p:val>
-                                            <p:strVal val="#ppt_x"/>
-                                          </p:val>
-                                        </p:tav>
-                                        <p:tav tm="100000">
-                                          <p:val>
-                                            <p:strVal val="#ppt_x"/>
-                                          </p:val>
-                                        </p:tav>
-                                      </p:tavLst>
-                                    </p:anim>
-                                    <p:anim calcmode="lin" valueType="num">
-                                      <p:cBhvr>
-                                        <p:cTn id="33" dur="500" fill="hold"/>
-                                        <p:tgtEl>
-                                          <p:spTgt spid="6"/>
-                                        </p:tgtEl>
-                                        <p:attrNameLst>
-                                          <p:attrName>ppt_y</p:attrName>
-                                        </p:attrNameLst>
-                                      </p:cBhvr>
-                                      <p:tavLst>
-                                        <p:tav tm="0">
-                                          <p:val>
-                                            <p:strVal val="#ppt_y+.1"/>
-                                          </p:val>
-                                        </p:tav>
-                                        <p:tav tm="100000">
-                                          <p:val>
-                                            <p:strVal val="#ppt_y"/>
-                                          </p:val>
-                                        </p:tav>
-                                      </p:tavLst>
-                                    </p:anim>
-                                  </p:childTnLst>
-                                </p:cTn>
-                              </p:par>
-                            </p:childTnLst>
-                          </p:cTn>
-                        </p:par>
-                        <p:par>
-                          <p:cTn id="34" fill="hold">
-                            <p:stCondLst>
-                              <p:cond delay="3500"/>
-                            </p:stCondLst>
-                            <p:childTnLst>
-                              <p:par>
-                                <p:cTn id="35" presetID="12" presetClass="entr" presetSubtype="4" fill="hold" grpId="0" nodeType="afterEffect">
-                                  <p:stCondLst>
-                                    <p:cond delay="0"/>
-                                  </p:stCondLst>
-                                  <p:childTnLst>
-                                    <p:set>
-                                      <p:cBhvr>
-                                        <p:cTn id="36" dur="1" fill="hold">
-                                          <p:stCondLst>
-                                            <p:cond delay="0"/>
-                                          </p:stCondLst>
-                                        </p:cTn>
-                                        <p:tgtEl>
-                                          <p:spTgt spid="10"/>
-                                        </p:tgtEl>
-                                        <p:attrNameLst>
-                                          <p:attrName>style.visibility</p:attrName>
-                                        </p:attrNameLst>
-                                      </p:cBhvr>
-                                      <p:to>
-                                        <p:strVal val="visible"/>
-                                      </p:to>
-                                    </p:set>
-                                    <p:animEffect transition="in" filter="slide(fromBottom)">
-                                      <p:cBhvr>
-                                        <p:cTn id="37" dur="500"/>
-                                        <p:tgtEl>
-                                          <p:spTgt spid="10"/>
-                                        </p:tgtEl>
-                                      </p:cBhvr>
-                                    </p:animEffect>
-                                  </p:childTnLst>
-                                </p:cTn>
-                              </p:par>
-                            </p:childTnLst>
-                          </p:cTn>
-                        </p:par>
-                        <p:par>
-                          <p:cTn id="38" fill="hold">
-                            <p:stCondLst>
-                              <p:cond delay="4000"/>
-                            </p:stCondLst>
-                            <p:childTnLst>
-                              <p:par>
-                                <p:cTn id="39" presetID="42" presetClass="entr" presetSubtype="0" fill="hold" grpId="0" nodeType="afterEffect">
-                                  <p:stCondLst>
-                                    <p:cond delay="0"/>
-                                  </p:stCondLst>
-                                  <p:childTnLst>
-                                    <p:set>
-                                      <p:cBhvr>
-                                        <p:cTn id="40" dur="1" fill="hold">
-                                          <p:stCondLst>
-                                            <p:cond delay="0"/>
-                                          </p:stCondLst>
-                                        </p:cTn>
-                                        <p:tgtEl>
-                                          <p:spTgt spid="7"/>
-                                        </p:tgtEl>
-                                        <p:attrNameLst>
-                                          <p:attrName>style.visibility</p:attrName>
-                                        </p:attrNameLst>
-                                      </p:cBhvr>
-                                      <p:to>
-                                        <p:strVal val="visible"/>
-                                      </p:to>
-                                    </p:set>
-                                    <p:animEffect transition="in" filter="fade">
-                                      <p:cBhvr>
-                                        <p:cTn id="41" dur="500"/>
-                                        <p:tgtEl>
-                                          <p:spTgt spid="7"/>
-                                        </p:tgtEl>
-                                      </p:cBhvr>
-                                    </p:animEffect>
-                                    <p:anim calcmode="lin" valueType="num">
-                                      <p:cBhvr>
-                                        <p:cTn id="42" dur="500" fill="hold"/>
-                                        <p:tgtEl>
-                                          <p:spTgt spid="7"/>
-                                        </p:tgtEl>
-                                        <p:attrNameLst>
-                                          <p:attrName>ppt_x</p:attrName>
-                                        </p:attrNameLst>
-                                      </p:cBhvr>
-                                      <p:tavLst>
-                                        <p:tav tm="0">
-                                          <p:val>
-                                            <p:strVal val="#ppt_x"/>
-                                          </p:val>
-                                        </p:tav>
-                                        <p:tav tm="100000">
-                                          <p:val>
-                                            <p:strVal val="#ppt_x"/>
-                                          </p:val>
-                                        </p:tav>
-                                      </p:tavLst>
-                                    </p:anim>
-                                    <p:anim calcmode="lin" valueType="num">
-                                      <p:cBhvr>
-                                        <p:cTn id="43" dur="500" fill="hold"/>
-                                        <p:tgtEl>
-                                          <p:spTgt spid="7"/>
-                                        </p:tgtEl>
-                                        <p:attrNameLst>
-                                          <p:attrName>ppt_y</p:attrName>
-                                        </p:attrNameLst>
-                                      </p:cBhvr>
-                                      <p:tavLst>
-                                        <p:tav tm="0">
-                                          <p:val>
-                                            <p:strVal val="#ppt_y+.1"/>
-                                          </p:val>
-                                        </p:tav>
-                                        <p:tav tm="100000">
-                                          <p:val>
-                                            <p:strVal val="#ppt_y"/>
-                                          </p:val>
-                                        </p:tav>
-                                      </p:tavLst>
-                                    </p:anim>
-                                  </p:childTnLst>
-                                </p:cTn>
-                              </p:par>
-                            </p:childTnLst>
-                          </p:cTn>
-                        </p:par>
                       </p:childTnLst>
                     </p:cTn>
                   </p:par>
@@ -7581,20 +10510,13 @@
       </p:par>
     </p:tnLst>
     <p:bldLst>
-      <p:bldP spid="4" grpId="0" animBg="1"/>
-      <p:bldP spid="5" grpId="0" animBg="1"/>
-      <p:bldP spid="6" grpId="0" animBg="1"/>
-      <p:bldP spid="7" grpId="0" animBg="1"/>
-      <p:bldP spid="8" grpId="0" animBg="1"/>
-      <p:bldP spid="9" grpId="0" animBg="1"/>
-      <p:bldP spid="10" grpId="0" animBg="1"/>
       <p:bldP spid="11" grpId="0"/>
     </p:bldLst>
   </p:timing>
 </p:sld>
 </file>
 
-<file path=ppt/slides/slide11.xml><?xml version="1.0" encoding="utf-8"?>
+<file path=ppt/slides/slide12.xml><?xml version="1.0" encoding="utf-8"?>
 <p:sld xmlns:a="http://schemas.openxmlformats.org/drawingml/2006/main" xmlns:r="http://schemas.openxmlformats.org/officeDocument/2006/relationships" xmlns:p="http://schemas.openxmlformats.org/presentationml/2006/main">
   <p:cSld>
     <p:spTree>
@@ -7621,151 +10543,282 @@
             <p:ph type="title"/>
           </p:nvPr>
         </p:nvSpPr>
-        <p:spPr>
-          <a:xfrm>
-            <a:off x="1014959" y="2514599"/>
-            <a:ext cx="8466956" cy="1300871"/>
-          </a:xfrm>
-        </p:spPr>
+        <p:spPr/>
         <p:txBody>
           <a:bodyPr>
-            <a:noAutofit/>
+            <a:normAutofit/>
           </a:bodyPr>
           <a:lstStyle/>
           <a:p>
-            <a:pPr algn="ctr"/>
-            <a:r>
-              <a:rPr lang="en-IN" sz="8000" dirty="0" smtClean="0">
-                <a:solidFill>
-                  <a:srgbClr val="0070C0"/>
-                </a:solidFill>
-                <a:latin typeface="Arial" panose="020B0604020202020204" pitchFamily="34" charset="0"/>
-                <a:cs typeface="Arial" panose="020B0604020202020204" pitchFamily="34" charset="0"/>
+            <a:r>
+              <a:rPr lang="en-US" sz="4800" b="1" dirty="0" smtClean="0">
+                <a:latin typeface="Calibri" pitchFamily="34" charset="0"/>
               </a:rPr>
-              <a:t>Analysis</a:t>
-            </a:r>
-            <a:br>
-              <a:rPr lang="en-IN" sz="8000" dirty="0" smtClean="0">
-                <a:solidFill>
-                  <a:srgbClr val="0070C0"/>
-                </a:solidFill>
-                <a:latin typeface="Arial" panose="020B0604020202020204" pitchFamily="34" charset="0"/>
-                <a:cs typeface="Arial" panose="020B0604020202020204" pitchFamily="34" charset="0"/>
+              <a:t>Services</a:t>
+            </a:r>
+            <a:endParaRPr lang="en-IN" sz="4800" b="1" dirty="0">
+              <a:latin typeface="Calibri" pitchFamily="34" charset="0"/>
+            </a:endParaRPr>
+          </a:p>
+        </p:txBody>
+      </p:sp>
+      <p:sp>
+        <p:nvSpPr>
+          <p:cNvPr id="3" name="Content Placeholder 2"/>
+          <p:cNvSpPr>
+            <a:spLocks noGrp="1"/>
+          </p:cNvSpPr>
+          <p:nvPr>
+            <p:ph idx="1"/>
+          </p:nvPr>
+        </p:nvSpPr>
+        <p:spPr/>
+        <p:txBody>
+          <a:bodyPr>
+            <a:normAutofit/>
+          </a:bodyPr>
+          <a:lstStyle/>
+          <a:p>
+            <a:r>
+              <a:rPr lang="en-US" sz="2400" dirty="0" smtClean="0">
+                <a:latin typeface="Calibri" pitchFamily="34" charset="0"/>
               </a:rPr>
-            </a:br>
-            <a:endParaRPr lang="en-IN" sz="8000" dirty="0">
-              <a:solidFill>
-                <a:srgbClr val="0070C0"/>
-              </a:solidFill>
-              <a:latin typeface="Arial" panose="020B0604020202020204" pitchFamily="34" charset="0"/>
-              <a:cs typeface="Arial" panose="020B0604020202020204" pitchFamily="34" charset="0"/>
+              <a:t>Makes use of @Path annotation provided </a:t>
+            </a:r>
+            <a:r>
+              <a:rPr lang="en-US" sz="2400" smtClean="0">
+                <a:latin typeface="Calibri" pitchFamily="34" charset="0"/>
+              </a:rPr>
+              <a:t>by Jersey</a:t>
+            </a:r>
+            <a:endParaRPr lang="en-US" sz="2400" dirty="0" smtClean="0">
+              <a:latin typeface="Calibri" pitchFamily="34" charset="0"/>
             </a:endParaRPr>
           </a:p>
         </p:txBody>
       </p:sp>
     </p:spTree>
-    <p:extLst>
-      <p:ext uri="{BB962C8B-B14F-4D97-AF65-F5344CB8AC3E}">
-        <p14:creationId xmlns="" xmlns:p14="http://schemas.microsoft.com/office/powerpoint/2010/main" val="1829217413"/>
-      </p:ext>
-    </p:extLst>
   </p:cSld>
   <p:clrMapOvr>
     <a:masterClrMapping/>
   </p:clrMapOvr>
-  <p:timing>
-    <p:tnLst>
-      <p:par>
-        <p:cTn id="1" dur="indefinite" restart="never" nodeType="tmRoot">
-          <p:childTnLst>
-            <p:seq concurrent="1" nextAc="seek">
-              <p:cTn id="2" dur="indefinite" nodeType="mainSeq">
-                <p:childTnLst>
-                  <p:par>
-                    <p:cTn id="3" fill="hold">
-                      <p:stCondLst>
-                        <p:cond delay="indefinite"/>
-                        <p:cond evt="onBegin" delay="0">
-                          <p:tn val="2"/>
-                        </p:cond>
-                      </p:stCondLst>
-                      <p:childTnLst>
-                        <p:par>
-                          <p:cTn id="4" fill="hold">
-                            <p:stCondLst>
-                              <p:cond delay="0"/>
-                            </p:stCondLst>
-                            <p:childTnLst>
-                              <p:par>
-                                <p:cTn id="5" presetID="10" presetClass="entr" presetSubtype="0" fill="hold" grpId="0" nodeType="afterEffect">
-                                  <p:stCondLst>
-                                    <p:cond delay="0"/>
-                                  </p:stCondLst>
-                                  <p:childTnLst>
-                                    <p:set>
-                                      <p:cBhvr>
-                                        <p:cTn id="6" dur="1" fill="hold">
-                                          <p:stCondLst>
-                                            <p:cond delay="0"/>
-                                          </p:stCondLst>
-                                        </p:cTn>
-                                        <p:tgtEl>
-                                          <p:spTgt spid="2"/>
-                                        </p:tgtEl>
-                                        <p:attrNameLst>
-                                          <p:attrName>style.visibility</p:attrName>
-                                        </p:attrNameLst>
-                                      </p:cBhvr>
-                                      <p:to>
-                                        <p:strVal val="visible"/>
-                                      </p:to>
-                                    </p:set>
-                                    <p:animEffect transition="in" filter="fade">
-                                      <p:cBhvr>
-                                        <p:cTn id="7" dur="2000"/>
-                                        <p:tgtEl>
-                                          <p:spTgt spid="2"/>
-                                        </p:tgtEl>
-                                      </p:cBhvr>
-                                    </p:animEffect>
-                                  </p:childTnLst>
-                                </p:cTn>
-                              </p:par>
-                            </p:childTnLst>
-                          </p:cTn>
-                        </p:par>
-                      </p:childTnLst>
-                    </p:cTn>
-                  </p:par>
-                </p:childTnLst>
-              </p:cTn>
-              <p:prevCondLst>
-                <p:cond evt="onPrev" delay="0">
-                  <p:tgtEl>
-                    <p:sldTgt/>
-                  </p:tgtEl>
-                </p:cond>
-              </p:prevCondLst>
-              <p:nextCondLst>
-                <p:cond evt="onNext" delay="0">
-                  <p:tgtEl>
-                    <p:sldTgt/>
-                  </p:tgtEl>
-                </p:cond>
-              </p:nextCondLst>
-            </p:seq>
-          </p:childTnLst>
-        </p:cTn>
-      </p:par>
-    </p:tnLst>
-    <p:bldLst>
-      <p:bldP spid="2" grpId="0"/>
-    </p:bldLst>
-  </p:timing>
 </p:sld>
 </file>
 
-<file path=ppt/slides/slide12.xml><?xml version="1.0" encoding="utf-8"?>
+<file path=ppt/slides/slide13.xml><?xml version="1.0" encoding="utf-8"?>
+<p:sld xmlns:a="http://schemas.openxmlformats.org/drawingml/2006/main" xmlns:r="http://schemas.openxmlformats.org/officeDocument/2006/relationships" xmlns:p="http://schemas.openxmlformats.org/presentationml/2006/main">
+  <p:cSld>
+    <p:spTree>
+      <p:nvGrpSpPr>
+        <p:cNvPr id="1" name=""/>
+        <p:cNvGrpSpPr/>
+        <p:nvPr/>
+      </p:nvGrpSpPr>
+      <p:grpSpPr>
+        <a:xfrm>
+          <a:off x="0" y="0"/>
+          <a:ext cx="0" cy="0"/>
+          <a:chOff x="0" y="0"/>
+          <a:chExt cx="0" cy="0"/>
+        </a:xfrm>
+      </p:grpSpPr>
+      <p:sp>
+        <p:nvSpPr>
+          <p:cNvPr id="2" name="Title 1"/>
+          <p:cNvSpPr>
+            <a:spLocks noGrp="1"/>
+          </p:cNvSpPr>
+          <p:nvPr>
+            <p:ph type="title"/>
+          </p:nvPr>
+        </p:nvSpPr>
+        <p:spPr/>
+        <p:txBody>
+          <a:bodyPr/>
+          <a:lstStyle/>
+          <a:p>
+            <a:r>
+              <a:rPr lang="en-US" dirty="0" smtClean="0">
+                <a:latin typeface="Calibri" pitchFamily="34" charset="0"/>
+              </a:rPr>
+              <a:t>Handlers</a:t>
+            </a:r>
+            <a:endParaRPr lang="en-IN" dirty="0">
+              <a:latin typeface="Calibri" pitchFamily="34" charset="0"/>
+            </a:endParaRPr>
+          </a:p>
+        </p:txBody>
+      </p:sp>
+      <p:sp>
+        <p:nvSpPr>
+          <p:cNvPr id="3" name="Content Placeholder 2"/>
+          <p:cNvSpPr>
+            <a:spLocks noGrp="1"/>
+          </p:cNvSpPr>
+          <p:nvPr>
+            <p:ph idx="1"/>
+          </p:nvPr>
+        </p:nvSpPr>
+        <p:spPr/>
+        <p:txBody>
+          <a:bodyPr/>
+          <a:lstStyle/>
+          <a:p>
+            <a:endParaRPr lang="en-IN">
+              <a:latin typeface="Calibri" pitchFamily="34" charset="0"/>
+            </a:endParaRPr>
+          </a:p>
+        </p:txBody>
+      </p:sp>
+    </p:spTree>
+  </p:cSld>
+  <p:clrMapOvr>
+    <a:masterClrMapping/>
+  </p:clrMapOvr>
+</p:sld>
+</file>
+
+<file path=ppt/slides/slide14.xml><?xml version="1.0" encoding="utf-8"?>
+<p:sld xmlns:a="http://schemas.openxmlformats.org/drawingml/2006/main" xmlns:r="http://schemas.openxmlformats.org/officeDocument/2006/relationships" xmlns:p="http://schemas.openxmlformats.org/presentationml/2006/main">
+  <p:cSld>
+    <p:spTree>
+      <p:nvGrpSpPr>
+        <p:cNvPr id="1" name=""/>
+        <p:cNvGrpSpPr/>
+        <p:nvPr/>
+      </p:nvGrpSpPr>
+      <p:grpSpPr>
+        <a:xfrm>
+          <a:off x="0" y="0"/>
+          <a:ext cx="0" cy="0"/>
+          <a:chOff x="0" y="0"/>
+          <a:chExt cx="0" cy="0"/>
+        </a:xfrm>
+      </p:grpSpPr>
+      <p:sp>
+        <p:nvSpPr>
+          <p:cNvPr id="2" name="Title 1"/>
+          <p:cNvSpPr>
+            <a:spLocks noGrp="1"/>
+          </p:cNvSpPr>
+          <p:nvPr>
+            <p:ph type="title"/>
+          </p:nvPr>
+        </p:nvSpPr>
+        <p:spPr/>
+        <p:txBody>
+          <a:bodyPr/>
+          <a:lstStyle/>
+          <a:p>
+            <a:r>
+              <a:rPr lang="en-US" dirty="0" smtClean="0">
+                <a:latin typeface="Calibri" pitchFamily="34" charset="0"/>
+              </a:rPr>
+              <a:t>DAO – Data Access Objects</a:t>
+            </a:r>
+            <a:endParaRPr lang="en-IN" dirty="0">
+              <a:latin typeface="Calibri" pitchFamily="34" charset="0"/>
+            </a:endParaRPr>
+          </a:p>
+        </p:txBody>
+      </p:sp>
+      <p:sp>
+        <p:nvSpPr>
+          <p:cNvPr id="3" name="Content Placeholder 2"/>
+          <p:cNvSpPr>
+            <a:spLocks noGrp="1"/>
+          </p:cNvSpPr>
+          <p:nvPr>
+            <p:ph idx="1"/>
+          </p:nvPr>
+        </p:nvSpPr>
+        <p:spPr/>
+        <p:txBody>
+          <a:bodyPr/>
+          <a:lstStyle/>
+          <a:p>
+            <a:endParaRPr lang="en-IN">
+              <a:latin typeface="Calibri" pitchFamily="34" charset="0"/>
+            </a:endParaRPr>
+          </a:p>
+        </p:txBody>
+      </p:sp>
+    </p:spTree>
+  </p:cSld>
+  <p:clrMapOvr>
+    <a:masterClrMapping/>
+  </p:clrMapOvr>
+</p:sld>
+</file>
+
+<file path=ppt/slides/slide15.xml><?xml version="1.0" encoding="utf-8"?>
+<p:sld xmlns:a="http://schemas.openxmlformats.org/drawingml/2006/main" xmlns:r="http://schemas.openxmlformats.org/officeDocument/2006/relationships" xmlns:p="http://schemas.openxmlformats.org/presentationml/2006/main">
+  <p:cSld>
+    <p:spTree>
+      <p:nvGrpSpPr>
+        <p:cNvPr id="1" name=""/>
+        <p:cNvGrpSpPr/>
+        <p:nvPr/>
+      </p:nvGrpSpPr>
+      <p:grpSpPr>
+        <a:xfrm>
+          <a:off x="0" y="0"/>
+          <a:ext cx="0" cy="0"/>
+          <a:chOff x="0" y="0"/>
+          <a:chExt cx="0" cy="0"/>
+        </a:xfrm>
+      </p:grpSpPr>
+      <p:sp>
+        <p:nvSpPr>
+          <p:cNvPr id="2" name="Title 1"/>
+          <p:cNvSpPr>
+            <a:spLocks noGrp="1"/>
+          </p:cNvSpPr>
+          <p:nvPr>
+            <p:ph type="title"/>
+          </p:nvPr>
+        </p:nvSpPr>
+        <p:spPr/>
+        <p:txBody>
+          <a:bodyPr/>
+          <a:lstStyle/>
+          <a:p>
+            <a:endParaRPr lang="en-IN">
+              <a:latin typeface="Calibri" pitchFamily="34" charset="0"/>
+            </a:endParaRPr>
+          </a:p>
+        </p:txBody>
+      </p:sp>
+      <p:sp>
+        <p:nvSpPr>
+          <p:cNvPr id="3" name="Content Placeholder 2"/>
+          <p:cNvSpPr>
+            <a:spLocks noGrp="1"/>
+          </p:cNvSpPr>
+          <p:nvPr>
+            <p:ph idx="1"/>
+          </p:nvPr>
+        </p:nvSpPr>
+        <p:spPr/>
+        <p:txBody>
+          <a:bodyPr/>
+          <a:lstStyle/>
+          <a:p>
+            <a:endParaRPr lang="en-IN">
+              <a:latin typeface="Calibri" pitchFamily="34" charset="0"/>
+            </a:endParaRPr>
+          </a:p>
+        </p:txBody>
+      </p:sp>
+    </p:spTree>
+  </p:cSld>
+  <p:clrMapOvr>
+    <a:masterClrMapping/>
+  </p:clrMapOvr>
+</p:sld>
+</file>
+
+<file path=ppt/slides/slide16.xml><?xml version="1.0" encoding="utf-8"?>
 <p:sld xmlns:a="http://schemas.openxmlformats.org/drawingml/2006/main" xmlns:r="http://schemas.openxmlformats.org/officeDocument/2006/relationships" xmlns:p="http://schemas.openxmlformats.org/presentationml/2006/main">
   <p:cSld>
     <p:spTree>
@@ -7810,27 +10863,17 @@
                 <a:solidFill>
                   <a:srgbClr val="0070C0"/>
                 </a:solidFill>
-                <a:latin typeface="Arial" panose="020B0604020202020204" pitchFamily="34" charset="0"/>
+                <a:latin typeface="Calibri" pitchFamily="34" charset="0"/>
                 <a:cs typeface="Arial" panose="020B0604020202020204" pitchFamily="34" charset="0"/>
               </a:rPr>
               <a:t>Challenges Faced:</a:t>
-            </a:r>
-            <a:r>
-              <a:rPr lang="en-IN" sz="5400" dirty="0" smtClean="0">
-                <a:solidFill>
-                  <a:srgbClr val="0070C0"/>
-                </a:solidFill>
-                <a:latin typeface="Arial" panose="020B0604020202020204" pitchFamily="34" charset="0"/>
-                <a:cs typeface="Arial" panose="020B0604020202020204" pitchFamily="34" charset="0"/>
-              </a:rPr>
-              <a:t/>
             </a:r>
             <a:br>
               <a:rPr lang="en-IN" sz="5400" dirty="0" smtClean="0">
                 <a:solidFill>
                   <a:srgbClr val="0070C0"/>
                 </a:solidFill>
-                <a:latin typeface="Arial" panose="020B0604020202020204" pitchFamily="34" charset="0"/>
+                <a:latin typeface="Calibri" pitchFamily="34" charset="0"/>
                 <a:cs typeface="Arial" panose="020B0604020202020204" pitchFamily="34" charset="0"/>
               </a:rPr>
             </a:br>
@@ -7838,7 +10881,7 @@
               <a:solidFill>
                 <a:srgbClr val="0070C0"/>
               </a:solidFill>
-              <a:latin typeface="Arial" panose="020B0604020202020204" pitchFamily="34" charset="0"/>
+              <a:latin typeface="Calibri" pitchFamily="34" charset="0"/>
               <a:cs typeface="Arial" panose="020B0604020202020204" pitchFamily="34" charset="0"/>
             </a:endParaRPr>
           </a:p>
@@ -7867,7 +10910,7 @@
             <a:pPr marL="0" indent="0"/>
             <a:r>
               <a:rPr lang="en-IN" sz="2400" dirty="0" smtClean="0">
-                <a:latin typeface="Times New Roman" pitchFamily="18" charset="0"/>
+                <a:latin typeface="Calibri" pitchFamily="34" charset="0"/>
                 <a:cs typeface="Times New Roman" pitchFamily="18" charset="0"/>
               </a:rPr>
               <a:t>Collecting the district data for each state.</a:t>
@@ -7877,7 +10920,7 @@
             <a:pPr marL="0" indent="0"/>
             <a:r>
               <a:rPr lang="en-IN" sz="2400" dirty="0" smtClean="0">
-                <a:latin typeface="Times New Roman" pitchFamily="18" charset="0"/>
+                <a:latin typeface="Calibri" pitchFamily="34" charset="0"/>
                 <a:cs typeface="Times New Roman" pitchFamily="18" charset="0"/>
               </a:rPr>
               <a:t>Rendering the data on the Map.</a:t>
@@ -7887,38 +10930,31 @@
             <a:pPr marL="0" indent="0"/>
             <a:r>
               <a:rPr lang="en-IN" sz="2400" dirty="0" smtClean="0">
-                <a:latin typeface="Times New Roman" pitchFamily="18" charset="0"/>
+                <a:latin typeface="Calibri" pitchFamily="34" charset="0"/>
                 <a:cs typeface="Times New Roman" pitchFamily="18" charset="0"/>
               </a:rPr>
-              <a:t>Rendering multiple parameters on sa</a:t>
-            </a:r>
+              <a:t>Rendering multiple parameters on same graph.</a:t>
+            </a:r>
+          </a:p>
+          <a:p>
+            <a:pPr marL="0" indent="0"/>
             <a:r>
               <a:rPr lang="en-IN" sz="2400" dirty="0" smtClean="0">
-                <a:latin typeface="Times New Roman" pitchFamily="18" charset="0"/>
-                <a:cs typeface="Times New Roman" pitchFamily="18" charset="0"/>
-              </a:rPr>
-              <a:t>me graph.</a:t>
-            </a:r>
-          </a:p>
-          <a:p>
-            <a:pPr marL="0" indent="0"/>
-            <a:r>
-              <a:rPr lang="en-IN" sz="2400" dirty="0" smtClean="0">
-                <a:latin typeface="Times New Roman" pitchFamily="18" charset="0"/>
+                <a:latin typeface="Calibri" pitchFamily="34" charset="0"/>
                 <a:cs typeface="Times New Roman" pitchFamily="18" charset="0"/>
               </a:rPr>
               <a:t>Resizing problems with </a:t>
             </a:r>
             <a:r>
               <a:rPr lang="en-IN" sz="2400" dirty="0" err="1" smtClean="0">
-                <a:latin typeface="Times New Roman" pitchFamily="18" charset="0"/>
+                <a:latin typeface="Calibri" pitchFamily="34" charset="0"/>
                 <a:cs typeface="Times New Roman" pitchFamily="18" charset="0"/>
               </a:rPr>
               <a:t>Dimplejs</a:t>
             </a:r>
             <a:r>
               <a:rPr lang="en-IN" sz="2400" dirty="0" smtClean="0">
-                <a:latin typeface="Times New Roman" pitchFamily="18" charset="0"/>
+                <a:latin typeface="Calibri" pitchFamily="34" charset="0"/>
                 <a:cs typeface="Times New Roman" pitchFamily="18" charset="0"/>
               </a:rPr>
               <a:t>.</a:t>
@@ -7928,21 +10964,21 @@
             <a:pPr marL="0" indent="0"/>
             <a:r>
               <a:rPr lang="en-IN" sz="2400" dirty="0" smtClean="0">
-                <a:latin typeface="Times New Roman" pitchFamily="18" charset="0"/>
+                <a:latin typeface="Calibri" pitchFamily="34" charset="0"/>
                 <a:cs typeface="Times New Roman" pitchFamily="18" charset="0"/>
               </a:rPr>
               <a:t>Exporting the map as </a:t>
             </a:r>
             <a:r>
               <a:rPr lang="en-IN" sz="2400" dirty="0" err="1" smtClean="0">
-                <a:latin typeface="Times New Roman" pitchFamily="18" charset="0"/>
+                <a:latin typeface="Calibri" pitchFamily="34" charset="0"/>
                 <a:cs typeface="Times New Roman" pitchFamily="18" charset="0"/>
               </a:rPr>
               <a:t>pdf</a:t>
             </a:r>
             <a:r>
               <a:rPr lang="en-IN" sz="2400" dirty="0" smtClean="0">
-                <a:latin typeface="Times New Roman" pitchFamily="18" charset="0"/>
+                <a:latin typeface="Calibri" pitchFamily="34" charset="0"/>
                 <a:cs typeface="Times New Roman" pitchFamily="18" charset="0"/>
               </a:rPr>
               <a:t>.</a:t>
@@ -7952,7 +10988,7 @@
             <a:pPr marL="0" indent="0"/>
             <a:r>
               <a:rPr lang="en-IN" sz="2400" dirty="0" smtClean="0">
-                <a:latin typeface="Times New Roman" pitchFamily="18" charset="0"/>
+                <a:latin typeface="Calibri" pitchFamily="34" charset="0"/>
                 <a:cs typeface="Times New Roman" pitchFamily="18" charset="0"/>
               </a:rPr>
               <a:t>The graphs were unstable after sometime the data was not shown.</a:t>
@@ -7962,13 +10998,17 @@
             <a:pPr marL="0" indent="0">
               <a:buNone/>
             </a:pPr>
-            <a:endParaRPr lang="en-IN" dirty="0" smtClean="0"/>
+            <a:endParaRPr lang="en-IN" dirty="0" smtClean="0">
+              <a:latin typeface="Calibri" pitchFamily="34" charset="0"/>
+            </a:endParaRPr>
           </a:p>
           <a:p>
             <a:pPr marL="0" indent="0">
               <a:buNone/>
             </a:pPr>
-            <a:endParaRPr lang="en-IN" dirty="0" smtClean="0"/>
+            <a:endParaRPr lang="en-IN" dirty="0" smtClean="0">
+              <a:latin typeface="Calibri" pitchFamily="34" charset="0"/>
+            </a:endParaRPr>
           </a:p>
         </p:txBody>
       </p:sp>
@@ -8443,7 +11483,7 @@
 </p:sld>
 </file>
 
-<file path=ppt/slides/slide13.xml><?xml version="1.0" encoding="utf-8"?>
+<file path=ppt/slides/slide17.xml><?xml version="1.0" encoding="utf-8"?>
 <p:sld xmlns:a="http://schemas.openxmlformats.org/drawingml/2006/main" xmlns:r="http://schemas.openxmlformats.org/officeDocument/2006/relationships" xmlns:p="http://schemas.openxmlformats.org/presentationml/2006/main">
   <p:cSld>
     <p:spTree>
@@ -8488,27 +11528,17 @@
                 <a:solidFill>
                   <a:srgbClr val="0070C0"/>
                 </a:solidFill>
-                <a:latin typeface="Arial" panose="020B0604020202020204" pitchFamily="34" charset="0"/>
+                <a:latin typeface="Calibri" pitchFamily="34" charset="0"/>
                 <a:cs typeface="Arial" panose="020B0604020202020204" pitchFamily="34" charset="0"/>
               </a:rPr>
               <a:t>Improvements:</a:t>
-            </a:r>
-            <a:r>
-              <a:rPr lang="en-IN" sz="5400" dirty="0" smtClean="0">
-                <a:solidFill>
-                  <a:srgbClr val="0070C0"/>
-                </a:solidFill>
-                <a:latin typeface="Arial" panose="020B0604020202020204" pitchFamily="34" charset="0"/>
-                <a:cs typeface="Arial" panose="020B0604020202020204" pitchFamily="34" charset="0"/>
-              </a:rPr>
-              <a:t/>
             </a:r>
             <a:br>
               <a:rPr lang="en-IN" sz="5400" dirty="0" smtClean="0">
                 <a:solidFill>
                   <a:srgbClr val="0070C0"/>
                 </a:solidFill>
-                <a:latin typeface="Arial" panose="020B0604020202020204" pitchFamily="34" charset="0"/>
+                <a:latin typeface="Calibri" pitchFamily="34" charset="0"/>
                 <a:cs typeface="Arial" panose="020B0604020202020204" pitchFamily="34" charset="0"/>
               </a:rPr>
             </a:br>
@@ -8516,7 +11546,7 @@
               <a:solidFill>
                 <a:srgbClr val="0070C0"/>
               </a:solidFill>
-              <a:latin typeface="Arial" panose="020B0604020202020204" pitchFamily="34" charset="0"/>
+              <a:latin typeface="Calibri" pitchFamily="34" charset="0"/>
               <a:cs typeface="Arial" panose="020B0604020202020204" pitchFamily="34" charset="0"/>
             </a:endParaRPr>
           </a:p>
@@ -8546,7 +11576,7 @@
               <a:buNone/>
             </a:pPr>
             <a:endParaRPr lang="en-IN" sz="2400" dirty="0" smtClean="0">
-              <a:latin typeface="Times New Roman" pitchFamily="18" charset="0"/>
+              <a:latin typeface="Calibri" pitchFamily="34" charset="0"/>
               <a:cs typeface="Times New Roman" pitchFamily="18" charset="0"/>
             </a:endParaRPr>
           </a:p>
@@ -8554,7 +11584,7 @@
             <a:pPr marL="0" indent="0"/>
             <a:r>
               <a:rPr lang="en-IN" sz="2400" dirty="0" smtClean="0">
-                <a:latin typeface="Times New Roman" pitchFamily="18" charset="0"/>
+                <a:latin typeface="Calibri" pitchFamily="34" charset="0"/>
                 <a:cs typeface="Times New Roman" pitchFamily="18" charset="0"/>
               </a:rPr>
               <a:t>The 4 panels could be merged into 1.</a:t>
@@ -8564,7 +11594,7 @@
             <a:pPr marL="0" indent="0"/>
             <a:r>
               <a:rPr lang="en-IN" sz="2400" dirty="0" smtClean="0">
-                <a:latin typeface="Times New Roman" pitchFamily="18" charset="0"/>
+                <a:latin typeface="Calibri" pitchFamily="34" charset="0"/>
                 <a:cs typeface="Times New Roman" pitchFamily="18" charset="0"/>
               </a:rPr>
               <a:t>Data sink in graphs of state.</a:t>
@@ -8574,35 +11604,35 @@
             <a:pPr marL="0" indent="0"/>
             <a:r>
               <a:rPr lang="en-IN" sz="2400" dirty="0" smtClean="0">
-                <a:latin typeface="Times New Roman" pitchFamily="18" charset="0"/>
+                <a:latin typeface="Calibri" pitchFamily="34" charset="0"/>
                 <a:cs typeface="Times New Roman" pitchFamily="18" charset="0"/>
               </a:rPr>
               <a:t>Providing export options like jpg, </a:t>
             </a:r>
             <a:r>
               <a:rPr lang="en-IN" sz="2400" dirty="0" err="1" smtClean="0">
-                <a:latin typeface="Times New Roman" pitchFamily="18" charset="0"/>
+                <a:latin typeface="Calibri" pitchFamily="34" charset="0"/>
                 <a:cs typeface="Times New Roman" pitchFamily="18" charset="0"/>
               </a:rPr>
               <a:t>png</a:t>
             </a:r>
             <a:r>
               <a:rPr lang="en-IN" sz="2400" dirty="0" smtClean="0">
-                <a:latin typeface="Times New Roman" pitchFamily="18" charset="0"/>
+                <a:latin typeface="Calibri" pitchFamily="34" charset="0"/>
                 <a:cs typeface="Times New Roman" pitchFamily="18" charset="0"/>
               </a:rPr>
               <a:t>, </a:t>
             </a:r>
             <a:r>
               <a:rPr lang="en-IN" sz="2400" dirty="0" err="1" smtClean="0">
-                <a:latin typeface="Times New Roman" pitchFamily="18" charset="0"/>
+                <a:latin typeface="Calibri" pitchFamily="34" charset="0"/>
                 <a:cs typeface="Times New Roman" pitchFamily="18" charset="0"/>
               </a:rPr>
               <a:t>pdf</a:t>
             </a:r>
             <a:r>
               <a:rPr lang="en-IN" sz="2400" dirty="0" smtClean="0">
-                <a:latin typeface="Times New Roman" pitchFamily="18" charset="0"/>
+                <a:latin typeface="Calibri" pitchFamily="34" charset="0"/>
                 <a:cs typeface="Times New Roman" pitchFamily="18" charset="0"/>
               </a:rPr>
               <a:t> to users.</a:t>
@@ -8612,7 +11642,7 @@
             <a:pPr marL="0" indent="0"/>
             <a:r>
               <a:rPr lang="en-IN" sz="2400" dirty="0" smtClean="0">
-                <a:latin typeface="Times New Roman" pitchFamily="18" charset="0"/>
+                <a:latin typeface="Calibri" pitchFamily="34" charset="0"/>
                 <a:cs typeface="Times New Roman" pitchFamily="18" charset="0"/>
               </a:rPr>
               <a:t>Making the maps more resizable.</a:t>
@@ -8622,13 +11652,17 @@
             <a:pPr marL="0" indent="0">
               <a:buNone/>
             </a:pPr>
-            <a:endParaRPr lang="en-IN" dirty="0" smtClean="0"/>
+            <a:endParaRPr lang="en-IN" dirty="0" smtClean="0">
+              <a:latin typeface="Calibri" pitchFamily="34" charset="0"/>
+            </a:endParaRPr>
           </a:p>
           <a:p>
             <a:pPr marL="0" indent="0">
               <a:buNone/>
             </a:pPr>
-            <a:endParaRPr lang="en-IN" dirty="0" smtClean="0"/>
+            <a:endParaRPr lang="en-IN" dirty="0" smtClean="0">
+              <a:latin typeface="Calibri" pitchFamily="34" charset="0"/>
+            </a:endParaRPr>
           </a:p>
         </p:txBody>
       </p:sp>
@@ -9102,7 +12136,7 @@
 </p:sld>
 </file>
 
-<file path=ppt/slides/slide14.xml><?xml version="1.0" encoding="utf-8"?>
+<file path=ppt/slides/slide18.xml><?xml version="1.0" encoding="utf-8"?>
 <p:sld xmlns:a="http://schemas.openxmlformats.org/drawingml/2006/main" xmlns:r="http://schemas.openxmlformats.org/officeDocument/2006/relationships" xmlns:p="http://schemas.openxmlformats.org/presentationml/2006/main">
   <p:cSld>
     <p:spTree>
@@ -9147,27 +12181,17 @@
                 <a:solidFill>
                   <a:srgbClr val="0070C0"/>
                 </a:solidFill>
-                <a:latin typeface="Arial" panose="020B0604020202020204" pitchFamily="34" charset="0"/>
+                <a:latin typeface="Calibri" pitchFamily="34" charset="0"/>
                 <a:cs typeface="Arial" panose="020B0604020202020204" pitchFamily="34" charset="0"/>
               </a:rPr>
               <a:t>THANK YOU</a:t>
-            </a:r>
-            <a:r>
-              <a:rPr lang="en-IN" sz="7200" dirty="0" smtClean="0">
-                <a:solidFill>
-                  <a:srgbClr val="0070C0"/>
-                </a:solidFill>
-                <a:latin typeface="Arial" panose="020B0604020202020204" pitchFamily="34" charset="0"/>
-                <a:cs typeface="Arial" panose="020B0604020202020204" pitchFamily="34" charset="0"/>
-              </a:rPr>
-              <a:t/>
             </a:r>
             <a:br>
               <a:rPr lang="en-IN" sz="7200" dirty="0" smtClean="0">
                 <a:solidFill>
                   <a:srgbClr val="0070C0"/>
                 </a:solidFill>
-                <a:latin typeface="Arial" panose="020B0604020202020204" pitchFamily="34" charset="0"/>
+                <a:latin typeface="Calibri" pitchFamily="34" charset="0"/>
                 <a:cs typeface="Arial" panose="020B0604020202020204" pitchFamily="34" charset="0"/>
               </a:rPr>
             </a:br>
@@ -9175,7 +12199,7 @@
               <a:solidFill>
                 <a:srgbClr val="0070C0"/>
               </a:solidFill>
-              <a:latin typeface="Arial" panose="020B0604020202020204" pitchFamily="34" charset="0"/>
+              <a:latin typeface="Calibri" pitchFamily="34" charset="0"/>
               <a:cs typeface="Arial" panose="020B0604020202020204" pitchFamily="34" charset="0"/>
             </a:endParaRPr>
           </a:p>
@@ -9232,17 +12256,19 @@
           <a:p>
             <a:pPr algn="ctr"/>
             <a:r>
-              <a:rPr lang="en-IN" sz="6000" dirty="0" smtClean="0">
+              <a:rPr lang="en-IN" sz="4800" b="1" dirty="0" smtClean="0">
                 <a:solidFill>
                   <a:srgbClr val="0070C0"/>
                 </a:solidFill>
+                <a:latin typeface="Calibri" pitchFamily="34" charset="0"/>
               </a:rPr>
               <a:t>Purpose </a:t>
             </a:r>
-            <a:endParaRPr lang="en-IN" sz="6000" dirty="0">
+            <a:endParaRPr lang="en-IN" sz="4800" b="1" dirty="0">
               <a:solidFill>
                 <a:srgbClr val="0070C0"/>
               </a:solidFill>
+              <a:latin typeface="Calibri" pitchFamily="34" charset="0"/>
             </a:endParaRPr>
           </a:p>
         </p:txBody>
@@ -9266,7 +12292,7 @@
           <a:p>
             <a:r>
               <a:rPr lang="en-IN" sz="2400" dirty="0" smtClean="0">
-                <a:latin typeface="Times New Roman" panose="02020603050405020304" pitchFamily="18" charset="0"/>
+                <a:latin typeface="Calibri" pitchFamily="34" charset="0"/>
                 <a:cs typeface="Times New Roman" panose="02020603050405020304" pitchFamily="18" charset="0"/>
               </a:rPr>
               <a:t>To analyse various household parameters. </a:t>
@@ -9277,14 +12303,14 @@
               <a:buNone/>
             </a:pPr>
             <a:endParaRPr lang="en-IN" sz="2400" dirty="0" smtClean="0">
-              <a:latin typeface="Times New Roman" panose="02020603050405020304" pitchFamily="18" charset="0"/>
+              <a:latin typeface="Calibri" pitchFamily="34" charset="0"/>
               <a:cs typeface="Times New Roman" panose="02020603050405020304" pitchFamily="18" charset="0"/>
             </a:endParaRPr>
           </a:p>
           <a:p>
             <a:r>
               <a:rPr lang="en-IN" sz="2400" dirty="0" smtClean="0">
-                <a:latin typeface="Times New Roman" panose="02020603050405020304" pitchFamily="18" charset="0"/>
+                <a:latin typeface="Calibri" pitchFamily="34" charset="0"/>
                 <a:cs typeface="Times New Roman" panose="02020603050405020304" pitchFamily="18" charset="0"/>
               </a:rPr>
               <a:t>To analyse the variation of parameters against each other.</a:t>
@@ -9295,20 +12321,20 @@
               <a:buNone/>
             </a:pPr>
             <a:endParaRPr lang="en-IN" sz="2400" dirty="0" smtClean="0">
-              <a:latin typeface="Times New Roman" panose="02020603050405020304" pitchFamily="18" charset="0"/>
+              <a:latin typeface="Calibri" pitchFamily="34" charset="0"/>
               <a:cs typeface="Times New Roman" panose="02020603050405020304" pitchFamily="18" charset="0"/>
             </a:endParaRPr>
           </a:p>
           <a:p>
             <a:r>
               <a:rPr lang="en-IN" sz="2400" dirty="0" smtClean="0">
-                <a:latin typeface="Times New Roman" panose="02020603050405020304" pitchFamily="18" charset="0"/>
+                <a:latin typeface="Calibri" pitchFamily="34" charset="0"/>
                 <a:cs typeface="Times New Roman" panose="02020603050405020304" pitchFamily="18" charset="0"/>
               </a:rPr>
               <a:t>To compare the statistics of data in different years.</a:t>
             </a:r>
             <a:endParaRPr lang="en-IN" sz="2400" dirty="0">
-              <a:latin typeface="Times New Roman" panose="02020603050405020304" pitchFamily="18" charset="0"/>
+              <a:latin typeface="Calibri" pitchFamily="34" charset="0"/>
               <a:cs typeface="Times New Roman" panose="02020603050405020304" pitchFamily="18" charset="0"/>
             </a:endParaRPr>
           </a:p>
@@ -9317,7 +12343,7 @@
     </p:spTree>
     <p:extLst>
       <p:ext uri="{BB962C8B-B14F-4D97-AF65-F5344CB8AC3E}">
-        <p14:creationId xmlns="" xmlns:p14="http://schemas.microsoft.com/office/powerpoint/2010/main" val="1665069484"/>
+        <p14:creationId xmlns:p14="http://schemas.microsoft.com/office/powerpoint/2010/main" xmlns="" val="1665069484"/>
       </p:ext>
     </p:extLst>
   </p:cSld>
@@ -9606,20 +12632,20 @@
           <a:p>
             <a:pPr algn="ctr"/>
             <a:r>
-              <a:rPr lang="en-IN" sz="5400" dirty="0" smtClean="0">
+              <a:rPr lang="en-IN" sz="4800" b="1" dirty="0" smtClean="0">
                 <a:solidFill>
                   <a:srgbClr val="0070C0"/>
                 </a:solidFill>
-                <a:latin typeface="Arial" panose="020B0604020202020204" pitchFamily="34" charset="0"/>
+                <a:latin typeface="Calibri" pitchFamily="34" charset="0"/>
                 <a:cs typeface="Arial" panose="020B0604020202020204" pitchFamily="34" charset="0"/>
               </a:rPr>
               <a:t>Flow of Work</a:t>
             </a:r>
-            <a:endParaRPr lang="en-IN" sz="5400" dirty="0">
+            <a:endParaRPr lang="en-IN" sz="4800" b="1" dirty="0">
               <a:solidFill>
                 <a:srgbClr val="0070C0"/>
               </a:solidFill>
-              <a:latin typeface="Arial" panose="020B0604020202020204" pitchFamily="34" charset="0"/>
+              <a:latin typeface="Calibri" pitchFamily="34" charset="0"/>
               <a:cs typeface="Arial" panose="020B0604020202020204" pitchFamily="34" charset="0"/>
             </a:endParaRPr>
           </a:p>
@@ -9653,7 +12679,7 @@
             </a:pPr>
             <a:r>
               <a:rPr lang="en-IN" sz="2400" dirty="0" smtClean="0">
-                <a:latin typeface="Times New Roman" panose="02020603050405020304" pitchFamily="18" charset="0"/>
+                <a:latin typeface="Calibri" pitchFamily="34" charset="0"/>
                 <a:cs typeface="Times New Roman" panose="02020603050405020304" pitchFamily="18" charset="0"/>
               </a:rPr>
               <a:t>The parameters for analysis were decided as </a:t>
@@ -9666,14 +12692,14 @@
             </a:pPr>
             <a:r>
               <a:rPr lang="en-IN" sz="2400" dirty="0" smtClean="0">
-                <a:latin typeface="Times New Roman" panose="02020603050405020304" pitchFamily="18" charset="0"/>
+                <a:latin typeface="Calibri" pitchFamily="34" charset="0"/>
                 <a:cs typeface="Times New Roman" panose="02020603050405020304" pitchFamily="18" charset="0"/>
               </a:rPr>
               <a:t>  </a:t>
             </a:r>
             <a:r>
               <a:rPr lang="en-IN" sz="2000" dirty="0" smtClean="0">
-                <a:latin typeface="Times New Roman" panose="02020603050405020304" pitchFamily="18" charset="0"/>
+                <a:latin typeface="Calibri" pitchFamily="34" charset="0"/>
                 <a:cs typeface="Times New Roman" panose="02020603050405020304" pitchFamily="18" charset="0"/>
               </a:rPr>
               <a:t>Population</a:t>
@@ -9686,14 +12712,14 @@
             </a:pPr>
             <a:r>
               <a:rPr lang="en-IN" sz="2000" dirty="0">
-                <a:latin typeface="Times New Roman" panose="02020603050405020304" pitchFamily="18" charset="0"/>
+                <a:latin typeface="Calibri" pitchFamily="34" charset="0"/>
                 <a:cs typeface="Times New Roman" panose="02020603050405020304" pitchFamily="18" charset="0"/>
               </a:rPr>
               <a:t> </a:t>
             </a:r>
             <a:r>
               <a:rPr lang="en-IN" sz="2000" dirty="0" smtClean="0">
-                <a:latin typeface="Times New Roman" panose="02020603050405020304" pitchFamily="18" charset="0"/>
+                <a:latin typeface="Calibri" pitchFamily="34" charset="0"/>
                 <a:cs typeface="Times New Roman" panose="02020603050405020304" pitchFamily="18" charset="0"/>
               </a:rPr>
               <a:t> Gross Domestic Product (GDP)</a:t>
@@ -9706,14 +12732,14 @@
             </a:pPr>
             <a:r>
               <a:rPr lang="en-IN" sz="2000" dirty="0">
-                <a:latin typeface="Times New Roman" panose="02020603050405020304" pitchFamily="18" charset="0"/>
+                <a:latin typeface="Calibri" pitchFamily="34" charset="0"/>
                 <a:cs typeface="Times New Roman" panose="02020603050405020304" pitchFamily="18" charset="0"/>
               </a:rPr>
               <a:t>	</a:t>
             </a:r>
             <a:r>
               <a:rPr lang="en-IN" sz="2000" dirty="0" smtClean="0">
-                <a:latin typeface="Times New Roman" panose="02020603050405020304" pitchFamily="18" charset="0"/>
+                <a:latin typeface="Calibri" pitchFamily="34" charset="0"/>
                 <a:cs typeface="Times New Roman" panose="02020603050405020304" pitchFamily="18" charset="0"/>
               </a:rPr>
               <a:t>Per Capita Income (PCI)</a:t>
@@ -9726,14 +12752,14 @@
             </a:pPr>
             <a:r>
               <a:rPr lang="en-IN" sz="2000" dirty="0">
-                <a:latin typeface="Times New Roman" panose="02020603050405020304" pitchFamily="18" charset="0"/>
+                <a:latin typeface="Calibri" pitchFamily="34" charset="0"/>
                 <a:cs typeface="Times New Roman" panose="02020603050405020304" pitchFamily="18" charset="0"/>
               </a:rPr>
               <a:t>	</a:t>
             </a:r>
             <a:r>
               <a:rPr lang="en-IN" sz="2000" dirty="0" smtClean="0">
-                <a:latin typeface="Times New Roman" panose="02020603050405020304" pitchFamily="18" charset="0"/>
+                <a:latin typeface="Calibri" pitchFamily="34" charset="0"/>
                 <a:cs typeface="Times New Roman" panose="02020603050405020304" pitchFamily="18" charset="0"/>
               </a:rPr>
               <a:t>Gross Enrolment Ratio</a:t>
@@ -9746,14 +12772,14 @@
             </a:pPr>
             <a:r>
               <a:rPr lang="en-IN" sz="2000" dirty="0">
-                <a:latin typeface="Times New Roman" panose="02020603050405020304" pitchFamily="18" charset="0"/>
+                <a:latin typeface="Calibri" pitchFamily="34" charset="0"/>
                 <a:cs typeface="Times New Roman" panose="02020603050405020304" pitchFamily="18" charset="0"/>
               </a:rPr>
               <a:t>	</a:t>
             </a:r>
             <a:r>
               <a:rPr lang="en-IN" sz="2000" dirty="0" smtClean="0">
-                <a:latin typeface="Times New Roman" panose="02020603050405020304" pitchFamily="18" charset="0"/>
+                <a:latin typeface="Calibri" pitchFamily="34" charset="0"/>
                 <a:cs typeface="Times New Roman" panose="02020603050405020304" pitchFamily="18" charset="0"/>
               </a:rPr>
               <a:t>Literacy</a:t>
@@ -9766,14 +12792,14 @@
             </a:pPr>
             <a:r>
               <a:rPr lang="en-IN" sz="2000" dirty="0">
-                <a:latin typeface="Times New Roman" panose="02020603050405020304" pitchFamily="18" charset="0"/>
+                <a:latin typeface="Calibri" pitchFamily="34" charset="0"/>
                 <a:cs typeface="Times New Roman" panose="02020603050405020304" pitchFamily="18" charset="0"/>
               </a:rPr>
               <a:t>	</a:t>
             </a:r>
             <a:r>
               <a:rPr lang="en-IN" sz="2000" dirty="0" smtClean="0">
-                <a:latin typeface="Times New Roman" panose="02020603050405020304" pitchFamily="18" charset="0"/>
+                <a:latin typeface="Calibri" pitchFamily="34" charset="0"/>
                 <a:cs typeface="Times New Roman" panose="02020603050405020304" pitchFamily="18" charset="0"/>
               </a:rPr>
               <a:t>Household (HH)</a:t>
@@ -9786,7 +12812,7 @@
             </a:pPr>
             <a:r>
               <a:rPr lang="en-IN" sz="2400" dirty="0" smtClean="0">
-                <a:latin typeface="Times New Roman" panose="02020603050405020304" pitchFamily="18" charset="0"/>
+                <a:latin typeface="Calibri" pitchFamily="34" charset="0"/>
                 <a:cs typeface="Times New Roman" panose="02020603050405020304" pitchFamily="18" charset="0"/>
               </a:rPr>
               <a:t>Source of  Data : </a:t>
@@ -9796,7 +12822,7 @@
                 <a:solidFill>
                   <a:srgbClr val="7030A0"/>
                 </a:solidFill>
-                <a:latin typeface="Times New Roman" panose="02020603050405020304" pitchFamily="18" charset="0"/>
+                <a:latin typeface="Calibri" pitchFamily="34" charset="0"/>
                 <a:cs typeface="Times New Roman" panose="02020603050405020304" pitchFamily="18" charset="0"/>
               </a:rPr>
               <a:t>www.data.gov.in </a:t>
@@ -9805,7 +12831,7 @@
               <a:solidFill>
                 <a:srgbClr val="7030A0"/>
               </a:solidFill>
-              <a:latin typeface="Times New Roman" panose="02020603050405020304" pitchFamily="18" charset="0"/>
+              <a:latin typeface="Calibri" pitchFamily="34" charset="0"/>
               <a:cs typeface="Times New Roman" panose="02020603050405020304" pitchFamily="18" charset="0"/>
             </a:endParaRPr>
           </a:p>
@@ -9816,7 +12842,7 @@
             </a:pPr>
             <a:r>
               <a:rPr lang="en-IN" sz="2400" dirty="0" smtClean="0">
-                <a:latin typeface="Times New Roman" panose="02020603050405020304" pitchFamily="18" charset="0"/>
+                <a:latin typeface="Calibri" pitchFamily="34" charset="0"/>
                 <a:cs typeface="Times New Roman" panose="02020603050405020304" pitchFamily="18" charset="0"/>
               </a:rPr>
               <a:t>Data on above parameters was collected and filtered according to our requirement.</a:t>
@@ -9826,14 +12852,16 @@
             <a:pPr marL="0" indent="0">
               <a:buNone/>
             </a:pPr>
-            <a:endParaRPr lang="en-IN" dirty="0"/>
+            <a:endParaRPr lang="en-IN" dirty="0">
+              <a:latin typeface="Calibri" pitchFamily="34" charset="0"/>
+            </a:endParaRPr>
           </a:p>
         </p:txBody>
       </p:sp>
     </p:spTree>
     <p:extLst>
       <p:ext uri="{BB962C8B-B14F-4D97-AF65-F5344CB8AC3E}">
-        <p14:creationId xmlns="" xmlns:p14="http://schemas.microsoft.com/office/powerpoint/2010/main" val="4023520249"/>
+        <p14:creationId xmlns:p14="http://schemas.microsoft.com/office/powerpoint/2010/main" xmlns="" val="4023520249"/>
       </p:ext>
     </p:extLst>
   </p:cSld>
@@ -10448,7 +13476,7 @@
           <a:p>
             <a:r>
               <a:rPr lang="en-IN" sz="2400" dirty="0" smtClean="0">
-                <a:latin typeface="Times New Roman" panose="02020603050405020304" pitchFamily="18" charset="0"/>
+                <a:latin typeface="Calibri" pitchFamily="34" charset="0"/>
                 <a:cs typeface="Times New Roman" panose="02020603050405020304" pitchFamily="18" charset="0"/>
               </a:rPr>
               <a:t>Schema for database was decided</a:t>
@@ -10459,14 +13487,14 @@
               <a:buNone/>
             </a:pPr>
             <a:endParaRPr lang="en-IN" sz="2400" dirty="0" smtClean="0">
-              <a:latin typeface="Times New Roman" panose="02020603050405020304" pitchFamily="18" charset="0"/>
+              <a:latin typeface="Calibri" pitchFamily="34" charset="0"/>
               <a:cs typeface="Times New Roman" panose="02020603050405020304" pitchFamily="18" charset="0"/>
             </a:endParaRPr>
           </a:p>
           <a:p>
             <a:r>
               <a:rPr lang="en-IN" sz="2400" dirty="0" smtClean="0">
-                <a:latin typeface="Times New Roman" panose="02020603050405020304" pitchFamily="18" charset="0"/>
+                <a:latin typeface="Calibri" pitchFamily="34" charset="0"/>
                 <a:cs typeface="Times New Roman" panose="02020603050405020304" pitchFamily="18" charset="0"/>
               </a:rPr>
               <a:t>Data collected was stored in database</a:t>
@@ -10477,14 +13505,14 @@
               <a:buNone/>
             </a:pPr>
             <a:endParaRPr lang="en-IN" sz="2400" dirty="0" smtClean="0">
-              <a:latin typeface="Times New Roman" panose="02020603050405020304" pitchFamily="18" charset="0"/>
+              <a:latin typeface="Calibri" pitchFamily="34" charset="0"/>
               <a:cs typeface="Times New Roman" panose="02020603050405020304" pitchFamily="18" charset="0"/>
             </a:endParaRPr>
           </a:p>
           <a:p>
             <a:r>
               <a:rPr lang="en-IN" sz="2400" dirty="0" smtClean="0">
-                <a:latin typeface="Times New Roman" panose="02020603050405020304" pitchFamily="18" charset="0"/>
+                <a:latin typeface="Calibri" pitchFamily="34" charset="0"/>
                 <a:cs typeface="Times New Roman" panose="02020603050405020304" pitchFamily="18" charset="0"/>
               </a:rPr>
               <a:t>Front end (UI) designed was decided (mock)</a:t>
@@ -10495,98 +13523,40 @@
               <a:buNone/>
             </a:pPr>
             <a:endParaRPr lang="en-IN" sz="2400" dirty="0" smtClean="0">
-              <a:latin typeface="Times New Roman" panose="02020603050405020304" pitchFamily="18" charset="0"/>
+              <a:latin typeface="Calibri" pitchFamily="34" charset="0"/>
               <a:cs typeface="Times New Roman" panose="02020603050405020304" pitchFamily="18" charset="0"/>
             </a:endParaRPr>
           </a:p>
           <a:p>
             <a:r>
               <a:rPr lang="en-IN" sz="2400" dirty="0" smtClean="0">
-                <a:latin typeface="Times New Roman" panose="02020603050405020304" pitchFamily="18" charset="0"/>
+                <a:latin typeface="Calibri" pitchFamily="34" charset="0"/>
                 <a:cs typeface="Times New Roman" panose="02020603050405020304" pitchFamily="18" charset="0"/>
               </a:rPr>
-              <a:t>Handler classes , </a:t>
-            </a:r>
-            <a:r>
-              <a:rPr lang="en-IN" sz="2400" dirty="0" smtClean="0">
-                <a:latin typeface="Times New Roman" panose="02020603050405020304" pitchFamily="18" charset="0"/>
-                <a:cs typeface="Times New Roman" panose="02020603050405020304" pitchFamily="18" charset="0"/>
-              </a:rPr>
-              <a:t>Service </a:t>
-            </a:r>
-            <a:r>
-              <a:rPr lang="en-IN" sz="2400" dirty="0" smtClean="0">
-                <a:latin typeface="Times New Roman" panose="02020603050405020304" pitchFamily="18" charset="0"/>
-                <a:cs typeface="Times New Roman" panose="02020603050405020304" pitchFamily="18" charset="0"/>
-              </a:rPr>
-              <a:t>classes , </a:t>
-            </a:r>
-            <a:r>
-              <a:rPr lang="en-IN" sz="2400" dirty="0" smtClean="0">
-                <a:latin typeface="Times New Roman" panose="02020603050405020304" pitchFamily="18" charset="0"/>
-                <a:cs typeface="Times New Roman" panose="02020603050405020304" pitchFamily="18" charset="0"/>
-              </a:rPr>
-              <a:t>Data </a:t>
-            </a:r>
-            <a:r>
-              <a:rPr lang="en-IN" sz="2400" dirty="0" smtClean="0">
-                <a:latin typeface="Times New Roman" panose="02020603050405020304" pitchFamily="18" charset="0"/>
-                <a:cs typeface="Times New Roman" panose="02020603050405020304" pitchFamily="18" charset="0"/>
-              </a:rPr>
-              <a:t>classes , </a:t>
-            </a:r>
-            <a:r>
-              <a:rPr lang="en-IN" sz="2400" dirty="0" smtClean="0">
-                <a:latin typeface="Times New Roman" panose="02020603050405020304" pitchFamily="18" charset="0"/>
-                <a:cs typeface="Times New Roman" panose="02020603050405020304" pitchFamily="18" charset="0"/>
-              </a:rPr>
-              <a:t>DAO</a:t>
-            </a:r>
-            <a:r>
-              <a:rPr lang="en-IN" sz="2400" dirty="0" smtClean="0">
-                <a:latin typeface="Times New Roman" panose="02020603050405020304" pitchFamily="18" charset="0"/>
-                <a:cs typeface="Times New Roman" panose="02020603050405020304" pitchFamily="18" charset="0"/>
-              </a:rPr>
-              <a:t> </a:t>
-            </a:r>
-            <a:r>
-              <a:rPr lang="en-IN" sz="2400" dirty="0" smtClean="0">
-                <a:latin typeface="Times New Roman" panose="02020603050405020304" pitchFamily="18" charset="0"/>
-                <a:cs typeface="Times New Roman" panose="02020603050405020304" pitchFamily="18" charset="0"/>
-              </a:rPr>
-              <a:t>classes were made for each table in </a:t>
-            </a:r>
-            <a:r>
-              <a:rPr lang="en-IN" sz="2400" dirty="0" smtClean="0">
-                <a:latin typeface="Times New Roman" panose="02020603050405020304" pitchFamily="18" charset="0"/>
-                <a:cs typeface="Times New Roman" panose="02020603050405020304" pitchFamily="18" charset="0"/>
-              </a:rPr>
-              <a:t>database.</a:t>
-            </a:r>
+              <a:t>Handler classes , Service classes , Data classes , DAO classes were made for each table in database.</a:t>
+            </a:r>
+          </a:p>
+          <a:p>
+            <a:pPr marL="0" indent="0">
+              <a:buNone/>
+            </a:pPr>
             <a:endParaRPr lang="en-IN" sz="2400" dirty="0" smtClean="0">
-              <a:latin typeface="Times New Roman" panose="02020603050405020304" pitchFamily="18" charset="0"/>
+              <a:latin typeface="Calibri" pitchFamily="34" charset="0"/>
               <a:cs typeface="Times New Roman" panose="02020603050405020304" pitchFamily="18" charset="0"/>
             </a:endParaRPr>
           </a:p>
           <a:p>
-            <a:pPr marL="0" indent="0">
-              <a:buNone/>
-            </a:pPr>
-            <a:endParaRPr lang="en-IN" sz="2400" dirty="0" smtClean="0">
-              <a:latin typeface="Times New Roman" panose="02020603050405020304" pitchFamily="18" charset="0"/>
-              <a:cs typeface="Times New Roman" panose="02020603050405020304" pitchFamily="18" charset="0"/>
-            </a:endParaRPr>
-          </a:p>
-          <a:p>
             <a:r>
               <a:rPr lang="en-IN" sz="2400" dirty="0" smtClean="0">
-                <a:latin typeface="Times New Roman" panose="02020603050405020304" pitchFamily="18" charset="0"/>
+                <a:latin typeface="Calibri" pitchFamily="34" charset="0"/>
                 <a:cs typeface="Times New Roman" panose="02020603050405020304" pitchFamily="18" charset="0"/>
               </a:rPr>
               <a:t>A attractive dashboard was designed to show the  various visualizations</a:t>
             </a:r>
             <a:r>
-              <a:rPr lang="en-IN" dirty="0" smtClean="0"/>
+              <a:rPr lang="en-IN" dirty="0" smtClean="0">
+                <a:latin typeface="Calibri" pitchFamily="34" charset="0"/>
+              </a:rPr>
               <a:t>. </a:t>
             </a:r>
           </a:p>
@@ -10595,7 +13565,7 @@
     </p:spTree>
     <p:extLst>
       <p:ext uri="{BB962C8B-B14F-4D97-AF65-F5344CB8AC3E}">
-        <p14:creationId xmlns="" xmlns:p14="http://schemas.microsoft.com/office/powerpoint/2010/main" val="1439879549"/>
+        <p14:creationId xmlns:p14="http://schemas.microsoft.com/office/powerpoint/2010/main" xmlns="" val="1439879549"/>
       </p:ext>
     </p:extLst>
   </p:cSld>
@@ -10940,20 +13910,20 @@
           <a:p>
             <a:pPr algn="ctr"/>
             <a:r>
-              <a:rPr lang="en-IN" sz="4800" dirty="0" smtClean="0">
+              <a:rPr lang="en-IN" sz="4800" b="1" dirty="0" smtClean="0">
                 <a:solidFill>
                   <a:srgbClr val="0070C0"/>
                 </a:solidFill>
-                <a:latin typeface="Arial" panose="020B0604020202020204" pitchFamily="34" charset="0"/>
+                <a:latin typeface="Calibri" pitchFamily="34" charset="0"/>
                 <a:cs typeface="Arial" panose="020B0604020202020204" pitchFamily="34" charset="0"/>
               </a:rPr>
               <a:t>Technologies Used</a:t>
             </a:r>
-            <a:endParaRPr lang="en-IN" sz="4800" dirty="0">
+            <a:endParaRPr lang="en-IN" sz="4800" b="1" dirty="0">
               <a:solidFill>
                 <a:srgbClr val="0070C0"/>
               </a:solidFill>
-              <a:latin typeface="Arial" panose="020B0604020202020204" pitchFamily="34" charset="0"/>
+              <a:latin typeface="Calibri" pitchFamily="34" charset="0"/>
               <a:cs typeface="Arial" panose="020B0604020202020204" pitchFamily="34" charset="0"/>
             </a:endParaRPr>
           </a:p>
@@ -10990,7 +13960,7 @@
                     <a:lumOff val="40000"/>
                   </a:schemeClr>
                 </a:solidFill>
-                <a:latin typeface="Times New Roman" panose="02020603050405020304" pitchFamily="18" charset="0"/>
+                <a:latin typeface="Calibri" pitchFamily="34" charset="0"/>
                 <a:cs typeface="Times New Roman" panose="02020603050405020304" pitchFamily="18" charset="0"/>
               </a:rPr>
               <a:t>1. MySQL:</a:t>
@@ -11004,7 +13974,7 @@
               <a:solidFill>
                 <a:srgbClr val="FFC000"/>
               </a:solidFill>
-              <a:latin typeface="Times New Roman" panose="02020603050405020304" pitchFamily="18" charset="0"/>
+              <a:latin typeface="Calibri" pitchFamily="34" charset="0"/>
               <a:cs typeface="Times New Roman" panose="02020603050405020304" pitchFamily="18" charset="0"/>
             </a:endParaRPr>
           </a:p>
@@ -11014,14 +13984,14 @@
             </a:pPr>
             <a:r>
               <a:rPr lang="en-IN" sz="2400" dirty="0">
-                <a:latin typeface="Times New Roman" panose="02020603050405020304" pitchFamily="18" charset="0"/>
+                <a:latin typeface="Calibri" pitchFamily="34" charset="0"/>
                 <a:cs typeface="Times New Roman" panose="02020603050405020304" pitchFamily="18" charset="0"/>
               </a:rPr>
               <a:t>MySQL is the most popular Open Source Relational SQL database management system. MySQL is one of the best RDBMS being used for developing web-based software applications</a:t>
             </a:r>
             <a:r>
               <a:rPr lang="en-IN" sz="2400" dirty="0" smtClean="0">
-                <a:latin typeface="Times New Roman" panose="02020603050405020304" pitchFamily="18" charset="0"/>
+                <a:latin typeface="Calibri" pitchFamily="34" charset="0"/>
                 <a:cs typeface="Times New Roman" panose="02020603050405020304" pitchFamily="18" charset="0"/>
               </a:rPr>
               <a:t>.</a:t>
@@ -11032,7 +14002,7 @@
               <a:buNone/>
             </a:pPr>
             <a:endParaRPr lang="en-IN" sz="2400" dirty="0" smtClean="0">
-              <a:latin typeface="Times New Roman" panose="02020603050405020304" pitchFamily="18" charset="0"/>
+              <a:latin typeface="Calibri" pitchFamily="34" charset="0"/>
               <a:cs typeface="Times New Roman" panose="02020603050405020304" pitchFamily="18" charset="0"/>
             </a:endParaRPr>
           </a:p>
@@ -11042,7 +14012,7 @@
             </a:pPr>
             <a:r>
               <a:rPr lang="en-IN" sz="2400" dirty="0" smtClean="0">
-                <a:latin typeface="Times New Roman" panose="02020603050405020304" pitchFamily="18" charset="0"/>
+                <a:latin typeface="Calibri" pitchFamily="34" charset="0"/>
                 <a:cs typeface="Times New Roman" panose="02020603050405020304" pitchFamily="18" charset="0"/>
               </a:rPr>
               <a:t>MySQL was used as database to store data in our project.</a:t>
@@ -11052,56 +14022,72 @@
             <a:pPr marL="0" indent="0">
               <a:buNone/>
             </a:pPr>
-            <a:endParaRPr lang="en-IN" dirty="0" smtClean="0"/>
+            <a:endParaRPr lang="en-IN" dirty="0" smtClean="0">
+              <a:latin typeface="Calibri" pitchFamily="34" charset="0"/>
+            </a:endParaRPr>
           </a:p>
           <a:p>
             <a:pPr marL="0" indent="0">
               <a:buNone/>
             </a:pPr>
-            <a:endParaRPr lang="en-IN" dirty="0"/>
+            <a:endParaRPr lang="en-IN" dirty="0">
+              <a:latin typeface="Calibri" pitchFamily="34" charset="0"/>
+            </a:endParaRPr>
           </a:p>
           <a:p>
             <a:pPr marL="0" indent="0">
               <a:buNone/>
             </a:pPr>
-            <a:endParaRPr lang="en-IN" dirty="0" smtClean="0"/>
+            <a:endParaRPr lang="en-IN" dirty="0" smtClean="0">
+              <a:latin typeface="Calibri" pitchFamily="34" charset="0"/>
+            </a:endParaRPr>
           </a:p>
           <a:p>
             <a:pPr marL="0" indent="0">
               <a:buNone/>
             </a:pPr>
-            <a:endParaRPr lang="en-IN" dirty="0"/>
+            <a:endParaRPr lang="en-IN" dirty="0">
+              <a:latin typeface="Calibri" pitchFamily="34" charset="0"/>
+            </a:endParaRPr>
           </a:p>
           <a:p>
             <a:pPr marL="0" indent="0">
               <a:buNone/>
             </a:pPr>
-            <a:endParaRPr lang="en-IN" dirty="0" smtClean="0"/>
+            <a:endParaRPr lang="en-IN" dirty="0" smtClean="0">
+              <a:latin typeface="Calibri" pitchFamily="34" charset="0"/>
+            </a:endParaRPr>
           </a:p>
           <a:p>
             <a:pPr marL="0" indent="0">
               <a:buNone/>
             </a:pPr>
-            <a:endParaRPr lang="en-IN" dirty="0"/>
+            <a:endParaRPr lang="en-IN" dirty="0">
+              <a:latin typeface="Calibri" pitchFamily="34" charset="0"/>
+            </a:endParaRPr>
           </a:p>
           <a:p>
             <a:pPr marL="0" indent="0">
               <a:buNone/>
             </a:pPr>
-            <a:endParaRPr lang="en-IN" dirty="0" smtClean="0"/>
+            <a:endParaRPr lang="en-IN" dirty="0" smtClean="0">
+              <a:latin typeface="Calibri" pitchFamily="34" charset="0"/>
+            </a:endParaRPr>
           </a:p>
           <a:p>
             <a:pPr marL="0" indent="0">
               <a:buNone/>
             </a:pPr>
-            <a:endParaRPr lang="en-IN" dirty="0"/>
+            <a:endParaRPr lang="en-IN" dirty="0">
+              <a:latin typeface="Calibri" pitchFamily="34" charset="0"/>
+            </a:endParaRPr>
           </a:p>
         </p:txBody>
       </p:sp>
     </p:spTree>
     <p:extLst>
       <p:ext uri="{BB962C8B-B14F-4D97-AF65-F5344CB8AC3E}">
-        <p14:creationId xmlns="" xmlns:p14="http://schemas.microsoft.com/office/powerpoint/2010/main" val="2315167525"/>
+        <p14:creationId xmlns:p14="http://schemas.microsoft.com/office/powerpoint/2010/main" xmlns="" val="2315167525"/>
       </p:ext>
     </p:extLst>
   </p:cSld>
@@ -11355,7 +14341,7 @@
         </p:nvSpPr>
         <p:spPr>
           <a:xfrm>
-            <a:off x="1214363" y="2351314"/>
+            <a:off x="924078" y="2656114"/>
             <a:ext cx="8596668" cy="1320800"/>
           </a:xfrm>
         </p:spPr>
@@ -11367,39 +14353,29 @@
           <a:p>
             <a:pPr algn="ctr"/>
             <a:r>
-              <a:rPr lang="en-IN" sz="7200" dirty="0" smtClean="0">
+              <a:rPr lang="en-IN" sz="4800" b="1" dirty="0" smtClean="0">
                 <a:solidFill>
                   <a:srgbClr val="0070C0"/>
                 </a:solidFill>
-                <a:latin typeface="Arial" panose="020B0604020202020204" pitchFamily="34" charset="0"/>
+                <a:latin typeface="Calibri" pitchFamily="34" charset="0"/>
                 <a:cs typeface="Arial" panose="020B0604020202020204" pitchFamily="34" charset="0"/>
               </a:rPr>
               <a:t>Database Schema</a:t>
             </a:r>
-            <a:r>
-              <a:rPr lang="en-IN" sz="7200" dirty="0" smtClean="0">
+            <a:br>
+              <a:rPr lang="en-IN" sz="4800" b="1" dirty="0" smtClean="0">
                 <a:solidFill>
                   <a:srgbClr val="0070C0"/>
                 </a:solidFill>
-                <a:latin typeface="Arial" panose="020B0604020202020204" pitchFamily="34" charset="0"/>
-                <a:cs typeface="Arial" panose="020B0604020202020204" pitchFamily="34" charset="0"/>
-              </a:rPr>
-              <a:t/>
-            </a:r>
-            <a:br>
-              <a:rPr lang="en-IN" sz="7200" dirty="0" smtClean="0">
-                <a:solidFill>
-                  <a:srgbClr val="0070C0"/>
-                </a:solidFill>
-                <a:latin typeface="Arial" panose="020B0604020202020204" pitchFamily="34" charset="0"/>
+                <a:latin typeface="Calibri" pitchFamily="34" charset="0"/>
                 <a:cs typeface="Arial" panose="020B0604020202020204" pitchFamily="34" charset="0"/>
               </a:rPr>
             </a:br>
-            <a:endParaRPr lang="en-IN" sz="7200" dirty="0">
+            <a:endParaRPr lang="en-IN" sz="4800" b="1" dirty="0">
               <a:solidFill>
                 <a:srgbClr val="0070C0"/>
               </a:solidFill>
-              <a:latin typeface="Arial" panose="020B0604020202020204" pitchFamily="34" charset="0"/>
+              <a:latin typeface="Calibri" pitchFamily="34" charset="0"/>
               <a:cs typeface="Arial" panose="020B0604020202020204" pitchFamily="34" charset="0"/>
             </a:endParaRPr>
           </a:p>
@@ -11459,7 +14435,7 @@
             </a:clrChange>
             <a:extLst>
               <a:ext uri="{28A0092B-C50C-407E-A947-70E740481C1C}">
-                <a14:useLocalDpi xmlns="" xmlns:a14="http://schemas.microsoft.com/office/drawing/2010/main" val="0"/>
+                <a14:useLocalDpi xmlns:a14="http://schemas.microsoft.com/office/drawing/2010/main" xmlns="" val="0"/>
               </a:ext>
             </a:extLst>
           </a:blip>
@@ -11480,7 +14456,7 @@
     </p:spTree>
     <p:extLst>
       <p:ext uri="{BB962C8B-B14F-4D97-AF65-F5344CB8AC3E}">
-        <p14:creationId xmlns="" xmlns:p14="http://schemas.microsoft.com/office/powerpoint/2010/main" val="2554526102"/>
+        <p14:creationId xmlns:p14="http://schemas.microsoft.com/office/powerpoint/2010/main" xmlns="" val="2554526102"/>
       </p:ext>
     </p:extLst>
   </p:cSld>
@@ -11547,7 +14523,7 @@
                     <a:lumOff val="40000"/>
                   </a:schemeClr>
                 </a:solidFill>
-                <a:latin typeface="Times New Roman" panose="02020603050405020304" pitchFamily="18" charset="0"/>
+                <a:latin typeface="Calibri" pitchFamily="34" charset="0"/>
                 <a:cs typeface="Times New Roman" panose="02020603050405020304" pitchFamily="18" charset="0"/>
               </a:rPr>
               <a:t>2</a:t>
@@ -11560,7 +14536,7 @@
                     <a:lumOff val="40000"/>
                   </a:schemeClr>
                 </a:solidFill>
-                <a:latin typeface="Times New Roman" panose="02020603050405020304" pitchFamily="18" charset="0"/>
+                <a:latin typeface="Calibri" pitchFamily="34" charset="0"/>
                 <a:cs typeface="Times New Roman" panose="02020603050405020304" pitchFamily="18" charset="0"/>
               </a:rPr>
               <a:t>. Angular JS</a:t>
@@ -11572,35 +14548,35 @@
             </a:pPr>
             <a:r>
               <a:rPr lang="en-IN" sz="2600" dirty="0" smtClean="0">
-                <a:latin typeface="Times New Roman" panose="02020603050405020304" pitchFamily="18" charset="0"/>
+                <a:latin typeface="Calibri" pitchFamily="34" charset="0"/>
                 <a:cs typeface="Times New Roman" panose="02020603050405020304" pitchFamily="18" charset="0"/>
               </a:rPr>
               <a:t>Angular JS</a:t>
             </a:r>
             <a:r>
               <a:rPr lang="en-IN" sz="2600" dirty="0">
-                <a:latin typeface="Times New Roman" panose="02020603050405020304" pitchFamily="18" charset="0"/>
+                <a:latin typeface="Calibri" pitchFamily="34" charset="0"/>
                 <a:cs typeface="Times New Roman" panose="02020603050405020304" pitchFamily="18" charset="0"/>
               </a:rPr>
               <a:t> is a very powerful JavaScript </a:t>
             </a:r>
             <a:r>
               <a:rPr lang="en-IN" sz="2600" dirty="0" smtClean="0">
-                <a:latin typeface="Times New Roman" panose="02020603050405020304" pitchFamily="18" charset="0"/>
+                <a:latin typeface="Calibri" pitchFamily="34" charset="0"/>
                 <a:cs typeface="Times New Roman" panose="02020603050405020304" pitchFamily="18" charset="0"/>
               </a:rPr>
               <a:t>Framework </a:t>
             </a:r>
             <a:r>
               <a:rPr lang="en-IN" sz="2600" dirty="0">
-                <a:latin typeface="Times New Roman" panose="02020603050405020304" pitchFamily="18" charset="0"/>
+                <a:latin typeface="Calibri" pitchFamily="34" charset="0"/>
                 <a:cs typeface="Times New Roman" panose="02020603050405020304" pitchFamily="18" charset="0"/>
               </a:rPr>
               <a:t>used in Single Page Application (SPA) projects</a:t>
             </a:r>
             <a:r>
               <a:rPr lang="en-IN" sz="2600" dirty="0" smtClean="0">
-                <a:latin typeface="Times New Roman" panose="02020603050405020304" pitchFamily="18" charset="0"/>
+                <a:latin typeface="Calibri" pitchFamily="34" charset="0"/>
                 <a:cs typeface="Times New Roman" panose="02020603050405020304" pitchFamily="18" charset="0"/>
               </a:rPr>
               <a:t>.</a:t>
@@ -11612,21 +14588,21 @@
             </a:pPr>
             <a:r>
               <a:rPr lang="en-IN" sz="2600" dirty="0" smtClean="0">
-                <a:latin typeface="Times New Roman" panose="02020603050405020304" pitchFamily="18" charset="0"/>
+                <a:latin typeface="Calibri" pitchFamily="34" charset="0"/>
                 <a:cs typeface="Times New Roman" panose="02020603050405020304" pitchFamily="18" charset="0"/>
               </a:rPr>
               <a:t>Angular J</a:t>
             </a:r>
             <a:r>
               <a:rPr lang="en-IN" sz="2600" dirty="0">
-                <a:latin typeface="Times New Roman" panose="02020603050405020304" pitchFamily="18" charset="0"/>
+                <a:latin typeface="Calibri" pitchFamily="34" charset="0"/>
                 <a:cs typeface="Times New Roman" panose="02020603050405020304" pitchFamily="18" charset="0"/>
               </a:rPr>
               <a:t>S</a:t>
             </a:r>
             <a:r>
               <a:rPr lang="en-IN" sz="2600" dirty="0" smtClean="0">
-                <a:latin typeface="Times New Roman" panose="02020603050405020304" pitchFamily="18" charset="0"/>
+                <a:latin typeface="Calibri" pitchFamily="34" charset="0"/>
                 <a:cs typeface="Times New Roman" panose="02020603050405020304" pitchFamily="18" charset="0"/>
               </a:rPr>
               <a:t> was used for driving purpose in the project</a:t>
@@ -11637,7 +14613,7 @@
               <a:buNone/>
             </a:pPr>
             <a:endParaRPr lang="en-IN" sz="2400" dirty="0">
-              <a:latin typeface="Times New Roman" panose="02020603050405020304" pitchFamily="18" charset="0"/>
+              <a:latin typeface="Calibri" pitchFamily="34" charset="0"/>
               <a:cs typeface="Times New Roman" panose="02020603050405020304" pitchFamily="18" charset="0"/>
             </a:endParaRPr>
           </a:p>
@@ -11653,7 +14629,7 @@
                     <a:lumOff val="40000"/>
                   </a:schemeClr>
                 </a:solidFill>
-                <a:latin typeface="Times New Roman" panose="02020603050405020304" pitchFamily="18" charset="0"/>
+                <a:latin typeface="Calibri" pitchFamily="34" charset="0"/>
                 <a:cs typeface="Times New Roman" panose="02020603050405020304" pitchFamily="18" charset="0"/>
               </a:rPr>
               <a:t>3. Angular Material</a:t>
@@ -11665,35 +14641,35 @@
             </a:pPr>
             <a:r>
               <a:rPr lang="en-IN" sz="2600" dirty="0" smtClean="0">
-                <a:latin typeface="Times New Roman" panose="02020603050405020304" pitchFamily="18" charset="0"/>
+                <a:latin typeface="Calibri" pitchFamily="34" charset="0"/>
                 <a:cs typeface="Times New Roman" panose="02020603050405020304" pitchFamily="18" charset="0"/>
               </a:rPr>
               <a:t>Angular material provides </a:t>
             </a:r>
             <a:r>
               <a:rPr lang="en-IN" sz="2600" dirty="0">
-                <a:latin typeface="Times New Roman" panose="02020603050405020304" pitchFamily="18" charset="0"/>
+                <a:latin typeface="Calibri" pitchFamily="34" charset="0"/>
                 <a:cs typeface="Times New Roman" panose="02020603050405020304" pitchFamily="18" charset="0"/>
               </a:rPr>
               <a:t>a set of reusable, well-tested, and accessible UI </a:t>
             </a:r>
             <a:r>
               <a:rPr lang="en-IN" sz="2600" dirty="0" smtClean="0">
-                <a:latin typeface="Times New Roman" panose="02020603050405020304" pitchFamily="18" charset="0"/>
+                <a:latin typeface="Calibri" pitchFamily="34" charset="0"/>
                 <a:cs typeface="Times New Roman" panose="02020603050405020304" pitchFamily="18" charset="0"/>
               </a:rPr>
               <a:t>components </a:t>
             </a:r>
             <a:r>
               <a:rPr lang="en-IN" sz="2600" dirty="0">
-                <a:latin typeface="Times New Roman" panose="02020603050405020304" pitchFamily="18" charset="0"/>
+                <a:latin typeface="Calibri" pitchFamily="34" charset="0"/>
                 <a:cs typeface="Times New Roman" panose="02020603050405020304" pitchFamily="18" charset="0"/>
               </a:rPr>
               <a:t>based on Material Design</a:t>
             </a:r>
             <a:r>
               <a:rPr lang="en-IN" sz="2600" dirty="0" smtClean="0">
-                <a:latin typeface="Times New Roman" panose="02020603050405020304" pitchFamily="18" charset="0"/>
+                <a:latin typeface="Calibri" pitchFamily="34" charset="0"/>
                 <a:cs typeface="Times New Roman" panose="02020603050405020304" pitchFamily="18" charset="0"/>
               </a:rPr>
               <a:t>.</a:t>
@@ -11705,7 +14681,7 @@
             </a:pPr>
             <a:r>
               <a:rPr lang="en-IN" sz="2600" dirty="0" smtClean="0">
-                <a:latin typeface="Times New Roman" panose="02020603050405020304" pitchFamily="18" charset="0"/>
+                <a:latin typeface="Calibri" pitchFamily="34" charset="0"/>
                 <a:cs typeface="Times New Roman" panose="02020603050405020304" pitchFamily="18" charset="0"/>
               </a:rPr>
               <a:t>The dashboard coding is done using angular material.</a:t>
@@ -11716,7 +14692,7 @@
               <a:buNone/>
             </a:pPr>
             <a:endParaRPr lang="en-IN" sz="2600" dirty="0" smtClean="0">
-              <a:latin typeface="Times New Roman" panose="02020603050405020304" pitchFamily="18" charset="0"/>
+              <a:latin typeface="Calibri" pitchFamily="34" charset="0"/>
               <a:cs typeface="Times New Roman" panose="02020603050405020304" pitchFamily="18" charset="0"/>
             </a:endParaRPr>
           </a:p>
@@ -11732,7 +14708,7 @@
                     <a:lumOff val="40000"/>
                   </a:schemeClr>
                 </a:solidFill>
-                <a:latin typeface="Times New Roman" panose="02020603050405020304" pitchFamily="18" charset="0"/>
+                <a:latin typeface="Calibri" pitchFamily="34" charset="0"/>
                 <a:cs typeface="Times New Roman" panose="02020603050405020304" pitchFamily="18" charset="0"/>
               </a:rPr>
               <a:t>4. Angular Dimple</a:t>
@@ -11744,21 +14720,38 @@
             </a:pPr>
             <a:r>
               <a:rPr lang="en-IN" sz="2600" dirty="0" smtClean="0">
-                <a:latin typeface="Times New Roman" panose="02020603050405020304" pitchFamily="18" charset="0"/>
+                <a:latin typeface="Calibri" pitchFamily="34" charset="0"/>
                 <a:cs typeface="Times New Roman" panose="02020603050405020304" pitchFamily="18" charset="0"/>
               </a:rPr>
-              <a:t>Angular dimple is a framework based on d3 and dimple </a:t>
-            </a:r>
-            <a:r>
-              <a:rPr lang="en-IN" sz="2600" dirty="0" err="1" smtClean="0">
-                <a:latin typeface="Times New Roman" panose="02020603050405020304" pitchFamily="18" charset="0"/>
+              <a:t>Angular dimple is a framework based on d3 and dimple Js.</a:t>
+            </a:r>
+          </a:p>
+          <a:p>
+            <a:pPr marL="0" indent="0">
+              <a:buNone/>
+            </a:pPr>
+            <a:r>
+              <a:rPr lang="en-IN" sz="2600" dirty="0" smtClean="0">
+                <a:latin typeface="Calibri" pitchFamily="34" charset="0"/>
                 <a:cs typeface="Times New Roman" panose="02020603050405020304" pitchFamily="18" charset="0"/>
               </a:rPr>
-              <a:t>Js</a:t>
-            </a:r>
+              <a:t>It is used to create visualizations.</a:t>
+            </a:r>
+          </a:p>
+          <a:p>
+            <a:pPr marL="0" indent="0">
+              <a:buNone/>
+            </a:pPr>
             <a:r>
               <a:rPr lang="en-IN" sz="2600" dirty="0" smtClean="0">
-                <a:latin typeface="Times New Roman" panose="02020603050405020304" pitchFamily="18" charset="0"/>
+                <a:latin typeface="Calibri" pitchFamily="34" charset="0"/>
+                <a:cs typeface="Times New Roman" panose="02020603050405020304" pitchFamily="18" charset="0"/>
+              </a:rPr>
+              <a:t>The charts and graph were created using angular dimple</a:t>
+            </a:r>
+            <a:r>
+              <a:rPr lang="en-IN" sz="2800" dirty="0" smtClean="0">
+                <a:latin typeface="Calibri" pitchFamily="34" charset="0"/>
                 <a:cs typeface="Times New Roman" panose="02020603050405020304" pitchFamily="18" charset="0"/>
               </a:rPr>
               <a:t>.</a:t>
@@ -11768,39 +14761,8 @@
             <a:pPr marL="0" indent="0">
               <a:buNone/>
             </a:pPr>
-            <a:r>
-              <a:rPr lang="en-IN" sz="2600" dirty="0" smtClean="0">
-                <a:latin typeface="Times New Roman" panose="02020603050405020304" pitchFamily="18" charset="0"/>
-                <a:cs typeface="Times New Roman" panose="02020603050405020304" pitchFamily="18" charset="0"/>
-              </a:rPr>
-              <a:t>It is used to create visualizations.</a:t>
-            </a:r>
-          </a:p>
-          <a:p>
-            <a:pPr marL="0" indent="0">
-              <a:buNone/>
-            </a:pPr>
-            <a:r>
-              <a:rPr lang="en-IN" sz="2600" dirty="0" smtClean="0">
-                <a:latin typeface="Times New Roman" panose="02020603050405020304" pitchFamily="18" charset="0"/>
-                <a:cs typeface="Times New Roman" panose="02020603050405020304" pitchFamily="18" charset="0"/>
-              </a:rPr>
-              <a:t>The charts and graph were created using angular dimple</a:t>
-            </a:r>
-            <a:r>
-              <a:rPr lang="en-IN" sz="2800" dirty="0" smtClean="0">
-                <a:latin typeface="Times New Roman" panose="02020603050405020304" pitchFamily="18" charset="0"/>
-                <a:cs typeface="Times New Roman" panose="02020603050405020304" pitchFamily="18" charset="0"/>
-              </a:rPr>
-              <a:t>.</a:t>
-            </a:r>
-          </a:p>
-          <a:p>
-            <a:pPr marL="0" indent="0">
-              <a:buNone/>
-            </a:pPr>
             <a:endParaRPr lang="en-IN" sz="2400" dirty="0">
-              <a:latin typeface="Times New Roman" panose="02020603050405020304" pitchFamily="18" charset="0"/>
+              <a:latin typeface="Calibri" pitchFamily="34" charset="0"/>
               <a:cs typeface="Times New Roman" panose="02020603050405020304" pitchFamily="18" charset="0"/>
             </a:endParaRPr>
           </a:p>
@@ -11809,7 +14771,7 @@
     </p:spTree>
     <p:extLst>
       <p:ext uri="{BB962C8B-B14F-4D97-AF65-F5344CB8AC3E}">
-        <p14:creationId xmlns="" xmlns:p14="http://schemas.microsoft.com/office/powerpoint/2010/main" val="889664965"/>
+        <p14:creationId xmlns:p14="http://schemas.microsoft.com/office/powerpoint/2010/main" xmlns="" val="889664965"/>
       </p:ext>
     </p:extLst>
   </p:cSld>
@@ -12434,7 +15396,7 @@
                     <a:lumOff val="40000"/>
                   </a:schemeClr>
                 </a:solidFill>
-                <a:latin typeface="Times New Roman" panose="02020603050405020304" pitchFamily="18" charset="0"/>
+                <a:latin typeface="Calibri" pitchFamily="34" charset="0"/>
                 <a:cs typeface="Times New Roman" panose="02020603050405020304" pitchFamily="18" charset="0"/>
               </a:rPr>
               <a:t>5. </a:t>
@@ -12447,7 +15409,7 @@
                     <a:lumOff val="40000"/>
                   </a:schemeClr>
                 </a:solidFill>
-                <a:latin typeface="Times New Roman" panose="02020603050405020304" pitchFamily="18" charset="0"/>
+                <a:latin typeface="Calibri" pitchFamily="34" charset="0"/>
                 <a:cs typeface="Times New Roman" panose="02020603050405020304" pitchFamily="18" charset="0"/>
               </a:rPr>
               <a:t>CSS </a:t>
@@ -12459,14 +15421,14 @@
             </a:pPr>
             <a:r>
               <a:rPr lang="en-IN" sz="2400" dirty="0">
-                <a:latin typeface="Times New Roman" panose="02020603050405020304" pitchFamily="18" charset="0"/>
+                <a:latin typeface="Calibri" pitchFamily="34" charset="0"/>
                 <a:cs typeface="Times New Roman" panose="02020603050405020304" pitchFamily="18" charset="0"/>
               </a:rPr>
               <a:t>CSS is used to control the style of a web document in a simple and easy way</a:t>
             </a:r>
             <a:r>
               <a:rPr lang="en-IN" sz="2400" dirty="0" smtClean="0">
-                <a:latin typeface="Times New Roman" panose="02020603050405020304" pitchFamily="18" charset="0"/>
+                <a:latin typeface="Calibri" pitchFamily="34" charset="0"/>
                 <a:cs typeface="Times New Roman" panose="02020603050405020304" pitchFamily="18" charset="0"/>
               </a:rPr>
               <a:t>.</a:t>
@@ -12478,7 +15440,7 @@
             </a:pPr>
             <a:r>
               <a:rPr lang="en-IN" sz="2400" dirty="0" smtClean="0">
-                <a:latin typeface="Times New Roman" panose="02020603050405020304" pitchFamily="18" charset="0"/>
+                <a:latin typeface="Calibri" pitchFamily="34" charset="0"/>
                 <a:cs typeface="Times New Roman" panose="02020603050405020304" pitchFamily="18" charset="0"/>
               </a:rPr>
               <a:t>CSS is used to style the web page .</a:t>
@@ -12489,7 +15451,7 @@
               <a:buNone/>
             </a:pPr>
             <a:endParaRPr lang="en-IN" sz="2400" dirty="0">
-              <a:latin typeface="Times New Roman" panose="02020603050405020304" pitchFamily="18" charset="0"/>
+              <a:latin typeface="Calibri" pitchFamily="34" charset="0"/>
               <a:cs typeface="Times New Roman" panose="02020603050405020304" pitchFamily="18" charset="0"/>
             </a:endParaRPr>
           </a:p>
@@ -12505,7 +15467,7 @@
                     <a:lumOff val="40000"/>
                   </a:schemeClr>
                 </a:solidFill>
-                <a:latin typeface="Times New Roman" panose="02020603050405020304" pitchFamily="18" charset="0"/>
+                <a:latin typeface="Calibri" pitchFamily="34" charset="0"/>
                 <a:cs typeface="Times New Roman" panose="02020603050405020304" pitchFamily="18" charset="0"/>
               </a:rPr>
               <a:t>6.Java web services</a:t>
@@ -12517,13 +15479,13 @@
             </a:pPr>
             <a:r>
               <a:rPr lang="en-IN" sz="2400" dirty="0">
-                <a:latin typeface="Times New Roman" panose="02020603050405020304" pitchFamily="18" charset="0"/>
+                <a:latin typeface="Calibri" pitchFamily="34" charset="0"/>
                 <a:cs typeface="Times New Roman" panose="02020603050405020304" pitchFamily="18" charset="0"/>
               </a:rPr>
               <a:t>Web service is a technology to communicate one programming language with another. </a:t>
             </a:r>
             <a:endParaRPr lang="en-IN" sz="2400" dirty="0" smtClean="0">
-              <a:latin typeface="Times New Roman" panose="02020603050405020304" pitchFamily="18" charset="0"/>
+              <a:latin typeface="Calibri" pitchFamily="34" charset="0"/>
               <a:cs typeface="Times New Roman" panose="02020603050405020304" pitchFamily="18" charset="0"/>
             </a:endParaRPr>
           </a:p>
@@ -12533,34 +15495,41 @@
             </a:pPr>
             <a:r>
               <a:rPr lang="en-IN" sz="2400" dirty="0" smtClean="0">
-                <a:latin typeface="Times New Roman" panose="02020603050405020304" pitchFamily="18" charset="0"/>
+                <a:latin typeface="Calibri" pitchFamily="34" charset="0"/>
                 <a:cs typeface="Times New Roman" panose="02020603050405020304" pitchFamily="18" charset="0"/>
               </a:rPr>
               <a:t>For </a:t>
             </a:r>
             <a:r>
               <a:rPr lang="en-IN" sz="2400" dirty="0">
-                <a:latin typeface="Times New Roman" panose="02020603050405020304" pitchFamily="18" charset="0"/>
+                <a:latin typeface="Calibri" pitchFamily="34" charset="0"/>
                 <a:cs typeface="Times New Roman" panose="02020603050405020304" pitchFamily="18" charset="0"/>
               </a:rPr>
               <a:t>example, java programming language can interact with PHP and </a:t>
             </a:r>
             <a:r>
-              <a:rPr lang="en-IN" sz="2400" dirty="0" err="1">
-                <a:latin typeface="Times New Roman" panose="02020603050405020304" pitchFamily="18" charset="0"/>
+              <a:rPr lang="en-IN" sz="2400" dirty="0" err="1" smtClean="0">
+                <a:latin typeface="Calibri" pitchFamily="34" charset="0"/>
                 <a:cs typeface="Times New Roman" panose="02020603050405020304" pitchFamily="18" charset="0"/>
               </a:rPr>
-              <a:t>.Net</a:t>
-            </a:r>
-            <a:r>
-              <a:rPr lang="en-IN" sz="2400" dirty="0">
-                <a:latin typeface="Times New Roman" panose="02020603050405020304" pitchFamily="18" charset="0"/>
+              <a:t>.net</a:t>
+            </a:r>
+            <a:r>
+              <a:rPr lang="en-IN" sz="2400" dirty="0" smtClean="0">
+                <a:latin typeface="Calibri" pitchFamily="34" charset="0"/>
                 <a:cs typeface="Times New Roman" panose="02020603050405020304" pitchFamily="18" charset="0"/>
               </a:rPr>
-              <a:t> by using web services. </a:t>
+              <a:t> </a:t>
+            </a:r>
+            <a:r>
+              <a:rPr lang="en-IN" sz="2400" dirty="0">
+                <a:latin typeface="Calibri" pitchFamily="34" charset="0"/>
+                <a:cs typeface="Times New Roman" panose="02020603050405020304" pitchFamily="18" charset="0"/>
+              </a:rPr>
+              <a:t>by using web services. </a:t>
             </a:r>
             <a:endParaRPr lang="en-IN" sz="2400" dirty="0" smtClean="0">
-              <a:latin typeface="Times New Roman" panose="02020603050405020304" pitchFamily="18" charset="0"/>
+              <a:latin typeface="Calibri" pitchFamily="34" charset="0"/>
               <a:cs typeface="Times New Roman" panose="02020603050405020304" pitchFamily="18" charset="0"/>
             </a:endParaRPr>
           </a:p>
@@ -12570,14 +15539,14 @@
             </a:pPr>
             <a:r>
               <a:rPr lang="en-IN" sz="2400" dirty="0" smtClean="0">
-                <a:latin typeface="Times New Roman" panose="02020603050405020304" pitchFamily="18" charset="0"/>
+                <a:latin typeface="Calibri" pitchFamily="34" charset="0"/>
                 <a:cs typeface="Times New Roman" panose="02020603050405020304" pitchFamily="18" charset="0"/>
               </a:rPr>
               <a:t>In </a:t>
             </a:r>
             <a:r>
               <a:rPr lang="en-IN" sz="2400" dirty="0">
-                <a:latin typeface="Times New Roman" panose="02020603050405020304" pitchFamily="18" charset="0"/>
+                <a:latin typeface="Calibri" pitchFamily="34" charset="0"/>
                 <a:cs typeface="Times New Roman" panose="02020603050405020304" pitchFamily="18" charset="0"/>
               </a:rPr>
               <a:t>other words, web service provides a way to achieve interoperability.</a:t>
@@ -12588,7 +15557,7 @@
     </p:spTree>
     <p:extLst>
       <p:ext uri="{BB962C8B-B14F-4D97-AF65-F5344CB8AC3E}">
-        <p14:creationId xmlns="" xmlns:p14="http://schemas.microsoft.com/office/powerpoint/2010/main" val="2475605198"/>
+        <p14:creationId xmlns:p14="http://schemas.microsoft.com/office/powerpoint/2010/main" xmlns="" val="2475605198"/>
       </p:ext>
     </p:extLst>
   </p:cSld>
@@ -13258,7 +16227,7 @@
   <a:extraClrSchemeLst/>
   <a:extLst>
     <a:ext uri="{05A4C25C-085E-4340-85A3-A5531E510DB2}">
-      <thm15:themeFamily xmlns="" xmlns:thm15="http://schemas.microsoft.com/office/thememl/2012/main" name="Facet" id="{C0C680CD-088A-49FC-A102-D699147F32B2}" vid="{0B5AB586-D108-4FC1-8368-649FE654B894}"/>
+      <thm15:themeFamily xmlns:thm15="http://schemas.microsoft.com/office/thememl/2012/main" xmlns="" name="Facet" id="{C0C680CD-088A-49FC-A102-D699147F32B2}" vid="{0B5AB586-D108-4FC1-8368-649FE654B894}"/>
     </a:ext>
   </a:extLst>
 </a:theme>

--- a/docs/HAD project.pptx
+++ b/docs/HAD project.pptx
@@ -123,7 +123,7 @@
   </p:defaultTextStyle>
   <p:extLst>
     <p:ext uri="{EFAFB233-063F-42B5-8137-9DF3F51BA10A}">
-      <p15:sldGuideLst xmlns:p15="http://schemas.microsoft.com/office/powerpoint/2012/main" xmlns=""/>
+      <p15:sldGuideLst xmlns="" xmlns:p15="http://schemas.microsoft.com/office/powerpoint/2012/main"/>
     </p:ext>
   </p:extLst>
 </p:presentation>
@@ -1010,6 +1010,13 @@
         </dgm:presLayoutVars>
       </dgm:prSet>
       <dgm:spPr/>
+      <dgm:t>
+        <a:bodyPr/>
+        <a:lstStyle/>
+        <a:p>
+          <a:endParaRPr lang="en-IN"/>
+        </a:p>
+      </dgm:t>
     </dgm:pt>
     <dgm:pt modelId="{21C0C951-536D-4A3F-B601-0A3EF4D63AC2}" type="pres">
       <dgm:prSet presAssocID="{2C30F772-69EA-4818-8B40-953945D49393}" presName="dummyMaxCanvas" presStyleCnt="0">
@@ -1069,6 +1076,13 @@
         </dgm:presLayoutVars>
       </dgm:prSet>
       <dgm:spPr/>
+      <dgm:t>
+        <a:bodyPr/>
+        <a:lstStyle/>
+        <a:p>
+          <a:endParaRPr lang="en-IN"/>
+        </a:p>
+      </dgm:t>
     </dgm:pt>
     <dgm:pt modelId="{6FE4BB4A-A4D0-4181-A7EA-FFE2ECB1A3D0}" type="pres">
       <dgm:prSet presAssocID="{2C30F772-69EA-4818-8B40-953945D49393}" presName="ThreeConn_2-3" presStyleLbl="fgAccFollowNode1" presStyleIdx="1" presStyleCnt="2">
@@ -1077,6 +1091,13 @@
         </dgm:presLayoutVars>
       </dgm:prSet>
       <dgm:spPr/>
+      <dgm:t>
+        <a:bodyPr/>
+        <a:lstStyle/>
+        <a:p>
+          <a:endParaRPr lang="en-IN"/>
+        </a:p>
+      </dgm:t>
     </dgm:pt>
     <dgm:pt modelId="{464660D7-9C34-4D6C-9B7F-52B6AEEE847E}" type="pres">
       <dgm:prSet presAssocID="{2C30F772-69EA-4818-8B40-953945D49393}" presName="ThreeNodes_1_text" presStyleLbl="node1" presStyleIdx="2" presStyleCnt="3">
@@ -1125,18 +1146,18 @@
     </dgm:pt>
   </dgm:ptLst>
   <dgm:cxnLst>
+    <dgm:cxn modelId="{5FEF4B33-3F5F-4067-B4A7-AEBEB1FABFCF}" type="presOf" srcId="{23CFFF57-82AB-4C5A-8916-E3680249A62A}" destId="{BBE7DE13-8F56-4C4C-9E4B-A18CA0A67CFB}" srcOrd="1" destOrd="0" presId="urn:microsoft.com/office/officeart/2005/8/layout/vProcess5"/>
+    <dgm:cxn modelId="{30D3B1E7-93FD-412F-A41A-6A65493F1983}" srcId="{2C30F772-69EA-4818-8B40-953945D49393}" destId="{629842FB-B705-48E9-A76F-7C26CDA88EC2}" srcOrd="1" destOrd="0" parTransId="{2EF092FA-24BA-4216-B90C-8C196E4511C3}" sibTransId="{18EDC6FE-C9E0-4437-A86B-BECA03A811E8}"/>
+    <dgm:cxn modelId="{A39FEB9E-15FA-48FC-B4CD-5EFD62C151B1}" srcId="{2C30F772-69EA-4818-8B40-953945D49393}" destId="{23CFFF57-82AB-4C5A-8916-E3680249A62A}" srcOrd="2" destOrd="0" parTransId="{811EBBF1-F132-4475-936B-AB3ABEDF6084}" sibTransId="{649C0F16-FDAE-46CF-82D0-9682B9F4805E}"/>
+    <dgm:cxn modelId="{E3F3996E-09E5-4CB8-8D53-08FEB3D254C6}" srcId="{2C30F772-69EA-4818-8B40-953945D49393}" destId="{63A8D8A4-D7E9-4BF2-90BF-82775F8C8217}" srcOrd="0" destOrd="0" parTransId="{C354A89E-6FC4-4850-9CAD-B17CA62086C3}" sibTransId="{96DFB6DC-7794-45A1-A7FA-33D60DF69E59}"/>
+    <dgm:cxn modelId="{3E7B60B5-699D-4C06-B4CF-5C6C14C462F6}" type="presOf" srcId="{629842FB-B705-48E9-A76F-7C26CDA88EC2}" destId="{562D0CDB-DA38-4686-9112-CB97205C9B3C}" srcOrd="1" destOrd="0" presId="urn:microsoft.com/office/officeart/2005/8/layout/vProcess5"/>
+    <dgm:cxn modelId="{809B43DF-F126-4513-A1F8-A2D7F6150D4D}" type="presOf" srcId="{63A8D8A4-D7E9-4BF2-90BF-82775F8C8217}" destId="{464660D7-9C34-4D6C-9B7F-52B6AEEE847E}" srcOrd="1" destOrd="0" presId="urn:microsoft.com/office/officeart/2005/8/layout/vProcess5"/>
     <dgm:cxn modelId="{137B49D9-B4F2-4A1C-88E2-10B83DC6544E}" type="presOf" srcId="{18EDC6FE-C9E0-4437-A86B-BECA03A811E8}" destId="{6FE4BB4A-A4D0-4181-A7EA-FFE2ECB1A3D0}" srcOrd="0" destOrd="0" presId="urn:microsoft.com/office/officeart/2005/8/layout/vProcess5"/>
-    <dgm:cxn modelId="{809B43DF-F126-4513-A1F8-A2D7F6150D4D}" type="presOf" srcId="{63A8D8A4-D7E9-4BF2-90BF-82775F8C8217}" destId="{464660D7-9C34-4D6C-9B7F-52B6AEEE847E}" srcOrd="1" destOrd="0" presId="urn:microsoft.com/office/officeart/2005/8/layout/vProcess5"/>
-    <dgm:cxn modelId="{80E0F94D-4230-4424-B989-0DEA05E93EAE}" type="presOf" srcId="{63A8D8A4-D7E9-4BF2-90BF-82775F8C8217}" destId="{641BAC4E-9BE8-4D6A-8CB2-6A9FA6369FF4}" srcOrd="0" destOrd="0" presId="urn:microsoft.com/office/officeart/2005/8/layout/vProcess5"/>
-    <dgm:cxn modelId="{EA59985F-E001-4F53-86BB-5F6E29688A33}" type="presOf" srcId="{96DFB6DC-7794-45A1-A7FA-33D60DF69E59}" destId="{5D8751E0-A5E6-45E1-8F71-D42383EF1CDC}" srcOrd="0" destOrd="0" presId="urn:microsoft.com/office/officeart/2005/8/layout/vProcess5"/>
-    <dgm:cxn modelId="{5FEF4B33-3F5F-4067-B4A7-AEBEB1FABFCF}" type="presOf" srcId="{23CFFF57-82AB-4C5A-8916-E3680249A62A}" destId="{BBE7DE13-8F56-4C4C-9E4B-A18CA0A67CFB}" srcOrd="1" destOrd="0" presId="urn:microsoft.com/office/officeart/2005/8/layout/vProcess5"/>
-    <dgm:cxn modelId="{A39FEB9E-15FA-48FC-B4CD-5EFD62C151B1}" srcId="{2C30F772-69EA-4818-8B40-953945D49393}" destId="{23CFFF57-82AB-4C5A-8916-E3680249A62A}" srcOrd="2" destOrd="0" parTransId="{811EBBF1-F132-4475-936B-AB3ABEDF6084}" sibTransId="{649C0F16-FDAE-46CF-82D0-9682B9F4805E}"/>
-    <dgm:cxn modelId="{45F0D139-3FD5-41C5-A342-B41072809AD3}" type="presOf" srcId="{2C30F772-69EA-4818-8B40-953945D49393}" destId="{97C37993-3BF4-4F32-99CE-25F3CCE5A3F6}" srcOrd="0" destOrd="0" presId="urn:microsoft.com/office/officeart/2005/8/layout/vProcess5"/>
-    <dgm:cxn modelId="{E3F3996E-09E5-4CB8-8D53-08FEB3D254C6}" srcId="{2C30F772-69EA-4818-8B40-953945D49393}" destId="{63A8D8A4-D7E9-4BF2-90BF-82775F8C8217}" srcOrd="0" destOrd="0" parTransId="{C354A89E-6FC4-4850-9CAD-B17CA62086C3}" sibTransId="{96DFB6DC-7794-45A1-A7FA-33D60DF69E59}"/>
-    <dgm:cxn modelId="{30D3B1E7-93FD-412F-A41A-6A65493F1983}" srcId="{2C30F772-69EA-4818-8B40-953945D49393}" destId="{629842FB-B705-48E9-A76F-7C26CDA88EC2}" srcOrd="1" destOrd="0" parTransId="{2EF092FA-24BA-4216-B90C-8C196E4511C3}" sibTransId="{18EDC6FE-C9E0-4437-A86B-BECA03A811E8}"/>
-    <dgm:cxn modelId="{3E7B60B5-699D-4C06-B4CF-5C6C14C462F6}" type="presOf" srcId="{629842FB-B705-48E9-A76F-7C26CDA88EC2}" destId="{562D0CDB-DA38-4686-9112-CB97205C9B3C}" srcOrd="1" destOrd="0" presId="urn:microsoft.com/office/officeart/2005/8/layout/vProcess5"/>
     <dgm:cxn modelId="{0A3EC74F-19E2-4976-B36C-07E1CBFA9260}" type="presOf" srcId="{629842FB-B705-48E9-A76F-7C26CDA88EC2}" destId="{9CE68F4D-E14E-46D5-8C1A-E50051EDCF4E}" srcOrd="0" destOrd="0" presId="urn:microsoft.com/office/officeart/2005/8/layout/vProcess5"/>
     <dgm:cxn modelId="{BEC213E6-0CFC-4888-B6FD-AD2EA67C661E}" type="presOf" srcId="{23CFFF57-82AB-4C5A-8916-E3680249A62A}" destId="{05654473-83E8-4392-9D4A-BF4548A361E9}" srcOrd="0" destOrd="0" presId="urn:microsoft.com/office/officeart/2005/8/layout/vProcess5"/>
+    <dgm:cxn modelId="{EA59985F-E001-4F53-86BB-5F6E29688A33}" type="presOf" srcId="{96DFB6DC-7794-45A1-A7FA-33D60DF69E59}" destId="{5D8751E0-A5E6-45E1-8F71-D42383EF1CDC}" srcOrd="0" destOrd="0" presId="urn:microsoft.com/office/officeart/2005/8/layout/vProcess5"/>
+    <dgm:cxn modelId="{45F0D139-3FD5-41C5-A342-B41072809AD3}" type="presOf" srcId="{2C30F772-69EA-4818-8B40-953945D49393}" destId="{97C37993-3BF4-4F32-99CE-25F3CCE5A3F6}" srcOrd="0" destOrd="0" presId="urn:microsoft.com/office/officeart/2005/8/layout/vProcess5"/>
+    <dgm:cxn modelId="{80E0F94D-4230-4424-B989-0DEA05E93EAE}" type="presOf" srcId="{63A8D8A4-D7E9-4BF2-90BF-82775F8C8217}" destId="{641BAC4E-9BE8-4D6A-8CB2-6A9FA6369FF4}" srcOrd="0" destOrd="0" presId="urn:microsoft.com/office/officeart/2005/8/layout/vProcess5"/>
     <dgm:cxn modelId="{2E7C6B18-8A68-4947-9013-654CD7DCDB56}" type="presParOf" srcId="{97C37993-3BF4-4F32-99CE-25F3CCE5A3F6}" destId="{21C0C951-536D-4A3F-B601-0A3EF4D63AC2}" srcOrd="0" destOrd="0" presId="urn:microsoft.com/office/officeart/2005/8/layout/vProcess5"/>
     <dgm:cxn modelId="{EAF00864-AE9A-4B73-9451-A8B9FA9B9EE2}" type="presParOf" srcId="{97C37993-3BF4-4F32-99CE-25F3CCE5A3F6}" destId="{641BAC4E-9BE8-4D6A-8CB2-6A9FA6369FF4}" srcOrd="1" destOrd="0" presId="urn:microsoft.com/office/officeart/2005/8/layout/vProcess5"/>
     <dgm:cxn modelId="{6657EFC8-53A8-454B-8617-B98E5D931306}" type="presParOf" srcId="{97C37993-3BF4-4F32-99CE-25F3CCE5A3F6}" destId="{9CE68F4D-E14E-46D5-8C1A-E50051EDCF4E}" srcOrd="2" destOrd="0" presId="urn:microsoft.com/office/officeart/2005/8/layout/vProcess5"/>
@@ -4158,7 +4179,7 @@
             <a:fld id="{5E0691F5-9D0C-4B99-AAF3-BF4DD8AE5AD6}" type="datetimeFigureOut">
               <a:rPr lang="en-IN" smtClean="0"/>
               <a:pPr/>
-              <a:t>24-02-2016</a:t>
+              <a:t>25-02-2016</a:t>
             </a:fld>
             <a:endParaRPr lang="en-IN"/>
           </a:p>
@@ -4210,7 +4231,7 @@
     </p:spTree>
     <p:extLst>
       <p:ext uri="{BB962C8B-B14F-4D97-AF65-F5344CB8AC3E}">
-        <p14:creationId xmlns:p14="http://schemas.microsoft.com/office/powerpoint/2010/main" xmlns="" val="745236216"/>
+        <p14:creationId xmlns="" xmlns:p14="http://schemas.microsoft.com/office/powerpoint/2010/main" val="745236216"/>
       </p:ext>
     </p:extLst>
   </p:cSld>
@@ -4411,7 +4432,7 @@
             <a:fld id="{5E0691F5-9D0C-4B99-AAF3-BF4DD8AE5AD6}" type="datetimeFigureOut">
               <a:rPr lang="en-IN" smtClean="0"/>
               <a:pPr/>
-              <a:t>24-02-2016</a:t>
+              <a:t>25-02-2016</a:t>
             </a:fld>
             <a:endParaRPr lang="en-IN"/>
           </a:p>
@@ -4463,7 +4484,7 @@
     </p:spTree>
     <p:extLst>
       <p:ext uri="{BB962C8B-B14F-4D97-AF65-F5344CB8AC3E}">
-        <p14:creationId xmlns:p14="http://schemas.microsoft.com/office/powerpoint/2010/main" xmlns="" val="2293863678"/>
+        <p14:creationId xmlns="" xmlns:p14="http://schemas.microsoft.com/office/powerpoint/2010/main" val="2293863678"/>
       </p:ext>
     </p:extLst>
   </p:cSld>
@@ -4727,7 +4748,7 @@
             <a:fld id="{5E0691F5-9D0C-4B99-AAF3-BF4DD8AE5AD6}" type="datetimeFigureOut">
               <a:rPr lang="en-IN" smtClean="0"/>
               <a:pPr/>
-              <a:t>24-02-2016</a:t>
+              <a:t>25-02-2016</a:t>
             </a:fld>
             <a:endParaRPr lang="en-IN"/>
           </a:p>
@@ -4861,7 +4882,7 @@
     </p:spTree>
     <p:extLst>
       <p:ext uri="{BB962C8B-B14F-4D97-AF65-F5344CB8AC3E}">
-        <p14:creationId xmlns:p14="http://schemas.microsoft.com/office/powerpoint/2010/main" xmlns="" val="3646211488"/>
+        <p14:creationId xmlns="" xmlns:p14="http://schemas.microsoft.com/office/powerpoint/2010/main" val="3646211488"/>
       </p:ext>
     </p:extLst>
   </p:cSld>
@@ -5062,7 +5083,7 @@
             <a:fld id="{5E0691F5-9D0C-4B99-AAF3-BF4DD8AE5AD6}" type="datetimeFigureOut">
               <a:rPr lang="en-IN" smtClean="0"/>
               <a:pPr/>
-              <a:t>24-02-2016</a:t>
+              <a:t>25-02-2016</a:t>
             </a:fld>
             <a:endParaRPr lang="en-IN"/>
           </a:p>
@@ -5114,7 +5135,7 @@
     </p:spTree>
     <p:extLst>
       <p:ext uri="{BB962C8B-B14F-4D97-AF65-F5344CB8AC3E}">
-        <p14:creationId xmlns:p14="http://schemas.microsoft.com/office/powerpoint/2010/main" xmlns="" val="130304460"/>
+        <p14:creationId xmlns="" xmlns:p14="http://schemas.microsoft.com/office/powerpoint/2010/main" val="130304460"/>
       </p:ext>
     </p:extLst>
   </p:cSld>
@@ -5378,7 +5399,7 @@
             <a:fld id="{5E0691F5-9D0C-4B99-AAF3-BF4DD8AE5AD6}" type="datetimeFigureOut">
               <a:rPr lang="en-IN" smtClean="0"/>
               <a:pPr/>
-              <a:t>24-02-2016</a:t>
+              <a:t>25-02-2016</a:t>
             </a:fld>
             <a:endParaRPr lang="en-IN"/>
           </a:p>
@@ -5512,7 +5533,7 @@
     </p:spTree>
     <p:extLst>
       <p:ext uri="{BB962C8B-B14F-4D97-AF65-F5344CB8AC3E}">
-        <p14:creationId xmlns:p14="http://schemas.microsoft.com/office/powerpoint/2010/main" xmlns="" val="988258245"/>
+        <p14:creationId xmlns="" xmlns:p14="http://schemas.microsoft.com/office/powerpoint/2010/main" val="988258245"/>
       </p:ext>
     </p:extLst>
   </p:cSld>
@@ -5773,7 +5794,7 @@
             <a:fld id="{5E0691F5-9D0C-4B99-AAF3-BF4DD8AE5AD6}" type="datetimeFigureOut">
               <a:rPr lang="en-IN" smtClean="0"/>
               <a:pPr/>
-              <a:t>24-02-2016</a:t>
+              <a:t>25-02-2016</a:t>
             </a:fld>
             <a:endParaRPr lang="en-IN"/>
           </a:p>
@@ -5825,7 +5846,7 @@
     </p:spTree>
     <p:extLst>
       <p:ext uri="{BB962C8B-B14F-4D97-AF65-F5344CB8AC3E}">
-        <p14:creationId xmlns:p14="http://schemas.microsoft.com/office/powerpoint/2010/main" xmlns="" val="1129624647"/>
+        <p14:creationId xmlns="" xmlns:p14="http://schemas.microsoft.com/office/powerpoint/2010/main" val="1129624647"/>
       </p:ext>
     </p:extLst>
   </p:cSld>
@@ -5945,7 +5966,7 @@
             <a:fld id="{5E0691F5-9D0C-4B99-AAF3-BF4DD8AE5AD6}" type="datetimeFigureOut">
               <a:rPr lang="en-IN" smtClean="0"/>
               <a:pPr/>
-              <a:t>24-02-2016</a:t>
+              <a:t>25-02-2016</a:t>
             </a:fld>
             <a:endParaRPr lang="en-IN"/>
           </a:p>
@@ -5997,7 +6018,7 @@
     </p:spTree>
     <p:extLst>
       <p:ext uri="{BB962C8B-B14F-4D97-AF65-F5344CB8AC3E}">
-        <p14:creationId xmlns:p14="http://schemas.microsoft.com/office/powerpoint/2010/main" xmlns="" val="743166043"/>
+        <p14:creationId xmlns="" xmlns:p14="http://schemas.microsoft.com/office/powerpoint/2010/main" val="743166043"/>
       </p:ext>
     </p:extLst>
   </p:cSld>
@@ -6127,7 +6148,7 @@
             <a:fld id="{5E0691F5-9D0C-4B99-AAF3-BF4DD8AE5AD6}" type="datetimeFigureOut">
               <a:rPr lang="en-IN" smtClean="0"/>
               <a:pPr/>
-              <a:t>24-02-2016</a:t>
+              <a:t>25-02-2016</a:t>
             </a:fld>
             <a:endParaRPr lang="en-IN"/>
           </a:p>
@@ -6179,7 +6200,7 @@
     </p:spTree>
     <p:extLst>
       <p:ext uri="{BB962C8B-B14F-4D97-AF65-F5344CB8AC3E}">
-        <p14:creationId xmlns:p14="http://schemas.microsoft.com/office/powerpoint/2010/main" xmlns="" val="1185054740"/>
+        <p14:creationId xmlns="" xmlns:p14="http://schemas.microsoft.com/office/powerpoint/2010/main" val="1185054740"/>
       </p:ext>
     </p:extLst>
   </p:cSld>
@@ -6299,7 +6320,7 @@
             <a:fld id="{5E0691F5-9D0C-4B99-AAF3-BF4DD8AE5AD6}" type="datetimeFigureOut">
               <a:rPr lang="en-IN" smtClean="0"/>
               <a:pPr/>
-              <a:t>24-02-2016</a:t>
+              <a:t>25-02-2016</a:t>
             </a:fld>
             <a:endParaRPr lang="en-IN"/>
           </a:p>
@@ -6351,7 +6372,7 @@
     </p:spTree>
     <p:extLst>
       <p:ext uri="{BB962C8B-B14F-4D97-AF65-F5344CB8AC3E}">
-        <p14:creationId xmlns:p14="http://schemas.microsoft.com/office/powerpoint/2010/main" xmlns="" val="3602506870"/>
+        <p14:creationId xmlns="" xmlns:p14="http://schemas.microsoft.com/office/powerpoint/2010/main" val="3602506870"/>
       </p:ext>
     </p:extLst>
   </p:cSld>
@@ -6548,7 +6569,7 @@
             <a:fld id="{5E0691F5-9D0C-4B99-AAF3-BF4DD8AE5AD6}" type="datetimeFigureOut">
               <a:rPr lang="en-IN" smtClean="0"/>
               <a:pPr/>
-              <a:t>24-02-2016</a:t>
+              <a:t>25-02-2016</a:t>
             </a:fld>
             <a:endParaRPr lang="en-IN"/>
           </a:p>
@@ -6600,7 +6621,7 @@
     </p:spTree>
     <p:extLst>
       <p:ext uri="{BB962C8B-B14F-4D97-AF65-F5344CB8AC3E}">
-        <p14:creationId xmlns:p14="http://schemas.microsoft.com/office/powerpoint/2010/main" xmlns="" val="2175426062"/>
+        <p14:creationId xmlns="" xmlns:p14="http://schemas.microsoft.com/office/powerpoint/2010/main" val="2175426062"/>
       </p:ext>
     </p:extLst>
   </p:cSld>
@@ -6782,7 +6803,7 @@
             <a:fld id="{5E0691F5-9D0C-4B99-AAF3-BF4DD8AE5AD6}" type="datetimeFigureOut">
               <a:rPr lang="en-IN" smtClean="0"/>
               <a:pPr/>
-              <a:t>24-02-2016</a:t>
+              <a:t>25-02-2016</a:t>
             </a:fld>
             <a:endParaRPr lang="en-IN"/>
           </a:p>
@@ -6834,7 +6855,7 @@
     </p:spTree>
     <p:extLst>
       <p:ext uri="{BB962C8B-B14F-4D97-AF65-F5344CB8AC3E}">
-        <p14:creationId xmlns:p14="http://schemas.microsoft.com/office/powerpoint/2010/main" xmlns="" val="1265907016"/>
+        <p14:creationId xmlns="" xmlns:p14="http://schemas.microsoft.com/office/powerpoint/2010/main" val="1265907016"/>
       </p:ext>
     </p:extLst>
   </p:cSld>
@@ -7158,7 +7179,7 @@
             <a:fld id="{5E0691F5-9D0C-4B99-AAF3-BF4DD8AE5AD6}" type="datetimeFigureOut">
               <a:rPr lang="en-IN" smtClean="0"/>
               <a:pPr/>
-              <a:t>24-02-2016</a:t>
+              <a:t>25-02-2016</a:t>
             </a:fld>
             <a:endParaRPr lang="en-IN"/>
           </a:p>
@@ -7210,7 +7231,7 @@
     </p:spTree>
     <p:extLst>
       <p:ext uri="{BB962C8B-B14F-4D97-AF65-F5344CB8AC3E}">
-        <p14:creationId xmlns:p14="http://schemas.microsoft.com/office/powerpoint/2010/main" xmlns="" val="618977615"/>
+        <p14:creationId xmlns="" xmlns:p14="http://schemas.microsoft.com/office/powerpoint/2010/main" val="618977615"/>
       </p:ext>
     </p:extLst>
   </p:cSld>
@@ -7283,7 +7304,7 @@
             <a:fld id="{5E0691F5-9D0C-4B99-AAF3-BF4DD8AE5AD6}" type="datetimeFigureOut">
               <a:rPr lang="en-IN" smtClean="0"/>
               <a:pPr/>
-              <a:t>24-02-2016</a:t>
+              <a:t>25-02-2016</a:t>
             </a:fld>
             <a:endParaRPr lang="en-IN"/>
           </a:p>
@@ -7335,7 +7356,7 @@
     </p:spTree>
     <p:extLst>
       <p:ext uri="{BB962C8B-B14F-4D97-AF65-F5344CB8AC3E}">
-        <p14:creationId xmlns:p14="http://schemas.microsoft.com/office/powerpoint/2010/main" xmlns="" val="3986691130"/>
+        <p14:creationId xmlns="" xmlns:p14="http://schemas.microsoft.com/office/powerpoint/2010/main" val="3986691130"/>
       </p:ext>
     </p:extLst>
   </p:cSld>
@@ -7380,7 +7401,7 @@
             <a:fld id="{5E0691F5-9D0C-4B99-AAF3-BF4DD8AE5AD6}" type="datetimeFigureOut">
               <a:rPr lang="en-IN" smtClean="0"/>
               <a:pPr/>
-              <a:t>24-02-2016</a:t>
+              <a:t>25-02-2016</a:t>
             </a:fld>
             <a:endParaRPr lang="en-IN"/>
           </a:p>
@@ -7432,7 +7453,7 @@
     </p:spTree>
     <p:extLst>
       <p:ext uri="{BB962C8B-B14F-4D97-AF65-F5344CB8AC3E}">
-        <p14:creationId xmlns:p14="http://schemas.microsoft.com/office/powerpoint/2010/main" xmlns="" val="2293448865"/>
+        <p14:creationId xmlns="" xmlns:p14="http://schemas.microsoft.com/office/powerpoint/2010/main" val="2293448865"/>
       </p:ext>
     </p:extLst>
   </p:cSld>
@@ -7637,7 +7658,7 @@
             <a:fld id="{5E0691F5-9D0C-4B99-AAF3-BF4DD8AE5AD6}" type="datetimeFigureOut">
               <a:rPr lang="en-IN" smtClean="0"/>
               <a:pPr/>
-              <a:t>24-02-2016</a:t>
+              <a:t>25-02-2016</a:t>
             </a:fld>
             <a:endParaRPr lang="en-IN"/>
           </a:p>
@@ -7689,7 +7710,7 @@
     </p:spTree>
     <p:extLst>
       <p:ext uri="{BB962C8B-B14F-4D97-AF65-F5344CB8AC3E}">
-        <p14:creationId xmlns:p14="http://schemas.microsoft.com/office/powerpoint/2010/main" xmlns="" val="4242348760"/>
+        <p14:creationId xmlns="" xmlns:p14="http://schemas.microsoft.com/office/powerpoint/2010/main" val="4242348760"/>
       </p:ext>
     </p:extLst>
   </p:cSld>
@@ -7945,7 +7966,7 @@
             <a:fld id="{5E0691F5-9D0C-4B99-AAF3-BF4DD8AE5AD6}" type="datetimeFigureOut">
               <a:rPr lang="en-IN" smtClean="0"/>
               <a:pPr/>
-              <a:t>24-02-2016</a:t>
+              <a:t>25-02-2016</a:t>
             </a:fld>
             <a:endParaRPr lang="en-IN"/>
           </a:p>
@@ -7954,7 +7975,7 @@
     </p:spTree>
     <p:extLst>
       <p:ext uri="{BB962C8B-B14F-4D97-AF65-F5344CB8AC3E}">
-        <p14:creationId xmlns:p14="http://schemas.microsoft.com/office/powerpoint/2010/main" xmlns="" val="1810002345"/>
+        <p14:creationId xmlns="" xmlns:p14="http://schemas.microsoft.com/office/powerpoint/2010/main" val="1810002345"/>
       </p:ext>
     </p:extLst>
   </p:cSld>
@@ -8648,7 +8669,7 @@
             <a:fld id="{5E0691F5-9D0C-4B99-AAF3-BF4DD8AE5AD6}" type="datetimeFigureOut">
               <a:rPr lang="en-IN" smtClean="0"/>
               <a:pPr/>
-              <a:t>24-02-2016</a:t>
+              <a:t>25-02-2016</a:t>
             </a:fld>
             <a:endParaRPr lang="en-IN"/>
           </a:p>
@@ -8734,7 +8755,7 @@
     </p:spTree>
     <p:extLst>
       <p:ext uri="{BB962C8B-B14F-4D97-AF65-F5344CB8AC3E}">
-        <p14:creationId xmlns:p14="http://schemas.microsoft.com/office/powerpoint/2010/main" xmlns="" val="854385474"/>
+        <p14:creationId xmlns="" xmlns:p14="http://schemas.microsoft.com/office/powerpoint/2010/main" val="854385474"/>
       </p:ext>
     </p:extLst>
   </p:cSld>
@@ -9248,20 +9269,7 @@
                 <a:latin typeface="Calibri" pitchFamily="34" charset="0"/>
                 <a:cs typeface="Times New Roman" panose="02020603050405020304" pitchFamily="18" charset="0"/>
               </a:rPr>
-              <a:t>Group </a:t>
-            </a:r>
-            <a:r>
-              <a:rPr lang="en-IN" sz="2800" dirty="0" smtClean="0">
-                <a:solidFill>
-                  <a:schemeClr val="tx1">
-                    <a:lumMod val="65000"/>
-                    <a:lumOff val="35000"/>
-                  </a:schemeClr>
-                </a:solidFill>
-                <a:latin typeface="Calibri" pitchFamily="34" charset="0"/>
-                <a:cs typeface="Times New Roman" panose="02020603050405020304" pitchFamily="18" charset="0"/>
-              </a:rPr>
-              <a:t>members-</a:t>
+              <a:t>Group members-</a:t>
             </a:r>
           </a:p>
           <a:p>
@@ -9280,8 +9288,14 @@
                 <a:latin typeface="Calibri" pitchFamily="34" charset="0"/>
                 <a:cs typeface="Times New Roman" panose="02020603050405020304" pitchFamily="18" charset="0"/>
               </a:rPr>
-              <a:t>Shubham </a:t>
-            </a:r>
+              <a:t>Shubham Patil</a:t>
+            </a:r>
+          </a:p>
+          <a:p>
+            <a:pPr algn="l">
+              <a:buFont typeface="Arial" pitchFamily="34" charset="0"/>
+              <a:buChar char="•"/>
+            </a:pPr>
             <a:r>
               <a:rPr lang="en-IN" sz="2000" dirty="0" smtClean="0">
                 <a:solidFill>
@@ -9293,7 +9307,7 @@
                 <a:latin typeface="Calibri" pitchFamily="34" charset="0"/>
                 <a:cs typeface="Times New Roman" panose="02020603050405020304" pitchFamily="18" charset="0"/>
               </a:rPr>
-              <a:t>Patil</a:t>
+              <a:t>Akshat Shukla</a:t>
             </a:r>
           </a:p>
           <a:p>
@@ -9312,8 +9326,14 @@
                 <a:latin typeface="Calibri" pitchFamily="34" charset="0"/>
                 <a:cs typeface="Times New Roman" panose="02020603050405020304" pitchFamily="18" charset="0"/>
               </a:rPr>
-              <a:t>Akshat </a:t>
-            </a:r>
+              <a:t>Aishwarya Naidu</a:t>
+            </a:r>
+          </a:p>
+          <a:p>
+            <a:pPr algn="l">
+              <a:buFont typeface="Arial" pitchFamily="34" charset="0"/>
+              <a:buChar char="•"/>
+            </a:pPr>
             <a:r>
               <a:rPr lang="en-IN" sz="2000" dirty="0" smtClean="0">
                 <a:solidFill>
@@ -9325,7 +9345,7 @@
                 <a:latin typeface="Calibri" pitchFamily="34" charset="0"/>
                 <a:cs typeface="Times New Roman" panose="02020603050405020304" pitchFamily="18" charset="0"/>
               </a:rPr>
-              <a:t>Shukla</a:t>
+              <a:t>Raina Kishor</a:t>
             </a:r>
           </a:p>
           <a:p>
@@ -9344,8 +9364,14 @@
                 <a:latin typeface="Calibri" pitchFamily="34" charset="0"/>
                 <a:cs typeface="Times New Roman" panose="02020603050405020304" pitchFamily="18" charset="0"/>
               </a:rPr>
-              <a:t>Aishwarya </a:t>
-            </a:r>
+              <a:t>Jayneeta Sinha</a:t>
+            </a:r>
+          </a:p>
+          <a:p>
+            <a:pPr algn="l">
+              <a:buFont typeface="Arial" pitchFamily="34" charset="0"/>
+              <a:buChar char="•"/>
+            </a:pPr>
             <a:r>
               <a:rPr lang="en-IN" sz="2000" dirty="0" smtClean="0">
                 <a:solidFill>
@@ -9357,103 +9383,7 @@
                 <a:latin typeface="Calibri" pitchFamily="34" charset="0"/>
                 <a:cs typeface="Times New Roman" panose="02020603050405020304" pitchFamily="18" charset="0"/>
               </a:rPr>
-              <a:t>Naidu</a:t>
-            </a:r>
-          </a:p>
-          <a:p>
-            <a:pPr algn="l">
-              <a:buFont typeface="Arial" pitchFamily="34" charset="0"/>
-              <a:buChar char="•"/>
-            </a:pPr>
-            <a:r>
-              <a:rPr lang="en-IN" sz="2000" dirty="0" smtClean="0">
-                <a:solidFill>
-                  <a:schemeClr val="tx1">
-                    <a:lumMod val="65000"/>
-                    <a:lumOff val="35000"/>
-                  </a:schemeClr>
-                </a:solidFill>
-                <a:latin typeface="Calibri" pitchFamily="34" charset="0"/>
-                <a:cs typeface="Times New Roman" panose="02020603050405020304" pitchFamily="18" charset="0"/>
-              </a:rPr>
-              <a:t>Raina </a:t>
-            </a:r>
-            <a:r>
-              <a:rPr lang="en-IN" sz="2000" dirty="0" smtClean="0">
-                <a:solidFill>
-                  <a:schemeClr val="tx1">
-                    <a:lumMod val="65000"/>
-                    <a:lumOff val="35000"/>
-                  </a:schemeClr>
-                </a:solidFill>
-                <a:latin typeface="Calibri" pitchFamily="34" charset="0"/>
-                <a:cs typeface="Times New Roman" panose="02020603050405020304" pitchFamily="18" charset="0"/>
-              </a:rPr>
-              <a:t>Kishor</a:t>
-            </a:r>
-          </a:p>
-          <a:p>
-            <a:pPr algn="l">
-              <a:buFont typeface="Arial" pitchFamily="34" charset="0"/>
-              <a:buChar char="•"/>
-            </a:pPr>
-            <a:r>
-              <a:rPr lang="en-IN" sz="2000" dirty="0" smtClean="0">
-                <a:solidFill>
-                  <a:schemeClr val="tx1">
-                    <a:lumMod val="65000"/>
-                    <a:lumOff val="35000"/>
-                  </a:schemeClr>
-                </a:solidFill>
-                <a:latin typeface="Calibri" pitchFamily="34" charset="0"/>
-                <a:cs typeface="Times New Roman" panose="02020603050405020304" pitchFamily="18" charset="0"/>
-              </a:rPr>
-              <a:t>Jayneeta </a:t>
-            </a:r>
-            <a:r>
-              <a:rPr lang="en-IN" sz="2000" dirty="0" smtClean="0">
-                <a:solidFill>
-                  <a:schemeClr val="tx1">
-                    <a:lumMod val="65000"/>
-                    <a:lumOff val="35000"/>
-                  </a:schemeClr>
-                </a:solidFill>
-                <a:latin typeface="Calibri" pitchFamily="34" charset="0"/>
-                <a:cs typeface="Times New Roman" panose="02020603050405020304" pitchFamily="18" charset="0"/>
-              </a:rPr>
-              <a:t>Sinha</a:t>
-            </a:r>
-          </a:p>
-          <a:p>
-            <a:pPr algn="l">
-              <a:buFont typeface="Arial" pitchFamily="34" charset="0"/>
-              <a:buChar char="•"/>
-            </a:pPr>
-            <a:r>
-              <a:rPr lang="en-IN" sz="2000" dirty="0" smtClean="0">
-                <a:solidFill>
-                  <a:schemeClr val="tx1">
-                    <a:lumMod val="65000"/>
-                    <a:lumOff val="35000"/>
-                  </a:schemeClr>
-                </a:solidFill>
-                <a:latin typeface="Calibri" pitchFamily="34" charset="0"/>
-                <a:cs typeface="Times New Roman" panose="02020603050405020304" pitchFamily="18" charset="0"/>
-              </a:rPr>
-              <a:t>Priyanka </a:t>
-            </a:r>
-            <a:r>
-              <a:rPr lang="en-IN" sz="2000" dirty="0" smtClean="0">
-                <a:solidFill>
-                  <a:schemeClr val="tx1">
-                    <a:lumMod val="65000"/>
-                    <a:lumOff val="35000"/>
-                  </a:schemeClr>
-                </a:solidFill>
-                <a:latin typeface="Calibri" pitchFamily="34" charset="0"/>
-                <a:cs typeface="Times New Roman" panose="02020603050405020304" pitchFamily="18" charset="0"/>
-              </a:rPr>
-              <a:t>Koparkar </a:t>
+              <a:t>Priyanka Koparkar </a:t>
             </a:r>
             <a:endParaRPr lang="en-IN" sz="2000" dirty="0">
               <a:solidFill>
@@ -9471,7 +9401,7 @@
     </p:spTree>
     <p:extLst>
       <p:ext uri="{BB962C8B-B14F-4D97-AF65-F5344CB8AC3E}">
-        <p14:creationId xmlns:p14="http://schemas.microsoft.com/office/powerpoint/2010/main" xmlns="" val="1646587919"/>
+        <p14:creationId xmlns="" xmlns:p14="http://schemas.microsoft.com/office/powerpoint/2010/main" val="1646587919"/>
       </p:ext>
     </p:extLst>
   </p:cSld>
@@ -10572,7 +10502,12 @@
             <p:ph idx="1"/>
           </p:nvPr>
         </p:nvSpPr>
-        <p:spPr/>
+        <p:spPr>
+          <a:xfrm>
+            <a:off x="677334" y="2160589"/>
+            <a:ext cx="8596668" cy="3880773"/>
+          </a:xfrm>
+        </p:spPr>
         <p:txBody>
           <a:bodyPr>
             <a:normAutofit/>
@@ -10583,13 +10518,73 @@
               <a:rPr lang="en-US" sz="2400" dirty="0" smtClean="0">
                 <a:latin typeface="Calibri" pitchFamily="34" charset="0"/>
               </a:rPr>
-              <a:t>Makes use of @Path annotation provided </a:t>
-            </a:r>
-            <a:r>
-              <a:rPr lang="en-US" sz="2400" smtClean="0">
+              <a:t>Makes use of </a:t>
+            </a:r>
+            <a:r>
+              <a:rPr lang="en-US" sz="2400" dirty="0" smtClean="0">
                 <a:latin typeface="Calibri" pitchFamily="34" charset="0"/>
               </a:rPr>
-              <a:t>by Jersey</a:t>
+              <a:t>Path </a:t>
+            </a:r>
+            <a:r>
+              <a:rPr lang="en-US" sz="2400" dirty="0" smtClean="0">
+                <a:latin typeface="Calibri" pitchFamily="34" charset="0"/>
+              </a:rPr>
+              <a:t>annotation provided by </a:t>
+            </a:r>
+            <a:r>
+              <a:rPr lang="en-US" sz="2400" dirty="0" smtClean="0">
+                <a:latin typeface="Calibri" pitchFamily="34" charset="0"/>
+              </a:rPr>
+              <a:t>JAX-RS </a:t>
+            </a:r>
+            <a:r>
+              <a:rPr lang="en-US" sz="2400" dirty="0" err="1" smtClean="0">
+                <a:latin typeface="Calibri" pitchFamily="34" charset="0"/>
+              </a:rPr>
+              <a:t>api</a:t>
+            </a:r>
+            <a:r>
+              <a:rPr lang="en-US" sz="2400" dirty="0" smtClean="0">
+                <a:latin typeface="Calibri" pitchFamily="34" charset="0"/>
+              </a:rPr>
+              <a:t> to export classes as REST Services on the Server</a:t>
+            </a:r>
+          </a:p>
+          <a:p>
+            <a:r>
+              <a:rPr lang="en-US" sz="2400" dirty="0" smtClean="0">
+                <a:latin typeface="Calibri" pitchFamily="34" charset="0"/>
+              </a:rPr>
+              <a:t>Methods marked with Get annotations respond to GET requests to the Path</a:t>
+            </a:r>
+          </a:p>
+          <a:p>
+            <a:r>
+              <a:rPr lang="en-US" sz="2400" dirty="0" smtClean="0">
+                <a:latin typeface="Calibri" pitchFamily="34" charset="0"/>
+              </a:rPr>
+              <a:t>The </a:t>
+            </a:r>
+            <a:r>
+              <a:rPr lang="en-US" sz="2400" dirty="0" err="1" smtClean="0">
+                <a:latin typeface="Calibri" pitchFamily="34" charset="0"/>
+              </a:rPr>
+              <a:t>QueryParam</a:t>
+            </a:r>
+            <a:r>
+              <a:rPr lang="en-US" sz="2400" dirty="0" smtClean="0">
+                <a:latin typeface="Calibri" pitchFamily="34" charset="0"/>
+              </a:rPr>
+              <a:t> annotation is used to get Query parameters from the inbound request and inject them into function arguments</a:t>
+            </a:r>
+          </a:p>
+          <a:p>
+            <a:r>
+              <a:rPr lang="en-US" sz="2400" dirty="0" smtClean="0">
+                <a:latin typeface="Calibri" pitchFamily="34" charset="0"/>
+              </a:rPr>
+              <a:t>Based upon the request, required Handler is invoked.</a:t>
             </a:r>
             <a:endParaRPr lang="en-US" sz="2400" dirty="0" smtClean="0">
               <a:latin typeface="Calibri" pitchFamily="34" charset="0"/>
@@ -10634,16 +10629,18 @@
         </p:nvSpPr>
         <p:spPr/>
         <p:txBody>
-          <a:bodyPr/>
+          <a:bodyPr>
+            <a:normAutofit/>
+          </a:bodyPr>
           <a:lstStyle/>
           <a:p>
             <a:r>
-              <a:rPr lang="en-US" dirty="0" smtClean="0">
+              <a:rPr lang="en-US" sz="4800" b="1" dirty="0" smtClean="0">
                 <a:latin typeface="Calibri" pitchFamily="34" charset="0"/>
               </a:rPr>
               <a:t>Handlers</a:t>
             </a:r>
-            <a:endParaRPr lang="en-IN" dirty="0">
+            <a:endParaRPr lang="en-IN" sz="4800" b="1" dirty="0">
               <a:latin typeface="Calibri" pitchFamily="34" charset="0"/>
             </a:endParaRPr>
           </a:p>
@@ -10661,10 +10658,38 @@
         </p:nvSpPr>
         <p:spPr/>
         <p:txBody>
-          <a:bodyPr/>
+          <a:bodyPr>
+            <a:normAutofit/>
+          </a:bodyPr>
           <a:lstStyle/>
           <a:p>
-            <a:endParaRPr lang="en-IN">
+            <a:r>
+              <a:rPr lang="en-US" sz="2400" dirty="0" smtClean="0">
+                <a:latin typeface="Calibri" pitchFamily="34" charset="0"/>
+              </a:rPr>
+              <a:t>Calls respective DAO classes</a:t>
+            </a:r>
+          </a:p>
+          <a:p>
+            <a:r>
+              <a:rPr lang="en-US" sz="2400" dirty="0" smtClean="0">
+                <a:latin typeface="Calibri" pitchFamily="34" charset="0"/>
+              </a:rPr>
+              <a:t>Converts the returned </a:t>
+            </a:r>
+            <a:r>
+              <a:rPr lang="en-US" sz="2400" dirty="0" err="1" smtClean="0">
+                <a:latin typeface="Calibri" pitchFamily="34" charset="0"/>
+              </a:rPr>
+              <a:t>ArrayList</a:t>
+            </a:r>
+            <a:r>
+              <a:rPr lang="en-US" sz="2400" dirty="0" smtClean="0">
+                <a:latin typeface="Calibri" pitchFamily="34" charset="0"/>
+              </a:rPr>
+              <a:t> and serializes it to a JSON with the help of Google GSON</a:t>
+            </a:r>
+            <a:endParaRPr lang="en-IN" sz="2400" dirty="0">
               <a:latin typeface="Calibri" pitchFamily="34" charset="0"/>
             </a:endParaRPr>
           </a:p>
@@ -10707,16 +10732,18 @@
         </p:nvSpPr>
         <p:spPr/>
         <p:txBody>
-          <a:bodyPr/>
+          <a:bodyPr>
+            <a:normAutofit/>
+          </a:bodyPr>
           <a:lstStyle/>
           <a:p>
             <a:r>
-              <a:rPr lang="en-US" dirty="0" smtClean="0">
+              <a:rPr lang="en-US" sz="4800" b="1" dirty="0" smtClean="0">
                 <a:latin typeface="Calibri" pitchFamily="34" charset="0"/>
               </a:rPr>
               <a:t>DAO – Data Access Objects</a:t>
             </a:r>
-            <a:endParaRPr lang="en-IN" dirty="0">
+            <a:endParaRPr lang="en-IN" sz="4800" b="1" dirty="0">
               <a:latin typeface="Calibri" pitchFamily="34" charset="0"/>
             </a:endParaRPr>
           </a:p>
@@ -10734,10 +10761,55 @@
         </p:nvSpPr>
         <p:spPr/>
         <p:txBody>
-          <a:bodyPr/>
+          <a:bodyPr>
+            <a:normAutofit/>
+          </a:bodyPr>
           <a:lstStyle/>
           <a:p>
-            <a:endParaRPr lang="en-IN">
+            <a:r>
+              <a:rPr lang="en-US" sz="2400" dirty="0" smtClean="0">
+                <a:latin typeface="Calibri" pitchFamily="34" charset="0"/>
+              </a:rPr>
+              <a:t>Handles the DB interaction Logic</a:t>
+            </a:r>
+          </a:p>
+          <a:p>
+            <a:r>
+              <a:rPr lang="en-US" sz="2400" dirty="0" smtClean="0">
+                <a:latin typeface="Calibri" pitchFamily="34" charset="0"/>
+              </a:rPr>
+              <a:t>Consumes the Result Set and puts it into an </a:t>
+            </a:r>
+            <a:r>
+              <a:rPr lang="en-US" sz="2400" dirty="0" err="1" smtClean="0">
+                <a:latin typeface="Calibri" pitchFamily="34" charset="0"/>
+              </a:rPr>
+              <a:t>ArrayList</a:t>
+            </a:r>
+            <a:endParaRPr lang="en-US" sz="2400" dirty="0" smtClean="0">
+              <a:latin typeface="Calibri" pitchFamily="34" charset="0"/>
+            </a:endParaRPr>
+          </a:p>
+          <a:p>
+            <a:r>
+              <a:rPr lang="en-US" sz="2400" dirty="0" smtClean="0">
+                <a:latin typeface="Calibri" pitchFamily="34" charset="0"/>
+              </a:rPr>
+              <a:t>Returns the resulting </a:t>
+            </a:r>
+            <a:r>
+              <a:rPr lang="en-US" sz="2400" dirty="0" err="1" smtClean="0">
+                <a:latin typeface="Calibri" pitchFamily="34" charset="0"/>
+              </a:rPr>
+              <a:t>ArrayList</a:t>
+            </a:r>
+            <a:r>
+              <a:rPr lang="en-US" sz="2400" dirty="0" smtClean="0">
+                <a:latin typeface="Calibri" pitchFamily="34" charset="0"/>
+              </a:rPr>
+              <a:t> to the Handler </a:t>
+            </a:r>
+            <a:endParaRPr lang="en-IN" sz="2400" dirty="0">
               <a:latin typeface="Calibri" pitchFamily="34" charset="0"/>
             </a:endParaRPr>
           </a:p>
@@ -10780,10 +10852,18 @@
         </p:nvSpPr>
         <p:spPr/>
         <p:txBody>
-          <a:bodyPr/>
+          <a:bodyPr>
+            <a:normAutofit/>
+          </a:bodyPr>
           <a:lstStyle/>
           <a:p>
-            <a:endParaRPr lang="en-IN">
+            <a:r>
+              <a:rPr lang="en-US" sz="4800" b="1" dirty="0" smtClean="0">
+                <a:latin typeface="Calibri" pitchFamily="34" charset="0"/>
+              </a:rPr>
+              <a:t>Data Objects</a:t>
+            </a:r>
+            <a:endParaRPr lang="en-IN" sz="4800" b="1" dirty="0">
               <a:latin typeface="Calibri" pitchFamily="34" charset="0"/>
             </a:endParaRPr>
           </a:p>
@@ -10801,10 +10881,18 @@
         </p:nvSpPr>
         <p:spPr/>
         <p:txBody>
-          <a:bodyPr/>
+          <a:bodyPr>
+            <a:normAutofit/>
+          </a:bodyPr>
           <a:lstStyle/>
           <a:p>
-            <a:endParaRPr lang="en-IN">
+            <a:r>
+              <a:rPr lang="en-US" sz="2400" dirty="0" smtClean="0">
+                <a:latin typeface="Calibri" pitchFamily="34" charset="0"/>
+              </a:rPr>
+              <a:t>Resembles the underlying database schema closely</a:t>
+            </a:r>
+            <a:endParaRPr lang="en-IN" sz="2400" dirty="0">
               <a:latin typeface="Calibri" pitchFamily="34" charset="0"/>
             </a:endParaRPr>
           </a:p>
@@ -12343,7 +12431,7 @@
     </p:spTree>
     <p:extLst>
       <p:ext uri="{BB962C8B-B14F-4D97-AF65-F5344CB8AC3E}">
-        <p14:creationId xmlns:p14="http://schemas.microsoft.com/office/powerpoint/2010/main" xmlns="" val="1665069484"/>
+        <p14:creationId xmlns="" xmlns:p14="http://schemas.microsoft.com/office/powerpoint/2010/main" val="1665069484"/>
       </p:ext>
     </p:extLst>
   </p:cSld>
@@ -12861,7 +12949,7 @@
     </p:spTree>
     <p:extLst>
       <p:ext uri="{BB962C8B-B14F-4D97-AF65-F5344CB8AC3E}">
-        <p14:creationId xmlns:p14="http://schemas.microsoft.com/office/powerpoint/2010/main" xmlns="" val="4023520249"/>
+        <p14:creationId xmlns="" xmlns:p14="http://schemas.microsoft.com/office/powerpoint/2010/main" val="4023520249"/>
       </p:ext>
     </p:extLst>
   </p:cSld>
@@ -13565,7 +13653,7 @@
     </p:spTree>
     <p:extLst>
       <p:ext uri="{BB962C8B-B14F-4D97-AF65-F5344CB8AC3E}">
-        <p14:creationId xmlns:p14="http://schemas.microsoft.com/office/powerpoint/2010/main" xmlns="" val="1439879549"/>
+        <p14:creationId xmlns="" xmlns:p14="http://schemas.microsoft.com/office/powerpoint/2010/main" val="1439879549"/>
       </p:ext>
     </p:extLst>
   </p:cSld>
@@ -14087,7 +14175,7 @@
     </p:spTree>
     <p:extLst>
       <p:ext uri="{BB962C8B-B14F-4D97-AF65-F5344CB8AC3E}">
-        <p14:creationId xmlns:p14="http://schemas.microsoft.com/office/powerpoint/2010/main" xmlns="" val="2315167525"/>
+        <p14:creationId xmlns="" xmlns:p14="http://schemas.microsoft.com/office/powerpoint/2010/main" val="2315167525"/>
       </p:ext>
     </p:extLst>
   </p:cSld>
@@ -14435,7 +14523,7 @@
             </a:clrChange>
             <a:extLst>
               <a:ext uri="{28A0092B-C50C-407E-A947-70E740481C1C}">
-                <a14:useLocalDpi xmlns:a14="http://schemas.microsoft.com/office/drawing/2010/main" xmlns="" val="0"/>
+                <a14:useLocalDpi xmlns="" xmlns:a14="http://schemas.microsoft.com/office/drawing/2010/main" val="0"/>
               </a:ext>
             </a:extLst>
           </a:blip>
@@ -14456,7 +14544,7 @@
     </p:spTree>
     <p:extLst>
       <p:ext uri="{BB962C8B-B14F-4D97-AF65-F5344CB8AC3E}">
-        <p14:creationId xmlns:p14="http://schemas.microsoft.com/office/powerpoint/2010/main" xmlns="" val="2554526102"/>
+        <p14:creationId xmlns="" xmlns:p14="http://schemas.microsoft.com/office/powerpoint/2010/main" val="2554526102"/>
       </p:ext>
     </p:extLst>
   </p:cSld>
@@ -14771,7 +14859,7 @@
     </p:spTree>
     <p:extLst>
       <p:ext uri="{BB962C8B-B14F-4D97-AF65-F5344CB8AC3E}">
-        <p14:creationId xmlns:p14="http://schemas.microsoft.com/office/powerpoint/2010/main" xmlns="" val="889664965"/>
+        <p14:creationId xmlns="" xmlns:p14="http://schemas.microsoft.com/office/powerpoint/2010/main" val="889664965"/>
       </p:ext>
     </p:extLst>
   </p:cSld>
@@ -15557,7 +15645,7 @@
     </p:spTree>
     <p:extLst>
       <p:ext uri="{BB962C8B-B14F-4D97-AF65-F5344CB8AC3E}">
-        <p14:creationId xmlns:p14="http://schemas.microsoft.com/office/powerpoint/2010/main" xmlns="" val="2475605198"/>
+        <p14:creationId xmlns="" xmlns:p14="http://schemas.microsoft.com/office/powerpoint/2010/main" val="2475605198"/>
       </p:ext>
     </p:extLst>
   </p:cSld>
@@ -16227,7 +16315,7 @@
   <a:extraClrSchemeLst/>
   <a:extLst>
     <a:ext uri="{05A4C25C-085E-4340-85A3-A5531E510DB2}">
-      <thm15:themeFamily xmlns:thm15="http://schemas.microsoft.com/office/thememl/2012/main" xmlns="" name="Facet" id="{C0C680CD-088A-49FC-A102-D699147F32B2}" vid="{0B5AB586-D108-4FC1-8368-649FE654B894}"/>
+      <thm15:themeFamily xmlns="" xmlns:thm15="http://schemas.microsoft.com/office/thememl/2012/main" name="Facet" id="{C0C680CD-088A-49FC-A102-D699147F32B2}" vid="{0B5AB586-D108-4FC1-8368-649FE654B894}"/>
     </a:ext>
   </a:extLst>
 </a:theme>

--- a/docs/HAD project.pptx
+++ b/docs/HAD project.pptx
@@ -20,9 +20,10 @@
     <p:sldId id="270" r:id="rId14"/>
     <p:sldId id="271" r:id="rId15"/>
     <p:sldId id="273" r:id="rId16"/>
-    <p:sldId id="265" r:id="rId17"/>
-    <p:sldId id="268" r:id="rId18"/>
-    <p:sldId id="269" r:id="rId19"/>
+    <p:sldId id="275" r:id="rId17"/>
+    <p:sldId id="265" r:id="rId18"/>
+    <p:sldId id="268" r:id="rId19"/>
+    <p:sldId id="269" r:id="rId20"/>
   </p:sldIdLst>
   <p:sldSz cx="12192000" cy="6858000"/>
   <p:notesSz cx="6858000" cy="9144000"/>
@@ -123,7 +124,7 @@
   </p:defaultTextStyle>
   <p:extLst>
     <p:ext uri="{EFAFB233-063F-42B5-8137-9DF3F51BA10A}">
-      <p15:sldGuideLst xmlns="" xmlns:p15="http://schemas.microsoft.com/office/powerpoint/2012/main"/>
+      <p15:sldGuideLst xmlns:p15="http://schemas.microsoft.com/office/powerpoint/2012/main" xmlns=""/>
     </p:ext>
   </p:extLst>
 </p:presentation>
@@ -4231,7 +4232,7 @@
     </p:spTree>
     <p:extLst>
       <p:ext uri="{BB962C8B-B14F-4D97-AF65-F5344CB8AC3E}">
-        <p14:creationId xmlns="" xmlns:p14="http://schemas.microsoft.com/office/powerpoint/2010/main" val="745236216"/>
+        <p14:creationId xmlns:p14="http://schemas.microsoft.com/office/powerpoint/2010/main" xmlns="" val="745236216"/>
       </p:ext>
     </p:extLst>
   </p:cSld>
@@ -4484,7 +4485,7 @@
     </p:spTree>
     <p:extLst>
       <p:ext uri="{BB962C8B-B14F-4D97-AF65-F5344CB8AC3E}">
-        <p14:creationId xmlns="" xmlns:p14="http://schemas.microsoft.com/office/powerpoint/2010/main" val="2293863678"/>
+        <p14:creationId xmlns:p14="http://schemas.microsoft.com/office/powerpoint/2010/main" xmlns="" val="2293863678"/>
       </p:ext>
     </p:extLst>
   </p:cSld>
@@ -4882,7 +4883,7 @@
     </p:spTree>
     <p:extLst>
       <p:ext uri="{BB962C8B-B14F-4D97-AF65-F5344CB8AC3E}">
-        <p14:creationId xmlns="" xmlns:p14="http://schemas.microsoft.com/office/powerpoint/2010/main" val="3646211488"/>
+        <p14:creationId xmlns:p14="http://schemas.microsoft.com/office/powerpoint/2010/main" xmlns="" val="3646211488"/>
       </p:ext>
     </p:extLst>
   </p:cSld>
@@ -5135,7 +5136,7 @@
     </p:spTree>
     <p:extLst>
       <p:ext uri="{BB962C8B-B14F-4D97-AF65-F5344CB8AC3E}">
-        <p14:creationId xmlns="" xmlns:p14="http://schemas.microsoft.com/office/powerpoint/2010/main" val="130304460"/>
+        <p14:creationId xmlns:p14="http://schemas.microsoft.com/office/powerpoint/2010/main" xmlns="" val="130304460"/>
       </p:ext>
     </p:extLst>
   </p:cSld>
@@ -5533,7 +5534,7 @@
     </p:spTree>
     <p:extLst>
       <p:ext uri="{BB962C8B-B14F-4D97-AF65-F5344CB8AC3E}">
-        <p14:creationId xmlns="" xmlns:p14="http://schemas.microsoft.com/office/powerpoint/2010/main" val="988258245"/>
+        <p14:creationId xmlns:p14="http://schemas.microsoft.com/office/powerpoint/2010/main" xmlns="" val="988258245"/>
       </p:ext>
     </p:extLst>
   </p:cSld>
@@ -5846,7 +5847,7 @@
     </p:spTree>
     <p:extLst>
       <p:ext uri="{BB962C8B-B14F-4D97-AF65-F5344CB8AC3E}">
-        <p14:creationId xmlns="" xmlns:p14="http://schemas.microsoft.com/office/powerpoint/2010/main" val="1129624647"/>
+        <p14:creationId xmlns:p14="http://schemas.microsoft.com/office/powerpoint/2010/main" xmlns="" val="1129624647"/>
       </p:ext>
     </p:extLst>
   </p:cSld>
@@ -6018,7 +6019,7 @@
     </p:spTree>
     <p:extLst>
       <p:ext uri="{BB962C8B-B14F-4D97-AF65-F5344CB8AC3E}">
-        <p14:creationId xmlns="" xmlns:p14="http://schemas.microsoft.com/office/powerpoint/2010/main" val="743166043"/>
+        <p14:creationId xmlns:p14="http://schemas.microsoft.com/office/powerpoint/2010/main" xmlns="" val="743166043"/>
       </p:ext>
     </p:extLst>
   </p:cSld>
@@ -6200,7 +6201,7 @@
     </p:spTree>
     <p:extLst>
       <p:ext uri="{BB962C8B-B14F-4D97-AF65-F5344CB8AC3E}">
-        <p14:creationId xmlns="" xmlns:p14="http://schemas.microsoft.com/office/powerpoint/2010/main" val="1185054740"/>
+        <p14:creationId xmlns:p14="http://schemas.microsoft.com/office/powerpoint/2010/main" xmlns="" val="1185054740"/>
       </p:ext>
     </p:extLst>
   </p:cSld>
@@ -6372,7 +6373,7 @@
     </p:spTree>
     <p:extLst>
       <p:ext uri="{BB962C8B-B14F-4D97-AF65-F5344CB8AC3E}">
-        <p14:creationId xmlns="" xmlns:p14="http://schemas.microsoft.com/office/powerpoint/2010/main" val="3602506870"/>
+        <p14:creationId xmlns:p14="http://schemas.microsoft.com/office/powerpoint/2010/main" xmlns="" val="3602506870"/>
       </p:ext>
     </p:extLst>
   </p:cSld>
@@ -6621,7 +6622,7 @@
     </p:spTree>
     <p:extLst>
       <p:ext uri="{BB962C8B-B14F-4D97-AF65-F5344CB8AC3E}">
-        <p14:creationId xmlns="" xmlns:p14="http://schemas.microsoft.com/office/powerpoint/2010/main" val="2175426062"/>
+        <p14:creationId xmlns:p14="http://schemas.microsoft.com/office/powerpoint/2010/main" xmlns="" val="2175426062"/>
       </p:ext>
     </p:extLst>
   </p:cSld>
@@ -6855,7 +6856,7 @@
     </p:spTree>
     <p:extLst>
       <p:ext uri="{BB962C8B-B14F-4D97-AF65-F5344CB8AC3E}">
-        <p14:creationId xmlns="" xmlns:p14="http://schemas.microsoft.com/office/powerpoint/2010/main" val="1265907016"/>
+        <p14:creationId xmlns:p14="http://schemas.microsoft.com/office/powerpoint/2010/main" xmlns="" val="1265907016"/>
       </p:ext>
     </p:extLst>
   </p:cSld>
@@ -7231,7 +7232,7 @@
     </p:spTree>
     <p:extLst>
       <p:ext uri="{BB962C8B-B14F-4D97-AF65-F5344CB8AC3E}">
-        <p14:creationId xmlns="" xmlns:p14="http://schemas.microsoft.com/office/powerpoint/2010/main" val="618977615"/>
+        <p14:creationId xmlns:p14="http://schemas.microsoft.com/office/powerpoint/2010/main" xmlns="" val="618977615"/>
       </p:ext>
     </p:extLst>
   </p:cSld>
@@ -7356,7 +7357,7 @@
     </p:spTree>
     <p:extLst>
       <p:ext uri="{BB962C8B-B14F-4D97-AF65-F5344CB8AC3E}">
-        <p14:creationId xmlns="" xmlns:p14="http://schemas.microsoft.com/office/powerpoint/2010/main" val="3986691130"/>
+        <p14:creationId xmlns:p14="http://schemas.microsoft.com/office/powerpoint/2010/main" xmlns="" val="3986691130"/>
       </p:ext>
     </p:extLst>
   </p:cSld>
@@ -7453,7 +7454,7 @@
     </p:spTree>
     <p:extLst>
       <p:ext uri="{BB962C8B-B14F-4D97-AF65-F5344CB8AC3E}">
-        <p14:creationId xmlns="" xmlns:p14="http://schemas.microsoft.com/office/powerpoint/2010/main" val="2293448865"/>
+        <p14:creationId xmlns:p14="http://schemas.microsoft.com/office/powerpoint/2010/main" xmlns="" val="2293448865"/>
       </p:ext>
     </p:extLst>
   </p:cSld>
@@ -7710,7 +7711,7 @@
     </p:spTree>
     <p:extLst>
       <p:ext uri="{BB962C8B-B14F-4D97-AF65-F5344CB8AC3E}">
-        <p14:creationId xmlns="" xmlns:p14="http://schemas.microsoft.com/office/powerpoint/2010/main" val="4242348760"/>
+        <p14:creationId xmlns:p14="http://schemas.microsoft.com/office/powerpoint/2010/main" xmlns="" val="4242348760"/>
       </p:ext>
     </p:extLst>
   </p:cSld>
@@ -7975,7 +7976,7 @@
     </p:spTree>
     <p:extLst>
       <p:ext uri="{BB962C8B-B14F-4D97-AF65-F5344CB8AC3E}">
-        <p14:creationId xmlns="" xmlns:p14="http://schemas.microsoft.com/office/powerpoint/2010/main" val="1810002345"/>
+        <p14:creationId xmlns:p14="http://schemas.microsoft.com/office/powerpoint/2010/main" xmlns="" val="1810002345"/>
       </p:ext>
     </p:extLst>
   </p:cSld>
@@ -8755,7 +8756,7 @@
     </p:spTree>
     <p:extLst>
       <p:ext uri="{BB962C8B-B14F-4D97-AF65-F5344CB8AC3E}">
-        <p14:creationId xmlns="" xmlns:p14="http://schemas.microsoft.com/office/powerpoint/2010/main" val="854385474"/>
+        <p14:creationId xmlns:p14="http://schemas.microsoft.com/office/powerpoint/2010/main" xmlns="" val="854385474"/>
       </p:ext>
     </p:extLst>
   </p:cSld>
@@ -9401,7 +9402,7 @@
     </p:spTree>
     <p:extLst>
       <p:ext uri="{BB962C8B-B14F-4D97-AF65-F5344CB8AC3E}">
-        <p14:creationId xmlns="" xmlns:p14="http://schemas.microsoft.com/office/powerpoint/2010/main" val="1646587919"/>
+        <p14:creationId xmlns:p14="http://schemas.microsoft.com/office/powerpoint/2010/main" xmlns="" val="1646587919"/>
       </p:ext>
     </p:extLst>
   </p:cSld>
@@ -10518,25 +10519,7 @@
               <a:rPr lang="en-US" sz="2400" dirty="0" smtClean="0">
                 <a:latin typeface="Calibri" pitchFamily="34" charset="0"/>
               </a:rPr>
-              <a:t>Makes use of </a:t>
-            </a:r>
-            <a:r>
-              <a:rPr lang="en-US" sz="2400" dirty="0" smtClean="0">
-                <a:latin typeface="Calibri" pitchFamily="34" charset="0"/>
-              </a:rPr>
-              <a:t>Path </a:t>
-            </a:r>
-            <a:r>
-              <a:rPr lang="en-US" sz="2400" dirty="0" smtClean="0">
-                <a:latin typeface="Calibri" pitchFamily="34" charset="0"/>
-              </a:rPr>
-              <a:t>annotation provided by </a:t>
-            </a:r>
-            <a:r>
-              <a:rPr lang="en-US" sz="2400" dirty="0" smtClean="0">
-                <a:latin typeface="Calibri" pitchFamily="34" charset="0"/>
-              </a:rPr>
-              <a:t>JAX-RS </a:t>
+              <a:t>Makes use of Path annotation provided by JAX-RS </a:t>
             </a:r>
             <a:r>
               <a:rPr lang="en-US" sz="2400" dirty="0" err="1" smtClean="0">
@@ -10586,9 +10569,6 @@
               </a:rPr>
               <a:t>Based upon the request, required Handler is invoked.</a:t>
             </a:r>
-            <a:endParaRPr lang="en-US" sz="2400" dirty="0" smtClean="0">
-              <a:latin typeface="Calibri" pitchFamily="34" charset="0"/>
-            </a:endParaRPr>
           </a:p>
         </p:txBody>
       </p:sp>
@@ -10925,6 +10905,91 @@
       </p:grpSpPr>
       <p:sp>
         <p:nvSpPr>
+          <p:cNvPr id="2" name="Title 1"/>
+          <p:cNvSpPr>
+            <a:spLocks noGrp="1"/>
+          </p:cNvSpPr>
+          <p:nvPr>
+            <p:ph type="title"/>
+          </p:nvPr>
+        </p:nvSpPr>
+        <p:spPr/>
+        <p:txBody>
+          <a:bodyPr>
+            <a:normAutofit/>
+          </a:bodyPr>
+          <a:lstStyle/>
+          <a:p>
+            <a:r>
+              <a:rPr lang="en-US" sz="4800" dirty="0" smtClean="0">
+                <a:latin typeface="Calibri" pitchFamily="34" charset="0"/>
+              </a:rPr>
+              <a:t>Query Builder </a:t>
+            </a:r>
+            <a:endParaRPr lang="en-IN" sz="4800" dirty="0">
+              <a:latin typeface="Calibri" pitchFamily="34" charset="0"/>
+            </a:endParaRPr>
+          </a:p>
+        </p:txBody>
+      </p:sp>
+      <p:sp>
+        <p:nvSpPr>
+          <p:cNvPr id="3" name="Content Placeholder 2"/>
+          <p:cNvSpPr>
+            <a:spLocks noGrp="1"/>
+          </p:cNvSpPr>
+          <p:nvPr>
+            <p:ph idx="1"/>
+          </p:nvPr>
+        </p:nvSpPr>
+        <p:spPr/>
+        <p:txBody>
+          <a:bodyPr>
+            <a:normAutofit/>
+          </a:bodyPr>
+          <a:lstStyle/>
+          <a:p>
+            <a:r>
+              <a:rPr lang="en-US" sz="2400" dirty="0" smtClean="0"/>
+              <a:t>Query Builder Java Code incorporates within it basic clauses of SQL such as SELECT, FROM, WHERE and GROUP BY.</a:t>
+            </a:r>
+          </a:p>
+          <a:p>
+            <a:r>
+              <a:rPr lang="en-US" sz="2400" dirty="0" smtClean="0"/>
+              <a:t>The Builder code consisted of parameters such as List of Strings(for columns), Map of (Strings, Strings) (for tables), List of Strings for WHERE statements and String for GROUP BY. </a:t>
+            </a:r>
+            <a:endParaRPr lang="en-IN" sz="2400" dirty="0"/>
+          </a:p>
+        </p:txBody>
+      </p:sp>
+    </p:spTree>
+  </p:cSld>
+  <p:clrMapOvr>
+    <a:masterClrMapping/>
+  </p:clrMapOvr>
+</p:sld>
+</file>
+
+<file path=ppt/slides/slide17.xml><?xml version="1.0" encoding="utf-8"?>
+<p:sld xmlns:a="http://schemas.openxmlformats.org/drawingml/2006/main" xmlns:r="http://schemas.openxmlformats.org/officeDocument/2006/relationships" xmlns:p="http://schemas.openxmlformats.org/presentationml/2006/main">
+  <p:cSld>
+    <p:spTree>
+      <p:nvGrpSpPr>
+        <p:cNvPr id="1" name=""/>
+        <p:cNvGrpSpPr/>
+        <p:nvPr/>
+      </p:nvGrpSpPr>
+      <p:grpSpPr>
+        <a:xfrm>
+          <a:off x="0" y="0"/>
+          <a:ext cx="0" cy="0"/>
+          <a:chOff x="0" y="0"/>
+          <a:chExt cx="0" cy="0"/>
+        </a:xfrm>
+      </p:grpSpPr>
+      <p:sp>
+        <p:nvSpPr>
           <p:cNvPr id="4" name="Title 1"/>
           <p:cNvSpPr>
             <a:spLocks noGrp="1"/>
@@ -11038,54 +11103,29 @@
                 <a:latin typeface="Calibri" pitchFamily="34" charset="0"/>
                 <a:cs typeface="Times New Roman" pitchFamily="18" charset="0"/>
               </a:rPr>
-              <a:t>Dimplejs</a:t>
-            </a:r>
-            <a:r>
-              <a:rPr lang="en-IN" sz="2400" dirty="0" smtClean="0">
+              <a:t>DimpleJS</a:t>
+            </a:r>
+            <a:endParaRPr lang="en-IN" sz="2400" dirty="0" smtClean="0">
+              <a:latin typeface="Calibri" pitchFamily="34" charset="0"/>
+              <a:cs typeface="Times New Roman" pitchFamily="18" charset="0"/>
+            </a:endParaRPr>
+          </a:p>
+          <a:p>
+            <a:pPr marL="0" indent="0"/>
+            <a:r>
+              <a:rPr lang="en-US" sz="2400" dirty="0" smtClean="0">
                 <a:latin typeface="Calibri" pitchFamily="34" charset="0"/>
                 <a:cs typeface="Times New Roman" pitchFamily="18" charset="0"/>
               </a:rPr>
-              <a:t>.</a:t>
-            </a:r>
-          </a:p>
-          <a:p>
-            <a:pPr marL="0" indent="0"/>
-            <a:r>
-              <a:rPr lang="en-IN" sz="2400" dirty="0" smtClean="0">
+              <a:t>Label Overlap issue with </a:t>
+            </a:r>
+            <a:r>
+              <a:rPr lang="en-US" sz="2400" dirty="0" err="1" smtClean="0">
                 <a:latin typeface="Calibri" pitchFamily="34" charset="0"/>
                 <a:cs typeface="Times New Roman" pitchFamily="18" charset="0"/>
               </a:rPr>
-              <a:t>Exporting the map as </a:t>
-            </a:r>
-            <a:r>
-              <a:rPr lang="en-IN" sz="2400" dirty="0" err="1" smtClean="0">
-                <a:latin typeface="Calibri" pitchFamily="34" charset="0"/>
-                <a:cs typeface="Times New Roman" pitchFamily="18" charset="0"/>
-              </a:rPr>
-              <a:t>pdf</a:t>
-            </a:r>
-            <a:r>
-              <a:rPr lang="en-IN" sz="2400" dirty="0" smtClean="0">
-                <a:latin typeface="Calibri" pitchFamily="34" charset="0"/>
-                <a:cs typeface="Times New Roman" pitchFamily="18" charset="0"/>
-              </a:rPr>
-              <a:t>.</a:t>
-            </a:r>
-          </a:p>
-          <a:p>
-            <a:pPr marL="0" indent="0"/>
-            <a:r>
-              <a:rPr lang="en-IN" sz="2400" dirty="0" smtClean="0">
-                <a:latin typeface="Calibri" pitchFamily="34" charset="0"/>
-                <a:cs typeface="Times New Roman" pitchFamily="18" charset="0"/>
-              </a:rPr>
-              <a:t>The graphs were unstable after sometime the data was not shown.</a:t>
-            </a:r>
-          </a:p>
-          <a:p>
-            <a:pPr marL="0" indent="0">
-              <a:buNone/>
-            </a:pPr>
+              <a:t>DimpleJS</a:t>
+            </a:r>
             <a:endParaRPr lang="en-IN" dirty="0" smtClean="0">
               <a:latin typeface="Calibri" pitchFamily="34" charset="0"/>
             </a:endParaRPr>
@@ -11374,21 +11414,30 @@
                             </p:childTnLst>
                           </p:cTn>
                         </p:par>
+                      </p:childTnLst>
+                    </p:cTn>
+                  </p:par>
+                  <p:par>
+                    <p:cTn id="24" fill="hold">
+                      <p:stCondLst>
+                        <p:cond delay="indefinite"/>
+                      </p:stCondLst>
+                      <p:childTnLst>
                         <p:par>
-                          <p:cTn id="24" fill="hold">
+                          <p:cTn id="25" fill="hold">
                             <p:stCondLst>
-                              <p:cond delay="5000"/>
+                              <p:cond delay="0"/>
                             </p:stCondLst>
                             <p:childTnLst>
                               <p:par>
-                                <p:cTn id="25" presetID="10" presetClass="entr" presetSubtype="0" fill="hold" grpId="0" nodeType="afterEffect">
+                                <p:cTn id="26" presetID="10" presetClass="entr" presetSubtype="0" fill="hold" grpId="0" nodeType="clickEffect">
                                   <p:stCondLst>
                                     <p:cond delay="0"/>
                                   </p:stCondLst>
                                   <p:childTnLst>
                                     <p:set>
                                       <p:cBhvr>
-                                        <p:cTn id="26" dur="1" fill="hold">
+                                        <p:cTn id="27" dur="1" fill="hold">
                                           <p:stCondLst>
                                             <p:cond delay="0"/>
                                           </p:stCondLst>
@@ -11410,124 +11459,11 @@
                                     </p:set>
                                     <p:animEffect transition="in" filter="fade">
                                       <p:cBhvr>
-                                        <p:cTn id="27" dur="1000"/>
+                                        <p:cTn id="28" dur="1000"/>
                                         <p:tgtEl>
                                           <p:spTgt spid="5">
                                             <p:txEl>
                                               <p:pRg st="4" end="4"/>
-                                            </p:txEl>
-                                          </p:spTgt>
-                                        </p:tgtEl>
-                                      </p:cBhvr>
-                                    </p:animEffect>
-                                  </p:childTnLst>
-                                </p:cTn>
-                              </p:par>
-                            </p:childTnLst>
-                          </p:cTn>
-                        </p:par>
-                      </p:childTnLst>
-                    </p:cTn>
-                  </p:par>
-                  <p:par>
-                    <p:cTn id="28" fill="hold">
-                      <p:stCondLst>
-                        <p:cond delay="indefinite"/>
-                      </p:stCondLst>
-                      <p:childTnLst>
-                        <p:par>
-                          <p:cTn id="29" fill="hold">
-                            <p:stCondLst>
-                              <p:cond delay="0"/>
-                            </p:stCondLst>
-                            <p:childTnLst>
-                              <p:par>
-                                <p:cTn id="30" presetID="10" presetClass="entr" presetSubtype="0" fill="hold" grpId="0" nodeType="clickEffect">
-                                  <p:stCondLst>
-                                    <p:cond delay="0"/>
-                                  </p:stCondLst>
-                                  <p:childTnLst>
-                                    <p:set>
-                                      <p:cBhvr>
-                                        <p:cTn id="31" dur="1" fill="hold">
-                                          <p:stCondLst>
-                                            <p:cond delay="0"/>
-                                          </p:stCondLst>
-                                        </p:cTn>
-                                        <p:tgtEl>
-                                          <p:spTgt spid="5">
-                                            <p:txEl>
-                                              <p:pRg st="5" end="5"/>
-                                            </p:txEl>
-                                          </p:spTgt>
-                                        </p:tgtEl>
-                                        <p:attrNameLst>
-                                          <p:attrName>style.visibility</p:attrName>
-                                        </p:attrNameLst>
-                                      </p:cBhvr>
-                                      <p:to>
-                                        <p:strVal val="visible"/>
-                                      </p:to>
-                                    </p:set>
-                                    <p:animEffect transition="in" filter="fade">
-                                      <p:cBhvr>
-                                        <p:cTn id="32" dur="1000"/>
-                                        <p:tgtEl>
-                                          <p:spTgt spid="5">
-                                            <p:txEl>
-                                              <p:pRg st="5" end="5"/>
-                                            </p:txEl>
-                                          </p:spTgt>
-                                        </p:tgtEl>
-                                      </p:cBhvr>
-                                    </p:animEffect>
-                                  </p:childTnLst>
-                                </p:cTn>
-                              </p:par>
-                            </p:childTnLst>
-                          </p:cTn>
-                        </p:par>
-                        <p:par>
-                          <p:cTn id="33" fill="hold">
-                            <p:stCondLst>
-                              <p:cond delay="1000"/>
-                            </p:stCondLst>
-                            <p:childTnLst>
-                              <p:par>
-                                <p:cTn id="34" presetID="10" presetClass="entr" presetSubtype="0" fill="hold" nodeType="afterEffect">
-                                  <p:stCondLst>
-                                    <p:cond delay="0"/>
-                                  </p:stCondLst>
-                                  <p:childTnLst>
-                                    <p:set>
-                                      <p:cBhvr>
-                                        <p:cTn id="35" dur="1" fill="hold">
-                                          <p:stCondLst>
-                                            <p:cond delay="0"/>
-                                          </p:stCondLst>
-                                        </p:cTn>
-                                        <p:tgtEl>
-                                          <p:spTgt spid="5">
-                                            <p:txEl>
-                                              <p:pRg st="5" end="5"/>
-                                            </p:txEl>
-                                          </p:spTgt>
-                                        </p:tgtEl>
-                                        <p:attrNameLst>
-                                          <p:attrName>style.visibility</p:attrName>
-                                        </p:attrNameLst>
-                                      </p:cBhvr>
-                                      <p:to>
-                                        <p:strVal val="visible"/>
-                                      </p:to>
-                                    </p:set>
-                                    <p:animEffect transition="in" filter="fade">
-                                      <p:cBhvr>
-                                        <p:cTn id="36" dur="1000"/>
-                                        <p:tgtEl>
-                                          <p:spTgt spid="5">
-                                            <p:txEl>
-                                              <p:pRg st="5" end="5"/>
                                             </p:txEl>
                                           </p:spTgt>
                                         </p:tgtEl>
@@ -11571,7 +11507,7 @@
 </p:sld>
 </file>
 
-<file path=ppt/slides/slide17.xml><?xml version="1.0" encoding="utf-8"?>
+<file path=ppt/slides/slide18.xml><?xml version="1.0" encoding="utf-8"?>
 <p:sld xmlns:a="http://schemas.openxmlformats.org/drawingml/2006/main" xmlns:r="http://schemas.openxmlformats.org/officeDocument/2006/relationships" xmlns:p="http://schemas.openxmlformats.org/presentationml/2006/main">
   <p:cSld>
     <p:spTree>
@@ -11695,45 +11631,14 @@
                 <a:latin typeface="Calibri" pitchFamily="34" charset="0"/>
                 <a:cs typeface="Times New Roman" pitchFamily="18" charset="0"/>
               </a:rPr>
-              <a:t>Providing export options like jpg, </a:t>
-            </a:r>
-            <a:r>
-              <a:rPr lang="en-IN" sz="2400" dirty="0" err="1" smtClean="0">
-                <a:latin typeface="Calibri" pitchFamily="34" charset="0"/>
-                <a:cs typeface="Times New Roman" pitchFamily="18" charset="0"/>
-              </a:rPr>
-              <a:t>png</a:t>
+              <a:t>Making </a:t>
             </a:r>
             <a:r>
               <a:rPr lang="en-IN" sz="2400" dirty="0" smtClean="0">
                 <a:latin typeface="Calibri" pitchFamily="34" charset="0"/>
                 <a:cs typeface="Times New Roman" pitchFamily="18" charset="0"/>
               </a:rPr>
-              <a:t>, </a:t>
-            </a:r>
-            <a:r>
-              <a:rPr lang="en-IN" sz="2400" dirty="0" err="1" smtClean="0">
-                <a:latin typeface="Calibri" pitchFamily="34" charset="0"/>
-                <a:cs typeface="Times New Roman" pitchFamily="18" charset="0"/>
-              </a:rPr>
-              <a:t>pdf</a:t>
-            </a:r>
-            <a:r>
-              <a:rPr lang="en-IN" sz="2400" dirty="0" smtClean="0">
-                <a:latin typeface="Calibri" pitchFamily="34" charset="0"/>
-                <a:cs typeface="Times New Roman" pitchFamily="18" charset="0"/>
-              </a:rPr>
-              <a:t> to users.</a:t>
-            </a:r>
-          </a:p>
-          <a:p>
-            <a:pPr marL="0" indent="0"/>
-            <a:r>
-              <a:rPr lang="en-IN" sz="2400" dirty="0" smtClean="0">
-                <a:latin typeface="Calibri" pitchFamily="34" charset="0"/>
-                <a:cs typeface="Times New Roman" pitchFamily="18" charset="0"/>
-              </a:rPr>
-              <a:t>Making the maps more resizable.</a:t>
+              <a:t>the maps more resizable.</a:t>
             </a:r>
           </a:p>
           <a:p>
@@ -11939,7 +11844,7 @@
                             </p:stCondLst>
                             <p:childTnLst>
                               <p:par>
-                                <p:cTn id="17" presetID="10" presetClass="entr" presetSubtype="0" fill="hold" grpId="0" nodeType="afterEffect">
+                                <p:cTn id="17" presetID="10" presetClass="entr" presetSubtype="0" fill="hold" grpId="1" nodeType="afterEffect">
                                   <p:stCondLst>
                                     <p:cond delay="0"/>
                                   </p:stCondLst>
@@ -11954,7 +11859,7 @@
                                         <p:tgtEl>
                                           <p:spTgt spid="5">
                                             <p:txEl>
-                                              <p:pRg st="4" end="4"/>
+                                              <p:pRg st="1" end="1"/>
                                             </p:txEl>
                                           </p:spTgt>
                                         </p:tgtEl>
@@ -11972,7 +11877,7 @@
                                         <p:tgtEl>
                                           <p:spTgt spid="5">
                                             <p:txEl>
-                                              <p:pRg st="4" end="4"/>
+                                              <p:pRg st="1" end="1"/>
                                             </p:txEl>
                                           </p:spTgt>
                                         </p:tgtEl>
@@ -12006,7 +11911,7 @@
                                         <p:tgtEl>
                                           <p:spTgt spid="5">
                                             <p:txEl>
-                                              <p:pRg st="1" end="1"/>
+                                              <p:pRg st="2" end="2"/>
                                             </p:txEl>
                                           </p:spTgt>
                                         </p:tgtEl>
@@ -12024,7 +11929,7 @@
                                         <p:tgtEl>
                                           <p:spTgt spid="5">
                                             <p:txEl>
-                                              <p:pRg st="1" end="1"/>
+                                              <p:pRg st="2" end="2"/>
                                             </p:txEl>
                                           </p:spTgt>
                                         </p:tgtEl>
@@ -12058,7 +11963,7 @@
                                         <p:tgtEl>
                                           <p:spTgt spid="5">
                                             <p:txEl>
-                                              <p:pRg st="2" end="2"/>
+                                              <p:pRg st="3" end="3"/>
                                             </p:txEl>
                                           </p:spTgt>
                                         </p:tgtEl>
@@ -12076,111 +11981,7 @@
                                         <p:tgtEl>
                                           <p:spTgt spid="5">
                                             <p:txEl>
-                                              <p:pRg st="2" end="2"/>
-                                            </p:txEl>
-                                          </p:spTgt>
-                                        </p:tgtEl>
-                                      </p:cBhvr>
-                                    </p:animEffect>
-                                  </p:childTnLst>
-                                </p:cTn>
-                              </p:par>
-                            </p:childTnLst>
-                          </p:cTn>
-                        </p:par>
-                        <p:par>
-                          <p:cTn id="28" fill="hold">
-                            <p:stCondLst>
-                              <p:cond delay="6000"/>
-                            </p:stCondLst>
-                            <p:childTnLst>
-                              <p:par>
-                                <p:cTn id="29" presetID="10" presetClass="entr" presetSubtype="0" fill="hold" grpId="1" nodeType="afterEffect">
-                                  <p:stCondLst>
-                                    <p:cond delay="0"/>
-                                  </p:stCondLst>
-                                  <p:childTnLst>
-                                    <p:set>
-                                      <p:cBhvr>
-                                        <p:cTn id="30" dur="1" fill="hold">
-                                          <p:stCondLst>
-                                            <p:cond delay="0"/>
-                                          </p:stCondLst>
-                                        </p:cTn>
-                                        <p:tgtEl>
-                                          <p:spTgt spid="5">
-                                            <p:txEl>
                                               <p:pRg st="3" end="3"/>
-                                            </p:txEl>
-                                          </p:spTgt>
-                                        </p:tgtEl>
-                                        <p:attrNameLst>
-                                          <p:attrName>style.visibility</p:attrName>
-                                        </p:attrNameLst>
-                                      </p:cBhvr>
-                                      <p:to>
-                                        <p:strVal val="visible"/>
-                                      </p:to>
-                                    </p:set>
-                                    <p:animEffect transition="in" filter="fade">
-                                      <p:cBhvr>
-                                        <p:cTn id="31" dur="1000"/>
-                                        <p:tgtEl>
-                                          <p:spTgt spid="5">
-                                            <p:txEl>
-                                              <p:pRg st="3" end="3"/>
-                                            </p:txEl>
-                                          </p:spTgt>
-                                        </p:tgtEl>
-                                      </p:cBhvr>
-                                    </p:animEffect>
-                                  </p:childTnLst>
-                                </p:cTn>
-                              </p:par>
-                            </p:childTnLst>
-                          </p:cTn>
-                        </p:par>
-                        <p:par>
-                          <p:cTn id="32" fill="hold">
-                            <p:stCondLst>
-                              <p:cond delay="7000"/>
-                            </p:stCondLst>
-                            <p:childTnLst>
-                              <p:par>
-                                <p:cTn id="33" presetID="10" presetClass="entr" presetSubtype="0" fill="hold" grpId="1" nodeType="afterEffect">
-                                  <p:stCondLst>
-                                    <p:cond delay="0"/>
-                                  </p:stCondLst>
-                                  <p:childTnLst>
-                                    <p:set>
-                                      <p:cBhvr>
-                                        <p:cTn id="34" dur="1" fill="hold">
-                                          <p:stCondLst>
-                                            <p:cond delay="0"/>
-                                          </p:stCondLst>
-                                        </p:cTn>
-                                        <p:tgtEl>
-                                          <p:spTgt spid="5">
-                                            <p:txEl>
-                                              <p:pRg st="4" end="4"/>
-                                            </p:txEl>
-                                          </p:spTgt>
-                                        </p:tgtEl>
-                                        <p:attrNameLst>
-                                          <p:attrName>style.visibility</p:attrName>
-                                        </p:attrNameLst>
-                                      </p:cBhvr>
-                                      <p:to>
-                                        <p:strVal val="visible"/>
-                                      </p:to>
-                                    </p:set>
-                                    <p:animEffect transition="in" filter="fade">
-                                      <p:cBhvr>
-                                        <p:cTn id="35" dur="1000"/>
-                                        <p:tgtEl>
-                                          <p:spTgt spid="5">
-                                            <p:txEl>
-                                              <p:pRg st="4" end="4"/>
                                             </p:txEl>
                                           </p:spTgt>
                                         </p:tgtEl>
@@ -12224,7 +12025,7 @@
 </p:sld>
 </file>
 
-<file path=ppt/slides/slide18.xml><?xml version="1.0" encoding="utf-8"?>
+<file path=ppt/slides/slide19.xml><?xml version="1.0" encoding="utf-8"?>
 <p:sld xmlns:a="http://schemas.openxmlformats.org/drawingml/2006/main" xmlns:r="http://schemas.openxmlformats.org/officeDocument/2006/relationships" xmlns:p="http://schemas.openxmlformats.org/presentationml/2006/main">
   <p:cSld>
     <p:spTree>
@@ -12431,7 +12232,7 @@
     </p:spTree>
     <p:extLst>
       <p:ext uri="{BB962C8B-B14F-4D97-AF65-F5344CB8AC3E}">
-        <p14:creationId xmlns="" xmlns:p14="http://schemas.microsoft.com/office/powerpoint/2010/main" val="1665069484"/>
+        <p14:creationId xmlns:p14="http://schemas.microsoft.com/office/powerpoint/2010/main" xmlns="" val="1665069484"/>
       </p:ext>
     </p:extLst>
   </p:cSld>
@@ -12949,7 +12750,7 @@
     </p:spTree>
     <p:extLst>
       <p:ext uri="{BB962C8B-B14F-4D97-AF65-F5344CB8AC3E}">
-        <p14:creationId xmlns="" xmlns:p14="http://schemas.microsoft.com/office/powerpoint/2010/main" val="4023520249"/>
+        <p14:creationId xmlns:p14="http://schemas.microsoft.com/office/powerpoint/2010/main" xmlns="" val="4023520249"/>
       </p:ext>
     </p:extLst>
   </p:cSld>
@@ -13653,7 +13454,7 @@
     </p:spTree>
     <p:extLst>
       <p:ext uri="{BB962C8B-B14F-4D97-AF65-F5344CB8AC3E}">
-        <p14:creationId xmlns="" xmlns:p14="http://schemas.microsoft.com/office/powerpoint/2010/main" val="1439879549"/>
+        <p14:creationId xmlns:p14="http://schemas.microsoft.com/office/powerpoint/2010/main" xmlns="" val="1439879549"/>
       </p:ext>
     </p:extLst>
   </p:cSld>
@@ -14175,7 +13976,7 @@
     </p:spTree>
     <p:extLst>
       <p:ext uri="{BB962C8B-B14F-4D97-AF65-F5344CB8AC3E}">
-        <p14:creationId xmlns="" xmlns:p14="http://schemas.microsoft.com/office/powerpoint/2010/main" val="2315167525"/>
+        <p14:creationId xmlns:p14="http://schemas.microsoft.com/office/powerpoint/2010/main" xmlns="" val="2315167525"/>
       </p:ext>
     </p:extLst>
   </p:cSld>
@@ -14523,7 +14324,7 @@
             </a:clrChange>
             <a:extLst>
               <a:ext uri="{28A0092B-C50C-407E-A947-70E740481C1C}">
-                <a14:useLocalDpi xmlns="" xmlns:a14="http://schemas.microsoft.com/office/drawing/2010/main" val="0"/>
+                <a14:useLocalDpi xmlns:a14="http://schemas.microsoft.com/office/drawing/2010/main" xmlns="" val="0"/>
               </a:ext>
             </a:extLst>
           </a:blip>
@@ -14544,7 +14345,7 @@
     </p:spTree>
     <p:extLst>
       <p:ext uri="{BB962C8B-B14F-4D97-AF65-F5344CB8AC3E}">
-        <p14:creationId xmlns="" xmlns:p14="http://schemas.microsoft.com/office/powerpoint/2010/main" val="2554526102"/>
+        <p14:creationId xmlns:p14="http://schemas.microsoft.com/office/powerpoint/2010/main" xmlns="" val="2554526102"/>
       </p:ext>
     </p:extLst>
   </p:cSld>
@@ -14859,7 +14660,7 @@
     </p:spTree>
     <p:extLst>
       <p:ext uri="{BB962C8B-B14F-4D97-AF65-F5344CB8AC3E}">
-        <p14:creationId xmlns="" xmlns:p14="http://schemas.microsoft.com/office/powerpoint/2010/main" val="889664965"/>
+        <p14:creationId xmlns:p14="http://schemas.microsoft.com/office/powerpoint/2010/main" xmlns="" val="889664965"/>
       </p:ext>
     </p:extLst>
   </p:cSld>
@@ -15645,7 +15446,7 @@
     </p:spTree>
     <p:extLst>
       <p:ext uri="{BB962C8B-B14F-4D97-AF65-F5344CB8AC3E}">
-        <p14:creationId xmlns="" xmlns:p14="http://schemas.microsoft.com/office/powerpoint/2010/main" val="2475605198"/>
+        <p14:creationId xmlns:p14="http://schemas.microsoft.com/office/powerpoint/2010/main" xmlns="" val="2475605198"/>
       </p:ext>
     </p:extLst>
   </p:cSld>
@@ -16315,7 +16116,7 @@
   <a:extraClrSchemeLst/>
   <a:extLst>
     <a:ext uri="{05A4C25C-085E-4340-85A3-A5531E510DB2}">
-      <thm15:themeFamily xmlns="" xmlns:thm15="http://schemas.microsoft.com/office/thememl/2012/main" name="Facet" id="{C0C680CD-088A-49FC-A102-D699147F32B2}" vid="{0B5AB586-D108-4FC1-8368-649FE654B894}"/>
+      <thm15:themeFamily xmlns:thm15="http://schemas.microsoft.com/office/thememl/2012/main" xmlns="" name="Facet" id="{C0C680CD-088A-49FC-A102-D699147F32B2}" vid="{0B5AB586-D108-4FC1-8368-649FE654B894}"/>
     </a:ext>
   </a:extLst>
 </a:theme>
